--- a/slides/SSL.pptx
+++ b/slides/SSL.pptx
@@ -5,25 +5,29 @@
     <p:sldMasterId id="2147483949" r:id="rId1"/>
   </p:sldMasterIdLst>
   <p:notesMasterIdLst>
-    <p:notesMasterId r:id="rId15"/>
+    <p:notesMasterId r:id="rId19"/>
   </p:notesMasterIdLst>
   <p:handoutMasterIdLst>
-    <p:handoutMasterId r:id="rId16"/>
+    <p:handoutMasterId r:id="rId20"/>
   </p:handoutMasterIdLst>
   <p:sldIdLst>
     <p:sldId id="285" r:id="rId2"/>
-    <p:sldId id="286" r:id="rId3"/>
-    <p:sldId id="287" r:id="rId4"/>
-    <p:sldId id="295" r:id="rId5"/>
-    <p:sldId id="296" r:id="rId6"/>
-    <p:sldId id="297" r:id="rId7"/>
-    <p:sldId id="288" r:id="rId8"/>
-    <p:sldId id="289" r:id="rId9"/>
-    <p:sldId id="290" r:id="rId10"/>
-    <p:sldId id="291" r:id="rId11"/>
-    <p:sldId id="292" r:id="rId12"/>
-    <p:sldId id="293" r:id="rId13"/>
-    <p:sldId id="294" r:id="rId14"/>
+    <p:sldId id="298" r:id="rId3"/>
+    <p:sldId id="301" r:id="rId4"/>
+    <p:sldId id="297" r:id="rId5"/>
+    <p:sldId id="302" r:id="rId6"/>
+    <p:sldId id="303" r:id="rId7"/>
+    <p:sldId id="295" r:id="rId8"/>
+    <p:sldId id="296" r:id="rId9"/>
+    <p:sldId id="288" r:id="rId10"/>
+    <p:sldId id="289" r:id="rId11"/>
+    <p:sldId id="290" r:id="rId12"/>
+    <p:sldId id="291" r:id="rId13"/>
+    <p:sldId id="292" r:id="rId14"/>
+    <p:sldId id="293" r:id="rId15"/>
+    <p:sldId id="299" r:id="rId16"/>
+    <p:sldId id="300" r:id="rId17"/>
+    <p:sldId id="294" r:id="rId18"/>
   </p:sldIdLst>
   <p:sldSz cx="9144000" cy="6858000" type="screen4x3"/>
   <p:notesSz cx="6858000" cy="9144000"/>
@@ -1694,18 +1698,17 @@
         <a:lstStyle/>
         <a:p>
           <a:r>
-            <a:rPr lang="it-IT" dirty="0" smtClean="0"/>
+            <a:rPr lang="it-IT" dirty="0"/>
             <a:t>Monitor the </a:t>
           </a:r>
           <a:r>
-            <a:rPr lang="it-IT" dirty="0" err="1" smtClean="0"/>
+            <a:rPr lang="it-IT" dirty="0" err="1"/>
             <a:t>traffic</a:t>
           </a:r>
           <a:r>
-            <a:rPr lang="it-IT" dirty="0" smtClean="0"/>
+            <a:rPr lang="it-IT" dirty="0"/>
             <a:t> data</a:t>
           </a:r>
-          <a:endParaRPr lang="it-IT" dirty="0"/>
         </a:p>
       </dgm:t>
     </dgm:pt>
@@ -1739,35 +1742,35 @@
         <a:lstStyle/>
         <a:p>
           <a:r>
-            <a:rPr lang="it-IT" dirty="0" smtClean="0"/>
+            <a:rPr lang="it-IT" dirty="0"/>
             <a:t>The </a:t>
           </a:r>
           <a:r>
-            <a:rPr lang="it-IT" dirty="0" err="1" smtClean="0"/>
+            <a:rPr lang="it-IT" dirty="0" err="1"/>
             <a:t>victims</a:t>
           </a:r>
           <a:r>
-            <a:rPr lang="it-IT" dirty="0" smtClean="0"/>
+            <a:rPr lang="it-IT" dirty="0"/>
             <a:t> use </a:t>
           </a:r>
           <a:r>
-            <a:rPr lang="it-IT" dirty="0" err="1" smtClean="0"/>
+            <a:rPr lang="it-IT" dirty="0" err="1"/>
             <a:t>https</a:t>
           </a:r>
           <a:r>
-            <a:rPr lang="it-IT" dirty="0" smtClean="0"/>
+            <a:rPr lang="it-IT" dirty="0"/>
             <a:t> for </a:t>
           </a:r>
           <a:r>
-            <a:rPr lang="it-IT" dirty="0" err="1" smtClean="0"/>
+            <a:rPr lang="it-IT" dirty="0" err="1"/>
             <a:t>authenticating</a:t>
           </a:r>
           <a:r>
-            <a:rPr lang="it-IT" dirty="0" smtClean="0"/>
+            <a:rPr lang="it-IT" dirty="0"/>
             <a:t> and use TLS for </a:t>
           </a:r>
           <a:r>
-            <a:rPr lang="it-IT" dirty="0" err="1" smtClean="0"/>
+            <a:rPr lang="it-IT" dirty="0" err="1"/>
             <a:t>compression</a:t>
           </a:r>
           <a:endParaRPr lang="it-IT" dirty="0"/>
@@ -1804,23 +1807,23 @@
         <a:lstStyle/>
         <a:p>
           <a:r>
-            <a:rPr lang="it-IT" dirty="0" err="1" smtClean="0"/>
+            <a:rPr lang="it-IT" dirty="0" err="1"/>
             <a:t>Injected</a:t>
           </a:r>
           <a:r>
-            <a:rPr lang="it-IT" dirty="0" smtClean="0"/>
+            <a:rPr lang="it-IT" dirty="0"/>
             <a:t> </a:t>
           </a:r>
           <a:r>
-            <a:rPr lang="it-IT" dirty="0" err="1" smtClean="0"/>
+            <a:rPr lang="it-IT" dirty="0" err="1"/>
             <a:t>Javascript</a:t>
           </a:r>
           <a:r>
-            <a:rPr lang="it-IT" dirty="0" smtClean="0"/>
+            <a:rPr lang="it-IT" dirty="0"/>
             <a:t> </a:t>
           </a:r>
           <a:r>
-            <a:rPr lang="en-US" dirty="0" smtClean="0"/>
+            <a:rPr lang="en-US" dirty="0"/>
             <a:t>to force the victim's browser to send repeated requests to the server</a:t>
           </a:r>
           <a:endParaRPr lang="it-IT" dirty="0"/>
@@ -1864,35 +1867,14 @@
         </dgm:presLayoutVars>
       </dgm:prSet>
       <dgm:spPr/>
-      <dgm:t>
-        <a:bodyPr/>
-        <a:lstStyle/>
-        <a:p>
-          <a:endParaRPr lang="it-IT"/>
-        </a:p>
-      </dgm:t>
     </dgm:pt>
     <dgm:pt modelId="{2197DD3C-DC84-486B-A687-3E0F00FE1C51}" type="pres">
       <dgm:prSet presAssocID="{F575EA22-EC58-4EEE-9754-10A4B1A6A64E}" presName="sibTrans" presStyleLbl="sibTrans2D1" presStyleIdx="0" presStyleCnt="2"/>
       <dgm:spPr/>
-      <dgm:t>
-        <a:bodyPr/>
-        <a:lstStyle/>
-        <a:p>
-          <a:endParaRPr lang="it-IT"/>
-        </a:p>
-      </dgm:t>
     </dgm:pt>
     <dgm:pt modelId="{F3280F72-9833-4486-98C4-4B7F8929B80E}" type="pres">
       <dgm:prSet presAssocID="{F575EA22-EC58-4EEE-9754-10A4B1A6A64E}" presName="connectorText" presStyleLbl="sibTrans2D1" presStyleIdx="0" presStyleCnt="2"/>
       <dgm:spPr/>
-      <dgm:t>
-        <a:bodyPr/>
-        <a:lstStyle/>
-        <a:p>
-          <a:endParaRPr lang="it-IT"/>
-        </a:p>
-      </dgm:t>
     </dgm:pt>
     <dgm:pt modelId="{E447E5FC-EF91-4C30-B865-E85AF46DAFE1}" type="pres">
       <dgm:prSet presAssocID="{F121E68B-753B-439B-970B-F6A0932B5F6E}" presName="node" presStyleLbl="node1" presStyleIdx="1" presStyleCnt="3">
@@ -1901,35 +1883,14 @@
         </dgm:presLayoutVars>
       </dgm:prSet>
       <dgm:spPr/>
-      <dgm:t>
-        <a:bodyPr/>
-        <a:lstStyle/>
-        <a:p>
-          <a:endParaRPr lang="it-IT"/>
-        </a:p>
-      </dgm:t>
     </dgm:pt>
     <dgm:pt modelId="{BEFA2BB0-010A-4171-9A94-64CE4F1CE1D8}" type="pres">
       <dgm:prSet presAssocID="{E6ED61A5-DBE7-4C58-9A12-7DCDD3A1072E}" presName="sibTrans" presStyleLbl="sibTrans2D1" presStyleIdx="1" presStyleCnt="2"/>
       <dgm:spPr/>
-      <dgm:t>
-        <a:bodyPr/>
-        <a:lstStyle/>
-        <a:p>
-          <a:endParaRPr lang="it-IT"/>
-        </a:p>
-      </dgm:t>
     </dgm:pt>
     <dgm:pt modelId="{6740A7D1-CAC4-4E6B-B5F2-585252C65798}" type="pres">
       <dgm:prSet presAssocID="{E6ED61A5-DBE7-4C58-9A12-7DCDD3A1072E}" presName="connectorText" presStyleLbl="sibTrans2D1" presStyleIdx="1" presStyleCnt="2"/>
       <dgm:spPr/>
-      <dgm:t>
-        <a:bodyPr/>
-        <a:lstStyle/>
-        <a:p>
-          <a:endParaRPr lang="it-IT"/>
-        </a:p>
-      </dgm:t>
     </dgm:pt>
     <dgm:pt modelId="{23672A7C-DE8E-4E65-BD41-864EADE491D7}" type="pres">
       <dgm:prSet presAssocID="{7F751B3F-3685-430C-8CC3-E8E562DBA648}" presName="node" presStyleLbl="node1" presStyleIdx="2" presStyleCnt="3">
@@ -1938,27 +1899,20 @@
         </dgm:presLayoutVars>
       </dgm:prSet>
       <dgm:spPr/>
-      <dgm:t>
-        <a:bodyPr/>
-        <a:lstStyle/>
-        <a:p>
-          <a:endParaRPr lang="it-IT"/>
-        </a:p>
-      </dgm:t>
     </dgm:pt>
   </dgm:ptLst>
   <dgm:cxnLst>
-    <dgm:cxn modelId="{FACFFBAD-C252-4429-900C-F8E607D4A81C}" srcId="{F1B65CF0-5109-4851-9283-01FE8B2DEBD8}" destId="{F121E68B-753B-439B-970B-F6A0932B5F6E}" srcOrd="1" destOrd="0" parTransId="{8B073A65-C9CD-431A-A817-D20500EEA4B2}" sibTransId="{E6ED61A5-DBE7-4C58-9A12-7DCDD3A1072E}"/>
-    <dgm:cxn modelId="{6D3F039E-93B9-4681-963E-E174E56FC13C}" type="presOf" srcId="{F121E68B-753B-439B-970B-F6A0932B5F6E}" destId="{E447E5FC-EF91-4C30-B865-E85AF46DAFE1}" srcOrd="0" destOrd="0" presId="urn:microsoft.com/office/officeart/2005/8/layout/process2"/>
-    <dgm:cxn modelId="{133977A7-2F6F-4983-82AE-F9A172F4A420}" type="presOf" srcId="{E6ED61A5-DBE7-4C58-9A12-7DCDD3A1072E}" destId="{6740A7D1-CAC4-4E6B-B5F2-585252C65798}" srcOrd="1" destOrd="0" presId="urn:microsoft.com/office/officeart/2005/8/layout/process2"/>
     <dgm:cxn modelId="{91C7663D-A147-4BAA-8425-EEED2484B92C}" type="presOf" srcId="{F575EA22-EC58-4EEE-9754-10A4B1A6A64E}" destId="{2197DD3C-DC84-486B-A687-3E0F00FE1C51}" srcOrd="0" destOrd="0" presId="urn:microsoft.com/office/officeart/2005/8/layout/process2"/>
     <dgm:cxn modelId="{888A1851-3D84-4619-B94D-EA11384B6E1D}" srcId="{F1B65CF0-5109-4851-9283-01FE8B2DEBD8}" destId="{7F751B3F-3685-430C-8CC3-E8E562DBA648}" srcOrd="2" destOrd="0" parTransId="{5A3330D4-4C29-4CB4-BADA-146CDAE26AD2}" sibTransId="{9F22C200-8A1C-41F1-8D53-9D2CF42DBECA}"/>
+    <dgm:cxn modelId="{7E720374-4236-40CD-B7B1-B4A621266705}" type="presOf" srcId="{E6ED61A5-DBE7-4C58-9A12-7DCDD3A1072E}" destId="{BEFA2BB0-010A-4171-9A94-64CE4F1CE1D8}" srcOrd="0" destOrd="0" presId="urn:microsoft.com/office/officeart/2005/8/layout/process2"/>
+    <dgm:cxn modelId="{6EF7E280-D134-48DA-BBB1-1203210AFC32}" type="presOf" srcId="{F575EA22-EC58-4EEE-9754-10A4B1A6A64E}" destId="{F3280F72-9833-4486-98C4-4B7F8929B80E}" srcOrd="1" destOrd="0" presId="urn:microsoft.com/office/officeart/2005/8/layout/process2"/>
+    <dgm:cxn modelId="{6D3F039E-93B9-4681-963E-E174E56FC13C}" type="presOf" srcId="{F121E68B-753B-439B-970B-F6A0932B5F6E}" destId="{E447E5FC-EF91-4C30-B865-E85AF46DAFE1}" srcOrd="0" destOrd="0" presId="urn:microsoft.com/office/officeart/2005/8/layout/process2"/>
+    <dgm:cxn modelId="{81E48BA2-CB18-433E-A599-646A2A69711C}" type="presOf" srcId="{F1B65CF0-5109-4851-9283-01FE8B2DEBD8}" destId="{1CFDB456-A2A6-415F-B0EA-BBC4A91612E3}" srcOrd="0" destOrd="0" presId="urn:microsoft.com/office/officeart/2005/8/layout/process2"/>
+    <dgm:cxn modelId="{133977A7-2F6F-4983-82AE-F9A172F4A420}" type="presOf" srcId="{E6ED61A5-DBE7-4C58-9A12-7DCDD3A1072E}" destId="{6740A7D1-CAC4-4E6B-B5F2-585252C65798}" srcOrd="1" destOrd="0" presId="urn:microsoft.com/office/officeart/2005/8/layout/process2"/>
+    <dgm:cxn modelId="{FACFFBAD-C252-4429-900C-F8E607D4A81C}" srcId="{F1B65CF0-5109-4851-9283-01FE8B2DEBD8}" destId="{F121E68B-753B-439B-970B-F6A0932B5F6E}" srcOrd="1" destOrd="0" parTransId="{8B073A65-C9CD-431A-A817-D20500EEA4B2}" sibTransId="{E6ED61A5-DBE7-4C58-9A12-7DCDD3A1072E}"/>
+    <dgm:cxn modelId="{C3801ABC-5090-4757-93A7-BC2BBA7E6E7F}" type="presOf" srcId="{7F751B3F-3685-430C-8CC3-E8E562DBA648}" destId="{23672A7C-DE8E-4E65-BD41-864EADE491D7}" srcOrd="0" destOrd="0" presId="urn:microsoft.com/office/officeart/2005/8/layout/process2"/>
+    <dgm:cxn modelId="{4D8627DA-8EF4-4996-8474-2D2166822AD9}" srcId="{F1B65CF0-5109-4851-9283-01FE8B2DEBD8}" destId="{2995368C-27D0-4A31-91E7-E87C7504130A}" srcOrd="0" destOrd="0" parTransId="{CFC44D0F-F956-40C3-ACFD-138A173854EF}" sibTransId="{F575EA22-EC58-4EEE-9754-10A4B1A6A64E}"/>
     <dgm:cxn modelId="{D0E4A4E9-2D1D-4D13-962F-DCB759F4C0BE}" type="presOf" srcId="{2995368C-27D0-4A31-91E7-E87C7504130A}" destId="{D54B0FB9-0780-4C8D-8A50-BBE1967227FA}" srcOrd="0" destOrd="0" presId="urn:microsoft.com/office/officeart/2005/8/layout/process2"/>
-    <dgm:cxn modelId="{4D8627DA-8EF4-4996-8474-2D2166822AD9}" srcId="{F1B65CF0-5109-4851-9283-01FE8B2DEBD8}" destId="{2995368C-27D0-4A31-91E7-E87C7504130A}" srcOrd="0" destOrd="0" parTransId="{CFC44D0F-F956-40C3-ACFD-138A173854EF}" sibTransId="{F575EA22-EC58-4EEE-9754-10A4B1A6A64E}"/>
-    <dgm:cxn modelId="{81E48BA2-CB18-433E-A599-646A2A69711C}" type="presOf" srcId="{F1B65CF0-5109-4851-9283-01FE8B2DEBD8}" destId="{1CFDB456-A2A6-415F-B0EA-BBC4A91612E3}" srcOrd="0" destOrd="0" presId="urn:microsoft.com/office/officeart/2005/8/layout/process2"/>
-    <dgm:cxn modelId="{7E720374-4236-40CD-B7B1-B4A621266705}" type="presOf" srcId="{E6ED61A5-DBE7-4C58-9A12-7DCDD3A1072E}" destId="{BEFA2BB0-010A-4171-9A94-64CE4F1CE1D8}" srcOrd="0" destOrd="0" presId="urn:microsoft.com/office/officeart/2005/8/layout/process2"/>
-    <dgm:cxn modelId="{C3801ABC-5090-4757-93A7-BC2BBA7E6E7F}" type="presOf" srcId="{7F751B3F-3685-430C-8CC3-E8E562DBA648}" destId="{23672A7C-DE8E-4E65-BD41-864EADE491D7}" srcOrd="0" destOrd="0" presId="urn:microsoft.com/office/officeart/2005/8/layout/process2"/>
-    <dgm:cxn modelId="{6EF7E280-D134-48DA-BBB1-1203210AFC32}" type="presOf" srcId="{F575EA22-EC58-4EEE-9754-10A4B1A6A64E}" destId="{F3280F72-9833-4486-98C4-4B7F8929B80E}" srcOrd="1" destOrd="0" presId="urn:microsoft.com/office/officeart/2005/8/layout/process2"/>
     <dgm:cxn modelId="{19A7A98D-06EA-4F76-81D8-B871460D87E0}" type="presParOf" srcId="{1CFDB456-A2A6-415F-B0EA-BBC4A91612E3}" destId="{D54B0FB9-0780-4C8D-8A50-BBE1967227FA}" srcOrd="0" destOrd="0" presId="urn:microsoft.com/office/officeart/2005/8/layout/process2"/>
     <dgm:cxn modelId="{BC9CC78B-7E87-4B96-8F4A-591277CCF642}" type="presParOf" srcId="{1CFDB456-A2A6-415F-B0EA-BBC4A91612E3}" destId="{2197DD3C-DC84-486B-A687-3E0F00FE1C51}" srcOrd="1" destOrd="0" presId="urn:microsoft.com/office/officeart/2005/8/layout/process2"/>
     <dgm:cxn modelId="{D439E3F1-5BCA-42DB-86BA-93FEC48E54D7}" type="presParOf" srcId="{2197DD3C-DC84-486B-A687-3E0F00FE1C51}" destId="{F3280F72-9833-4486-98C4-4B7F8929B80E}" srcOrd="0" destOrd="0" presId="urn:microsoft.com/office/officeart/2005/8/layout/process2"/>
@@ -1999,7 +1953,7 @@
         <a:lstStyle/>
         <a:p>
           <a:r>
-            <a:rPr lang="it-IT" dirty="0" err="1" smtClean="0"/>
+            <a:rPr lang="it-IT" dirty="0" err="1"/>
             <a:t>Description</a:t>
           </a:r>
           <a:endParaRPr lang="it-IT" dirty="0"/>
@@ -2036,33 +1990,33 @@
         <a:lstStyle/>
         <a:p>
           <a:r>
-            <a:rPr lang="en-US" sz="2000" dirty="0" smtClean="0"/>
+            <a:rPr lang="en-US" sz="2000" dirty="0"/>
             <a:t>Based on the analysis of the compressed HTTP response.</a:t>
           </a:r>
         </a:p>
         <a:p>
           <a:r>
-            <a:rPr lang="it-IT" sz="2000" dirty="0" smtClean="0"/>
+            <a:rPr lang="it-IT" sz="2000" dirty="0"/>
             <a:t>The </a:t>
           </a:r>
           <a:r>
-            <a:rPr lang="it-IT" sz="2000" dirty="0" err="1" smtClean="0"/>
+            <a:rPr lang="it-IT" sz="2000" dirty="0" err="1"/>
             <a:t>compression</a:t>
           </a:r>
           <a:r>
-            <a:rPr lang="it-IT" sz="2000" dirty="0" smtClean="0"/>
+            <a:rPr lang="it-IT" sz="2000" dirty="0"/>
             <a:t> </a:t>
           </a:r>
           <a:r>
-            <a:rPr lang="it-IT" sz="2000" dirty="0" err="1" smtClean="0"/>
+            <a:rPr lang="it-IT" sz="2000" dirty="0" err="1"/>
             <a:t>method</a:t>
           </a:r>
           <a:r>
-            <a:rPr lang="it-IT" sz="2000" dirty="0" smtClean="0"/>
+            <a:rPr lang="it-IT" sz="2000" dirty="0"/>
             <a:t>  must be DEFLATE, </a:t>
           </a:r>
           <a:r>
-            <a:rPr lang="en-US" sz="2000" dirty="0" smtClean="0"/>
+            <a:rPr lang="en-US" sz="2000" dirty="0"/>
             <a:t>which compresses only HTTP body.</a:t>
           </a:r>
           <a:endParaRPr lang="it-IT" sz="2000" dirty="0"/>
@@ -2099,7 +2053,7 @@
         <a:lstStyle/>
         <a:p>
           <a:r>
-            <a:rPr lang="it-IT" dirty="0" err="1" smtClean="0"/>
+            <a:rPr lang="it-IT" dirty="0" err="1"/>
             <a:t>Requirements</a:t>
           </a:r>
           <a:endParaRPr lang="it-IT" dirty="0"/>
@@ -2137,50 +2091,50 @@
         <a:p>
           <a:pPr algn="l"/>
           <a:r>
-            <a:rPr lang="en-US" sz="1800" dirty="0" smtClean="0"/>
+            <a:rPr lang="en-US" sz="1800" dirty="0"/>
             <a:t>Traffic monitoring of the victim.</a:t>
           </a:r>
         </a:p>
         <a:p>
           <a:pPr algn="l"/>
           <a:r>
-            <a:rPr lang="en-US" sz="1800" dirty="0" smtClean="0"/>
+            <a:rPr lang="en-US" sz="1800" dirty="0"/>
             <a:t>Forcing the victim to visit a web page controlled by the attacker.</a:t>
           </a:r>
         </a:p>
         <a:p>
           <a:pPr algn="l"/>
           <a:r>
-            <a:rPr lang="en-US" sz="1800" dirty="0" smtClean="0"/>
+            <a:rPr lang="en-US" sz="1800" dirty="0"/>
             <a:t>The application must support HTTP compression.</a:t>
           </a:r>
         </a:p>
         <a:p>
           <a:pPr algn="l"/>
           <a:r>
-            <a:rPr lang="en-US" sz="1800" dirty="0" smtClean="0"/>
+            <a:rPr lang="en-US" sz="1800" dirty="0"/>
             <a:t>The response should contain the </a:t>
           </a:r>
           <a:r>
-            <a:rPr lang="en-US" sz="1800" i="1" dirty="0" smtClean="0"/>
+            <a:rPr lang="en-US" sz="1800" i="1" dirty="0"/>
             <a:t>token</a:t>
           </a:r>
           <a:r>
-            <a:rPr lang="en-US" sz="1800" dirty="0" smtClean="0"/>
+            <a:rPr lang="en-US" sz="1800" dirty="0"/>
             <a:t> or </a:t>
           </a:r>
           <a:r>
-            <a:rPr lang="en-US" sz="1800" i="1" dirty="0" smtClean="0"/>
+            <a:rPr lang="en-US" sz="1800" i="1" dirty="0"/>
             <a:t>secret</a:t>
           </a:r>
           <a:r>
-            <a:rPr lang="en-US" sz="1800" dirty="0" smtClean="0"/>
+            <a:rPr lang="en-US" sz="1800" dirty="0"/>
             <a:t> in the body.</a:t>
           </a:r>
         </a:p>
         <a:p>
           <a:pPr algn="l"/>
-          <a:endParaRPr lang="en-US" sz="2400" dirty="0" smtClean="0"/>
+          <a:endParaRPr lang="en-US" sz="2400" dirty="0"/>
         </a:p>
         <a:p>
           <a:pPr algn="l"/>
@@ -2218,7 +2172,7 @@
         <a:lstStyle/>
         <a:p>
           <a:r>
-            <a:rPr lang="it-IT" dirty="0" err="1" smtClean="0"/>
+            <a:rPr lang="it-IT" dirty="0" err="1"/>
             <a:t>Countermeasures</a:t>
           </a:r>
           <a:endParaRPr lang="it-IT" dirty="0"/>
@@ -2255,63 +2209,63 @@
         <a:lstStyle/>
         <a:p>
           <a:r>
-            <a:rPr lang="it-IT" sz="2000" dirty="0" err="1" smtClean="0"/>
+            <a:rPr lang="it-IT" sz="2000" dirty="0" err="1"/>
             <a:t>Disable</a:t>
           </a:r>
           <a:r>
-            <a:rPr lang="it-IT" sz="2000" dirty="0" smtClean="0"/>
+            <a:rPr lang="it-IT" sz="2000" dirty="0"/>
             <a:t> the HTTP  </a:t>
           </a:r>
           <a:r>
-            <a:rPr lang="it-IT" sz="2000" dirty="0" err="1" smtClean="0"/>
+            <a:rPr lang="it-IT" sz="2000" dirty="0" err="1"/>
             <a:t>compression</a:t>
           </a:r>
           <a:r>
-            <a:rPr lang="it-IT" sz="2000" dirty="0" smtClean="0"/>
+            <a:rPr lang="it-IT" sz="2000" dirty="0"/>
             <a:t>.</a:t>
           </a:r>
         </a:p>
         <a:p>
-          <a:endParaRPr lang="it-IT" sz="2000" dirty="0" smtClean="0"/>
+          <a:endParaRPr lang="it-IT" sz="2000" dirty="0"/>
         </a:p>
         <a:p>
           <a:r>
-            <a:rPr lang="it-IT" sz="2000" dirty="0" err="1" smtClean="0"/>
+            <a:rPr lang="it-IT" sz="2000" dirty="0" err="1"/>
             <a:t>Length</a:t>
           </a:r>
           <a:r>
-            <a:rPr lang="it-IT" sz="2000" dirty="0" smtClean="0"/>
+            <a:rPr lang="it-IT" sz="2000" dirty="0"/>
             <a:t> </a:t>
           </a:r>
           <a:r>
-            <a:rPr lang="it-IT" sz="2000" dirty="0" err="1" smtClean="0"/>
+            <a:rPr lang="it-IT" sz="2000" dirty="0" err="1"/>
             <a:t>hiding</a:t>
           </a:r>
           <a:r>
-            <a:rPr lang="it-IT" sz="2000" dirty="0" smtClean="0"/>
+            <a:rPr lang="it-IT" sz="2000" dirty="0"/>
             <a:t>.</a:t>
           </a:r>
         </a:p>
         <a:p>
-          <a:endParaRPr lang="it-IT" sz="2000" dirty="0" smtClean="0"/>
+          <a:endParaRPr lang="it-IT" sz="2000" dirty="0"/>
         </a:p>
         <a:p>
           <a:r>
-            <a:rPr lang="it-IT" sz="2000" dirty="0" err="1" smtClean="0"/>
+            <a:rPr lang="it-IT" sz="2000" dirty="0" err="1"/>
             <a:t>Masking</a:t>
           </a:r>
           <a:r>
-            <a:rPr lang="it-IT" sz="2000" dirty="0" smtClean="0"/>
+            <a:rPr lang="it-IT" sz="2000" dirty="0"/>
             <a:t> </a:t>
           </a:r>
           <a:r>
-            <a:rPr lang="it-IT" sz="2000" dirty="0" err="1" smtClean="0"/>
+            <a:rPr lang="it-IT" sz="2000" dirty="0" err="1"/>
             <a:t>secrets</a:t>
           </a:r>
-          <a:endParaRPr lang="it-IT" sz="2000" dirty="0" smtClean="0"/>
+          <a:endParaRPr lang="it-IT" sz="2000" dirty="0"/>
         </a:p>
         <a:p>
-          <a:endParaRPr lang="it-IT" sz="2900" dirty="0" smtClean="0"/>
+          <a:endParaRPr lang="it-IT" sz="2900" dirty="0"/>
         </a:p>
       </dgm:t>
     </dgm:pt>
@@ -2412,13 +2366,6 @@
         </dgm:presLayoutVars>
       </dgm:prSet>
       <dgm:spPr/>
-      <dgm:t>
-        <a:bodyPr/>
-        <a:lstStyle/>
-        <a:p>
-          <a:endParaRPr lang="it-IT"/>
-        </a:p>
-      </dgm:t>
     </dgm:pt>
     <dgm:pt modelId="{1DBF747F-662A-45EA-BFFD-E0868BC9585D}" type="pres">
       <dgm:prSet presAssocID="{DD4EA20A-B77E-4F64-82B5-0032D7277876}" presName="compositeNode" presStyleCnt="0">
@@ -2431,13 +2378,6 @@
     <dgm:pt modelId="{BAC48CC4-8519-4FCF-B107-8E7156D2D1C7}" type="pres">
       <dgm:prSet presAssocID="{DD4EA20A-B77E-4F64-82B5-0032D7277876}" presName="bgRect" presStyleLbl="node1" presStyleIdx="0" presStyleCnt="3"/>
       <dgm:spPr/>
-      <dgm:t>
-        <a:bodyPr/>
-        <a:lstStyle/>
-        <a:p>
-          <a:endParaRPr lang="it-IT"/>
-        </a:p>
-      </dgm:t>
     </dgm:pt>
     <dgm:pt modelId="{C13E8FAB-DF37-46EB-A861-B10A8F483441}" type="pres">
       <dgm:prSet presAssocID="{DD4EA20A-B77E-4F64-82B5-0032D7277876}" presName="parentNode" presStyleLbl="node1" presStyleIdx="0" presStyleCnt="3">
@@ -2447,13 +2387,6 @@
         </dgm:presLayoutVars>
       </dgm:prSet>
       <dgm:spPr/>
-      <dgm:t>
-        <a:bodyPr/>
-        <a:lstStyle/>
-        <a:p>
-          <a:endParaRPr lang="it-IT"/>
-        </a:p>
-      </dgm:t>
     </dgm:pt>
     <dgm:pt modelId="{736E8C87-F235-4A7A-9BFF-826453E54C38}" type="pres">
       <dgm:prSet presAssocID="{DD4EA20A-B77E-4F64-82B5-0032D7277876}" presName="childNode" presStyleLbl="node1" presStyleIdx="0" presStyleCnt="3">
@@ -2462,13 +2395,6 @@
         </dgm:presLayoutVars>
       </dgm:prSet>
       <dgm:spPr/>
-      <dgm:t>
-        <a:bodyPr/>
-        <a:lstStyle/>
-        <a:p>
-          <a:endParaRPr lang="it-IT"/>
-        </a:p>
-      </dgm:t>
     </dgm:pt>
     <dgm:pt modelId="{6AE3E238-EF36-448A-8FBA-E37CC59B4C9F}" type="pres">
       <dgm:prSet presAssocID="{6C57D76A-2ADF-4872-8139-AEDBFEF44971}" presName="hSp" presStyleCnt="0"/>
@@ -2505,13 +2431,6 @@
     <dgm:pt modelId="{CF84C8F0-6C1E-42A6-ACBF-7B6AC4EA1489}" type="pres">
       <dgm:prSet presAssocID="{93EB943D-86EC-4360-9E24-F603AE50E7C6}" presName="bgRect" presStyleLbl="node1" presStyleIdx="1" presStyleCnt="3"/>
       <dgm:spPr/>
-      <dgm:t>
-        <a:bodyPr/>
-        <a:lstStyle/>
-        <a:p>
-          <a:endParaRPr lang="it-IT"/>
-        </a:p>
-      </dgm:t>
     </dgm:pt>
     <dgm:pt modelId="{A1E67FF3-3378-4A9A-ACFE-BEB96A633004}" type="pres">
       <dgm:prSet presAssocID="{93EB943D-86EC-4360-9E24-F603AE50E7C6}" presName="parentNode" presStyleLbl="node1" presStyleIdx="1" presStyleCnt="3">
@@ -2521,13 +2440,6 @@
         </dgm:presLayoutVars>
       </dgm:prSet>
       <dgm:spPr/>
-      <dgm:t>
-        <a:bodyPr/>
-        <a:lstStyle/>
-        <a:p>
-          <a:endParaRPr lang="it-IT"/>
-        </a:p>
-      </dgm:t>
     </dgm:pt>
     <dgm:pt modelId="{297A7009-E966-4FA6-BBB0-34AE5D3C9035}" type="pres">
       <dgm:prSet presAssocID="{93EB943D-86EC-4360-9E24-F603AE50E7C6}" presName="childNode" presStyleLbl="node1" presStyleIdx="1" presStyleCnt="3">
@@ -2536,13 +2448,6 @@
         </dgm:presLayoutVars>
       </dgm:prSet>
       <dgm:spPr/>
-      <dgm:t>
-        <a:bodyPr/>
-        <a:lstStyle/>
-        <a:p>
-          <a:endParaRPr lang="it-IT"/>
-        </a:p>
-      </dgm:t>
     </dgm:pt>
     <dgm:pt modelId="{C8ED323B-1B8A-4F05-8E25-27387953F43B}" type="pres">
       <dgm:prSet presAssocID="{3F193FD3-A922-4713-BCF6-CE6BE871EE85}" presName="hSp" presStyleCnt="0"/>
@@ -2579,13 +2484,6 @@
     <dgm:pt modelId="{5086D67A-4483-4899-8015-311ED4D08753}" type="pres">
       <dgm:prSet presAssocID="{8A180B16-6863-4745-9BB1-559CC8035D19}" presName="bgRect" presStyleLbl="node1" presStyleIdx="2" presStyleCnt="3"/>
       <dgm:spPr/>
-      <dgm:t>
-        <a:bodyPr/>
-        <a:lstStyle/>
-        <a:p>
-          <a:endParaRPr lang="it-IT"/>
-        </a:p>
-      </dgm:t>
     </dgm:pt>
     <dgm:pt modelId="{4E37A4F5-1ADC-4094-85F2-739A06E01426}" type="pres">
       <dgm:prSet presAssocID="{8A180B16-6863-4745-9BB1-559CC8035D19}" presName="parentNode" presStyleLbl="node1" presStyleIdx="2" presStyleCnt="3">
@@ -2595,13 +2493,6 @@
         </dgm:presLayoutVars>
       </dgm:prSet>
       <dgm:spPr/>
-      <dgm:t>
-        <a:bodyPr/>
-        <a:lstStyle/>
-        <a:p>
-          <a:endParaRPr lang="it-IT"/>
-        </a:p>
-      </dgm:t>
     </dgm:pt>
     <dgm:pt modelId="{57370193-4D96-40C4-9C8D-BBC98CD19204}" type="pres">
       <dgm:prSet presAssocID="{8A180B16-6863-4745-9BB1-559CC8035D19}" presName="childNode" presStyleLbl="node1" presStyleIdx="2" presStyleCnt="3">
@@ -2610,36 +2501,29 @@
         </dgm:presLayoutVars>
       </dgm:prSet>
       <dgm:spPr/>
-      <dgm:t>
-        <a:bodyPr/>
-        <a:lstStyle/>
-        <a:p>
-          <a:endParaRPr lang="it-IT"/>
-        </a:p>
-      </dgm:t>
     </dgm:pt>
   </dgm:ptLst>
   <dgm:cxnLst>
+    <dgm:cxn modelId="{15BB0603-0B4F-48CE-9C53-89D357A2902C}" srcId="{8A180B16-6863-4745-9BB1-559CC8035D19}" destId="{B8737661-2538-4CB2-80A4-8CB0E667FEF1}" srcOrd="2" destOrd="0" parTransId="{57545940-02E2-4962-8FBB-1BA9637A9727}" sibTransId="{8B51676C-A730-488C-9A95-8E85BD08039E}"/>
+    <dgm:cxn modelId="{9F3BCC08-DE03-4A82-8A41-C182FA90D216}" srcId="{93EB943D-86EC-4360-9E24-F603AE50E7C6}" destId="{CCDC27BD-B74E-4A87-B427-D8B76096BF88}" srcOrd="0" destOrd="0" parTransId="{5AE3BCA1-4A2F-42A1-AF79-11CE6495616E}" sibTransId="{DBFE036B-2D3A-4E68-8CC8-00E13E04F89E}"/>
     <dgm:cxn modelId="{1AAF8C2E-010F-4ACF-A529-3864B234CFD0}" type="presOf" srcId="{33D1BE74-B05A-4F44-91E1-AA8B3DEF4D4C}" destId="{736E8C87-F235-4A7A-9BFF-826453E54C38}" srcOrd="0" destOrd="0" presId="urn:microsoft.com/office/officeart/2005/8/layout/hProcess7"/>
+    <dgm:cxn modelId="{015EA636-A257-4A24-80D6-9C27EA71E8BC}" srcId="{7C2CC4DA-4CC8-42F8-9392-B02278A3451F}" destId="{DD4EA20A-B77E-4F64-82B5-0032D7277876}" srcOrd="0" destOrd="0" parTransId="{552B226C-D3D1-434B-A2CE-8346750EEA33}" sibTransId="{6C57D76A-2ADF-4872-8139-AEDBFEF44971}"/>
+    <dgm:cxn modelId="{98F66B39-4565-4840-BA9B-5190166DDB6D}" type="presOf" srcId="{93EB943D-86EC-4360-9E24-F603AE50E7C6}" destId="{A1E67FF3-3378-4A9A-ACFE-BEB96A633004}" srcOrd="1" destOrd="0" presId="urn:microsoft.com/office/officeart/2005/8/layout/hProcess7"/>
+    <dgm:cxn modelId="{84BFF469-7579-4E96-B810-E10E074EEE9A}" type="presOf" srcId="{DD4EA20A-B77E-4F64-82B5-0032D7277876}" destId="{C13E8FAB-DF37-46EB-A861-B10A8F483441}" srcOrd="1" destOrd="0" presId="urn:microsoft.com/office/officeart/2005/8/layout/hProcess7"/>
     <dgm:cxn modelId="{0C3DC54C-9216-48C5-9AAD-777DA04294D8}" type="presOf" srcId="{8A180B16-6863-4745-9BB1-559CC8035D19}" destId="{5086D67A-4483-4899-8015-311ED4D08753}" srcOrd="0" destOrd="0" presId="urn:microsoft.com/office/officeart/2005/8/layout/hProcess7"/>
+    <dgm:cxn modelId="{D382E152-894D-4B9F-B989-AA5CE300337F}" type="presOf" srcId="{B721B431-A531-4562-97B1-58A3B7DC0A14}" destId="{57370193-4D96-40C4-9C8D-BBC98CD19204}" srcOrd="0" destOrd="0" presId="urn:microsoft.com/office/officeart/2005/8/layout/hProcess7"/>
+    <dgm:cxn modelId="{FB484855-AD15-42C7-BF73-1A3D64F52D31}" srcId="{7C2CC4DA-4CC8-42F8-9392-B02278A3451F}" destId="{93EB943D-86EC-4360-9E24-F603AE50E7C6}" srcOrd="1" destOrd="0" parTransId="{A941F60A-7BDF-4E27-B1C3-DDA8DCC8BC74}" sibTransId="{3F193FD3-A922-4713-BCF6-CE6BE871EE85}"/>
+    <dgm:cxn modelId="{84EAE778-2EEE-4E37-9958-BCD79FBEE39E}" type="presOf" srcId="{7C2CC4DA-4CC8-42F8-9392-B02278A3451F}" destId="{F46397CF-BBB4-4466-9EC8-501E40795BCB}" srcOrd="0" destOrd="0" presId="urn:microsoft.com/office/officeart/2005/8/layout/hProcess7"/>
+    <dgm:cxn modelId="{8B69D47B-739E-4794-B040-DCB06C4E65B4}" type="presOf" srcId="{93EB943D-86EC-4360-9E24-F603AE50E7C6}" destId="{CF84C8F0-6C1E-42A6-ACBF-7B6AC4EA1489}" srcOrd="0" destOrd="0" presId="urn:microsoft.com/office/officeart/2005/8/layout/hProcess7"/>
+    <dgm:cxn modelId="{7491A388-F34E-4A17-8BFD-5ABF561A3317}" type="presOf" srcId="{B8737661-2538-4CB2-80A4-8CB0E667FEF1}" destId="{57370193-4D96-40C4-9C8D-BBC98CD19204}" srcOrd="0" destOrd="2" presId="urn:microsoft.com/office/officeart/2005/8/layout/hProcess7"/>
+    <dgm:cxn modelId="{6C54C58B-E76F-4FF6-B07A-0F7FF046AB48}" srcId="{7C2CC4DA-4CC8-42F8-9392-B02278A3451F}" destId="{8A180B16-6863-4745-9BB1-559CC8035D19}" srcOrd="2" destOrd="0" parTransId="{19C5F1A4-23A4-439C-A25A-D206EAB63E8D}" sibTransId="{A0AD976B-7F94-4599-A9CD-654AFE059785}"/>
+    <dgm:cxn modelId="{4949F093-D84C-4880-B129-A8DD63C97483}" type="presOf" srcId="{8A180B16-6863-4745-9BB1-559CC8035D19}" destId="{4E37A4F5-1ADC-4094-85F2-739A06E01426}" srcOrd="1" destOrd="0" presId="urn:microsoft.com/office/officeart/2005/8/layout/hProcess7"/>
+    <dgm:cxn modelId="{2397CC95-84D6-48DB-AE7E-7A2C22CF05C1}" srcId="{8A180B16-6863-4745-9BB1-559CC8035D19}" destId="{B721B431-A531-4562-97B1-58A3B7DC0A14}" srcOrd="0" destOrd="0" parTransId="{CD5A02E6-4951-4AA0-B6BD-0C898857ECF3}" sibTransId="{3E7F0BEE-5DCA-485D-A0BB-00708EC5D857}"/>
+    <dgm:cxn modelId="{479D81A6-4E00-44C6-B9FB-500951A1980B}" type="presOf" srcId="{CCDC27BD-B74E-4A87-B427-D8B76096BF88}" destId="{297A7009-E966-4FA6-BBB0-34AE5D3C9035}" srcOrd="0" destOrd="0" presId="urn:microsoft.com/office/officeart/2005/8/layout/hProcess7"/>
+    <dgm:cxn modelId="{9298B4AF-86DD-42BA-BD8B-8F683B842468}" type="presOf" srcId="{DD4EA20A-B77E-4F64-82B5-0032D7277876}" destId="{BAC48CC4-8519-4FCF-B107-8E7156D2D1C7}" srcOrd="0" destOrd="0" presId="urn:microsoft.com/office/officeart/2005/8/layout/hProcess7"/>
+    <dgm:cxn modelId="{C5B19DB2-E677-4511-887D-A1461521F8E5}" type="presOf" srcId="{867D43F3-2794-4459-B560-2803B802AADF}" destId="{57370193-4D96-40C4-9C8D-BBC98CD19204}" srcOrd="0" destOrd="1" presId="urn:microsoft.com/office/officeart/2005/8/layout/hProcess7"/>
+    <dgm:cxn modelId="{FF83EAD2-A7AC-4F22-BCD7-C783A65D09DE}" srcId="{8A180B16-6863-4745-9BB1-559CC8035D19}" destId="{867D43F3-2794-4459-B560-2803B802AADF}" srcOrd="1" destOrd="0" parTransId="{F483A397-6A8D-47BE-8A52-47CC1D73CC0A}" sibTransId="{2A7F6D69-01FB-4FE4-98E8-61226166434C}"/>
     <dgm:cxn modelId="{9B318BFA-1BF5-4A0C-B893-4A676C333652}" srcId="{DD4EA20A-B77E-4F64-82B5-0032D7277876}" destId="{33D1BE74-B05A-4F44-91E1-AA8B3DEF4D4C}" srcOrd="0" destOrd="0" parTransId="{5C7E74D3-946B-46FF-91A3-77DB3232CD04}" sibTransId="{271CC7A7-37F5-4002-95D3-E06E8F9E52BF}"/>
-    <dgm:cxn modelId="{015EA636-A257-4A24-80D6-9C27EA71E8BC}" srcId="{7C2CC4DA-4CC8-42F8-9392-B02278A3451F}" destId="{DD4EA20A-B77E-4F64-82B5-0032D7277876}" srcOrd="0" destOrd="0" parTransId="{552B226C-D3D1-434B-A2CE-8346750EEA33}" sibTransId="{6C57D76A-2ADF-4872-8139-AEDBFEF44971}"/>
-    <dgm:cxn modelId="{84EAE778-2EEE-4E37-9958-BCD79FBEE39E}" type="presOf" srcId="{7C2CC4DA-4CC8-42F8-9392-B02278A3451F}" destId="{F46397CF-BBB4-4466-9EC8-501E40795BCB}" srcOrd="0" destOrd="0" presId="urn:microsoft.com/office/officeart/2005/8/layout/hProcess7"/>
-    <dgm:cxn modelId="{479D81A6-4E00-44C6-B9FB-500951A1980B}" type="presOf" srcId="{CCDC27BD-B74E-4A87-B427-D8B76096BF88}" destId="{297A7009-E966-4FA6-BBB0-34AE5D3C9035}" srcOrd="0" destOrd="0" presId="urn:microsoft.com/office/officeart/2005/8/layout/hProcess7"/>
-    <dgm:cxn modelId="{D382E152-894D-4B9F-B989-AA5CE300337F}" type="presOf" srcId="{B721B431-A531-4562-97B1-58A3B7DC0A14}" destId="{57370193-4D96-40C4-9C8D-BBC98CD19204}" srcOrd="0" destOrd="0" presId="urn:microsoft.com/office/officeart/2005/8/layout/hProcess7"/>
-    <dgm:cxn modelId="{15BB0603-0B4F-48CE-9C53-89D357A2902C}" srcId="{8A180B16-6863-4745-9BB1-559CC8035D19}" destId="{B8737661-2538-4CB2-80A4-8CB0E667FEF1}" srcOrd="2" destOrd="0" parTransId="{57545940-02E2-4962-8FBB-1BA9637A9727}" sibTransId="{8B51676C-A730-488C-9A95-8E85BD08039E}"/>
-    <dgm:cxn modelId="{84BFF469-7579-4E96-B810-E10E074EEE9A}" type="presOf" srcId="{DD4EA20A-B77E-4F64-82B5-0032D7277876}" destId="{C13E8FAB-DF37-46EB-A861-B10A8F483441}" srcOrd="1" destOrd="0" presId="urn:microsoft.com/office/officeart/2005/8/layout/hProcess7"/>
-    <dgm:cxn modelId="{4949F093-D84C-4880-B129-A8DD63C97483}" type="presOf" srcId="{8A180B16-6863-4745-9BB1-559CC8035D19}" destId="{4E37A4F5-1ADC-4094-85F2-739A06E01426}" srcOrd="1" destOrd="0" presId="urn:microsoft.com/office/officeart/2005/8/layout/hProcess7"/>
-    <dgm:cxn modelId="{7491A388-F34E-4A17-8BFD-5ABF561A3317}" type="presOf" srcId="{B8737661-2538-4CB2-80A4-8CB0E667FEF1}" destId="{57370193-4D96-40C4-9C8D-BBC98CD19204}" srcOrd="0" destOrd="2" presId="urn:microsoft.com/office/officeart/2005/8/layout/hProcess7"/>
-    <dgm:cxn modelId="{2397CC95-84D6-48DB-AE7E-7A2C22CF05C1}" srcId="{8A180B16-6863-4745-9BB1-559CC8035D19}" destId="{B721B431-A531-4562-97B1-58A3B7DC0A14}" srcOrd="0" destOrd="0" parTransId="{CD5A02E6-4951-4AA0-B6BD-0C898857ECF3}" sibTransId="{3E7F0BEE-5DCA-485D-A0BB-00708EC5D857}"/>
-    <dgm:cxn modelId="{9F3BCC08-DE03-4A82-8A41-C182FA90D216}" srcId="{93EB943D-86EC-4360-9E24-F603AE50E7C6}" destId="{CCDC27BD-B74E-4A87-B427-D8B76096BF88}" srcOrd="0" destOrd="0" parTransId="{5AE3BCA1-4A2F-42A1-AF79-11CE6495616E}" sibTransId="{DBFE036B-2D3A-4E68-8CC8-00E13E04F89E}"/>
-    <dgm:cxn modelId="{FB484855-AD15-42C7-BF73-1A3D64F52D31}" srcId="{7C2CC4DA-4CC8-42F8-9392-B02278A3451F}" destId="{93EB943D-86EC-4360-9E24-F603AE50E7C6}" srcOrd="1" destOrd="0" parTransId="{A941F60A-7BDF-4E27-B1C3-DDA8DCC8BC74}" sibTransId="{3F193FD3-A922-4713-BCF6-CE6BE871EE85}"/>
-    <dgm:cxn modelId="{C5B19DB2-E677-4511-887D-A1461521F8E5}" type="presOf" srcId="{867D43F3-2794-4459-B560-2803B802AADF}" destId="{57370193-4D96-40C4-9C8D-BBC98CD19204}" srcOrd="0" destOrd="1" presId="urn:microsoft.com/office/officeart/2005/8/layout/hProcess7"/>
-    <dgm:cxn modelId="{9298B4AF-86DD-42BA-BD8B-8F683B842468}" type="presOf" srcId="{DD4EA20A-B77E-4F64-82B5-0032D7277876}" destId="{BAC48CC4-8519-4FCF-B107-8E7156D2D1C7}" srcOrd="0" destOrd="0" presId="urn:microsoft.com/office/officeart/2005/8/layout/hProcess7"/>
-    <dgm:cxn modelId="{FF83EAD2-A7AC-4F22-BCD7-C783A65D09DE}" srcId="{8A180B16-6863-4745-9BB1-559CC8035D19}" destId="{867D43F3-2794-4459-B560-2803B802AADF}" srcOrd="1" destOrd="0" parTransId="{F483A397-6A8D-47BE-8A52-47CC1D73CC0A}" sibTransId="{2A7F6D69-01FB-4FE4-98E8-61226166434C}"/>
-    <dgm:cxn modelId="{6C54C58B-E76F-4FF6-B07A-0F7FF046AB48}" srcId="{7C2CC4DA-4CC8-42F8-9392-B02278A3451F}" destId="{8A180B16-6863-4745-9BB1-559CC8035D19}" srcOrd="2" destOrd="0" parTransId="{19C5F1A4-23A4-439C-A25A-D206EAB63E8D}" sibTransId="{A0AD976B-7F94-4599-A9CD-654AFE059785}"/>
-    <dgm:cxn modelId="{8B69D47B-739E-4794-B040-DCB06C4E65B4}" type="presOf" srcId="{93EB943D-86EC-4360-9E24-F603AE50E7C6}" destId="{CF84C8F0-6C1E-42A6-ACBF-7B6AC4EA1489}" srcOrd="0" destOrd="0" presId="urn:microsoft.com/office/officeart/2005/8/layout/hProcess7"/>
-    <dgm:cxn modelId="{98F66B39-4565-4840-BA9B-5190166DDB6D}" type="presOf" srcId="{93EB943D-86EC-4360-9E24-F603AE50E7C6}" destId="{A1E67FF3-3378-4A9A-ACFE-BEB96A633004}" srcOrd="1" destOrd="0" presId="urn:microsoft.com/office/officeart/2005/8/layout/hProcess7"/>
     <dgm:cxn modelId="{4B19DCBB-020C-4D96-BF1C-A82B6B0CCCB2}" type="presParOf" srcId="{F46397CF-BBB4-4466-9EC8-501E40795BCB}" destId="{1DBF747F-662A-45EA-BFFD-E0868BC9585D}" srcOrd="0" destOrd="0" presId="urn:microsoft.com/office/officeart/2005/8/layout/hProcess7"/>
     <dgm:cxn modelId="{824394C4-3EBD-4D5D-B16E-C8673C41D949}" type="presParOf" srcId="{1DBF747F-662A-45EA-BFFD-E0868BC9585D}" destId="{BAC48CC4-8519-4FCF-B107-8E7156D2D1C7}" srcOrd="0" destOrd="0" presId="urn:microsoft.com/office/officeart/2005/8/layout/hProcess7"/>
     <dgm:cxn modelId="{E38C3F48-71C7-4D71-929C-4DCB0E4CC8A4}" type="presParOf" srcId="{1DBF747F-662A-45EA-BFFD-E0868BC9585D}" destId="{C13E8FAB-DF37-46EB-A861-B10A8F483441}" srcOrd="1" destOrd="0" presId="urn:microsoft.com/office/officeart/2005/8/layout/hProcess7"/>
@@ -2683,6 +2567,467 @@
       <dsp:cNvGrpSpPr/>
     </dsp:nvGrpSpPr>
     <dsp:grpSpPr/>
+    <dsp:sp modelId="{D54B0FB9-0780-4C8D-8A50-BBE1967227FA}">
+      <dsp:nvSpPr>
+        <dsp:cNvPr id="0" name=""/>
+        <dsp:cNvSpPr/>
+      </dsp:nvSpPr>
+      <dsp:spPr>
+        <a:xfrm>
+          <a:off x="2718539" y="0"/>
+          <a:ext cx="3249720" cy="1131490"/>
+        </a:xfrm>
+        <a:prstGeom prst="roundRect">
+          <a:avLst>
+            <a:gd name="adj" fmla="val 10000"/>
+          </a:avLst>
+        </a:prstGeom>
+        <a:solidFill>
+          <a:schemeClr val="accent1">
+            <a:hueOff val="0"/>
+            <a:satOff val="0"/>
+            <a:lumOff val="0"/>
+            <a:alphaOff val="0"/>
+          </a:schemeClr>
+        </a:solidFill>
+        <a:ln w="38100" cap="flat" cmpd="sng" algn="ctr">
+          <a:solidFill>
+            <a:schemeClr val="lt1">
+              <a:hueOff val="0"/>
+              <a:satOff val="0"/>
+              <a:lumOff val="0"/>
+              <a:alphaOff val="0"/>
+            </a:schemeClr>
+          </a:solidFill>
+          <a:prstDash val="solid"/>
+        </a:ln>
+        <a:effectLst>
+          <a:outerShdw blurRad="76200" dist="50800" dir="5400000" rotWithShape="0">
+            <a:srgbClr val="4E3B30">
+              <a:alpha val="60000"/>
+            </a:srgbClr>
+          </a:outerShdw>
+        </a:effectLst>
+      </dsp:spPr>
+      <dsp:style>
+        <a:lnRef idx="3">
+          <a:scrgbClr r="0" g="0" b="0"/>
+        </a:lnRef>
+        <a:fillRef idx="1">
+          <a:scrgbClr r="0" g="0" b="0"/>
+        </a:fillRef>
+        <a:effectRef idx="1">
+          <a:scrgbClr r="0" g="0" b="0"/>
+        </a:effectRef>
+        <a:fontRef idx="minor">
+          <a:schemeClr val="lt1"/>
+        </a:fontRef>
+      </dsp:style>
+      <dsp:txBody>
+        <a:bodyPr spcFirstLastPara="0" vert="horz" wrap="square" lIns="68580" tIns="68580" rIns="68580" bIns="68580" numCol="1" spcCol="1270" anchor="ctr" anchorCtr="0">
+          <a:noAutofit/>
+        </a:bodyPr>
+        <a:lstStyle/>
+        <a:p>
+          <a:pPr marL="0" lvl="0" indent="0" algn="ctr" defTabSz="800100">
+            <a:lnSpc>
+              <a:spcPct val="90000"/>
+            </a:lnSpc>
+            <a:spcBef>
+              <a:spcPct val="0"/>
+            </a:spcBef>
+            <a:spcAft>
+              <a:spcPct val="35000"/>
+            </a:spcAft>
+            <a:buNone/>
+          </a:pPr>
+          <a:r>
+            <a:rPr lang="it-IT" sz="1800" kern="1200" dirty="0"/>
+            <a:t>Monitor the </a:t>
+          </a:r>
+          <a:r>
+            <a:rPr lang="it-IT" sz="1800" kern="1200" dirty="0" err="1"/>
+            <a:t>traffic</a:t>
+          </a:r>
+          <a:r>
+            <a:rPr lang="it-IT" sz="1800" kern="1200" dirty="0"/>
+            <a:t> data</a:t>
+          </a:r>
+        </a:p>
+      </dsp:txBody>
+      <dsp:txXfrm>
+        <a:off x="2751679" y="33140"/>
+        <a:ext cx="3183440" cy="1065210"/>
+      </dsp:txXfrm>
+    </dsp:sp>
+    <dsp:sp modelId="{2197DD3C-DC84-486B-A687-3E0F00FE1C51}">
+      <dsp:nvSpPr>
+        <dsp:cNvPr id="0" name=""/>
+        <dsp:cNvSpPr/>
+      </dsp:nvSpPr>
+      <dsp:spPr>
+        <a:xfrm rot="5400000">
+          <a:off x="4131245" y="1159777"/>
+          <a:ext cx="424308" cy="509170"/>
+        </a:xfrm>
+        <a:prstGeom prst="rightArrow">
+          <a:avLst>
+            <a:gd name="adj1" fmla="val 60000"/>
+            <a:gd name="adj2" fmla="val 50000"/>
+          </a:avLst>
+        </a:prstGeom>
+        <a:solidFill>
+          <a:schemeClr val="accent1">
+            <a:tint val="60000"/>
+            <a:hueOff val="0"/>
+            <a:satOff val="0"/>
+            <a:lumOff val="0"/>
+            <a:alphaOff val="0"/>
+          </a:schemeClr>
+        </a:solidFill>
+        <a:ln>
+          <a:noFill/>
+        </a:ln>
+        <a:effectLst>
+          <a:outerShdw blurRad="76200" dist="50800" dir="5400000" rotWithShape="0">
+            <a:srgbClr val="4E3B30">
+              <a:alpha val="60000"/>
+            </a:srgbClr>
+          </a:outerShdw>
+        </a:effectLst>
+      </dsp:spPr>
+      <dsp:style>
+        <a:lnRef idx="0">
+          <a:scrgbClr r="0" g="0" b="0"/>
+        </a:lnRef>
+        <a:fillRef idx="1">
+          <a:scrgbClr r="0" g="0" b="0"/>
+        </a:fillRef>
+        <a:effectRef idx="1">
+          <a:scrgbClr r="0" g="0" b="0"/>
+        </a:effectRef>
+        <a:fontRef idx="minor">
+          <a:schemeClr val="lt1"/>
+        </a:fontRef>
+      </dsp:style>
+      <dsp:txBody>
+        <a:bodyPr spcFirstLastPara="0" vert="horz" wrap="square" lIns="0" tIns="0" rIns="0" bIns="0" numCol="1" spcCol="1270" anchor="ctr" anchorCtr="0">
+          <a:noAutofit/>
+        </a:bodyPr>
+        <a:lstStyle/>
+        <a:p>
+          <a:pPr marL="0" lvl="0" indent="0" algn="ctr" defTabSz="622300">
+            <a:lnSpc>
+              <a:spcPct val="90000"/>
+            </a:lnSpc>
+            <a:spcBef>
+              <a:spcPct val="0"/>
+            </a:spcBef>
+            <a:spcAft>
+              <a:spcPct val="35000"/>
+            </a:spcAft>
+            <a:buNone/>
+          </a:pPr>
+          <a:endParaRPr lang="it-IT" sz="1400" kern="1200"/>
+        </a:p>
+      </dsp:txBody>
+      <dsp:txXfrm rot="-5400000">
+        <a:off x="4190648" y="1202208"/>
+        <a:ext cx="305502" cy="297016"/>
+      </dsp:txXfrm>
+    </dsp:sp>
+    <dsp:sp modelId="{E447E5FC-EF91-4C30-B865-E85AF46DAFE1}">
+      <dsp:nvSpPr>
+        <dsp:cNvPr id="0" name=""/>
+        <dsp:cNvSpPr/>
+      </dsp:nvSpPr>
+      <dsp:spPr>
+        <a:xfrm>
+          <a:off x="2718539" y="1697235"/>
+          <a:ext cx="3249720" cy="1131490"/>
+        </a:xfrm>
+        <a:prstGeom prst="roundRect">
+          <a:avLst>
+            <a:gd name="adj" fmla="val 10000"/>
+          </a:avLst>
+        </a:prstGeom>
+        <a:solidFill>
+          <a:schemeClr val="accent1">
+            <a:hueOff val="0"/>
+            <a:satOff val="0"/>
+            <a:lumOff val="0"/>
+            <a:alphaOff val="0"/>
+          </a:schemeClr>
+        </a:solidFill>
+        <a:ln w="38100" cap="flat" cmpd="sng" algn="ctr">
+          <a:solidFill>
+            <a:schemeClr val="lt1">
+              <a:hueOff val="0"/>
+              <a:satOff val="0"/>
+              <a:lumOff val="0"/>
+              <a:alphaOff val="0"/>
+            </a:schemeClr>
+          </a:solidFill>
+          <a:prstDash val="solid"/>
+        </a:ln>
+        <a:effectLst>
+          <a:outerShdw blurRad="76200" dist="50800" dir="5400000" rotWithShape="0">
+            <a:srgbClr val="4E3B30">
+              <a:alpha val="60000"/>
+            </a:srgbClr>
+          </a:outerShdw>
+        </a:effectLst>
+      </dsp:spPr>
+      <dsp:style>
+        <a:lnRef idx="3">
+          <a:scrgbClr r="0" g="0" b="0"/>
+        </a:lnRef>
+        <a:fillRef idx="1">
+          <a:scrgbClr r="0" g="0" b="0"/>
+        </a:fillRef>
+        <a:effectRef idx="1">
+          <a:scrgbClr r="0" g="0" b="0"/>
+        </a:effectRef>
+        <a:fontRef idx="minor">
+          <a:schemeClr val="lt1"/>
+        </a:fontRef>
+      </dsp:style>
+      <dsp:txBody>
+        <a:bodyPr spcFirstLastPara="0" vert="horz" wrap="square" lIns="68580" tIns="68580" rIns="68580" bIns="68580" numCol="1" spcCol="1270" anchor="ctr" anchorCtr="0">
+          <a:noAutofit/>
+        </a:bodyPr>
+        <a:lstStyle/>
+        <a:p>
+          <a:pPr marL="0" lvl="0" indent="0" algn="ctr" defTabSz="800100">
+            <a:lnSpc>
+              <a:spcPct val="90000"/>
+            </a:lnSpc>
+            <a:spcBef>
+              <a:spcPct val="0"/>
+            </a:spcBef>
+            <a:spcAft>
+              <a:spcPct val="35000"/>
+            </a:spcAft>
+            <a:buNone/>
+          </a:pPr>
+          <a:r>
+            <a:rPr lang="it-IT" sz="1800" kern="1200" dirty="0"/>
+            <a:t>The </a:t>
+          </a:r>
+          <a:r>
+            <a:rPr lang="it-IT" sz="1800" kern="1200" dirty="0" err="1"/>
+            <a:t>victims</a:t>
+          </a:r>
+          <a:r>
+            <a:rPr lang="it-IT" sz="1800" kern="1200" dirty="0"/>
+            <a:t> use </a:t>
+          </a:r>
+          <a:r>
+            <a:rPr lang="it-IT" sz="1800" kern="1200" dirty="0" err="1"/>
+            <a:t>https</a:t>
+          </a:r>
+          <a:r>
+            <a:rPr lang="it-IT" sz="1800" kern="1200" dirty="0"/>
+            <a:t> for </a:t>
+          </a:r>
+          <a:r>
+            <a:rPr lang="it-IT" sz="1800" kern="1200" dirty="0" err="1"/>
+            <a:t>authenticating</a:t>
+          </a:r>
+          <a:r>
+            <a:rPr lang="it-IT" sz="1800" kern="1200" dirty="0"/>
+            <a:t> and use TLS for </a:t>
+          </a:r>
+          <a:r>
+            <a:rPr lang="it-IT" sz="1800" kern="1200" dirty="0" err="1"/>
+            <a:t>compression</a:t>
+          </a:r>
+          <a:endParaRPr lang="it-IT" sz="1800" kern="1200" dirty="0"/>
+        </a:p>
+      </dsp:txBody>
+      <dsp:txXfrm>
+        <a:off x="2751679" y="1730375"/>
+        <a:ext cx="3183440" cy="1065210"/>
+      </dsp:txXfrm>
+    </dsp:sp>
+    <dsp:sp modelId="{BEFA2BB0-010A-4171-9A94-64CE4F1CE1D8}">
+      <dsp:nvSpPr>
+        <dsp:cNvPr id="0" name=""/>
+        <dsp:cNvSpPr/>
+      </dsp:nvSpPr>
+      <dsp:spPr>
+        <a:xfrm rot="5400000">
+          <a:off x="4131245" y="2857013"/>
+          <a:ext cx="424308" cy="509170"/>
+        </a:xfrm>
+        <a:prstGeom prst="rightArrow">
+          <a:avLst>
+            <a:gd name="adj1" fmla="val 60000"/>
+            <a:gd name="adj2" fmla="val 50000"/>
+          </a:avLst>
+        </a:prstGeom>
+        <a:solidFill>
+          <a:schemeClr val="accent1">
+            <a:tint val="60000"/>
+            <a:hueOff val="0"/>
+            <a:satOff val="0"/>
+            <a:lumOff val="0"/>
+            <a:alphaOff val="0"/>
+          </a:schemeClr>
+        </a:solidFill>
+        <a:ln>
+          <a:noFill/>
+        </a:ln>
+        <a:effectLst>
+          <a:outerShdw blurRad="76200" dist="50800" dir="5400000" rotWithShape="0">
+            <a:srgbClr val="4E3B30">
+              <a:alpha val="60000"/>
+            </a:srgbClr>
+          </a:outerShdw>
+        </a:effectLst>
+      </dsp:spPr>
+      <dsp:style>
+        <a:lnRef idx="0">
+          <a:scrgbClr r="0" g="0" b="0"/>
+        </a:lnRef>
+        <a:fillRef idx="1">
+          <a:scrgbClr r="0" g="0" b="0"/>
+        </a:fillRef>
+        <a:effectRef idx="1">
+          <a:scrgbClr r="0" g="0" b="0"/>
+        </a:effectRef>
+        <a:fontRef idx="minor">
+          <a:schemeClr val="lt1"/>
+        </a:fontRef>
+      </dsp:style>
+      <dsp:txBody>
+        <a:bodyPr spcFirstLastPara="0" vert="horz" wrap="square" lIns="0" tIns="0" rIns="0" bIns="0" numCol="1" spcCol="1270" anchor="ctr" anchorCtr="0">
+          <a:noAutofit/>
+        </a:bodyPr>
+        <a:lstStyle/>
+        <a:p>
+          <a:pPr marL="0" lvl="0" indent="0" algn="ctr" defTabSz="622300">
+            <a:lnSpc>
+              <a:spcPct val="90000"/>
+            </a:lnSpc>
+            <a:spcBef>
+              <a:spcPct val="0"/>
+            </a:spcBef>
+            <a:spcAft>
+              <a:spcPct val="35000"/>
+            </a:spcAft>
+            <a:buNone/>
+          </a:pPr>
+          <a:endParaRPr lang="it-IT" sz="1400" kern="1200"/>
+        </a:p>
+      </dsp:txBody>
+      <dsp:txXfrm rot="-5400000">
+        <a:off x="4190648" y="2899444"/>
+        <a:ext cx="305502" cy="297016"/>
+      </dsp:txXfrm>
+    </dsp:sp>
+    <dsp:sp modelId="{23672A7C-DE8E-4E65-BD41-864EADE491D7}">
+      <dsp:nvSpPr>
+        <dsp:cNvPr id="0" name=""/>
+        <dsp:cNvSpPr/>
+      </dsp:nvSpPr>
+      <dsp:spPr>
+        <a:xfrm>
+          <a:off x="2718539" y="3394471"/>
+          <a:ext cx="3249720" cy="1131490"/>
+        </a:xfrm>
+        <a:prstGeom prst="roundRect">
+          <a:avLst>
+            <a:gd name="adj" fmla="val 10000"/>
+          </a:avLst>
+        </a:prstGeom>
+        <a:solidFill>
+          <a:schemeClr val="accent1">
+            <a:hueOff val="0"/>
+            <a:satOff val="0"/>
+            <a:lumOff val="0"/>
+            <a:alphaOff val="0"/>
+          </a:schemeClr>
+        </a:solidFill>
+        <a:ln w="38100" cap="flat" cmpd="sng" algn="ctr">
+          <a:solidFill>
+            <a:schemeClr val="lt1">
+              <a:hueOff val="0"/>
+              <a:satOff val="0"/>
+              <a:lumOff val="0"/>
+              <a:alphaOff val="0"/>
+            </a:schemeClr>
+          </a:solidFill>
+          <a:prstDash val="solid"/>
+        </a:ln>
+        <a:effectLst>
+          <a:outerShdw blurRad="76200" dist="50800" dir="5400000" rotWithShape="0">
+            <a:srgbClr val="4E3B30">
+              <a:alpha val="60000"/>
+            </a:srgbClr>
+          </a:outerShdw>
+        </a:effectLst>
+      </dsp:spPr>
+      <dsp:style>
+        <a:lnRef idx="3">
+          <a:scrgbClr r="0" g="0" b="0"/>
+        </a:lnRef>
+        <a:fillRef idx="1">
+          <a:scrgbClr r="0" g="0" b="0"/>
+        </a:fillRef>
+        <a:effectRef idx="1">
+          <a:scrgbClr r="0" g="0" b="0"/>
+        </a:effectRef>
+        <a:fontRef idx="minor">
+          <a:schemeClr val="lt1"/>
+        </a:fontRef>
+      </dsp:style>
+      <dsp:txBody>
+        <a:bodyPr spcFirstLastPara="0" vert="horz" wrap="square" lIns="68580" tIns="68580" rIns="68580" bIns="68580" numCol="1" spcCol="1270" anchor="ctr" anchorCtr="0">
+          <a:noAutofit/>
+        </a:bodyPr>
+        <a:lstStyle/>
+        <a:p>
+          <a:pPr marL="0" lvl="0" indent="0" algn="ctr" defTabSz="800100">
+            <a:lnSpc>
+              <a:spcPct val="90000"/>
+            </a:lnSpc>
+            <a:spcBef>
+              <a:spcPct val="0"/>
+            </a:spcBef>
+            <a:spcAft>
+              <a:spcPct val="35000"/>
+            </a:spcAft>
+            <a:buNone/>
+          </a:pPr>
+          <a:r>
+            <a:rPr lang="it-IT" sz="1800" kern="1200" dirty="0" err="1"/>
+            <a:t>Injected</a:t>
+          </a:r>
+          <a:r>
+            <a:rPr lang="it-IT" sz="1800" kern="1200" dirty="0"/>
+            <a:t> </a:t>
+          </a:r>
+          <a:r>
+            <a:rPr lang="it-IT" sz="1800" kern="1200" dirty="0" err="1"/>
+            <a:t>Javascript</a:t>
+          </a:r>
+          <a:r>
+            <a:rPr lang="it-IT" sz="1800" kern="1200" dirty="0"/>
+            <a:t> </a:t>
+          </a:r>
+          <a:r>
+            <a:rPr lang="en-US" sz="1800" kern="1200" dirty="0"/>
+            <a:t>to force the victim's browser to send repeated requests to the server</a:t>
+          </a:r>
+          <a:endParaRPr lang="it-IT" sz="1800" kern="1200" dirty="0"/>
+        </a:p>
+      </dsp:txBody>
+      <dsp:txXfrm>
+        <a:off x="2751679" y="3427611"/>
+        <a:ext cx="3183440" cy="1065210"/>
+      </dsp:txXfrm>
+    </dsp:sp>
   </dsp:spTree>
 </dsp:drawing>
 </file>
@@ -2695,6 +3040,815 @@
       <dsp:cNvGrpSpPr/>
     </dsp:nvGrpSpPr>
     <dsp:grpSpPr/>
+    <dsp:sp modelId="{BAC48CC4-8519-4FCF-B107-8E7156D2D1C7}">
+      <dsp:nvSpPr>
+        <dsp:cNvPr id="0" name=""/>
+        <dsp:cNvSpPr/>
+      </dsp:nvSpPr>
+      <dsp:spPr>
+        <a:xfrm>
+          <a:off x="657" y="565492"/>
+          <a:ext cx="2829148" cy="3394977"/>
+        </a:xfrm>
+        <a:prstGeom prst="roundRect">
+          <a:avLst>
+            <a:gd name="adj" fmla="val 5000"/>
+          </a:avLst>
+        </a:prstGeom>
+        <a:solidFill>
+          <a:schemeClr val="accent1">
+            <a:hueOff val="0"/>
+            <a:satOff val="0"/>
+            <a:lumOff val="0"/>
+            <a:alphaOff val="0"/>
+          </a:schemeClr>
+        </a:solidFill>
+        <a:ln w="25400" cap="flat" cmpd="sng" algn="ctr">
+          <a:solidFill>
+            <a:schemeClr val="lt1">
+              <a:hueOff val="0"/>
+              <a:satOff val="0"/>
+              <a:lumOff val="0"/>
+              <a:alphaOff val="0"/>
+            </a:schemeClr>
+          </a:solidFill>
+          <a:prstDash val="solid"/>
+        </a:ln>
+        <a:effectLst/>
+      </dsp:spPr>
+      <dsp:style>
+        <a:lnRef idx="2">
+          <a:scrgbClr r="0" g="0" b="0"/>
+        </a:lnRef>
+        <a:fillRef idx="1">
+          <a:scrgbClr r="0" g="0" b="0"/>
+        </a:fillRef>
+        <a:effectRef idx="0">
+          <a:scrgbClr r="0" g="0" b="0"/>
+        </a:effectRef>
+        <a:fontRef idx="minor">
+          <a:schemeClr val="lt1"/>
+        </a:fontRef>
+      </dsp:style>
+      <dsp:txBody>
+        <a:bodyPr spcFirstLastPara="0" vert="horz" wrap="square" lIns="0" tIns="92583" rIns="120015" bIns="0" numCol="1" spcCol="1270" anchor="t" anchorCtr="0">
+          <a:noAutofit/>
+        </a:bodyPr>
+        <a:lstStyle/>
+        <a:p>
+          <a:pPr marL="0" lvl="0" indent="0" algn="r" defTabSz="1200150">
+            <a:lnSpc>
+              <a:spcPct val="90000"/>
+            </a:lnSpc>
+            <a:spcBef>
+              <a:spcPct val="0"/>
+            </a:spcBef>
+            <a:spcAft>
+              <a:spcPct val="35000"/>
+            </a:spcAft>
+            <a:buNone/>
+          </a:pPr>
+          <a:r>
+            <a:rPr lang="it-IT" sz="2700" kern="1200" dirty="0" err="1"/>
+            <a:t>Description</a:t>
+          </a:r>
+          <a:endParaRPr lang="it-IT" sz="2700" kern="1200" dirty="0"/>
+        </a:p>
+      </dsp:txBody>
+      <dsp:txXfrm rot="16200000">
+        <a:off x="-1108368" y="1674518"/>
+        <a:ext cx="2783881" cy="565829"/>
+      </dsp:txXfrm>
+    </dsp:sp>
+    <dsp:sp modelId="{736E8C87-F235-4A7A-9BFF-826453E54C38}">
+      <dsp:nvSpPr>
+        <dsp:cNvPr id="0" name=""/>
+        <dsp:cNvSpPr/>
+      </dsp:nvSpPr>
+      <dsp:spPr>
+        <a:xfrm>
+          <a:off x="566487" y="565492"/>
+          <a:ext cx="2107715" cy="3394977"/>
+        </a:xfrm>
+        <a:prstGeom prst="rect">
+          <a:avLst/>
+        </a:prstGeom>
+        <a:noFill/>
+        <a:ln w="25400" cap="flat" cmpd="sng" algn="ctr">
+          <a:noFill/>
+          <a:prstDash val="solid"/>
+        </a:ln>
+        <a:effectLst/>
+        <a:sp3d/>
+      </dsp:spPr>
+      <dsp:style>
+        <a:lnRef idx="2">
+          <a:scrgbClr r="0" g="0" b="0"/>
+        </a:lnRef>
+        <a:fillRef idx="1">
+          <a:scrgbClr r="0" g="0" b="0"/>
+        </a:fillRef>
+        <a:effectRef idx="0">
+          <a:scrgbClr r="0" g="0" b="0"/>
+        </a:effectRef>
+        <a:fontRef idx="minor">
+          <a:schemeClr val="lt1"/>
+        </a:fontRef>
+      </dsp:style>
+      <dsp:txBody>
+        <a:bodyPr spcFirstLastPara="0" vert="horz" wrap="square" lIns="0" tIns="68580" rIns="0" bIns="0" numCol="1" spcCol="1270" anchor="t" anchorCtr="0">
+          <a:noAutofit/>
+        </a:bodyPr>
+        <a:lstStyle/>
+        <a:p>
+          <a:pPr marL="0" lvl="0" indent="0" algn="l" defTabSz="889000">
+            <a:lnSpc>
+              <a:spcPct val="90000"/>
+            </a:lnSpc>
+            <a:spcBef>
+              <a:spcPct val="0"/>
+            </a:spcBef>
+            <a:spcAft>
+              <a:spcPct val="35000"/>
+            </a:spcAft>
+            <a:buNone/>
+          </a:pPr>
+          <a:r>
+            <a:rPr lang="en-US" sz="2000" kern="1200" dirty="0"/>
+            <a:t>Based on the analysis of the compressed HTTP response.</a:t>
+          </a:r>
+        </a:p>
+        <a:p>
+          <a:pPr marL="0" lvl="0" indent="0" algn="l" defTabSz="889000">
+            <a:lnSpc>
+              <a:spcPct val="90000"/>
+            </a:lnSpc>
+            <a:spcBef>
+              <a:spcPct val="0"/>
+            </a:spcBef>
+            <a:spcAft>
+              <a:spcPct val="35000"/>
+            </a:spcAft>
+            <a:buNone/>
+          </a:pPr>
+          <a:r>
+            <a:rPr lang="it-IT" sz="2000" kern="1200" dirty="0"/>
+            <a:t>The </a:t>
+          </a:r>
+          <a:r>
+            <a:rPr lang="it-IT" sz="2000" kern="1200" dirty="0" err="1"/>
+            <a:t>compression</a:t>
+          </a:r>
+          <a:r>
+            <a:rPr lang="it-IT" sz="2000" kern="1200" dirty="0"/>
+            <a:t> </a:t>
+          </a:r>
+          <a:r>
+            <a:rPr lang="it-IT" sz="2000" kern="1200" dirty="0" err="1"/>
+            <a:t>method</a:t>
+          </a:r>
+          <a:r>
+            <a:rPr lang="it-IT" sz="2000" kern="1200" dirty="0"/>
+            <a:t>  must be DEFLATE, </a:t>
+          </a:r>
+          <a:r>
+            <a:rPr lang="en-US" sz="2000" kern="1200" dirty="0"/>
+            <a:t>which compresses only HTTP body.</a:t>
+          </a:r>
+          <a:endParaRPr lang="it-IT" sz="2000" kern="1200" dirty="0"/>
+        </a:p>
+      </dsp:txBody>
+      <dsp:txXfrm>
+        <a:off x="566487" y="565492"/>
+        <a:ext cx="2107715" cy="3394977"/>
+      </dsp:txXfrm>
+    </dsp:sp>
+    <dsp:sp modelId="{CF84C8F0-6C1E-42A6-ACBF-7B6AC4EA1489}">
+      <dsp:nvSpPr>
+        <dsp:cNvPr id="0" name=""/>
+        <dsp:cNvSpPr/>
+      </dsp:nvSpPr>
+      <dsp:spPr>
+        <a:xfrm>
+          <a:off x="2928825" y="565492"/>
+          <a:ext cx="2829148" cy="3394977"/>
+        </a:xfrm>
+        <a:prstGeom prst="roundRect">
+          <a:avLst>
+            <a:gd name="adj" fmla="val 5000"/>
+          </a:avLst>
+        </a:prstGeom>
+        <a:solidFill>
+          <a:schemeClr val="accent1">
+            <a:hueOff val="0"/>
+            <a:satOff val="0"/>
+            <a:lumOff val="0"/>
+            <a:alphaOff val="0"/>
+          </a:schemeClr>
+        </a:solidFill>
+        <a:ln w="25400" cap="flat" cmpd="sng" algn="ctr">
+          <a:solidFill>
+            <a:schemeClr val="lt1">
+              <a:hueOff val="0"/>
+              <a:satOff val="0"/>
+              <a:lumOff val="0"/>
+              <a:alphaOff val="0"/>
+            </a:schemeClr>
+          </a:solidFill>
+          <a:prstDash val="solid"/>
+        </a:ln>
+        <a:effectLst/>
+      </dsp:spPr>
+      <dsp:style>
+        <a:lnRef idx="2">
+          <a:scrgbClr r="0" g="0" b="0"/>
+        </a:lnRef>
+        <a:fillRef idx="1">
+          <a:scrgbClr r="0" g="0" b="0"/>
+        </a:fillRef>
+        <a:effectRef idx="0">
+          <a:scrgbClr r="0" g="0" b="0"/>
+        </a:effectRef>
+        <a:fontRef idx="minor">
+          <a:schemeClr val="lt1"/>
+        </a:fontRef>
+      </dsp:style>
+      <dsp:txBody>
+        <a:bodyPr spcFirstLastPara="0" vert="horz" wrap="square" lIns="0" tIns="92583" rIns="120015" bIns="0" numCol="1" spcCol="1270" anchor="t" anchorCtr="0">
+          <a:noAutofit/>
+        </a:bodyPr>
+        <a:lstStyle/>
+        <a:p>
+          <a:pPr marL="0" lvl="0" indent="0" algn="r" defTabSz="1200150">
+            <a:lnSpc>
+              <a:spcPct val="90000"/>
+            </a:lnSpc>
+            <a:spcBef>
+              <a:spcPct val="0"/>
+            </a:spcBef>
+            <a:spcAft>
+              <a:spcPct val="35000"/>
+            </a:spcAft>
+            <a:buNone/>
+          </a:pPr>
+          <a:r>
+            <a:rPr lang="it-IT" sz="2700" kern="1200" dirty="0" err="1"/>
+            <a:t>Requirements</a:t>
+          </a:r>
+          <a:endParaRPr lang="it-IT" sz="2700" kern="1200" dirty="0"/>
+        </a:p>
+      </dsp:txBody>
+      <dsp:txXfrm rot="16200000">
+        <a:off x="1819799" y="1674518"/>
+        <a:ext cx="2783881" cy="565829"/>
+      </dsp:txXfrm>
+    </dsp:sp>
+    <dsp:sp modelId="{B3088EF6-72DF-410B-A0DA-FF23CCEFA77B}">
+      <dsp:nvSpPr>
+        <dsp:cNvPr id="0" name=""/>
+        <dsp:cNvSpPr/>
+      </dsp:nvSpPr>
+      <dsp:spPr>
+        <a:xfrm rot="5400000">
+          <a:off x="2693406" y="3264900"/>
+          <a:ext cx="499130" cy="424372"/>
+        </a:xfrm>
+        <a:prstGeom prst="flowChartExtract">
+          <a:avLst/>
+        </a:prstGeom>
+        <a:solidFill>
+          <a:schemeClr val="lt1">
+            <a:hueOff val="0"/>
+            <a:satOff val="0"/>
+            <a:lumOff val="0"/>
+            <a:alphaOff val="0"/>
+          </a:schemeClr>
+        </a:solidFill>
+        <a:ln w="25400" cap="flat" cmpd="sng" algn="ctr">
+          <a:solidFill>
+            <a:schemeClr val="accent1">
+              <a:hueOff val="0"/>
+              <a:satOff val="0"/>
+              <a:lumOff val="0"/>
+              <a:alphaOff val="0"/>
+            </a:schemeClr>
+          </a:solidFill>
+          <a:prstDash val="solid"/>
+        </a:ln>
+        <a:effectLst/>
+      </dsp:spPr>
+      <dsp:style>
+        <a:lnRef idx="2">
+          <a:scrgbClr r="0" g="0" b="0"/>
+        </a:lnRef>
+        <a:fillRef idx="1">
+          <a:scrgbClr r="0" g="0" b="0"/>
+        </a:fillRef>
+        <a:effectRef idx="0">
+          <a:scrgbClr r="0" g="0" b="0"/>
+        </a:effectRef>
+        <a:fontRef idx="minor"/>
+      </dsp:style>
+    </dsp:sp>
+    <dsp:sp modelId="{297A7009-E966-4FA6-BBB0-34AE5D3C9035}">
+      <dsp:nvSpPr>
+        <dsp:cNvPr id="0" name=""/>
+        <dsp:cNvSpPr/>
+      </dsp:nvSpPr>
+      <dsp:spPr>
+        <a:xfrm>
+          <a:off x="3494655" y="565492"/>
+          <a:ext cx="2107715" cy="3394977"/>
+        </a:xfrm>
+        <a:prstGeom prst="rect">
+          <a:avLst/>
+        </a:prstGeom>
+        <a:noFill/>
+        <a:ln w="25400" cap="flat" cmpd="sng" algn="ctr">
+          <a:noFill/>
+          <a:prstDash val="solid"/>
+        </a:ln>
+        <a:effectLst/>
+        <a:sp3d/>
+      </dsp:spPr>
+      <dsp:style>
+        <a:lnRef idx="2">
+          <a:scrgbClr r="0" g="0" b="0"/>
+        </a:lnRef>
+        <a:fillRef idx="1">
+          <a:scrgbClr r="0" g="0" b="0"/>
+        </a:fillRef>
+        <a:effectRef idx="0">
+          <a:scrgbClr r="0" g="0" b="0"/>
+        </a:effectRef>
+        <a:fontRef idx="minor">
+          <a:schemeClr val="lt1"/>
+        </a:fontRef>
+      </dsp:style>
+      <dsp:txBody>
+        <a:bodyPr spcFirstLastPara="0" vert="horz" wrap="square" lIns="0" tIns="61722" rIns="0" bIns="0" numCol="1" spcCol="1270" anchor="t" anchorCtr="0">
+          <a:noAutofit/>
+        </a:bodyPr>
+        <a:lstStyle/>
+        <a:p>
+          <a:pPr marL="0" lvl="0" indent="0" algn="l" defTabSz="800100">
+            <a:lnSpc>
+              <a:spcPct val="90000"/>
+            </a:lnSpc>
+            <a:spcBef>
+              <a:spcPct val="0"/>
+            </a:spcBef>
+            <a:spcAft>
+              <a:spcPct val="35000"/>
+            </a:spcAft>
+            <a:buNone/>
+          </a:pPr>
+          <a:r>
+            <a:rPr lang="en-US" sz="1800" kern="1200" dirty="0"/>
+            <a:t>Traffic monitoring of the victim.</a:t>
+          </a:r>
+        </a:p>
+        <a:p>
+          <a:pPr marL="0" lvl="0" indent="0" algn="l" defTabSz="800100">
+            <a:lnSpc>
+              <a:spcPct val="90000"/>
+            </a:lnSpc>
+            <a:spcBef>
+              <a:spcPct val="0"/>
+            </a:spcBef>
+            <a:spcAft>
+              <a:spcPct val="35000"/>
+            </a:spcAft>
+            <a:buNone/>
+          </a:pPr>
+          <a:r>
+            <a:rPr lang="en-US" sz="1800" kern="1200" dirty="0"/>
+            <a:t>Forcing the victim to visit a web page controlled by the attacker.</a:t>
+          </a:r>
+        </a:p>
+        <a:p>
+          <a:pPr marL="0" lvl="0" indent="0" algn="l" defTabSz="800100">
+            <a:lnSpc>
+              <a:spcPct val="90000"/>
+            </a:lnSpc>
+            <a:spcBef>
+              <a:spcPct val="0"/>
+            </a:spcBef>
+            <a:spcAft>
+              <a:spcPct val="35000"/>
+            </a:spcAft>
+            <a:buNone/>
+          </a:pPr>
+          <a:r>
+            <a:rPr lang="en-US" sz="1800" kern="1200" dirty="0"/>
+            <a:t>The application must support HTTP compression.</a:t>
+          </a:r>
+        </a:p>
+        <a:p>
+          <a:pPr marL="0" lvl="0" indent="0" algn="l" defTabSz="800100">
+            <a:lnSpc>
+              <a:spcPct val="90000"/>
+            </a:lnSpc>
+            <a:spcBef>
+              <a:spcPct val="0"/>
+            </a:spcBef>
+            <a:spcAft>
+              <a:spcPct val="35000"/>
+            </a:spcAft>
+            <a:buNone/>
+          </a:pPr>
+          <a:r>
+            <a:rPr lang="en-US" sz="1800" kern="1200" dirty="0"/>
+            <a:t>The response should contain the </a:t>
+          </a:r>
+          <a:r>
+            <a:rPr lang="en-US" sz="1800" i="1" kern="1200" dirty="0"/>
+            <a:t>token</a:t>
+          </a:r>
+          <a:r>
+            <a:rPr lang="en-US" sz="1800" kern="1200" dirty="0"/>
+            <a:t> or </a:t>
+          </a:r>
+          <a:r>
+            <a:rPr lang="en-US" sz="1800" i="1" kern="1200" dirty="0"/>
+            <a:t>secret</a:t>
+          </a:r>
+          <a:r>
+            <a:rPr lang="en-US" sz="1800" kern="1200" dirty="0"/>
+            <a:t> in the body.</a:t>
+          </a:r>
+        </a:p>
+        <a:p>
+          <a:pPr marL="0" lvl="0" indent="0" algn="l" defTabSz="800100">
+            <a:lnSpc>
+              <a:spcPct val="90000"/>
+            </a:lnSpc>
+            <a:spcBef>
+              <a:spcPct val="0"/>
+            </a:spcBef>
+            <a:spcAft>
+              <a:spcPct val="35000"/>
+            </a:spcAft>
+            <a:buNone/>
+          </a:pPr>
+          <a:endParaRPr lang="en-US" sz="2400" kern="1200" dirty="0"/>
+        </a:p>
+        <a:p>
+          <a:pPr marL="0" lvl="0" indent="0" algn="l" defTabSz="800100">
+            <a:lnSpc>
+              <a:spcPct val="90000"/>
+            </a:lnSpc>
+            <a:spcBef>
+              <a:spcPct val="0"/>
+            </a:spcBef>
+            <a:spcAft>
+              <a:spcPct val="35000"/>
+            </a:spcAft>
+            <a:buNone/>
+          </a:pPr>
+          <a:endParaRPr lang="it-IT" sz="2400" kern="1200" dirty="0"/>
+        </a:p>
+      </dsp:txBody>
+      <dsp:txXfrm>
+        <a:off x="3494655" y="565492"/>
+        <a:ext cx="2107715" cy="3394977"/>
+      </dsp:txXfrm>
+    </dsp:sp>
+    <dsp:sp modelId="{5086D67A-4483-4899-8015-311ED4D08753}">
+      <dsp:nvSpPr>
+        <dsp:cNvPr id="0" name=""/>
+        <dsp:cNvSpPr/>
+      </dsp:nvSpPr>
+      <dsp:spPr>
+        <a:xfrm>
+          <a:off x="5856994" y="565492"/>
+          <a:ext cx="2829148" cy="3394977"/>
+        </a:xfrm>
+        <a:prstGeom prst="roundRect">
+          <a:avLst>
+            <a:gd name="adj" fmla="val 5000"/>
+          </a:avLst>
+        </a:prstGeom>
+        <a:solidFill>
+          <a:schemeClr val="accent1">
+            <a:hueOff val="0"/>
+            <a:satOff val="0"/>
+            <a:lumOff val="0"/>
+            <a:alphaOff val="0"/>
+          </a:schemeClr>
+        </a:solidFill>
+        <a:ln w="25400" cap="flat" cmpd="sng" algn="ctr">
+          <a:solidFill>
+            <a:schemeClr val="lt1">
+              <a:hueOff val="0"/>
+              <a:satOff val="0"/>
+              <a:lumOff val="0"/>
+              <a:alphaOff val="0"/>
+            </a:schemeClr>
+          </a:solidFill>
+          <a:prstDash val="solid"/>
+        </a:ln>
+        <a:effectLst/>
+      </dsp:spPr>
+      <dsp:style>
+        <a:lnRef idx="2">
+          <a:scrgbClr r="0" g="0" b="0"/>
+        </a:lnRef>
+        <a:fillRef idx="1">
+          <a:scrgbClr r="0" g="0" b="0"/>
+        </a:fillRef>
+        <a:effectRef idx="0">
+          <a:scrgbClr r="0" g="0" b="0"/>
+        </a:effectRef>
+        <a:fontRef idx="minor">
+          <a:schemeClr val="lt1"/>
+        </a:fontRef>
+      </dsp:style>
+      <dsp:txBody>
+        <a:bodyPr spcFirstLastPara="0" vert="horz" wrap="square" lIns="0" tIns="92583" rIns="120015" bIns="0" numCol="1" spcCol="1270" anchor="t" anchorCtr="0">
+          <a:noAutofit/>
+        </a:bodyPr>
+        <a:lstStyle/>
+        <a:p>
+          <a:pPr marL="0" lvl="0" indent="0" algn="r" defTabSz="1200150">
+            <a:lnSpc>
+              <a:spcPct val="90000"/>
+            </a:lnSpc>
+            <a:spcBef>
+              <a:spcPct val="0"/>
+            </a:spcBef>
+            <a:spcAft>
+              <a:spcPct val="35000"/>
+            </a:spcAft>
+            <a:buNone/>
+          </a:pPr>
+          <a:r>
+            <a:rPr lang="it-IT" sz="2700" kern="1200" dirty="0" err="1"/>
+            <a:t>Countermeasures</a:t>
+          </a:r>
+          <a:endParaRPr lang="it-IT" sz="2700" kern="1200" dirty="0"/>
+        </a:p>
+      </dsp:txBody>
+      <dsp:txXfrm rot="16200000">
+        <a:off x="4747968" y="1674518"/>
+        <a:ext cx="2783881" cy="565829"/>
+      </dsp:txXfrm>
+    </dsp:sp>
+    <dsp:sp modelId="{BBACD749-A04B-4D8E-870A-F344A67B0113}">
+      <dsp:nvSpPr>
+        <dsp:cNvPr id="0" name=""/>
+        <dsp:cNvSpPr/>
+      </dsp:nvSpPr>
+      <dsp:spPr>
+        <a:xfrm rot="5400000">
+          <a:off x="5621574" y="3264900"/>
+          <a:ext cx="499130" cy="424372"/>
+        </a:xfrm>
+        <a:prstGeom prst="flowChartExtract">
+          <a:avLst/>
+        </a:prstGeom>
+        <a:solidFill>
+          <a:schemeClr val="lt1">
+            <a:hueOff val="0"/>
+            <a:satOff val="0"/>
+            <a:lumOff val="0"/>
+            <a:alphaOff val="0"/>
+          </a:schemeClr>
+        </a:solidFill>
+        <a:ln w="25400" cap="flat" cmpd="sng" algn="ctr">
+          <a:solidFill>
+            <a:schemeClr val="accent1">
+              <a:hueOff val="0"/>
+              <a:satOff val="0"/>
+              <a:lumOff val="0"/>
+              <a:alphaOff val="0"/>
+            </a:schemeClr>
+          </a:solidFill>
+          <a:prstDash val="solid"/>
+        </a:ln>
+        <a:effectLst/>
+      </dsp:spPr>
+      <dsp:style>
+        <a:lnRef idx="2">
+          <a:scrgbClr r="0" g="0" b="0"/>
+        </a:lnRef>
+        <a:fillRef idx="1">
+          <a:scrgbClr r="0" g="0" b="0"/>
+        </a:fillRef>
+        <a:effectRef idx="0">
+          <a:scrgbClr r="0" g="0" b="0"/>
+        </a:effectRef>
+        <a:fontRef idx="minor"/>
+      </dsp:style>
+    </dsp:sp>
+    <dsp:sp modelId="{57370193-4D96-40C4-9C8D-BBC98CD19204}">
+      <dsp:nvSpPr>
+        <dsp:cNvPr id="0" name=""/>
+        <dsp:cNvSpPr/>
+      </dsp:nvSpPr>
+      <dsp:spPr>
+        <a:xfrm>
+          <a:off x="6422823" y="565492"/>
+          <a:ext cx="2107715" cy="3394977"/>
+        </a:xfrm>
+        <a:prstGeom prst="rect">
+          <a:avLst/>
+        </a:prstGeom>
+        <a:noFill/>
+        <a:ln w="25400" cap="flat" cmpd="sng" algn="ctr">
+          <a:noFill/>
+          <a:prstDash val="solid"/>
+        </a:ln>
+        <a:effectLst/>
+        <a:sp3d/>
+      </dsp:spPr>
+      <dsp:style>
+        <a:lnRef idx="2">
+          <a:scrgbClr r="0" g="0" b="0"/>
+        </a:lnRef>
+        <a:fillRef idx="1">
+          <a:scrgbClr r="0" g="0" b="0"/>
+        </a:fillRef>
+        <a:effectRef idx="0">
+          <a:scrgbClr r="0" g="0" b="0"/>
+        </a:effectRef>
+        <a:fontRef idx="minor">
+          <a:schemeClr val="lt1"/>
+        </a:fontRef>
+      </dsp:style>
+      <dsp:txBody>
+        <a:bodyPr spcFirstLastPara="0" vert="horz" wrap="square" lIns="0" tIns="68580" rIns="0" bIns="0" numCol="1" spcCol="1270" anchor="t" anchorCtr="0">
+          <a:noAutofit/>
+        </a:bodyPr>
+        <a:lstStyle/>
+        <a:p>
+          <a:pPr marL="0" lvl="0" indent="0" algn="l" defTabSz="889000">
+            <a:lnSpc>
+              <a:spcPct val="90000"/>
+            </a:lnSpc>
+            <a:spcBef>
+              <a:spcPct val="0"/>
+            </a:spcBef>
+            <a:spcAft>
+              <a:spcPct val="35000"/>
+            </a:spcAft>
+            <a:buNone/>
+          </a:pPr>
+          <a:r>
+            <a:rPr lang="it-IT" sz="2000" kern="1200" dirty="0" err="1"/>
+            <a:t>Disable</a:t>
+          </a:r>
+          <a:r>
+            <a:rPr lang="it-IT" sz="2000" kern="1200" dirty="0"/>
+            <a:t> the HTTP  </a:t>
+          </a:r>
+          <a:r>
+            <a:rPr lang="it-IT" sz="2000" kern="1200" dirty="0" err="1"/>
+            <a:t>compression</a:t>
+          </a:r>
+          <a:r>
+            <a:rPr lang="it-IT" sz="2000" kern="1200" dirty="0"/>
+            <a:t>.</a:t>
+          </a:r>
+        </a:p>
+        <a:p>
+          <a:pPr marL="0" lvl="0" indent="0" algn="l" defTabSz="889000">
+            <a:lnSpc>
+              <a:spcPct val="90000"/>
+            </a:lnSpc>
+            <a:spcBef>
+              <a:spcPct val="0"/>
+            </a:spcBef>
+            <a:spcAft>
+              <a:spcPct val="35000"/>
+            </a:spcAft>
+            <a:buNone/>
+          </a:pPr>
+          <a:endParaRPr lang="it-IT" sz="2000" kern="1200" dirty="0"/>
+        </a:p>
+        <a:p>
+          <a:pPr marL="0" lvl="0" indent="0" algn="l" defTabSz="889000">
+            <a:lnSpc>
+              <a:spcPct val="90000"/>
+            </a:lnSpc>
+            <a:spcBef>
+              <a:spcPct val="0"/>
+            </a:spcBef>
+            <a:spcAft>
+              <a:spcPct val="35000"/>
+            </a:spcAft>
+            <a:buNone/>
+          </a:pPr>
+          <a:r>
+            <a:rPr lang="it-IT" sz="2000" kern="1200" dirty="0" err="1"/>
+            <a:t>Length</a:t>
+          </a:r>
+          <a:r>
+            <a:rPr lang="it-IT" sz="2000" kern="1200" dirty="0"/>
+            <a:t> </a:t>
+          </a:r>
+          <a:r>
+            <a:rPr lang="it-IT" sz="2000" kern="1200" dirty="0" err="1"/>
+            <a:t>hiding</a:t>
+          </a:r>
+          <a:r>
+            <a:rPr lang="it-IT" sz="2000" kern="1200" dirty="0"/>
+            <a:t>.</a:t>
+          </a:r>
+        </a:p>
+        <a:p>
+          <a:pPr marL="0" lvl="0" indent="0" algn="l" defTabSz="889000">
+            <a:lnSpc>
+              <a:spcPct val="90000"/>
+            </a:lnSpc>
+            <a:spcBef>
+              <a:spcPct val="0"/>
+            </a:spcBef>
+            <a:spcAft>
+              <a:spcPct val="35000"/>
+            </a:spcAft>
+            <a:buNone/>
+          </a:pPr>
+          <a:endParaRPr lang="it-IT" sz="2000" kern="1200" dirty="0"/>
+        </a:p>
+        <a:p>
+          <a:pPr marL="0" lvl="0" indent="0" algn="l" defTabSz="889000">
+            <a:lnSpc>
+              <a:spcPct val="90000"/>
+            </a:lnSpc>
+            <a:spcBef>
+              <a:spcPct val="0"/>
+            </a:spcBef>
+            <a:spcAft>
+              <a:spcPct val="35000"/>
+            </a:spcAft>
+            <a:buNone/>
+          </a:pPr>
+          <a:r>
+            <a:rPr lang="it-IT" sz="2000" kern="1200" dirty="0" err="1"/>
+            <a:t>Masking</a:t>
+          </a:r>
+          <a:r>
+            <a:rPr lang="it-IT" sz="2000" kern="1200" dirty="0"/>
+            <a:t> </a:t>
+          </a:r>
+          <a:r>
+            <a:rPr lang="it-IT" sz="2000" kern="1200" dirty="0" err="1"/>
+            <a:t>secrets</a:t>
+          </a:r>
+          <a:endParaRPr lang="it-IT" sz="2000" kern="1200" dirty="0"/>
+        </a:p>
+        <a:p>
+          <a:pPr marL="0" lvl="0" indent="0" algn="l" defTabSz="889000">
+            <a:lnSpc>
+              <a:spcPct val="90000"/>
+            </a:lnSpc>
+            <a:spcBef>
+              <a:spcPct val="0"/>
+            </a:spcBef>
+            <a:spcAft>
+              <a:spcPct val="35000"/>
+            </a:spcAft>
+            <a:buNone/>
+          </a:pPr>
+          <a:endParaRPr lang="it-IT" sz="2900" kern="1200" dirty="0"/>
+        </a:p>
+        <a:p>
+          <a:pPr marL="0" lvl="0" indent="0" algn="l" defTabSz="1289050">
+            <a:lnSpc>
+              <a:spcPct val="90000"/>
+            </a:lnSpc>
+            <a:spcBef>
+              <a:spcPct val="0"/>
+            </a:spcBef>
+            <a:spcAft>
+              <a:spcPct val="35000"/>
+            </a:spcAft>
+            <a:buNone/>
+          </a:pPr>
+          <a:endParaRPr lang="it-IT" sz="2900" kern="1200" dirty="0"/>
+        </a:p>
+        <a:p>
+          <a:pPr marL="0" lvl="0" indent="0" algn="l" defTabSz="1289050">
+            <a:lnSpc>
+              <a:spcPct val="90000"/>
+            </a:lnSpc>
+            <a:spcBef>
+              <a:spcPct val="0"/>
+            </a:spcBef>
+            <a:spcAft>
+              <a:spcPct val="35000"/>
+            </a:spcAft>
+            <a:buNone/>
+          </a:pPr>
+          <a:endParaRPr lang="it-IT" sz="2900" kern="1200" dirty="0"/>
+        </a:p>
+      </dsp:txBody>
+      <dsp:txXfrm>
+        <a:off x="6422823" y="565492"/>
+        <a:ext cx="2107715" cy="3394977"/>
+      </dsp:txXfrm>
+    </dsp:sp>
   </dsp:spTree>
 </dsp:drawing>
 </file>
@@ -5473,7 +6627,7 @@
               <a:pPr>
                 <a:defRPr/>
               </a:pPr>
-              <a:t>‹N›</a:t>
+              <a:t>‹#›</a:t>
             </a:fld>
             <a:endParaRPr lang="en-US"/>
           </a:p>
@@ -5818,7 +6972,7 @@
               <a:pPr>
                 <a:defRPr/>
               </a:pPr>
-              <a:t>‹N›</a:t>
+              <a:t>‹#›</a:t>
             </a:fld>
             <a:endParaRPr lang="en-AU"/>
           </a:p>
@@ -6025,7 +7179,7 @@
           <a:bodyPr/>
           <a:lstStyle/>
           <a:p>
-            <a:endParaRPr lang="it-IT" altLang="it-IT" smtClean="0">
+            <a:endParaRPr lang="it-IT" altLang="it-IT">
               <a:latin typeface="Arial" panose="020B0604020202020204" pitchFamily="34" charset="0"/>
             </a:endParaRPr>
           </a:p>
@@ -6291,7 +7445,7 @@
               <a:pPr>
                 <a:defRPr/>
               </a:pPr>
-              <a:t>9</a:t>
+              <a:t>11</a:t>
             </a:fld>
             <a:endParaRPr lang="en-AU"/>
           </a:p>
@@ -6413,7 +7567,7 @@
           </a:lstStyle>
           <a:p>
             <a:r>
-              <a:rPr lang="it-IT" dirty="0" smtClean="0"/>
+              <a:rPr lang="it-IT" dirty="0"/>
               <a:t>Fare clic per modificare lo stile del titolo</a:t>
             </a:r>
             <a:endParaRPr lang="en-US" dirty="0"/>
@@ -6476,7 +7630,7 @@
           </a:lstStyle>
           <a:p>
             <a:r>
-              <a:rPr lang="it-IT" dirty="0" smtClean="0"/>
+              <a:rPr lang="it-IT" dirty="0"/>
               <a:t>Fare clic per modificare lo stile del sottotitolo dello schema</a:t>
             </a:r>
             <a:endParaRPr lang="en-US" dirty="0"/>
@@ -6567,7 +7721,7 @@
               <a:pPr>
                 <a:defRPr/>
               </a:pPr>
-              <a:t>‹N›</a:t>
+              <a:t>‹#›</a:t>
             </a:fld>
             <a:endParaRPr lang="en-US"/>
           </a:p>
@@ -6619,7 +7773,7 @@
           <a:lstStyle/>
           <a:p>
             <a:r>
-              <a:rPr lang="it-IT" smtClean="0"/>
+              <a:rPr lang="it-IT"/>
               <a:t>Fare clic per modificare lo stile del titolo</a:t>
             </a:r>
             <a:endParaRPr lang="en-US"/>
@@ -6643,35 +7797,35 @@
           <a:p>
             <a:pPr lvl="0"/>
             <a:r>
-              <a:rPr lang="it-IT" smtClean="0"/>
+              <a:rPr lang="it-IT"/>
               <a:t>Fare clic per modificare stili del testo dello schema</a:t>
             </a:r>
           </a:p>
           <a:p>
             <a:pPr lvl="1"/>
             <a:r>
-              <a:rPr lang="it-IT" smtClean="0"/>
+              <a:rPr lang="it-IT"/>
               <a:t>Secondo livello</a:t>
             </a:r>
           </a:p>
           <a:p>
             <a:pPr lvl="2"/>
             <a:r>
-              <a:rPr lang="it-IT" smtClean="0"/>
+              <a:rPr lang="it-IT"/>
               <a:t>Terzo livello</a:t>
             </a:r>
           </a:p>
           <a:p>
             <a:pPr lvl="3"/>
             <a:r>
-              <a:rPr lang="it-IT" smtClean="0"/>
+              <a:rPr lang="it-IT"/>
               <a:t>Quarto livello</a:t>
             </a:r>
           </a:p>
           <a:p>
             <a:pPr lvl="4"/>
             <a:r>
-              <a:rPr lang="it-IT" smtClean="0"/>
+              <a:rPr lang="it-IT"/>
               <a:t>Quinto livello</a:t>
             </a:r>
             <a:endParaRPr lang="en-US"/>
@@ -6757,7 +7911,7 @@
               <a:pPr>
                 <a:defRPr/>
               </a:pPr>
-              <a:t>‹N›</a:t>
+              <a:t>‹#›</a:t>
             </a:fld>
             <a:endParaRPr lang="en-US"/>
           </a:p>
@@ -6814,7 +7968,7 @@
           <a:lstStyle/>
           <a:p>
             <a:r>
-              <a:rPr lang="it-IT" smtClean="0"/>
+              <a:rPr lang="it-IT"/>
               <a:t>Fare clic per modificare lo stile del titolo</a:t>
             </a:r>
             <a:endParaRPr lang="en-US"/>
@@ -6843,35 +7997,35 @@
           <a:p>
             <a:pPr lvl="0"/>
             <a:r>
-              <a:rPr lang="it-IT" smtClean="0"/>
+              <a:rPr lang="it-IT"/>
               <a:t>Fare clic per modificare stili del testo dello schema</a:t>
             </a:r>
           </a:p>
           <a:p>
             <a:pPr lvl="1"/>
             <a:r>
-              <a:rPr lang="it-IT" smtClean="0"/>
+              <a:rPr lang="it-IT"/>
               <a:t>Secondo livello</a:t>
             </a:r>
           </a:p>
           <a:p>
             <a:pPr lvl="2"/>
             <a:r>
-              <a:rPr lang="it-IT" smtClean="0"/>
+              <a:rPr lang="it-IT"/>
               <a:t>Terzo livello</a:t>
             </a:r>
           </a:p>
           <a:p>
             <a:pPr lvl="3"/>
             <a:r>
-              <a:rPr lang="it-IT" smtClean="0"/>
+              <a:rPr lang="it-IT"/>
               <a:t>Quarto livello</a:t>
             </a:r>
           </a:p>
           <a:p>
             <a:pPr lvl="4"/>
             <a:r>
-              <a:rPr lang="it-IT" smtClean="0"/>
+              <a:rPr lang="it-IT"/>
               <a:t>Quinto livello</a:t>
             </a:r>
             <a:endParaRPr lang="en-US"/>
@@ -6957,7 +8111,7 @@
               <a:pPr>
                 <a:defRPr/>
               </a:pPr>
-              <a:t>‹N›</a:t>
+              <a:t>‹#›</a:t>
             </a:fld>
             <a:endParaRPr lang="en-US"/>
           </a:p>
@@ -7009,7 +8163,7 @@
           <a:lstStyle/>
           <a:p>
             <a:r>
-              <a:rPr lang="it-IT" smtClean="0"/>
+              <a:rPr lang="it-IT"/>
               <a:t>Fare clic per modificare lo stile del titolo</a:t>
             </a:r>
             <a:endParaRPr lang="en-US"/>
@@ -7033,35 +8187,35 @@
           <a:p>
             <a:pPr lvl="0"/>
             <a:r>
-              <a:rPr lang="it-IT" dirty="0" smtClean="0"/>
+              <a:rPr lang="it-IT" dirty="0"/>
               <a:t>Fare clic per modificare stili del testo dello schema</a:t>
             </a:r>
           </a:p>
           <a:p>
             <a:pPr lvl="1"/>
             <a:r>
-              <a:rPr lang="it-IT" dirty="0" smtClean="0"/>
+              <a:rPr lang="it-IT" dirty="0"/>
               <a:t>Secondo livello</a:t>
             </a:r>
           </a:p>
           <a:p>
             <a:pPr lvl="2"/>
             <a:r>
-              <a:rPr lang="it-IT" dirty="0" smtClean="0"/>
+              <a:rPr lang="it-IT" dirty="0"/>
               <a:t>Terzo livello</a:t>
             </a:r>
           </a:p>
           <a:p>
             <a:pPr lvl="3"/>
             <a:r>
-              <a:rPr lang="it-IT" dirty="0" smtClean="0"/>
+              <a:rPr lang="it-IT" dirty="0"/>
               <a:t>Quarto livello</a:t>
             </a:r>
           </a:p>
           <a:p>
             <a:pPr lvl="4"/>
             <a:r>
-              <a:rPr lang="it-IT" dirty="0" smtClean="0"/>
+              <a:rPr lang="it-IT" dirty="0"/>
               <a:t>Quinto livello</a:t>
             </a:r>
             <a:endParaRPr lang="en-US" dirty="0"/>
@@ -7157,7 +8311,7 @@
               <a:pPr>
                 <a:defRPr/>
               </a:pPr>
-              <a:t>‹N›</a:t>
+              <a:t>‹#›</a:t>
             </a:fld>
             <a:endParaRPr lang="en-US"/>
           </a:p>
@@ -7333,7 +8487,7 @@
           <a:p>
             <a:pPr lvl="0"/>
             <a:r>
-              <a:rPr lang="it-IT" smtClean="0"/>
+              <a:rPr lang="it-IT"/>
               <a:t>Fare clic per modificare stili del testo dello schema</a:t>
             </a:r>
           </a:p>
@@ -7364,7 +8518,7 @@
           </a:lstStyle>
           <a:p>
             <a:r>
-              <a:rPr lang="it-IT" smtClean="0"/>
+              <a:rPr lang="it-IT"/>
               <a:t>Fare clic per modificare lo stile del titolo</a:t>
             </a:r>
             <a:endParaRPr lang="en-US"/>
@@ -7450,7 +8604,7 @@
               <a:pPr>
                 <a:defRPr/>
               </a:pPr>
-              <a:t>‹N›</a:t>
+              <a:t>‹#›</a:t>
             </a:fld>
             <a:endParaRPr lang="en-US"/>
           </a:p>
@@ -7507,7 +8661,7 @@
           <a:lstStyle/>
           <a:p>
             <a:r>
-              <a:rPr lang="it-IT" smtClean="0"/>
+              <a:rPr lang="it-IT"/>
               <a:t>Fare clic per modificare lo stile del titolo</a:t>
             </a:r>
             <a:endParaRPr lang="en-US"/>
@@ -7552,35 +8706,35 @@
           <a:p>
             <a:pPr lvl="0"/>
             <a:r>
-              <a:rPr lang="it-IT" smtClean="0"/>
+              <a:rPr lang="it-IT"/>
               <a:t>Fare clic per modificare stili del testo dello schema</a:t>
             </a:r>
           </a:p>
           <a:p>
             <a:pPr lvl="1"/>
             <a:r>
-              <a:rPr lang="it-IT" smtClean="0"/>
+              <a:rPr lang="it-IT"/>
               <a:t>Secondo livello</a:t>
             </a:r>
           </a:p>
           <a:p>
             <a:pPr lvl="2"/>
             <a:r>
-              <a:rPr lang="it-IT" smtClean="0"/>
+              <a:rPr lang="it-IT"/>
               <a:t>Terzo livello</a:t>
             </a:r>
           </a:p>
           <a:p>
             <a:pPr lvl="3"/>
             <a:r>
-              <a:rPr lang="it-IT" smtClean="0"/>
+              <a:rPr lang="it-IT"/>
               <a:t>Quarto livello</a:t>
             </a:r>
           </a:p>
           <a:p>
             <a:pPr lvl="4"/>
             <a:r>
-              <a:rPr lang="it-IT" smtClean="0"/>
+              <a:rPr lang="it-IT"/>
               <a:t>Quinto livello</a:t>
             </a:r>
             <a:endParaRPr lang="en-US"/>
@@ -7625,35 +8779,35 @@
           <a:p>
             <a:pPr lvl="0"/>
             <a:r>
-              <a:rPr lang="it-IT" smtClean="0"/>
+              <a:rPr lang="it-IT"/>
               <a:t>Fare clic per modificare stili del testo dello schema</a:t>
             </a:r>
           </a:p>
           <a:p>
             <a:pPr lvl="1"/>
             <a:r>
-              <a:rPr lang="it-IT" smtClean="0"/>
+              <a:rPr lang="it-IT"/>
               <a:t>Secondo livello</a:t>
             </a:r>
           </a:p>
           <a:p>
             <a:pPr lvl="2"/>
             <a:r>
-              <a:rPr lang="it-IT" smtClean="0"/>
+              <a:rPr lang="it-IT"/>
               <a:t>Terzo livello</a:t>
             </a:r>
           </a:p>
           <a:p>
             <a:pPr lvl="3"/>
             <a:r>
-              <a:rPr lang="it-IT" smtClean="0"/>
+              <a:rPr lang="it-IT"/>
               <a:t>Quarto livello</a:t>
             </a:r>
           </a:p>
           <a:p>
             <a:pPr lvl="4"/>
             <a:r>
-              <a:rPr lang="it-IT" smtClean="0"/>
+              <a:rPr lang="it-IT"/>
               <a:t>Quinto livello</a:t>
             </a:r>
             <a:endParaRPr lang="en-US"/>
@@ -7739,7 +8893,7 @@
               <a:pPr>
                 <a:defRPr/>
               </a:pPr>
-              <a:t>‹N›</a:t>
+              <a:t>‹#›</a:t>
             </a:fld>
             <a:endParaRPr lang="en-US"/>
           </a:p>
@@ -7855,7 +9009,7 @@
           </a:lstStyle>
           <a:p>
             <a:r>
-              <a:rPr lang="it-IT" smtClean="0"/>
+              <a:rPr lang="it-IT"/>
               <a:t>Fare clic per modificare lo stile del titolo</a:t>
             </a:r>
             <a:endParaRPr lang="en-US"/>
@@ -7914,7 +9068,7 @@
           <a:p>
             <a:pPr lvl="0"/>
             <a:r>
-              <a:rPr lang="it-IT" smtClean="0"/>
+              <a:rPr lang="it-IT"/>
               <a:t>Fare clic per modificare stili del testo dello schema</a:t>
             </a:r>
           </a:p>
@@ -7972,7 +9126,7 @@
           <a:p>
             <a:pPr lvl="0"/>
             <a:r>
-              <a:rPr lang="it-IT" smtClean="0"/>
+              <a:rPr lang="it-IT"/>
               <a:t>Fare clic per modificare stili del testo dello schema</a:t>
             </a:r>
           </a:p>
@@ -8016,35 +9170,35 @@
           <a:p>
             <a:pPr lvl="0"/>
             <a:r>
-              <a:rPr lang="it-IT" smtClean="0"/>
+              <a:rPr lang="it-IT"/>
               <a:t>Fare clic per modificare stili del testo dello schema</a:t>
             </a:r>
           </a:p>
           <a:p>
             <a:pPr lvl="1"/>
             <a:r>
-              <a:rPr lang="it-IT" smtClean="0"/>
+              <a:rPr lang="it-IT"/>
               <a:t>Secondo livello</a:t>
             </a:r>
           </a:p>
           <a:p>
             <a:pPr lvl="2"/>
             <a:r>
-              <a:rPr lang="it-IT" smtClean="0"/>
+              <a:rPr lang="it-IT"/>
               <a:t>Terzo livello</a:t>
             </a:r>
           </a:p>
           <a:p>
             <a:pPr lvl="3"/>
             <a:r>
-              <a:rPr lang="it-IT" smtClean="0"/>
+              <a:rPr lang="it-IT"/>
               <a:t>Quarto livello</a:t>
             </a:r>
           </a:p>
           <a:p>
             <a:pPr lvl="4"/>
             <a:r>
-              <a:rPr lang="it-IT" smtClean="0"/>
+              <a:rPr lang="it-IT"/>
               <a:t>Quinto livello</a:t>
             </a:r>
             <a:endParaRPr lang="en-US"/>
@@ -8089,35 +9243,35 @@
           <a:p>
             <a:pPr lvl="0"/>
             <a:r>
-              <a:rPr lang="it-IT" smtClean="0"/>
+              <a:rPr lang="it-IT"/>
               <a:t>Fare clic per modificare stili del testo dello schema</a:t>
             </a:r>
           </a:p>
           <a:p>
             <a:pPr lvl="1"/>
             <a:r>
-              <a:rPr lang="it-IT" smtClean="0"/>
+              <a:rPr lang="it-IT"/>
               <a:t>Secondo livello</a:t>
             </a:r>
           </a:p>
           <a:p>
             <a:pPr lvl="2"/>
             <a:r>
-              <a:rPr lang="it-IT" smtClean="0"/>
+              <a:rPr lang="it-IT"/>
               <a:t>Terzo livello</a:t>
             </a:r>
           </a:p>
           <a:p>
             <a:pPr lvl="3"/>
             <a:r>
-              <a:rPr lang="it-IT" smtClean="0"/>
+              <a:rPr lang="it-IT"/>
               <a:t>Quarto livello</a:t>
             </a:r>
           </a:p>
           <a:p>
             <a:pPr lvl="4"/>
             <a:r>
-              <a:rPr lang="it-IT" smtClean="0"/>
+              <a:rPr lang="it-IT"/>
               <a:t>Quinto livello</a:t>
             </a:r>
             <a:endParaRPr lang="en-US"/>
@@ -8208,7 +9362,7 @@
               <a:pPr>
                 <a:defRPr/>
               </a:pPr>
-              <a:t>‹N›</a:t>
+              <a:t>‹#›</a:t>
             </a:fld>
             <a:endParaRPr lang="en-US"/>
           </a:p>
@@ -8265,7 +9419,7 @@
           <a:lstStyle/>
           <a:p>
             <a:r>
-              <a:rPr lang="it-IT" smtClean="0"/>
+              <a:rPr lang="it-IT"/>
               <a:t>Fare clic per modificare lo stile del titolo</a:t>
             </a:r>
             <a:endParaRPr lang="en-US"/>
@@ -8351,7 +9505,7 @@
               <a:pPr>
                 <a:defRPr/>
               </a:pPr>
-              <a:t>‹N›</a:t>
+              <a:t>‹#›</a:t>
             </a:fld>
             <a:endParaRPr lang="en-US"/>
           </a:p>
@@ -8466,7 +9620,7 @@
               <a:pPr>
                 <a:defRPr/>
               </a:pPr>
-              <a:t>‹N›</a:t>
+              <a:t>‹#›</a:t>
             </a:fld>
             <a:endParaRPr lang="en-US"/>
           </a:p>
@@ -8583,7 +9737,7 @@
           </a:lstStyle>
           <a:p>
             <a:r>
-              <a:rPr lang="it-IT" smtClean="0"/>
+              <a:rPr lang="it-IT"/>
               <a:t>Fare clic per modificare lo stile del titolo</a:t>
             </a:r>
             <a:endParaRPr lang="en-US"/>
@@ -8633,7 +9787,7 @@
           <a:p>
             <a:pPr lvl="0"/>
             <a:r>
-              <a:rPr lang="it-IT" smtClean="0"/>
+              <a:rPr lang="it-IT"/>
               <a:t>Fare clic per modificare stili del testo dello schema</a:t>
             </a:r>
           </a:p>
@@ -8677,35 +9831,35 @@
           <a:p>
             <a:pPr lvl="0"/>
             <a:r>
-              <a:rPr lang="it-IT" smtClean="0"/>
+              <a:rPr lang="it-IT"/>
               <a:t>Fare clic per modificare stili del testo dello schema</a:t>
             </a:r>
           </a:p>
           <a:p>
             <a:pPr lvl="1"/>
             <a:r>
-              <a:rPr lang="it-IT" smtClean="0"/>
+              <a:rPr lang="it-IT"/>
               <a:t>Secondo livello</a:t>
             </a:r>
           </a:p>
           <a:p>
             <a:pPr lvl="2"/>
             <a:r>
-              <a:rPr lang="it-IT" smtClean="0"/>
+              <a:rPr lang="it-IT"/>
               <a:t>Terzo livello</a:t>
             </a:r>
           </a:p>
           <a:p>
             <a:pPr lvl="3"/>
             <a:r>
-              <a:rPr lang="it-IT" smtClean="0"/>
+              <a:rPr lang="it-IT"/>
               <a:t>Quarto livello</a:t>
             </a:r>
           </a:p>
           <a:p>
             <a:pPr lvl="4"/>
             <a:r>
-              <a:rPr lang="it-IT" smtClean="0"/>
+              <a:rPr lang="it-IT"/>
               <a:t>Quinto livello</a:t>
             </a:r>
             <a:endParaRPr lang="en-US"/>
@@ -8791,7 +9945,7 @@
               <a:pPr>
                 <a:defRPr/>
               </a:pPr>
-              <a:t>‹N›</a:t>
+              <a:t>‹#›</a:t>
             </a:fld>
             <a:endParaRPr lang="en-US"/>
           </a:p>
@@ -8867,7 +10021,7 @@
           <a:p>
             <a:pPr lvl="0"/>
             <a:r>
-              <a:rPr lang="it-IT" noProof="0" smtClean="0"/>
+              <a:rPr lang="it-IT" noProof="0"/>
               <a:t>Fare clic sull'icona per inserire un'immagine</a:t>
             </a:r>
             <a:endParaRPr lang="en-US" noProof="0" dirty="0"/>
@@ -8900,7 +10054,7 @@
           </a:lstStyle>
           <a:p>
             <a:r>
-              <a:rPr lang="it-IT" smtClean="0"/>
+              <a:rPr lang="it-IT"/>
               <a:t>Fare clic per modificare lo stile del titolo</a:t>
             </a:r>
             <a:endParaRPr lang="en-US"/>
@@ -8946,7 +10100,7 @@
           <a:p>
             <a:pPr lvl="0"/>
             <a:r>
-              <a:rPr lang="it-IT" smtClean="0"/>
+              <a:rPr lang="it-IT"/>
               <a:t>Fare clic per modificare stili del testo dello schema</a:t>
             </a:r>
           </a:p>
@@ -9031,7 +10185,7 @@
               <a:pPr>
                 <a:defRPr/>
               </a:pPr>
-              <a:t>‹N›</a:t>
+              <a:t>‹#›</a:t>
             </a:fld>
             <a:endParaRPr lang="en-US"/>
           </a:p>
@@ -9186,38 +10340,38 @@
           <a:p>
             <a:pPr lvl="0"/>
             <a:r>
-              <a:rPr lang="it-IT" altLang="it-IT" smtClean="0"/>
+              <a:rPr lang="it-IT" altLang="it-IT"/>
               <a:t>Fare clic per modificare stili del testo dello schema</a:t>
             </a:r>
           </a:p>
           <a:p>
             <a:pPr lvl="1"/>
             <a:r>
-              <a:rPr lang="it-IT" altLang="it-IT" smtClean="0"/>
+              <a:rPr lang="it-IT" altLang="it-IT"/>
               <a:t>Secondo livello</a:t>
             </a:r>
           </a:p>
           <a:p>
             <a:pPr lvl="2"/>
             <a:r>
-              <a:rPr lang="it-IT" altLang="it-IT" smtClean="0"/>
+              <a:rPr lang="it-IT" altLang="it-IT"/>
               <a:t>Terzo livello</a:t>
             </a:r>
           </a:p>
           <a:p>
             <a:pPr lvl="3"/>
             <a:r>
-              <a:rPr lang="it-IT" altLang="it-IT" smtClean="0"/>
+              <a:rPr lang="it-IT" altLang="it-IT"/>
               <a:t>Quarto livello</a:t>
             </a:r>
           </a:p>
           <a:p>
             <a:pPr lvl="4"/>
             <a:r>
-              <a:rPr lang="it-IT" altLang="it-IT" smtClean="0"/>
+              <a:rPr lang="it-IT" altLang="it-IT"/>
               <a:t>Quinto livello</a:t>
             </a:r>
-            <a:endParaRPr lang="en-US" altLang="it-IT" smtClean="0"/>
+            <a:endParaRPr lang="en-US" altLang="it-IT"/>
           </a:p>
         </p:txBody>
       </p:sp>
@@ -9346,7 +10500,7 @@
               <a:pPr>
                 <a:defRPr/>
               </a:pPr>
-              <a:t>‹N›</a:t>
+              <a:t>‹#›</a:t>
             </a:fld>
             <a:endParaRPr lang="en-US"/>
           </a:p>
@@ -9378,7 +10532,7 @@
           <a:lstStyle/>
           <a:p>
             <a:r>
-              <a:rPr lang="it-IT" smtClean="0"/>
+              <a:rPr lang="it-IT"/>
               <a:t>Fare clic per modificare lo stile del titolo</a:t>
             </a:r>
             <a:endParaRPr lang="en-US"/>
@@ -9975,24 +11129,19 @@
               <a:defRPr/>
             </a:pPr>
             <a:r>
-              <a:rPr lang="it-IT" dirty="0" smtClean="0"/>
-              <a:t>Network &amp; Computer Security</a:t>
-            </a:r>
-            <a:br>
-              <a:rPr lang="it-IT" dirty="0" smtClean="0"/>
-            </a:br>
-            <a:r>
               <a:rPr lang="it-IT" dirty="0"/>
-              <a:t/>
+              <a:t>Network &amp; Security</a:t>
             </a:r>
             <a:br>
               <a:rPr lang="it-IT" dirty="0"/>
             </a:br>
-            <a:r>
-              <a:rPr lang="it-IT" dirty="0" smtClean="0"/>
+            <a:br>
+              <a:rPr lang="it-IT" dirty="0"/>
+            </a:br>
+            <a:r>
+              <a:rPr lang="it-IT" dirty="0"/>
               <a:t>SSL/TLS</a:t>
             </a:r>
-            <a:endParaRPr lang="it-IT" dirty="0"/>
           </a:p>
         </p:txBody>
       </p:sp>
@@ -10027,10 +11176,9 @@
               <a:defRPr/>
             </a:pPr>
             <a:r>
-              <a:rPr lang="it-IT" dirty="0" smtClean="0"/>
+              <a:rPr lang="it-IT" dirty="0"/>
               <a:t>Prof. Giovambattista Ianni – Università della Calabria</a:t>
             </a:r>
-            <a:endParaRPr lang="it-IT" dirty="0"/>
           </a:p>
         </p:txBody>
       </p:sp>
@@ -10056,7 +11204,7 @@
         </p:blipFill>
         <p:spPr>
           <a:xfrm rot="21153256">
-            <a:off x="2560036" y="3293272"/>
+            <a:off x="615821" y="3407268"/>
             <a:ext cx="4669656" cy="1480948"/>
           </a:xfrm>
           <a:prstGeom prst="rect">
@@ -10079,13 +11227,6 @@
   <p:clrMapOvr>
     <a:masterClrMapping/>
   </p:clrMapOvr>
-  <p:timing>
-    <p:tnLst>
-      <p:par>
-        <p:cTn id="1" dur="indefinite" restart="never" nodeType="tmRoot"/>
-      </p:par>
-    </p:tnLst>
-  </p:timing>
 </p:sld>
 </file>
 
@@ -10122,10 +11263,512 @@
           <a:lstStyle/>
           <a:p>
             <a:r>
-              <a:rPr lang="it-IT" dirty="0" smtClean="0"/>
+              <a:rPr lang="it-IT" dirty="0"/>
+              <a:t>BEAST</a:t>
+            </a:r>
+          </a:p>
+        </p:txBody>
+      </p:sp>
+      <p:pic>
+        <p:nvPicPr>
+          <p:cNvPr id="4" name="Immagine 3"/>
+          <p:cNvPicPr>
+            <a:picLocks noChangeAspect="1"/>
+          </p:cNvPicPr>
+          <p:nvPr/>
+        </p:nvPicPr>
+        <p:blipFill>
+          <a:blip r:embed="rId2"/>
+          <a:stretch>
+            <a:fillRect/>
+          </a:stretch>
+        </p:blipFill>
+        <p:spPr>
+          <a:xfrm>
+            <a:off x="683568" y="1916832"/>
+            <a:ext cx="7823092" cy="3168352"/>
+          </a:xfrm>
+          <a:prstGeom prst="rect">
+            <a:avLst/>
+          </a:prstGeom>
+        </p:spPr>
+      </p:pic>
+      <p:sp>
+        <p:nvSpPr>
+          <p:cNvPr id="5" name="Rettangolo 4"/>
+          <p:cNvSpPr/>
+          <p:nvPr/>
+        </p:nvSpPr>
+        <p:spPr>
+          <a:xfrm>
+            <a:off x="656888" y="5229200"/>
+            <a:ext cx="7823092" cy="1296144"/>
+          </a:xfrm>
+          <a:prstGeom prst="rect">
+            <a:avLst/>
+          </a:prstGeom>
+        </p:spPr>
+        <p:style>
+          <a:lnRef idx="2">
+            <a:schemeClr val="accent1">
+              <a:shade val="50000"/>
+            </a:schemeClr>
+          </a:lnRef>
+          <a:fillRef idx="1">
+            <a:schemeClr val="accent1"/>
+          </a:fillRef>
+          <a:effectRef idx="0">
+            <a:schemeClr val="accent1"/>
+          </a:effectRef>
+          <a:fontRef idx="minor">
+            <a:schemeClr val="lt1"/>
+          </a:fontRef>
+        </p:style>
+        <p:txBody>
+          <a:bodyPr rtlCol="0" anchor="ctr"/>
+          <a:lstStyle/>
+          <a:p>
+            <a:r>
+              <a:rPr lang="en-US" dirty="0"/>
+              <a:t>Up to TLS 1.0 the IV of the first block of the first message is the last </a:t>
+            </a:r>
+            <a:r>
+              <a:rPr lang="en-US" dirty="0" err="1"/>
+              <a:t>ciphertext</a:t>
+            </a:r>
+            <a:r>
+              <a:rPr lang="en-US" dirty="0"/>
+              <a:t> block of the last message sent. </a:t>
+            </a:r>
+          </a:p>
+          <a:p>
+            <a:r>
+              <a:rPr lang="en-US" sz="2000" b="1" dirty="0">
+                <a:solidFill>
+                  <a:srgbClr val="FF0000"/>
+                </a:solidFill>
+              </a:rPr>
+              <a:t>This makes the IV predictable.</a:t>
+            </a:r>
+            <a:endParaRPr lang="it-IT" sz="2000" b="1" dirty="0">
+              <a:solidFill>
+                <a:srgbClr val="FF0000"/>
+              </a:solidFill>
+            </a:endParaRPr>
+          </a:p>
+        </p:txBody>
+      </p:sp>
+      <p:sp>
+        <p:nvSpPr>
+          <p:cNvPr id="8" name="Rettangolo arrotondato 7"/>
+          <p:cNvSpPr/>
+          <p:nvPr/>
+        </p:nvSpPr>
+        <p:spPr>
+          <a:xfrm>
+            <a:off x="683568" y="2492896"/>
+            <a:ext cx="1944216" cy="576064"/>
+          </a:xfrm>
+          <a:prstGeom prst="roundRect">
+            <a:avLst/>
+          </a:prstGeom>
+          <a:noFill/>
+          <a:ln>
+            <a:solidFill>
+              <a:srgbClr val="92D050"/>
+            </a:solidFill>
+          </a:ln>
+        </p:spPr>
+        <p:style>
+          <a:lnRef idx="2">
+            <a:schemeClr val="accent1">
+              <a:shade val="50000"/>
+            </a:schemeClr>
+          </a:lnRef>
+          <a:fillRef idx="1">
+            <a:schemeClr val="accent1"/>
+          </a:fillRef>
+          <a:effectRef idx="0">
+            <a:schemeClr val="accent1"/>
+          </a:effectRef>
+          <a:fontRef idx="minor">
+            <a:schemeClr val="lt1"/>
+          </a:fontRef>
+        </p:style>
+        <p:txBody>
+          <a:bodyPr rtlCol="0" anchor="ctr"/>
+          <a:lstStyle/>
+          <a:p>
+            <a:pPr algn="ctr"/>
+            <a:endParaRPr lang="it-IT"/>
+          </a:p>
+        </p:txBody>
+      </p:sp>
+      <p:sp>
+        <p:nvSpPr>
+          <p:cNvPr id="9" name="Rettangolo arrotondato 8"/>
+          <p:cNvSpPr/>
+          <p:nvPr/>
+        </p:nvSpPr>
+        <p:spPr>
+          <a:xfrm>
+            <a:off x="6732240" y="3861048"/>
+            <a:ext cx="1368152" cy="455464"/>
+          </a:xfrm>
+          <a:prstGeom prst="roundRect">
+            <a:avLst/>
+          </a:prstGeom>
+          <a:noFill/>
+          <a:ln>
+            <a:solidFill>
+              <a:srgbClr val="92D050"/>
+            </a:solidFill>
+          </a:ln>
+        </p:spPr>
+        <p:style>
+          <a:lnRef idx="2">
+            <a:schemeClr val="accent1">
+              <a:shade val="50000"/>
+            </a:schemeClr>
+          </a:lnRef>
+          <a:fillRef idx="1">
+            <a:schemeClr val="accent1"/>
+          </a:fillRef>
+          <a:effectRef idx="0">
+            <a:schemeClr val="accent1"/>
+          </a:effectRef>
+          <a:fontRef idx="minor">
+            <a:schemeClr val="lt1"/>
+          </a:fontRef>
+        </p:style>
+        <p:txBody>
+          <a:bodyPr rtlCol="0" anchor="ctr"/>
+          <a:lstStyle/>
+          <a:p>
+            <a:pPr algn="ctr"/>
+            <a:endParaRPr lang="it-IT"/>
+          </a:p>
+        </p:txBody>
+      </p:sp>
+    </p:spTree>
+    <p:extLst>
+      <p:ext uri="{BB962C8B-B14F-4D97-AF65-F5344CB8AC3E}">
+        <p14:creationId xmlns:p14="http://schemas.microsoft.com/office/powerpoint/2010/main" val="3923386210"/>
+      </p:ext>
+    </p:extLst>
+  </p:cSld>
+  <p:clrMapOvr>
+    <a:masterClrMapping/>
+  </p:clrMapOvr>
+  <p:timing>
+    <p:tnLst>
+      <p:par>
+        <p:cTn id="1" dur="indefinite" restart="never" nodeType="tmRoot">
+          <p:childTnLst>
+            <p:seq concurrent="1" nextAc="seek">
+              <p:cTn id="2" dur="indefinite" nodeType="mainSeq">
+                <p:childTnLst>
+                  <p:par>
+                    <p:cTn id="3" fill="hold">
+                      <p:stCondLst>
+                        <p:cond delay="indefinite"/>
+                      </p:stCondLst>
+                      <p:childTnLst>
+                        <p:par>
+                          <p:cTn id="4" fill="hold">
+                            <p:stCondLst>
+                              <p:cond delay="0"/>
+                            </p:stCondLst>
+                            <p:childTnLst>
+                              <p:par>
+                                <p:cTn id="5" presetID="21" presetClass="entr" presetSubtype="1" fill="hold" grpId="0" nodeType="clickEffect">
+                                  <p:stCondLst>
+                                    <p:cond delay="0"/>
+                                  </p:stCondLst>
+                                  <p:childTnLst>
+                                    <p:set>
+                                      <p:cBhvr>
+                                        <p:cTn id="6" dur="1" fill="hold">
+                                          <p:stCondLst>
+                                            <p:cond delay="0"/>
+                                          </p:stCondLst>
+                                        </p:cTn>
+                                        <p:tgtEl>
+                                          <p:spTgt spid="8"/>
+                                        </p:tgtEl>
+                                        <p:attrNameLst>
+                                          <p:attrName>style.visibility</p:attrName>
+                                        </p:attrNameLst>
+                                      </p:cBhvr>
+                                      <p:to>
+                                        <p:strVal val="visible"/>
+                                      </p:to>
+                                    </p:set>
+                                    <p:animEffect transition="in" filter="wheel(1)">
+                                      <p:cBhvr>
+                                        <p:cTn id="7" dur="2000"/>
+                                        <p:tgtEl>
+                                          <p:spTgt spid="8"/>
+                                        </p:tgtEl>
+                                      </p:cBhvr>
+                                    </p:animEffect>
+                                  </p:childTnLst>
+                                </p:cTn>
+                              </p:par>
+                            </p:childTnLst>
+                          </p:cTn>
+                        </p:par>
+                      </p:childTnLst>
+                    </p:cTn>
+                  </p:par>
+                  <p:par>
+                    <p:cTn id="8" fill="hold">
+                      <p:stCondLst>
+                        <p:cond delay="indefinite"/>
+                      </p:stCondLst>
+                      <p:childTnLst>
+                        <p:par>
+                          <p:cTn id="9" fill="hold">
+                            <p:stCondLst>
+                              <p:cond delay="0"/>
+                            </p:stCondLst>
+                            <p:childTnLst>
+                              <p:par>
+                                <p:cTn id="10" presetID="21" presetClass="entr" presetSubtype="1" fill="hold" grpId="0" nodeType="clickEffect">
+                                  <p:stCondLst>
+                                    <p:cond delay="0"/>
+                                  </p:stCondLst>
+                                  <p:childTnLst>
+                                    <p:set>
+                                      <p:cBhvr>
+                                        <p:cTn id="11" dur="1" fill="hold">
+                                          <p:stCondLst>
+                                            <p:cond delay="0"/>
+                                          </p:stCondLst>
+                                        </p:cTn>
+                                        <p:tgtEl>
+                                          <p:spTgt spid="9"/>
+                                        </p:tgtEl>
+                                        <p:attrNameLst>
+                                          <p:attrName>style.visibility</p:attrName>
+                                        </p:attrNameLst>
+                                      </p:cBhvr>
+                                      <p:to>
+                                        <p:strVal val="visible"/>
+                                      </p:to>
+                                    </p:set>
+                                    <p:animEffect transition="in" filter="wheel(1)">
+                                      <p:cBhvr>
+                                        <p:cTn id="12" dur="2000"/>
+                                        <p:tgtEl>
+                                          <p:spTgt spid="9"/>
+                                        </p:tgtEl>
+                                      </p:cBhvr>
+                                    </p:animEffect>
+                                  </p:childTnLst>
+                                </p:cTn>
+                              </p:par>
+                            </p:childTnLst>
+                          </p:cTn>
+                        </p:par>
+                      </p:childTnLst>
+                    </p:cTn>
+                  </p:par>
+                </p:childTnLst>
+              </p:cTn>
+              <p:prevCondLst>
+                <p:cond evt="onPrev" delay="0">
+                  <p:tgtEl>
+                    <p:sldTgt/>
+                  </p:tgtEl>
+                </p:cond>
+              </p:prevCondLst>
+              <p:nextCondLst>
+                <p:cond evt="onNext" delay="0">
+                  <p:tgtEl>
+                    <p:sldTgt/>
+                  </p:tgtEl>
+                </p:cond>
+              </p:nextCondLst>
+            </p:seq>
+          </p:childTnLst>
+        </p:cTn>
+      </p:par>
+    </p:tnLst>
+    <p:bldLst>
+      <p:bldP spid="8" grpId="0" animBg="1"/>
+      <p:bldP spid="9" grpId="0" animBg="1"/>
+    </p:bldLst>
+  </p:timing>
+</p:sld>
+</file>
+
+<file path=ppt/slides/slide11.xml><?xml version="1.0" encoding="utf-8"?>
+<p:sld xmlns:a="http://schemas.openxmlformats.org/drawingml/2006/main" xmlns:r="http://schemas.openxmlformats.org/officeDocument/2006/relationships" xmlns:p="http://schemas.openxmlformats.org/presentationml/2006/main">
+  <p:cSld>
+    <p:spTree>
+      <p:nvGrpSpPr>
+        <p:cNvPr id="1" name=""/>
+        <p:cNvGrpSpPr/>
+        <p:nvPr/>
+      </p:nvGrpSpPr>
+      <p:grpSpPr>
+        <a:xfrm>
+          <a:off x="0" y="0"/>
+          <a:ext cx="0" cy="0"/>
+          <a:chOff x="0" y="0"/>
+          <a:chExt cx="0" cy="0"/>
+        </a:xfrm>
+      </p:grpSpPr>
+      <p:sp>
+        <p:nvSpPr>
+          <p:cNvPr id="2" name="Titolo 1"/>
+          <p:cNvSpPr>
+            <a:spLocks noGrp="1"/>
+          </p:cNvSpPr>
+          <p:nvPr>
+            <p:ph type="title"/>
+          </p:nvPr>
+        </p:nvSpPr>
+        <p:spPr/>
+        <p:txBody>
+          <a:bodyPr/>
+          <a:lstStyle/>
+          <a:p>
+            <a:r>
+              <a:rPr lang="it-IT" dirty="0" err="1"/>
+              <a:t>Beast</a:t>
+            </a:r>
+            <a:r>
+              <a:rPr lang="it-IT" dirty="0"/>
+              <a:t> (</a:t>
+            </a:r>
+            <a:r>
+              <a:rPr lang="it-IT" dirty="0" err="1"/>
+              <a:t>cont</a:t>
+            </a:r>
+            <a:r>
+              <a:rPr lang="it-IT" dirty="0"/>
+              <a:t>.)</a:t>
+            </a:r>
+          </a:p>
+        </p:txBody>
+      </p:sp>
+      <p:sp>
+        <p:nvSpPr>
+          <p:cNvPr id="3" name="Segnaposto contenuto 2"/>
+          <p:cNvSpPr>
+            <a:spLocks noGrp="1"/>
+          </p:cNvSpPr>
+          <p:nvPr>
+            <p:ph idx="1"/>
+          </p:nvPr>
+        </p:nvSpPr>
+        <p:spPr>
+          <a:xfrm>
+            <a:off x="304800" y="1554162"/>
+            <a:ext cx="8686800" cy="5043189"/>
+          </a:xfrm>
+        </p:spPr>
+        <p:txBody>
+          <a:bodyPr/>
+          <a:lstStyle/>
+          <a:p>
+            <a:pPr algn="just"/>
+            <a:r>
+              <a:rPr lang="it-IT" sz="2600" dirty="0" err="1"/>
+              <a:t>If</a:t>
+            </a:r>
+            <a:r>
+              <a:rPr lang="it-IT" sz="2600" dirty="0"/>
+              <a:t> the </a:t>
+            </a:r>
+            <a:r>
+              <a:rPr lang="en-US" sz="2600" dirty="0"/>
+              <a:t>the attacker knows the last block of the last encrypted message can then try to guess the plaintext.</a:t>
+            </a:r>
+          </a:p>
+          <a:p>
+            <a:pPr algn="just"/>
+            <a:r>
+              <a:rPr lang="en-US" sz="2600" dirty="0"/>
+              <a:t>This is computationally difficult, but if the attacker is able to insert text in the user's plaintext then the TLS record will be occupied in part by the injected data and partly from the secret.</a:t>
+            </a:r>
+          </a:p>
+          <a:p>
+            <a:pPr lvl="1" algn="just"/>
+            <a:r>
+              <a:rPr lang="en-US" sz="2200" dirty="0"/>
+              <a:t>Suppose have a 16 byte encrypted text occupying 15 byte with the text, then the injected guess it will be easier to do.</a:t>
+            </a:r>
+          </a:p>
+          <a:p>
+            <a:pPr algn="just"/>
+            <a:r>
+              <a:rPr lang="en-US" sz="2600" dirty="0"/>
+              <a:t>If an attacker can cause the user to make more requests to the server by a </a:t>
+            </a:r>
+            <a:r>
+              <a:rPr lang="en-US" sz="2600" dirty="0" err="1"/>
+              <a:t>guess&amp;checking</a:t>
+            </a:r>
+            <a:r>
+              <a:rPr lang="en-US" sz="2600" dirty="0"/>
+              <a:t> attack she/he can  relatively easily gain access to sensitive data (like web cookies).</a:t>
+            </a:r>
+            <a:endParaRPr lang="it-IT" sz="2600" dirty="0"/>
+          </a:p>
+        </p:txBody>
+      </p:sp>
+    </p:spTree>
+    <p:extLst>
+      <p:ext uri="{BB962C8B-B14F-4D97-AF65-F5344CB8AC3E}">
+        <p14:creationId xmlns:p14="http://schemas.microsoft.com/office/powerpoint/2010/main" val="3058512493"/>
+      </p:ext>
+    </p:extLst>
+  </p:cSld>
+  <p:clrMapOvr>
+    <a:masterClrMapping/>
+  </p:clrMapOvr>
+</p:sld>
+</file>
+
+<file path=ppt/slides/slide12.xml><?xml version="1.0" encoding="utf-8"?>
+<p:sld xmlns:a="http://schemas.openxmlformats.org/drawingml/2006/main" xmlns:r="http://schemas.openxmlformats.org/officeDocument/2006/relationships" xmlns:p="http://schemas.openxmlformats.org/presentationml/2006/main">
+  <p:cSld>
+    <p:spTree>
+      <p:nvGrpSpPr>
+        <p:cNvPr id="1" name=""/>
+        <p:cNvGrpSpPr/>
+        <p:nvPr/>
+      </p:nvGrpSpPr>
+      <p:grpSpPr>
+        <a:xfrm>
+          <a:off x="0" y="0"/>
+          <a:ext cx="0" cy="0"/>
+          <a:chOff x="0" y="0"/>
+          <a:chExt cx="0" cy="0"/>
+        </a:xfrm>
+      </p:grpSpPr>
+      <p:sp>
+        <p:nvSpPr>
+          <p:cNvPr id="2" name="Titolo 1"/>
+          <p:cNvSpPr>
+            <a:spLocks noGrp="1"/>
+          </p:cNvSpPr>
+          <p:nvPr>
+            <p:ph type="title"/>
+          </p:nvPr>
+        </p:nvSpPr>
+        <p:spPr/>
+        <p:txBody>
+          <a:bodyPr/>
+          <a:lstStyle/>
+          <a:p>
+            <a:r>
+              <a:rPr lang="it-IT" dirty="0"/>
               <a:t>crime</a:t>
             </a:r>
-            <a:endParaRPr lang="it-IT" dirty="0"/>
           </a:p>
         </p:txBody>
       </p:sp>
@@ -10309,7 +11952,7 @@
 </p:sld>
 </file>
 
-<file path=ppt/slides/slide11.xml><?xml version="1.0" encoding="utf-8"?>
+<file path=ppt/slides/slide13.xml><?xml version="1.0" encoding="utf-8"?>
 <p:sld xmlns:a="http://schemas.openxmlformats.org/drawingml/2006/main" xmlns:r="http://schemas.openxmlformats.org/officeDocument/2006/relationships" xmlns:p="http://schemas.openxmlformats.org/presentationml/2006/main">
   <p:cSld>
     <p:spTree>
@@ -10342,18 +11985,17 @@
           <a:lstStyle/>
           <a:p>
             <a:r>
-              <a:rPr lang="it-IT" dirty="0" smtClean="0"/>
+              <a:rPr lang="it-IT" dirty="0"/>
               <a:t>CRIME (</a:t>
             </a:r>
             <a:r>
-              <a:rPr lang="it-IT" dirty="0" err="1" smtClean="0"/>
+              <a:rPr lang="it-IT" dirty="0" err="1"/>
               <a:t>cont</a:t>
             </a:r>
             <a:r>
-              <a:rPr lang="it-IT" dirty="0" smtClean="0"/>
+              <a:rPr lang="it-IT" dirty="0"/>
               <a:t>.)</a:t>
             </a:r>
-            <a:endParaRPr lang="it-IT" dirty="0"/>
           </a:p>
         </p:txBody>
       </p:sp>
@@ -10620,87 +12262,43 @@
             <a:pPr algn="just"/>
             <a:r>
               <a:rPr lang="en-US" sz="2000" dirty="0"/>
-              <a:t>Many servers support TLS compression to reduce congestion or the timing </a:t>
-            </a:r>
-            <a:r>
-              <a:rPr lang="en-US" sz="2000" dirty="0" smtClean="0"/>
-              <a:t>of loading.</a:t>
+              <a:t>Many servers support TLS compression to reduce congestion or the timing of loading.</a:t>
             </a:r>
           </a:p>
           <a:p>
             <a:pPr algn="just"/>
             <a:r>
-              <a:rPr lang="en-US" sz="2000" dirty="0" smtClean="0"/>
+              <a:rPr lang="en-US" sz="2000" dirty="0"/>
               <a:t>The main method used is </a:t>
             </a:r>
             <a:r>
-              <a:rPr lang="en-US" sz="2000" b="1" dirty="0" smtClean="0"/>
+              <a:rPr lang="en-US" sz="2000" b="1" dirty="0"/>
               <a:t>DEFLATE, </a:t>
             </a:r>
             <a:r>
               <a:rPr lang="en-US" sz="2000" dirty="0"/>
-              <a:t>composed by </a:t>
-            </a:r>
-            <a:r>
-              <a:rPr lang="en-US" sz="2000" dirty="0" smtClean="0"/>
-              <a:t>algorithms</a:t>
+              <a:t>composed by algorithms</a:t>
             </a:r>
           </a:p>
           <a:p>
             <a:pPr lvl="1" algn="just"/>
             <a:r>
-              <a:rPr lang="en-US" sz="1600" dirty="0" smtClean="0"/>
-              <a:t>LZ77</a:t>
-            </a:r>
-            <a:r>
               <a:rPr lang="en-US" sz="1600" dirty="0"/>
-              <a:t>, used to eliminate the </a:t>
-            </a:r>
-            <a:r>
-              <a:rPr lang="en-US" sz="1600" dirty="0" smtClean="0"/>
-              <a:t> redundancy </a:t>
-            </a:r>
+              <a:t>LZ77, used to eliminate the  redundancy of sequences</a:t>
+            </a:r>
+          </a:p>
+          <a:p>
+            <a:pPr lvl="1" algn="just"/>
             <a:r>
               <a:rPr lang="en-US" sz="1600" dirty="0"/>
-              <a:t>of </a:t>
-            </a:r>
-            <a:r>
-              <a:rPr lang="en-US" sz="1600" dirty="0" smtClean="0"/>
-              <a:t>sequences</a:t>
-            </a:r>
-          </a:p>
-          <a:p>
-            <a:pPr lvl="1" algn="just"/>
-            <a:r>
-              <a:rPr lang="en-US" sz="1600" dirty="0"/>
-              <a:t>Huffman Coding, used to eliminate the redundancy of </a:t>
-            </a:r>
-            <a:r>
-              <a:rPr lang="en-US" sz="1600" dirty="0" smtClean="0"/>
-              <a:t>symbols</a:t>
+              <a:t>Huffman Coding, used to eliminate the redundancy of symbols</a:t>
             </a:r>
           </a:p>
           <a:p>
             <a:pPr algn="just"/>
             <a:r>
-              <a:rPr lang="en-US" sz="2000" dirty="0" smtClean="0"/>
-              <a:t>The attack works by </a:t>
-            </a:r>
-            <a:r>
               <a:rPr lang="en-US" sz="2000" dirty="0"/>
-              <a:t>t</a:t>
-            </a:r>
-            <a:r>
-              <a:rPr lang="en-US" sz="2000" dirty="0" smtClean="0"/>
-              <a:t>rying </a:t>
-            </a:r>
-            <a:r>
-              <a:rPr lang="en-US" sz="2000" dirty="0"/>
-              <a:t>to guess </a:t>
-            </a:r>
-            <a:r>
-              <a:rPr lang="en-US" sz="2000" dirty="0" smtClean="0"/>
-              <a:t>a </a:t>
+              <a:t>The attack works by trying to guess a </a:t>
             </a:r>
             <a:r>
               <a:rPr lang="en-US" sz="2000" i="1" dirty="0"/>
@@ -10708,33 +12306,13 @@
             </a:r>
             <a:r>
               <a:rPr lang="en-US" sz="2000" dirty="0"/>
-              <a:t> </a:t>
-            </a:r>
-            <a:r>
-              <a:rPr lang="en-US" sz="2000" dirty="0" smtClean="0"/>
-              <a:t>by </a:t>
-            </a:r>
+              <a:t> by observing the length of the message sent. When in a guess message lengths are not larger than usual the guess is correct.</a:t>
+            </a:r>
+          </a:p>
+          <a:p>
+            <a:pPr algn="just"/>
             <a:r>
               <a:rPr lang="en-US" sz="2000" dirty="0"/>
-              <a:t>observing the length of the message </a:t>
-            </a:r>
-            <a:r>
-              <a:rPr lang="en-US" sz="2000" dirty="0" smtClean="0"/>
-              <a:t>sent. When in a guess message lengths are not </a:t>
-            </a:r>
-            <a:r>
-              <a:rPr lang="en-US" sz="2000" dirty="0"/>
-              <a:t>larger than usual the guess is correct</a:t>
-            </a:r>
-            <a:r>
-              <a:rPr lang="en-US" sz="2000" dirty="0" smtClean="0"/>
-              <a:t>.</a:t>
-            </a:r>
-          </a:p>
-          <a:p>
-            <a:pPr algn="just"/>
-            <a:r>
-              <a:rPr lang="en-US" sz="2000" dirty="0" smtClean="0"/>
               <a:t>If compression is disabled, TLS </a:t>
             </a:r>
             <a:r>
@@ -10745,13 +12323,12 @@
               <a:rPr lang="en-US" sz="2000" dirty="0"/>
               <a:t>can not be applied</a:t>
             </a:r>
-            <a:endParaRPr lang="en-US" sz="2000" dirty="0" smtClean="0"/>
-          </a:p>
-          <a:p>
-            <a:endParaRPr lang="en-US" sz="2000" dirty="0" smtClean="0"/>
-          </a:p>
-          <a:p>
-            <a:endParaRPr lang="en-US" sz="2000" b="1" dirty="0" smtClean="0"/>
+          </a:p>
+          <a:p>
+            <a:endParaRPr lang="en-US" sz="2000" dirty="0"/>
+          </a:p>
+          <a:p>
+            <a:endParaRPr lang="en-US" sz="2000" b="1" dirty="0"/>
           </a:p>
         </p:txBody>
       </p:sp>
@@ -10765,17 +12342,10 @@
   <p:clrMapOvr>
     <a:masterClrMapping/>
   </p:clrMapOvr>
-  <p:timing>
-    <p:tnLst>
-      <p:par>
-        <p:cTn id="1" dur="indefinite" restart="never" nodeType="tmRoot"/>
-      </p:par>
-    </p:tnLst>
-  </p:timing>
 </p:sld>
 </file>
 
-<file path=ppt/slides/slide12.xml><?xml version="1.0" encoding="utf-8"?>
+<file path=ppt/slides/slide14.xml><?xml version="1.0" encoding="utf-8"?>
 <p:sld xmlns:a="http://schemas.openxmlformats.org/drawingml/2006/main" xmlns:r="http://schemas.openxmlformats.org/officeDocument/2006/relationships" xmlns:p="http://schemas.openxmlformats.org/presentationml/2006/main">
   <p:cSld>
     <p:spTree>
@@ -10839,6 +12409,51 @@
           </a:graphicData>
         </a:graphic>
       </p:graphicFrame>
+      <p:sp>
+        <p:nvSpPr>
+          <p:cNvPr id="3" name="AutoShape 2" descr="Common SSL/TLS Vulnerabilities risk classification - Information Security  Stack Exchange">
+            <a:extLst>
+              <a:ext uri="{FF2B5EF4-FFF2-40B4-BE49-F238E27FC236}">
+                <a16:creationId xmlns:a16="http://schemas.microsoft.com/office/drawing/2014/main" id="{D8799ED3-C392-4566-A776-9145723B4D6A}"/>
+              </a:ext>
+            </a:extLst>
+          </p:cNvPr>
+          <p:cNvSpPr>
+            <a:spLocks noChangeAspect="1" noChangeArrowheads="1"/>
+          </p:cNvSpPr>
+          <p:nvPr/>
+        </p:nvSpPr>
+        <p:spPr bwMode="auto">
+          <a:xfrm>
+            <a:off x="4419600" y="3276600"/>
+            <a:ext cx="304800" cy="304800"/>
+          </a:xfrm>
+          <a:prstGeom prst="rect">
+            <a:avLst/>
+          </a:prstGeom>
+          <a:noFill/>
+          <a:extLst>
+            <a:ext uri="{909E8E84-426E-40DD-AFC4-6F175D3DCCD1}">
+              <a14:hiddenFill xmlns:a14="http://schemas.microsoft.com/office/drawing/2010/main">
+                <a:solidFill>
+                  <a:srgbClr val="FFFFFF"/>
+                </a:solidFill>
+              </a14:hiddenFill>
+            </a:ext>
+          </a:extLst>
+        </p:spPr>
+        <p:txBody>
+          <a:bodyPr vert="horz" wrap="square" lIns="91440" tIns="45720" rIns="91440" bIns="45720" numCol="1" anchor="t" anchorCtr="0" compatLnSpc="1">
+            <a:prstTxWarp prst="textNoShape">
+              <a:avLst/>
+            </a:prstTxWarp>
+          </a:bodyPr>
+          <a:lstStyle/>
+          <a:p>
+            <a:endParaRPr lang="it-IT"/>
+          </a:p>
+        </p:txBody>
+      </p:sp>
     </p:spTree>
     <p:extLst>
       <p:ext uri="{BB962C8B-B14F-4D97-AF65-F5344CB8AC3E}">
@@ -10849,17 +12464,281 @@
   <p:clrMapOvr>
     <a:masterClrMapping/>
   </p:clrMapOvr>
-  <p:timing>
-    <p:tnLst>
-      <p:par>
-        <p:cTn id="1" dur="indefinite" restart="never" nodeType="tmRoot"/>
-      </p:par>
-    </p:tnLst>
-  </p:timing>
 </p:sld>
 </file>
 
-<file path=ppt/slides/slide13.xml><?xml version="1.0" encoding="utf-8"?>
+<file path=ppt/slides/slide15.xml><?xml version="1.0" encoding="utf-8"?>
+<p:sld xmlns:a="http://schemas.openxmlformats.org/drawingml/2006/main" xmlns:r="http://schemas.openxmlformats.org/officeDocument/2006/relationships" xmlns:p="http://schemas.openxmlformats.org/presentationml/2006/main">
+  <p:cSld>
+    <p:spTree>
+      <p:nvGrpSpPr>
+        <p:cNvPr id="1" name=""/>
+        <p:cNvGrpSpPr/>
+        <p:nvPr/>
+      </p:nvGrpSpPr>
+      <p:grpSpPr>
+        <a:xfrm>
+          <a:off x="0" y="0"/>
+          <a:ext cx="0" cy="0"/>
+          <a:chOff x="0" y="0"/>
+          <a:chExt cx="0" cy="0"/>
+        </a:xfrm>
+      </p:grpSpPr>
+      <p:sp>
+        <p:nvSpPr>
+          <p:cNvPr id="2" name="Title 1">
+            <a:extLst>
+              <a:ext uri="{FF2B5EF4-FFF2-40B4-BE49-F238E27FC236}">
+                <a16:creationId xmlns:a16="http://schemas.microsoft.com/office/drawing/2014/main" id="{2D3D163B-07DA-4EC6-BE5E-FC9544560C37}"/>
+              </a:ext>
+            </a:extLst>
+          </p:cNvPr>
+          <p:cNvSpPr>
+            <a:spLocks noGrp="1"/>
+          </p:cNvSpPr>
+          <p:nvPr>
+            <p:ph type="title"/>
+          </p:nvPr>
+        </p:nvSpPr>
+        <p:spPr/>
+        <p:txBody>
+          <a:bodyPr/>
+          <a:lstStyle/>
+          <a:p>
+            <a:r>
+              <a:rPr lang="en-US" dirty="0"/>
+              <a:t>TLS Known (PAST) vulnerabilities</a:t>
+            </a:r>
+            <a:endParaRPr lang="it-IT" dirty="0"/>
+          </a:p>
+        </p:txBody>
+      </p:sp>
+      <p:sp>
+        <p:nvSpPr>
+          <p:cNvPr id="3" name="Content Placeholder 2">
+            <a:extLst>
+              <a:ext uri="{FF2B5EF4-FFF2-40B4-BE49-F238E27FC236}">
+                <a16:creationId xmlns:a16="http://schemas.microsoft.com/office/drawing/2014/main" id="{BFDF4CDE-EF5A-490D-88D5-9EA541CB7485}"/>
+              </a:ext>
+            </a:extLst>
+          </p:cNvPr>
+          <p:cNvSpPr>
+            <a:spLocks noGrp="1"/>
+          </p:cNvSpPr>
+          <p:nvPr>
+            <p:ph idx="1"/>
+          </p:nvPr>
+        </p:nvSpPr>
+        <p:spPr/>
+        <p:txBody>
+          <a:bodyPr/>
+          <a:lstStyle/>
+          <a:p>
+            <a:endParaRPr lang="it-IT"/>
+          </a:p>
+        </p:txBody>
+      </p:sp>
+      <p:pic>
+        <p:nvPicPr>
+          <p:cNvPr id="2050" name="Picture 2" descr="Common SSL/TLS Vulnerabilities risk classification - Information Security  Stack Exchange">
+            <a:extLst>
+              <a:ext uri="{FF2B5EF4-FFF2-40B4-BE49-F238E27FC236}">
+                <a16:creationId xmlns:a16="http://schemas.microsoft.com/office/drawing/2014/main" id="{5AACAD5C-DE6D-49AF-BCF9-579A2244DDBA}"/>
+              </a:ext>
+            </a:extLst>
+          </p:cNvPr>
+          <p:cNvPicPr>
+            <a:picLocks noChangeAspect="1" noChangeArrowheads="1"/>
+          </p:cNvPicPr>
+          <p:nvPr/>
+        </p:nvPicPr>
+        <p:blipFill>
+          <a:blip r:embed="rId2">
+            <a:extLst>
+              <a:ext uri="{28A0092B-C50C-407E-A947-70E740481C1C}">
+                <a14:useLocalDpi xmlns:a14="http://schemas.microsoft.com/office/drawing/2010/main" val="0"/>
+              </a:ext>
+            </a:extLst>
+          </a:blip>
+          <a:srcRect/>
+          <a:stretch>
+            <a:fillRect/>
+          </a:stretch>
+        </p:blipFill>
+        <p:spPr bwMode="auto">
+          <a:xfrm>
+            <a:off x="323528" y="1916832"/>
+            <a:ext cx="8432220" cy="3543275"/>
+          </a:xfrm>
+          <a:prstGeom prst="rect">
+            <a:avLst/>
+          </a:prstGeom>
+          <a:noFill/>
+          <a:extLst>
+            <a:ext uri="{909E8E84-426E-40DD-AFC4-6F175D3DCCD1}">
+              <a14:hiddenFill xmlns:a14="http://schemas.microsoft.com/office/drawing/2010/main">
+                <a:solidFill>
+                  <a:srgbClr val="FFFFFF"/>
+                </a:solidFill>
+              </a14:hiddenFill>
+            </a:ext>
+          </a:extLst>
+        </p:spPr>
+      </p:pic>
+    </p:spTree>
+    <p:extLst>
+      <p:ext uri="{BB962C8B-B14F-4D97-AF65-F5344CB8AC3E}">
+        <p14:creationId xmlns:p14="http://schemas.microsoft.com/office/powerpoint/2010/main" val="671954032"/>
+      </p:ext>
+    </p:extLst>
+  </p:cSld>
+  <p:clrMapOvr>
+    <a:masterClrMapping/>
+  </p:clrMapOvr>
+</p:sld>
+</file>
+
+<file path=ppt/slides/slide16.xml><?xml version="1.0" encoding="utf-8"?>
+<p:sld xmlns:a="http://schemas.openxmlformats.org/drawingml/2006/main" xmlns:r="http://schemas.openxmlformats.org/officeDocument/2006/relationships" xmlns:p="http://schemas.openxmlformats.org/presentationml/2006/main">
+  <p:cSld>
+    <p:spTree>
+      <p:nvGrpSpPr>
+        <p:cNvPr id="1" name=""/>
+        <p:cNvGrpSpPr/>
+        <p:nvPr/>
+      </p:nvGrpSpPr>
+      <p:grpSpPr>
+        <a:xfrm>
+          <a:off x="0" y="0"/>
+          <a:ext cx="0" cy="0"/>
+          <a:chOff x="0" y="0"/>
+          <a:chExt cx="0" cy="0"/>
+        </a:xfrm>
+      </p:grpSpPr>
+      <p:sp>
+        <p:nvSpPr>
+          <p:cNvPr id="2" name="Title 1">
+            <a:extLst>
+              <a:ext uri="{FF2B5EF4-FFF2-40B4-BE49-F238E27FC236}">
+                <a16:creationId xmlns:a16="http://schemas.microsoft.com/office/drawing/2014/main" id="{0860CF9A-FA1C-4ECB-AF24-FD018AB4003A}"/>
+              </a:ext>
+            </a:extLst>
+          </p:cNvPr>
+          <p:cNvSpPr>
+            <a:spLocks noGrp="1"/>
+          </p:cNvSpPr>
+          <p:nvPr>
+            <p:ph type="title"/>
+          </p:nvPr>
+        </p:nvSpPr>
+        <p:spPr/>
+        <p:txBody>
+          <a:bodyPr/>
+          <a:lstStyle/>
+          <a:p>
+            <a:endParaRPr lang="it-IT"/>
+          </a:p>
+        </p:txBody>
+      </p:sp>
+      <p:sp>
+        <p:nvSpPr>
+          <p:cNvPr id="3" name="Content Placeholder 2">
+            <a:extLst>
+              <a:ext uri="{FF2B5EF4-FFF2-40B4-BE49-F238E27FC236}">
+                <a16:creationId xmlns:a16="http://schemas.microsoft.com/office/drawing/2014/main" id="{70A4A328-970D-4C78-AE52-4AB921F708C0}"/>
+              </a:ext>
+            </a:extLst>
+          </p:cNvPr>
+          <p:cNvSpPr>
+            <a:spLocks noGrp="1"/>
+          </p:cNvSpPr>
+          <p:nvPr>
+            <p:ph idx="1"/>
+          </p:nvPr>
+        </p:nvSpPr>
+        <p:spPr>
+          <a:xfrm>
+            <a:off x="206624" y="6077676"/>
+            <a:ext cx="8784976" cy="646248"/>
+          </a:xfrm>
+        </p:spPr>
+        <p:txBody>
+          <a:bodyPr/>
+          <a:lstStyle/>
+          <a:p>
+            <a:r>
+              <a:rPr lang="en-US" sz="2800" dirty="0"/>
+              <a:t>Source: “Secure by default - the case of TLS”</a:t>
+            </a:r>
+            <a:r>
+              <a:rPr lang="it-IT" sz="2800" dirty="0"/>
+              <a:t> (2017)</a:t>
+            </a:r>
+            <a:endParaRPr lang="en-US" sz="2800" dirty="0"/>
+          </a:p>
+        </p:txBody>
+      </p:sp>
+      <p:pic>
+        <p:nvPicPr>
+          <p:cNvPr id="3074" name="Picture 2" descr="Table 2 from Secure by default - the case of TLS | Semantic Scholar">
+            <a:extLst>
+              <a:ext uri="{FF2B5EF4-FFF2-40B4-BE49-F238E27FC236}">
+                <a16:creationId xmlns:a16="http://schemas.microsoft.com/office/drawing/2014/main" id="{2A9A77FA-C3B8-4471-AB14-0C1BEE04A6FD}"/>
+              </a:ext>
+            </a:extLst>
+          </p:cNvPr>
+          <p:cNvPicPr>
+            <a:picLocks noChangeAspect="1" noChangeArrowheads="1"/>
+          </p:cNvPicPr>
+          <p:nvPr/>
+        </p:nvPicPr>
+        <p:blipFill>
+          <a:blip r:embed="rId2">
+            <a:extLst>
+              <a:ext uri="{28A0092B-C50C-407E-A947-70E740481C1C}">
+                <a14:useLocalDpi xmlns:a14="http://schemas.microsoft.com/office/drawing/2010/main" val="0"/>
+              </a:ext>
+            </a:extLst>
+          </a:blip>
+          <a:srcRect/>
+          <a:stretch>
+            <a:fillRect/>
+          </a:stretch>
+        </p:blipFill>
+        <p:spPr bwMode="auto">
+          <a:xfrm>
+            <a:off x="1619672" y="260648"/>
+            <a:ext cx="5760640" cy="5492378"/>
+          </a:xfrm>
+          <a:prstGeom prst="rect">
+            <a:avLst/>
+          </a:prstGeom>
+          <a:noFill/>
+          <a:extLst>
+            <a:ext uri="{909E8E84-426E-40DD-AFC4-6F175D3DCCD1}">
+              <a14:hiddenFill xmlns:a14="http://schemas.microsoft.com/office/drawing/2010/main">
+                <a:solidFill>
+                  <a:srgbClr val="FFFFFF"/>
+                </a:solidFill>
+              </a14:hiddenFill>
+            </a:ext>
+          </a:extLst>
+        </p:spPr>
+      </p:pic>
+    </p:spTree>
+    <p:extLst>
+      <p:ext uri="{BB962C8B-B14F-4D97-AF65-F5344CB8AC3E}">
+        <p14:creationId xmlns:p14="http://schemas.microsoft.com/office/powerpoint/2010/main" val="4037151213"/>
+      </p:ext>
+    </p:extLst>
+  </p:cSld>
+  <p:clrMapOvr>
+    <a:masterClrMapping/>
+  </p:clrMapOvr>
+</p:sld>
+</file>
+
+<file path=ppt/slides/slide17.xml><?xml version="1.0" encoding="utf-8"?>
 <p:sld xmlns:a="http://schemas.openxmlformats.org/drawingml/2006/main" xmlns:r="http://schemas.openxmlformats.org/officeDocument/2006/relationships" xmlns:p="http://schemas.openxmlformats.org/presentationml/2006/main">
   <p:cSld>
     <p:spTree>
@@ -10892,10 +12771,9 @@
           <a:lstStyle/>
           <a:p>
             <a:r>
-              <a:rPr lang="it-IT" dirty="0" smtClean="0"/>
+              <a:rPr lang="it-IT" dirty="0"/>
               <a:t>Test web-server</a:t>
             </a:r>
-            <a:endParaRPr lang="it-IT" dirty="0"/>
           </a:p>
         </p:txBody>
       </p:sp>
@@ -10918,53 +12796,48 @@
               <a:rPr lang="en-US" dirty="0"/>
               <a:t>Can test the web server through several tools analyzing which protocols and ciphers are supported:</a:t>
             </a:r>
-            <a:endParaRPr lang="en-US" dirty="0" smtClean="0"/>
           </a:p>
           <a:p>
             <a:pPr lvl="1"/>
-            <a:endParaRPr lang="it-IT" dirty="0" smtClean="0"/>
+            <a:endParaRPr lang="it-IT" dirty="0"/>
           </a:p>
           <a:p>
             <a:pPr lvl="1"/>
             <a:r>
-              <a:rPr lang="it-IT" b="1" dirty="0" smtClean="0">
+              <a:rPr lang="it-IT" b="1" dirty="0">
                 <a:hlinkClick r:id="rId2"/>
               </a:rPr>
               <a:t>SSLYZE</a:t>
             </a:r>
-            <a:endParaRPr lang="it-IT" b="1" dirty="0" smtClean="0"/>
+            <a:endParaRPr lang="it-IT" b="1" dirty="0"/>
           </a:p>
           <a:p>
             <a:pPr lvl="1"/>
             <a:r>
-              <a:rPr lang="it-IT" b="1" dirty="0" smtClean="0">
+              <a:rPr lang="it-IT" b="1" dirty="0">
                 <a:hlinkClick r:id="rId3"/>
               </a:rPr>
               <a:t>SSLSCAN</a:t>
             </a:r>
-            <a:endParaRPr lang="it-IT" b="1" dirty="0" smtClean="0"/>
+            <a:endParaRPr lang="it-IT" b="1" dirty="0"/>
           </a:p>
           <a:p>
             <a:pPr lvl="1"/>
             <a:r>
-              <a:rPr lang="it-IT" b="1" dirty="0" err="1" smtClean="0"/>
+              <a:rPr lang="it-IT" b="1" dirty="0" err="1"/>
               <a:t>Qualys</a:t>
             </a:r>
             <a:r>
-              <a:rPr lang="it-IT" b="1" dirty="0" smtClean="0"/>
+              <a:rPr lang="it-IT" b="1" dirty="0"/>
               <a:t> SSL </a:t>
             </a:r>
             <a:r>
-              <a:rPr lang="it-IT" b="1" dirty="0" err="1" smtClean="0"/>
+              <a:rPr lang="it-IT" b="1" dirty="0" err="1"/>
               <a:t>check</a:t>
             </a:r>
             <a:r>
-              <a:rPr lang="it-IT" b="1" dirty="0" smtClean="0"/>
-              <a:t> (</a:t>
-            </a:r>
-            <a:r>
               <a:rPr lang="it-IT" b="1" dirty="0"/>
-              <a:t>online) </a:t>
+              <a:t> (online) </a:t>
             </a:r>
             <a:r>
               <a:rPr lang="it-IT" b="1" dirty="0">
@@ -10989,13 +12862,6 @@
   <p:clrMapOvr>
     <a:masterClrMapping/>
   </p:clrMapOvr>
-  <p:timing>
-    <p:tnLst>
-      <p:par>
-        <p:cTn id="1" dur="indefinite" restart="never" nodeType="tmRoot"/>
-      </p:par>
-    </p:tnLst>
-  </p:timing>
 </p:sld>
 </file>
 
@@ -11018,7 +12884,13 @@
       </p:grpSpPr>
       <p:sp>
         <p:nvSpPr>
-          <p:cNvPr id="2" name="Titolo 1"/>
+          <p:cNvPr id="2" name="Title 1">
+            <a:extLst>
+              <a:ext uri="{FF2B5EF4-FFF2-40B4-BE49-F238E27FC236}">
+                <a16:creationId xmlns:a16="http://schemas.microsoft.com/office/drawing/2014/main" id="{C8470D3D-7DCC-4CE8-B0CF-8E4265691C5B}"/>
+              </a:ext>
+            </a:extLst>
+          </p:cNvPr>
           <p:cNvSpPr>
             <a:spLocks noGrp="1"/>
           </p:cNvSpPr>
@@ -11032,19 +12904,22 @@
           <a:lstStyle/>
           <a:p>
             <a:r>
-              <a:rPr lang="it-IT" dirty="0" err="1"/>
-              <a:t>Key</a:t>
-            </a:r>
-            <a:r>
-              <a:rPr lang="it-IT" dirty="0"/>
-              <a:t> generation</a:t>
-            </a:r>
+              <a:rPr lang="en-US" dirty="0"/>
+              <a:t>History &amp; GOALS</a:t>
+            </a:r>
+            <a:endParaRPr lang="it-IT" dirty="0"/>
           </a:p>
         </p:txBody>
       </p:sp>
       <p:sp>
         <p:nvSpPr>
-          <p:cNvPr id="6" name="Segnaposto contenuto 5"/>
+          <p:cNvPr id="3" name="Content Placeholder 2">
+            <a:extLst>
+              <a:ext uri="{FF2B5EF4-FFF2-40B4-BE49-F238E27FC236}">
+                <a16:creationId xmlns:a16="http://schemas.microsoft.com/office/drawing/2014/main" id="{FDAABD4D-DD49-437B-A393-05F43BCEEC68}"/>
+              </a:ext>
+            </a:extLst>
+          </p:cNvPr>
           <p:cNvSpPr>
             <a:spLocks noGrp="1"/>
           </p:cNvSpPr>
@@ -11054,199 +12929,225 @@
         </p:nvSpPr>
         <p:spPr>
           <a:xfrm>
-            <a:off x="304800" y="1554163"/>
-            <a:ext cx="4195192" cy="4525962"/>
+            <a:off x="179512" y="1554163"/>
+            <a:ext cx="8812088" cy="4525962"/>
           </a:xfrm>
         </p:spPr>
         <p:txBody>
           <a:bodyPr/>
           <a:lstStyle/>
           <a:p>
-            <a:pPr algn="just"/>
-            <a:r>
-              <a:rPr lang="en-US" sz="2400" dirty="0" smtClean="0"/>
-              <a:t>Establish </a:t>
-            </a:r>
-            <a:r>
-              <a:rPr lang="en-US" sz="2400" i="1" dirty="0" smtClean="0"/>
-              <a:t>a </a:t>
-            </a:r>
-            <a:r>
-              <a:rPr lang="en-US" sz="2400" i="1" dirty="0" err="1" smtClean="0"/>
-              <a:t>pre_master_key</a:t>
-            </a:r>
-            <a:r>
-              <a:rPr lang="en-US" sz="2400" i="1" dirty="0"/>
+            <a:r>
+              <a:rPr lang="it-IT" sz="2400" dirty="0" err="1"/>
+              <a:t>Since</a:t>
+            </a:r>
+            <a:r>
+              <a:rPr lang="it-IT" sz="2400" dirty="0"/>
               <a:t> </a:t>
             </a:r>
             <a:r>
-              <a:rPr lang="en-US" sz="2400" dirty="0" smtClean="0"/>
-              <a:t>of 48 </a:t>
-            </a:r>
-            <a:r>
-              <a:rPr lang="en-US" sz="2400" dirty="0"/>
-              <a:t>byte </a:t>
-            </a:r>
-            <a:r>
-              <a:rPr lang="en-US" sz="2400" dirty="0" smtClean="0"/>
-              <a:t>using </a:t>
-            </a:r>
-            <a:r>
-              <a:rPr lang="en-US" sz="2400" dirty="0"/>
-              <a:t>public key </a:t>
-            </a:r>
-            <a:r>
-              <a:rPr lang="en-US" sz="2400" dirty="0" smtClean="0"/>
-              <a:t>algorithms (e.g. </a:t>
-            </a:r>
-            <a:r>
-              <a:rPr lang="en-US" sz="2400" i="1" dirty="0" smtClean="0"/>
-              <a:t>RSA</a:t>
-            </a:r>
-            <a:r>
-              <a:rPr lang="en-US" sz="2400" dirty="0" smtClean="0"/>
-              <a:t>, </a:t>
-            </a:r>
-            <a:r>
-              <a:rPr lang="en-US" sz="2400" i="1" dirty="0" err="1" smtClean="0"/>
-              <a:t>Diffie</a:t>
-            </a:r>
-            <a:r>
-              <a:rPr lang="en-US" sz="2400" i="1" dirty="0" smtClean="0"/>
-              <a:t>-Hellman</a:t>
-            </a:r>
-            <a:r>
-              <a:rPr lang="en-US" sz="2400" dirty="0" smtClean="0"/>
-              <a:t> and </a:t>
-            </a:r>
-            <a:r>
-              <a:rPr lang="en-US" sz="2400" i="1" dirty="0" smtClean="0"/>
-              <a:t>FORTEZZA</a:t>
-            </a:r>
-            <a:r>
-              <a:rPr lang="en-US" sz="2400" dirty="0" smtClean="0"/>
-              <a:t>)</a:t>
-            </a:r>
-          </a:p>
-          <a:p>
-            <a:pPr marL="0" indent="0">
-              <a:buNone/>
-            </a:pPr>
-            <a:endParaRPr lang="en-US" sz="2400" i="1" dirty="0" smtClean="0"/>
-          </a:p>
-          <a:p>
-            <a:pPr marL="0" indent="0">
-              <a:buNone/>
-            </a:pPr>
-            <a:endParaRPr lang="en-US" sz="2400" i="1" dirty="0" smtClean="0"/>
-          </a:p>
-          <a:p>
-            <a:r>
-              <a:rPr lang="en-US" sz="2400" dirty="0" smtClean="0"/>
-              <a:t>Generate</a:t>
-            </a:r>
-            <a:r>
-              <a:rPr lang="en-US" sz="2400" i="1" dirty="0"/>
+              <a:rPr lang="it-IT" sz="2400" dirty="0" err="1"/>
+              <a:t>its</a:t>
+            </a:r>
+            <a:r>
+              <a:rPr lang="it-IT" sz="2400" dirty="0"/>
               <a:t> </a:t>
             </a:r>
             <a:r>
-              <a:rPr lang="en-US" sz="2400" i="1" dirty="0" err="1" smtClean="0"/>
-              <a:t>master_secret</a:t>
-            </a:r>
-            <a:r>
-              <a:rPr lang="en-US" sz="2400" i="1" dirty="0" smtClean="0"/>
+              <a:rPr lang="it-IT" sz="2400" dirty="0" err="1"/>
+              <a:t>earliest</a:t>
+            </a:r>
+            <a:r>
+              <a:rPr lang="it-IT" sz="2400" dirty="0"/>
               <a:t> </a:t>
             </a:r>
             <a:r>
-              <a:rPr lang="en-US" sz="2400" dirty="0" smtClean="0"/>
-              <a:t>applying </a:t>
-            </a:r>
-            <a:r>
-              <a:rPr lang="en-US" sz="2400" dirty="0"/>
-              <a:t>a hash </a:t>
-            </a:r>
-            <a:r>
-              <a:rPr lang="en-US" sz="2400" dirty="0" smtClean="0"/>
-              <a:t>function to</a:t>
-            </a:r>
-            <a:r>
-              <a:rPr lang="en-US" sz="2400" i="1" dirty="0" smtClean="0"/>
-              <a:t>:</a:t>
-            </a:r>
-          </a:p>
-          <a:p>
-            <a:pPr lvl="1" algn="just"/>
-            <a:r>
-              <a:rPr lang="en-US" sz="2000" i="1" dirty="0" err="1" smtClean="0"/>
-              <a:t>pre_master_key</a:t>
-            </a:r>
-            <a:r>
-              <a:rPr lang="en-US" sz="2000" i="1" dirty="0" smtClean="0"/>
+              <a:rPr lang="it-IT" sz="2400" dirty="0" err="1"/>
+              <a:t>inception</a:t>
+            </a:r>
+            <a:r>
+              <a:rPr lang="it-IT" sz="2400" dirty="0"/>
+              <a:t> HTTP </a:t>
+            </a:r>
+            <a:r>
+              <a:rPr lang="it-IT" sz="2400" dirty="0" err="1"/>
+              <a:t>inventors</a:t>
+            </a:r>
+            <a:r>
+              <a:rPr lang="it-IT" sz="2400" dirty="0"/>
               <a:t> </a:t>
             </a:r>
-          </a:p>
-          <a:p>
-            <a:pPr lvl="1" algn="just"/>
-            <a:r>
-              <a:rPr lang="en-US" sz="2000" i="1" dirty="0" err="1" smtClean="0"/>
-              <a:t>ServerHello.random</a:t>
-            </a:r>
-            <a:endParaRPr lang="en-US" sz="2000" i="1" dirty="0" smtClean="0"/>
-          </a:p>
-          <a:p>
-            <a:pPr lvl="1" algn="just"/>
-            <a:r>
-              <a:rPr lang="en-US" sz="2000" i="1" dirty="0" err="1" smtClean="0"/>
-              <a:t>ClientHello.random</a:t>
-            </a:r>
-            <a:endParaRPr lang="en-US" sz="2000" i="1" dirty="0" smtClean="0"/>
-          </a:p>
-          <a:p>
-            <a:endParaRPr lang="en-US" sz="2400" dirty="0"/>
+            <a:r>
+              <a:rPr lang="it-IT" sz="2400" dirty="0" err="1"/>
+              <a:t>felt</a:t>
+            </a:r>
+            <a:r>
+              <a:rPr lang="it-IT" sz="2400" dirty="0"/>
+              <a:t> the </a:t>
+            </a:r>
+            <a:r>
+              <a:rPr lang="it-IT" sz="2400" dirty="0" err="1"/>
+              <a:t>need</a:t>
+            </a:r>
+            <a:r>
+              <a:rPr lang="it-IT" sz="2400" dirty="0"/>
+              <a:t> of </a:t>
+            </a:r>
+            <a:r>
+              <a:rPr lang="it-IT" sz="2400" dirty="0" err="1"/>
+              <a:t>reassuring</a:t>
+            </a:r>
+            <a:r>
+              <a:rPr lang="it-IT" sz="2400" dirty="0"/>
+              <a:t> users so to </a:t>
+            </a:r>
+            <a:r>
+              <a:rPr lang="it-IT" sz="2400" dirty="0" err="1"/>
+              <a:t>allow</a:t>
+            </a:r>
+            <a:endParaRPr lang="it-IT" sz="2400" dirty="0"/>
+          </a:p>
+          <a:p>
+            <a:pPr lvl="1"/>
+            <a:r>
+              <a:rPr lang="it-IT" sz="2000" dirty="0"/>
+              <a:t>Secure e-commerce, secure banking, etc.</a:t>
+            </a:r>
+          </a:p>
+          <a:p>
+            <a:r>
+              <a:rPr lang="it-IT" sz="2400" dirty="0"/>
+              <a:t>Internet </a:t>
+            </a:r>
+            <a:r>
+              <a:rPr lang="it-IT" sz="2400" dirty="0" err="1"/>
+              <a:t>before</a:t>
+            </a:r>
+            <a:r>
+              <a:rPr lang="it-IT" sz="2400" dirty="0"/>
+              <a:t> SSL </a:t>
+            </a:r>
+            <a:r>
+              <a:rPr lang="it-IT" sz="2400" dirty="0" err="1"/>
+              <a:t>was</a:t>
+            </a:r>
+            <a:r>
+              <a:rPr lang="it-IT" sz="2400" dirty="0"/>
+              <a:t> a wild world</a:t>
+            </a:r>
+          </a:p>
+          <a:p>
+            <a:pPr lvl="1"/>
+            <a:r>
+              <a:rPr lang="it-IT" sz="2000" dirty="0">
+                <a:hlinkClick r:id="rId2"/>
+              </a:rPr>
+              <a:t>https://www.feistyduck.com/ssl-tls-and-pki-history/</a:t>
+            </a:r>
+            <a:endParaRPr lang="it-IT" sz="2000" dirty="0"/>
+          </a:p>
+          <a:p>
+            <a:endParaRPr lang="it-IT" sz="2400" dirty="0"/>
+          </a:p>
+          <a:p>
+            <a:endParaRPr lang="it-IT" sz="2400" dirty="0"/>
+          </a:p>
+          <a:p>
+            <a:endParaRPr lang="it-IT" sz="2400" dirty="0"/>
+          </a:p>
+          <a:p>
+            <a:r>
+              <a:rPr lang="it-IT" sz="2400" dirty="0" err="1"/>
+              <a:t>Add</a:t>
+            </a:r>
+            <a:r>
+              <a:rPr lang="it-IT" sz="2400" dirty="0"/>
+              <a:t> a </a:t>
+            </a:r>
+            <a:r>
+              <a:rPr lang="it-IT" sz="2400" dirty="0" err="1"/>
+              <a:t>safety</a:t>
+            </a:r>
+            <a:r>
+              <a:rPr lang="it-IT" sz="2400" dirty="0"/>
+              <a:t> </a:t>
+            </a:r>
+            <a:r>
+              <a:rPr lang="it-IT" sz="2400" dirty="0" err="1"/>
+              <a:t>layer</a:t>
+            </a:r>
+            <a:r>
+              <a:rPr lang="it-IT" sz="2400" dirty="0"/>
+              <a:t> in-</a:t>
+            </a:r>
+            <a:r>
+              <a:rPr lang="it-IT" sz="2400" dirty="0" err="1"/>
+              <a:t>between</a:t>
+            </a:r>
+            <a:r>
+              <a:rPr lang="it-IT" sz="2400" dirty="0"/>
+              <a:t> Layer 7 and Layer 4 </a:t>
+            </a:r>
+            <a:r>
+              <a:rPr lang="it-IT" sz="2400" dirty="0" err="1"/>
+              <a:t>conversations</a:t>
+            </a:r>
+            <a:endParaRPr lang="it-IT" sz="2400" dirty="0"/>
+          </a:p>
+          <a:p>
+            <a:pPr lvl="1"/>
+            <a:r>
+              <a:rPr lang="it-IT" sz="2000" dirty="0"/>
+              <a:t>Parties can prove </a:t>
+            </a:r>
+            <a:r>
+              <a:rPr lang="it-IT" sz="2000" dirty="0" err="1"/>
+              <a:t>their</a:t>
+            </a:r>
+            <a:r>
+              <a:rPr lang="it-IT" sz="2000" dirty="0"/>
+              <a:t> </a:t>
+            </a:r>
+            <a:r>
+              <a:rPr lang="it-IT" sz="2000" dirty="0" err="1"/>
+              <a:t>identity</a:t>
+            </a:r>
+            <a:endParaRPr lang="it-IT" sz="2000" dirty="0"/>
+          </a:p>
+          <a:p>
+            <a:pPr lvl="1"/>
+            <a:r>
+              <a:rPr lang="it-IT" sz="2000" dirty="0"/>
+              <a:t>Parties can talk </a:t>
+            </a:r>
+            <a:r>
+              <a:rPr lang="it-IT" sz="2000" dirty="0" err="1"/>
+              <a:t>confidentially</a:t>
+            </a:r>
+            <a:endParaRPr lang="it-IT" sz="2000" dirty="0"/>
+          </a:p>
+          <a:p>
+            <a:pPr lvl="1"/>
+            <a:r>
+              <a:rPr lang="it-IT" sz="2000" dirty="0"/>
+              <a:t>Parties can talk with no tampering</a:t>
+            </a:r>
+          </a:p>
+          <a:p>
+            <a:endParaRPr lang="it-IT" sz="2400" dirty="0"/>
           </a:p>
         </p:txBody>
       </p:sp>
-      <p:pic>
-        <p:nvPicPr>
-          <p:cNvPr id="7" name="Immagine 6"/>
-          <p:cNvPicPr>
-            <a:picLocks noChangeAspect="1"/>
-          </p:cNvPicPr>
-          <p:nvPr/>
-        </p:nvPicPr>
-        <p:blipFill>
-          <a:blip r:embed="rId2"/>
-          <a:stretch>
-            <a:fillRect/>
-          </a:stretch>
-        </p:blipFill>
-        <p:spPr>
-          <a:xfrm>
-            <a:off x="4648200" y="2371384"/>
-            <a:ext cx="4211562" cy="2891520"/>
-          </a:xfrm>
-          <a:prstGeom prst="rect">
-            <a:avLst/>
-          </a:prstGeom>
-        </p:spPr>
-      </p:pic>
     </p:spTree>
     <p:extLst>
       <p:ext uri="{BB962C8B-B14F-4D97-AF65-F5344CB8AC3E}">
-        <p14:creationId xmlns:p14="http://schemas.microsoft.com/office/powerpoint/2010/main" val="3160077355"/>
+        <p14:creationId xmlns:p14="http://schemas.microsoft.com/office/powerpoint/2010/main" val="2870853085"/>
       </p:ext>
     </p:extLst>
   </p:cSld>
   <p:clrMapOvr>
     <a:masterClrMapping/>
   </p:clrMapOvr>
-  <p:timing>
-    <p:tnLst>
-      <p:par>
-        <p:cTn id="1" dur="indefinite" restart="never" nodeType="tmRoot"/>
-      </p:par>
-    </p:tnLst>
-  </p:timing>
 </p:sld>
 </file>
 
@@ -11269,7 +13170,13 @@
       </p:grpSpPr>
       <p:sp>
         <p:nvSpPr>
-          <p:cNvPr id="2" name="Titolo 1"/>
+          <p:cNvPr id="2" name="Title 1">
+            <a:extLst>
+              <a:ext uri="{FF2B5EF4-FFF2-40B4-BE49-F238E27FC236}">
+                <a16:creationId xmlns:a16="http://schemas.microsoft.com/office/drawing/2014/main" id="{121B9382-75FA-4CB7-A045-EEBE85236619}"/>
+              </a:ext>
+            </a:extLst>
+          </p:cNvPr>
           <p:cNvSpPr>
             <a:spLocks noGrp="1"/>
           </p:cNvSpPr>
@@ -11283,16 +13190,8 @@
           <a:lstStyle/>
           <a:p>
             <a:r>
-              <a:rPr lang="it-IT" dirty="0" err="1"/>
-              <a:t>Key</a:t>
-            </a:r>
-            <a:r>
-              <a:rPr lang="it-IT" dirty="0"/>
-              <a:t> </a:t>
-            </a:r>
-            <a:r>
-              <a:rPr lang="it-IT" dirty="0" smtClean="0"/>
-              <a:t>generation (CONT.)</a:t>
+              <a:rPr lang="en-US" dirty="0"/>
+              <a:t>TLS Protocol SET</a:t>
             </a:r>
             <a:endParaRPr lang="it-IT" dirty="0"/>
           </a:p>
@@ -11300,7 +13199,13 @@
       </p:sp>
       <p:sp>
         <p:nvSpPr>
-          <p:cNvPr id="3" name="Segnaposto contenuto 2"/>
+          <p:cNvPr id="3" name="Content Placeholder 2">
+            <a:extLst>
+              <a:ext uri="{FF2B5EF4-FFF2-40B4-BE49-F238E27FC236}">
+                <a16:creationId xmlns:a16="http://schemas.microsoft.com/office/drawing/2014/main" id="{6EBBB1FB-0103-4279-AD11-8DFA2BC9E523}"/>
+              </a:ext>
+            </a:extLst>
+          </p:cNvPr>
           <p:cNvSpPr>
             <a:spLocks noGrp="1"/>
           </p:cNvSpPr>
@@ -11313,201 +13218,103 @@
           <a:bodyPr/>
           <a:lstStyle/>
           <a:p>
-            <a:r>
-              <a:rPr lang="it-IT" dirty="0" smtClean="0"/>
-              <a:t>Produce </a:t>
-            </a:r>
-            <a:r>
-              <a:rPr lang="it-IT" i="1" dirty="0" err="1" smtClean="0"/>
-              <a:t>key_block</a:t>
-            </a:r>
-            <a:r>
-              <a:rPr lang="it-IT" dirty="0" smtClean="0"/>
-              <a:t> with </a:t>
-            </a:r>
-            <a:r>
-              <a:rPr lang="it-IT" i="1" dirty="0" err="1" smtClean="0"/>
-              <a:t>master_secret</a:t>
-            </a:r>
-            <a:r>
-              <a:rPr lang="it-IT" i="1" dirty="0" smtClean="0"/>
-              <a:t> </a:t>
-            </a:r>
-          </a:p>
-          <a:p>
-            <a:pPr lvl="1"/>
-            <a:r>
-              <a:rPr lang="it-IT" i="1" dirty="0" err="1" smtClean="0"/>
-              <a:t>Iteratively</a:t>
-            </a:r>
-            <a:r>
-              <a:rPr lang="it-IT" i="1" dirty="0" smtClean="0"/>
-              <a:t> use </a:t>
-            </a:r>
-            <a:r>
-              <a:rPr lang="it-IT" i="1" dirty="0" err="1" smtClean="0"/>
-              <a:t>this</a:t>
-            </a:r>
-            <a:r>
-              <a:rPr lang="it-IT" i="1" dirty="0" smtClean="0"/>
-              <a:t> </a:t>
-            </a:r>
-            <a:r>
-              <a:rPr lang="it-IT" i="1" dirty="0" err="1" smtClean="0"/>
-              <a:t>function</a:t>
-            </a:r>
-            <a:r>
-              <a:rPr lang="it-IT" i="1" dirty="0" smtClean="0"/>
-              <a:t> </a:t>
-            </a:r>
-            <a:r>
-              <a:rPr lang="it-IT" i="1" dirty="0" err="1" smtClean="0"/>
-              <a:t>until</a:t>
-            </a:r>
-            <a:r>
-              <a:rPr lang="it-IT" i="1" dirty="0" smtClean="0"/>
-              <a:t> </a:t>
-            </a:r>
-            <a:r>
-              <a:rPr lang="it-IT" i="1" dirty="0" err="1"/>
-              <a:t>key_block</a:t>
-            </a:r>
-            <a:r>
-              <a:rPr lang="it-IT" dirty="0"/>
-              <a:t> </a:t>
-            </a:r>
-            <a:r>
-              <a:rPr lang="it-IT" dirty="0" err="1" smtClean="0"/>
-              <a:t>is</a:t>
-            </a:r>
-            <a:r>
-              <a:rPr lang="it-IT" dirty="0" smtClean="0"/>
-              <a:t> long </a:t>
-            </a:r>
-            <a:r>
-              <a:rPr lang="it-IT" dirty="0" err="1" smtClean="0"/>
-              <a:t>enough</a:t>
-            </a:r>
-            <a:endParaRPr lang="it-IT" dirty="0" smtClean="0"/>
-          </a:p>
-          <a:p>
-            <a:pPr lvl="1"/>
-            <a:endParaRPr lang="it-IT" i="1" dirty="0"/>
-          </a:p>
-          <a:p>
-            <a:r>
-              <a:rPr lang="it-IT" i="1" dirty="0" err="1" smtClean="0"/>
-              <a:t>Parts</a:t>
-            </a:r>
-            <a:r>
-              <a:rPr lang="it-IT" i="1" dirty="0" smtClean="0"/>
-              <a:t> </a:t>
-            </a:r>
-            <a:r>
-              <a:rPr lang="it-IT" i="1" dirty="0"/>
-              <a:t>of </a:t>
-            </a:r>
-            <a:r>
-              <a:rPr lang="it-IT" i="1" dirty="0" smtClean="0"/>
-              <a:t>the </a:t>
-            </a:r>
-            <a:r>
-              <a:rPr lang="it-IT" i="1" dirty="0" err="1"/>
-              <a:t>key_block</a:t>
-            </a:r>
-            <a:r>
-              <a:rPr lang="it-IT" dirty="0"/>
-              <a:t> </a:t>
-            </a:r>
-            <a:endParaRPr lang="it-IT" dirty="0" smtClean="0"/>
-          </a:p>
-          <a:p>
-            <a:pPr lvl="1"/>
-            <a:r>
-              <a:rPr lang="it-IT" i="1" dirty="0" smtClean="0"/>
-              <a:t>MAC </a:t>
-            </a:r>
-            <a:r>
-              <a:rPr lang="it-IT" i="1" dirty="0" err="1" smtClean="0"/>
-              <a:t>secrets</a:t>
-            </a:r>
-            <a:endParaRPr lang="it-IT" i="1" dirty="0" smtClean="0"/>
-          </a:p>
-          <a:p>
-            <a:pPr lvl="1"/>
-            <a:r>
-              <a:rPr lang="it-IT" i="1" dirty="0" err="1"/>
-              <a:t>C</a:t>
-            </a:r>
-            <a:r>
-              <a:rPr lang="it-IT" i="1" dirty="0" err="1" smtClean="0"/>
-              <a:t>ryptographic</a:t>
-            </a:r>
-            <a:r>
-              <a:rPr lang="it-IT" i="1" dirty="0" smtClean="0"/>
-              <a:t> </a:t>
-            </a:r>
-            <a:r>
-              <a:rPr lang="it-IT" i="1" dirty="0" err="1" smtClean="0"/>
-              <a:t>keys</a:t>
-            </a:r>
-            <a:endParaRPr lang="it-IT" i="1" dirty="0" smtClean="0"/>
-          </a:p>
-          <a:p>
-            <a:pPr lvl="1"/>
-            <a:r>
-              <a:rPr lang="it-IT" i="1" dirty="0" err="1" smtClean="0"/>
-              <a:t>IVs</a:t>
-            </a:r>
-            <a:r>
-              <a:rPr lang="it-IT" i="1" dirty="0" smtClean="0"/>
-              <a:t> (for CBC </a:t>
-            </a:r>
-            <a:r>
-              <a:rPr lang="it-IT" i="1" dirty="0" err="1" smtClean="0"/>
-              <a:t>block</a:t>
-            </a:r>
-            <a:r>
-              <a:rPr lang="it-IT" i="1" dirty="0" smtClean="0"/>
-              <a:t> </a:t>
-            </a:r>
-            <a:r>
-              <a:rPr lang="it-IT" i="1" dirty="0" err="1" smtClean="0"/>
-              <a:t>ciphers</a:t>
-            </a:r>
-            <a:r>
-              <a:rPr lang="it-IT" i="1" dirty="0" smtClean="0"/>
-              <a:t> or </a:t>
-            </a:r>
-            <a:r>
-              <a:rPr lang="it-IT" i="1" dirty="0" err="1" smtClean="0"/>
-              <a:t>similar</a:t>
-            </a:r>
-            <a:r>
-              <a:rPr lang="it-IT" i="1" dirty="0" smtClean="0"/>
-              <a:t>)</a:t>
-            </a:r>
-            <a:endParaRPr lang="it-IT" i="1" dirty="0"/>
+            <a:endParaRPr lang="it-IT"/>
           </a:p>
         </p:txBody>
       </p:sp>
+      <p:sp>
+        <p:nvSpPr>
+          <p:cNvPr id="4" name="TextBox 3">
+            <a:extLst>
+              <a:ext uri="{FF2B5EF4-FFF2-40B4-BE49-F238E27FC236}">
+                <a16:creationId xmlns:a16="http://schemas.microsoft.com/office/drawing/2014/main" id="{8D1E35A5-BFF9-4E75-931D-46B9548FBF08}"/>
+              </a:ext>
+            </a:extLst>
+          </p:cNvPr>
+          <p:cNvSpPr txBox="1"/>
+          <p:nvPr/>
+        </p:nvSpPr>
+        <p:spPr>
+          <a:xfrm>
+            <a:off x="467544" y="5197732"/>
+            <a:ext cx="6048466" cy="369332"/>
+          </a:xfrm>
+          <a:prstGeom prst="rect">
+            <a:avLst/>
+          </a:prstGeom>
+          <a:noFill/>
+        </p:spPr>
+        <p:txBody>
+          <a:bodyPr wrap="square" rtlCol="0">
+            <a:spAutoFit/>
+          </a:bodyPr>
+          <a:lstStyle/>
+          <a:p>
+            <a:r>
+              <a:rPr lang="en-US" dirty="0"/>
+              <a:t>DTLS: TLS version specialized for UDP peculiarities</a:t>
+            </a:r>
+            <a:endParaRPr lang="it-IT" dirty="0"/>
+          </a:p>
+        </p:txBody>
+      </p:sp>
+      <p:pic>
+        <p:nvPicPr>
+          <p:cNvPr id="4100" name="Picture 4">
+            <a:extLst>
+              <a:ext uri="{FF2B5EF4-FFF2-40B4-BE49-F238E27FC236}">
+                <a16:creationId xmlns:a16="http://schemas.microsoft.com/office/drawing/2014/main" id="{CBDFCB23-DDC5-4192-ACC5-E29E34C16CCB}"/>
+              </a:ext>
+            </a:extLst>
+          </p:cNvPr>
+          <p:cNvPicPr>
+            <a:picLocks noChangeAspect="1" noChangeArrowheads="1"/>
+          </p:cNvPicPr>
+          <p:nvPr/>
+        </p:nvPicPr>
+        <p:blipFill>
+          <a:blip r:embed="rId2">
+            <a:extLst>
+              <a:ext uri="{28A0092B-C50C-407E-A947-70E740481C1C}">
+                <a14:useLocalDpi xmlns:a14="http://schemas.microsoft.com/office/drawing/2010/main" val="0"/>
+              </a:ext>
+            </a:extLst>
+          </a:blip>
+          <a:srcRect/>
+          <a:stretch>
+            <a:fillRect/>
+          </a:stretch>
+        </p:blipFill>
+        <p:spPr bwMode="auto">
+          <a:xfrm>
+            <a:off x="147638" y="1885950"/>
+            <a:ext cx="8848725" cy="3086100"/>
+          </a:xfrm>
+          <a:prstGeom prst="rect">
+            <a:avLst/>
+          </a:prstGeom>
+          <a:noFill/>
+          <a:extLst>
+            <a:ext uri="{909E8E84-426E-40DD-AFC4-6F175D3DCCD1}">
+              <a14:hiddenFill xmlns:a14="http://schemas.microsoft.com/office/drawing/2010/main">
+                <a:solidFill>
+                  <a:srgbClr val="FFFFFF"/>
+                </a:solidFill>
+              </a14:hiddenFill>
+            </a:ext>
+          </a:extLst>
+        </p:spPr>
+      </p:pic>
     </p:spTree>
     <p:extLst>
       <p:ext uri="{BB962C8B-B14F-4D97-AF65-F5344CB8AC3E}">
-        <p14:creationId xmlns:p14="http://schemas.microsoft.com/office/powerpoint/2010/main" val="3970473534"/>
+        <p14:creationId xmlns:p14="http://schemas.microsoft.com/office/powerpoint/2010/main" val="524689262"/>
       </p:ext>
     </p:extLst>
   </p:cSld>
   <p:clrMapOvr>
     <a:masterClrMapping/>
   </p:clrMapOvr>
-  <p:timing>
-    <p:tnLst>
-      <p:par>
-        <p:cTn id="1" dur="indefinite" restart="never" nodeType="tmRoot"/>
-      </p:par>
-    </p:tnLst>
-  </p:timing>
 </p:sld>
 </file>
 
@@ -11544,309 +13351,22 @@
           <a:lstStyle/>
           <a:p>
             <a:r>
-              <a:rPr lang="it-IT" dirty="0" err="1" smtClean="0"/>
-              <a:t>Ssl</a:t>
-            </a:r>
-            <a:r>
-              <a:rPr lang="it-IT" dirty="0" smtClean="0"/>
-              <a:t> record processing</a:t>
+              <a:rPr lang="it-IT" dirty="0"/>
+              <a:t>SSL </a:t>
+            </a:r>
+            <a:r>
+              <a:rPr lang="it-IT" dirty="0" err="1">
+                <a:effectLst/>
+              </a:rPr>
+              <a:t>Handshake</a:t>
             </a:r>
             <a:endParaRPr lang="it-IT" dirty="0"/>
-          </a:p>
-        </p:txBody>
-      </p:sp>
-      <p:sp>
-        <p:nvSpPr>
-          <p:cNvPr id="5" name="Segnaposto contenuto 4"/>
-          <p:cNvSpPr>
-            <a:spLocks noGrp="1"/>
-          </p:cNvSpPr>
-          <p:nvPr>
-            <p:ph idx="1"/>
-          </p:nvPr>
-        </p:nvSpPr>
-        <p:spPr>
-          <a:xfrm>
-            <a:off x="5217538" y="1554163"/>
-            <a:ext cx="3926462" cy="4525962"/>
-          </a:xfrm>
-        </p:spPr>
-        <p:txBody>
-          <a:bodyPr/>
-          <a:lstStyle/>
-          <a:p>
-            <a:pPr marL="457200" indent="-457200">
-              <a:buFont typeface="+mj-lt"/>
-              <a:buAutoNum type="arabicPeriod"/>
-            </a:pPr>
-            <a:r>
-              <a:rPr lang="it-IT" sz="2000" dirty="0" err="1" smtClean="0"/>
-              <a:t>Fragmentation</a:t>
-            </a:r>
-            <a:r>
-              <a:rPr lang="it-IT" sz="2000" dirty="0" smtClean="0"/>
-              <a:t> </a:t>
-            </a:r>
-            <a:r>
-              <a:rPr lang="it-IT" sz="2000" dirty="0"/>
-              <a:t>and </a:t>
-            </a:r>
-            <a:r>
-              <a:rPr lang="it-IT" sz="2000" dirty="0" err="1" smtClean="0"/>
-              <a:t>packing</a:t>
-            </a:r>
-            <a:r>
-              <a:rPr lang="it-IT" sz="2000" dirty="0" smtClean="0"/>
-              <a:t> in </a:t>
-            </a:r>
-            <a:r>
-              <a:rPr lang="it-IT" sz="2000" dirty="0" err="1" smtClean="0"/>
-              <a:t>SSLPlaintext</a:t>
-            </a:r>
-            <a:r>
-              <a:rPr lang="it-IT" sz="2000" dirty="0" smtClean="0"/>
-              <a:t>.</a:t>
-            </a:r>
-          </a:p>
-          <a:p>
-            <a:pPr marL="457200" indent="-457200">
-              <a:buFont typeface="+mj-lt"/>
-              <a:buAutoNum type="arabicPeriod"/>
-            </a:pPr>
-            <a:r>
-              <a:rPr lang="it-IT" sz="2000" dirty="0" err="1" smtClean="0"/>
-              <a:t>Packet</a:t>
-            </a:r>
-            <a:r>
-              <a:rPr lang="it-IT" sz="2000" dirty="0" smtClean="0"/>
-              <a:t> </a:t>
-            </a:r>
-            <a:r>
-              <a:rPr lang="it-IT" sz="2000" dirty="0" err="1" smtClean="0"/>
-              <a:t>compression</a:t>
-            </a:r>
-            <a:r>
-              <a:rPr lang="it-IT" sz="2000" dirty="0" smtClean="0"/>
-              <a:t> in </a:t>
-            </a:r>
-            <a:r>
-              <a:rPr lang="it-IT" sz="2000" dirty="0" err="1" smtClean="0"/>
-              <a:t>SSLCompressed</a:t>
-            </a:r>
-            <a:r>
-              <a:rPr lang="it-IT" sz="2000" dirty="0" smtClean="0"/>
-              <a:t>.</a:t>
-            </a:r>
-          </a:p>
-          <a:p>
-            <a:pPr marL="457200" indent="-457200">
-              <a:buFont typeface="+mj-lt"/>
-              <a:buAutoNum type="arabicPeriod"/>
-            </a:pPr>
-            <a:r>
-              <a:rPr lang="it-IT" sz="2000" dirty="0" err="1"/>
-              <a:t>Encryption</a:t>
-            </a:r>
-            <a:r>
-              <a:rPr lang="it-IT" sz="2000" dirty="0"/>
-              <a:t> of </a:t>
-            </a:r>
-            <a:r>
-              <a:rPr lang="it-IT" sz="2000" dirty="0" err="1"/>
-              <a:t>packets</a:t>
-            </a:r>
-            <a:r>
-              <a:rPr lang="it-IT" sz="2000" dirty="0"/>
-              <a:t> </a:t>
-            </a:r>
-            <a:r>
-              <a:rPr lang="it-IT" sz="2000" dirty="0" smtClean="0"/>
-              <a:t>in </a:t>
-            </a:r>
-            <a:r>
-              <a:rPr lang="it-IT" sz="2000" dirty="0" err="1" smtClean="0"/>
-              <a:t>SSLCiphertext</a:t>
-            </a:r>
-            <a:r>
-              <a:rPr lang="it-IT" sz="2000" dirty="0" smtClean="0"/>
-              <a:t>:</a:t>
-            </a:r>
-          </a:p>
-          <a:p>
-            <a:pPr marL="857250" lvl="1" indent="-457200">
-              <a:buFont typeface="+mj-lt"/>
-              <a:buAutoNum type="arabicPeriod"/>
-            </a:pPr>
-            <a:r>
-              <a:rPr lang="it-IT" sz="1600" dirty="0" err="1" smtClean="0"/>
-              <a:t>Creation</a:t>
-            </a:r>
-            <a:r>
-              <a:rPr lang="it-IT" sz="1600" dirty="0" smtClean="0"/>
-              <a:t> of MAC</a:t>
-            </a:r>
-            <a:r>
-              <a:rPr lang="en-US" sz="1600" dirty="0" smtClean="0"/>
-              <a:t>.</a:t>
-            </a:r>
-          </a:p>
-          <a:p>
-            <a:pPr marL="857250" lvl="1" indent="-457200">
-              <a:buFont typeface="+mj-lt"/>
-              <a:buAutoNum type="arabicPeriod"/>
-            </a:pPr>
-            <a:r>
-              <a:rPr lang="en-US" sz="1600" dirty="0"/>
-              <a:t>Append MAC to </a:t>
-            </a:r>
-            <a:r>
-              <a:rPr lang="en-US" sz="1600" dirty="0" err="1"/>
-              <a:t>to</a:t>
-            </a:r>
-            <a:r>
-              <a:rPr lang="en-US" sz="1600" dirty="0"/>
-              <a:t> </a:t>
-            </a:r>
-            <a:r>
-              <a:rPr lang="en-US" sz="1600" dirty="0" err="1" smtClean="0"/>
-              <a:t>SSLCompressed</a:t>
-            </a:r>
-            <a:r>
-              <a:rPr lang="en-US" sz="1600" dirty="0" smtClean="0"/>
-              <a:t>.</a:t>
-            </a:r>
-          </a:p>
-          <a:p>
-            <a:pPr marL="857250" lvl="1" indent="-457200">
-              <a:buFont typeface="+mj-lt"/>
-              <a:buAutoNum type="arabicPeriod"/>
-            </a:pPr>
-            <a:r>
-              <a:rPr lang="en-US" sz="1600" dirty="0" smtClean="0"/>
-              <a:t>Encryption of packets using the chipper </a:t>
-            </a:r>
-            <a:r>
-              <a:rPr lang="en-US" sz="1600" dirty="0"/>
-              <a:t>suite </a:t>
-            </a:r>
-            <a:r>
-              <a:rPr lang="en-US" sz="1600" dirty="0" smtClean="0"/>
-              <a:t>chose.</a:t>
-            </a:r>
-          </a:p>
-          <a:p>
-            <a:pPr marL="857250" lvl="1" indent="-457200">
-              <a:buFont typeface="+mj-lt"/>
-              <a:buAutoNum type="arabicPeriod"/>
-            </a:pPr>
-            <a:r>
-              <a:rPr lang="en-US" sz="1600" dirty="0" smtClean="0"/>
-              <a:t>If </a:t>
-            </a:r>
-            <a:r>
-              <a:rPr lang="it-IT" sz="1600" dirty="0" err="1"/>
-              <a:t>block</a:t>
-            </a:r>
-            <a:r>
-              <a:rPr lang="it-IT" sz="1600" dirty="0"/>
-              <a:t> </a:t>
-            </a:r>
-            <a:r>
-              <a:rPr lang="it-IT" sz="1600" dirty="0" err="1" smtClean="0"/>
-              <a:t>cipher</a:t>
-            </a:r>
-            <a:r>
-              <a:rPr lang="it-IT" sz="1600" dirty="0" smtClean="0"/>
-              <a:t> </a:t>
-            </a:r>
-            <a:r>
-              <a:rPr lang="it-IT" sz="1600" dirty="0" err="1" smtClean="0"/>
-              <a:t>is</a:t>
-            </a:r>
-            <a:r>
-              <a:rPr lang="it-IT" sz="1600" dirty="0" smtClean="0"/>
-              <a:t> </a:t>
-            </a:r>
-            <a:r>
-              <a:rPr lang="it-IT" sz="1600" dirty="0" err="1" smtClean="0"/>
-              <a:t>used</a:t>
-            </a:r>
-            <a:r>
-              <a:rPr lang="it-IT" sz="1600" dirty="0" smtClean="0"/>
-              <a:t> </a:t>
-            </a:r>
-            <a:r>
-              <a:rPr lang="it-IT" sz="1600" dirty="0" err="1" smtClean="0"/>
-              <a:t>then</a:t>
-            </a:r>
-            <a:r>
-              <a:rPr lang="it-IT" sz="1600" dirty="0"/>
-              <a:t> </a:t>
-            </a:r>
-            <a:r>
-              <a:rPr lang="it-IT" sz="1600" dirty="0" err="1" smtClean="0"/>
-              <a:t>is</a:t>
-            </a:r>
-            <a:r>
-              <a:rPr lang="it-IT" sz="1600" dirty="0" smtClean="0"/>
-              <a:t> </a:t>
-            </a:r>
-            <a:r>
-              <a:rPr lang="it-IT" sz="1600" dirty="0" err="1" smtClean="0"/>
-              <a:t>necessary</a:t>
-            </a:r>
-            <a:r>
-              <a:rPr lang="it-IT" sz="1600" dirty="0" smtClean="0"/>
-              <a:t> a </a:t>
-            </a:r>
-            <a:r>
-              <a:rPr lang="it-IT" sz="1600" dirty="0" err="1" smtClean="0"/>
-              <a:t>padding</a:t>
-            </a:r>
-            <a:r>
-              <a:rPr lang="it-IT" sz="1600" dirty="0" smtClean="0"/>
-              <a:t> </a:t>
-            </a:r>
-            <a:r>
-              <a:rPr lang="it-IT" sz="1600" dirty="0"/>
-              <a:t>and in some </a:t>
-            </a:r>
-            <a:r>
-              <a:rPr lang="it-IT" sz="1600" dirty="0" err="1" smtClean="0"/>
-              <a:t>cases</a:t>
-            </a:r>
-            <a:r>
-              <a:rPr lang="it-IT" sz="1600" dirty="0" smtClean="0"/>
-              <a:t> the IV.</a:t>
-            </a:r>
-            <a:endParaRPr lang="it-IT" sz="2000" dirty="0" smtClean="0"/>
-          </a:p>
-          <a:p>
-            <a:pPr marL="457200" indent="-457200">
-              <a:buFont typeface="+mj-lt"/>
-              <a:buAutoNum type="arabicPeriod"/>
-            </a:pPr>
-            <a:endParaRPr lang="it-IT" sz="2000" dirty="0" smtClean="0"/>
-          </a:p>
-          <a:p>
-            <a:pPr marL="457200" indent="-457200">
-              <a:buFont typeface="+mj-lt"/>
-              <a:buAutoNum type="arabicPeriod"/>
-            </a:pPr>
-            <a:endParaRPr lang="it-IT" sz="2000" dirty="0" smtClean="0"/>
-          </a:p>
-          <a:p>
-            <a:pPr marL="457200" indent="-457200">
-              <a:buFont typeface="+mj-lt"/>
-              <a:buAutoNum type="arabicPeriod"/>
-            </a:pPr>
-            <a:endParaRPr lang="it-IT" sz="2000" dirty="0" smtClean="0"/>
           </a:p>
         </p:txBody>
       </p:sp>
       <p:pic>
         <p:nvPicPr>
-          <p:cNvPr id="6" name="Immagine 5"/>
+          <p:cNvPr id="8" name="Immagine 7"/>
           <p:cNvPicPr>
             <a:picLocks noChangeAspect="1"/>
           </p:cNvPicPr>
@@ -11860,8 +13380,8 @@
         </p:blipFill>
         <p:spPr>
           <a:xfrm>
-            <a:off x="304800" y="2420888"/>
-            <a:ext cx="4912738" cy="3003996"/>
+            <a:off x="2915816" y="1554163"/>
+            <a:ext cx="3789082" cy="5117891"/>
           </a:xfrm>
           <a:prstGeom prst="rect">
             <a:avLst/>
@@ -11871,24 +13391,367 @@
     </p:spTree>
     <p:extLst>
       <p:ext uri="{BB962C8B-B14F-4D97-AF65-F5344CB8AC3E}">
-        <p14:creationId xmlns:p14="http://schemas.microsoft.com/office/powerpoint/2010/main" val="2362772304"/>
+        <p14:creationId xmlns:p14="http://schemas.microsoft.com/office/powerpoint/2010/main" val="3614818894"/>
       </p:ext>
     </p:extLst>
   </p:cSld>
   <p:clrMapOvr>
     <a:masterClrMapping/>
   </p:clrMapOvr>
-  <p:timing>
-    <p:tnLst>
-      <p:par>
-        <p:cTn id="1" dur="indefinite" restart="never" nodeType="tmRoot"/>
-      </p:par>
-    </p:tnLst>
-  </p:timing>
 </p:sld>
 </file>
 
 <file path=ppt/slides/slide5.xml><?xml version="1.0" encoding="utf-8"?>
+<p:sld xmlns:a="http://schemas.openxmlformats.org/drawingml/2006/main" xmlns:r="http://schemas.openxmlformats.org/officeDocument/2006/relationships" xmlns:p="http://schemas.openxmlformats.org/presentationml/2006/main">
+  <p:cSld>
+    <p:spTree>
+      <p:nvGrpSpPr>
+        <p:cNvPr id="1" name=""/>
+        <p:cNvGrpSpPr/>
+        <p:nvPr/>
+      </p:nvGrpSpPr>
+      <p:grpSpPr>
+        <a:xfrm>
+          <a:off x="0" y="0"/>
+          <a:ext cx="0" cy="0"/>
+          <a:chOff x="0" y="0"/>
+          <a:chExt cx="0" cy="0"/>
+        </a:xfrm>
+      </p:grpSpPr>
+      <p:sp>
+        <p:nvSpPr>
+          <p:cNvPr id="2" name="Title 1">
+            <a:extLst>
+              <a:ext uri="{FF2B5EF4-FFF2-40B4-BE49-F238E27FC236}">
+                <a16:creationId xmlns:a16="http://schemas.microsoft.com/office/drawing/2014/main" id="{614A116E-BA25-4139-B6ED-D0B2286D10EA}"/>
+              </a:ext>
+            </a:extLst>
+          </p:cNvPr>
+          <p:cNvSpPr>
+            <a:spLocks noGrp="1"/>
+          </p:cNvSpPr>
+          <p:nvPr>
+            <p:ph type="title"/>
+          </p:nvPr>
+        </p:nvSpPr>
+        <p:spPr/>
+        <p:txBody>
+          <a:bodyPr/>
+          <a:lstStyle/>
+          <a:p>
+            <a:r>
+              <a:rPr lang="en-US" dirty="0"/>
+              <a:t>CIPHER SUITES</a:t>
+            </a:r>
+            <a:endParaRPr lang="it-IT" dirty="0"/>
+          </a:p>
+        </p:txBody>
+      </p:sp>
+      <p:sp>
+        <p:nvSpPr>
+          <p:cNvPr id="3" name="Content Placeholder 2">
+            <a:extLst>
+              <a:ext uri="{FF2B5EF4-FFF2-40B4-BE49-F238E27FC236}">
+                <a16:creationId xmlns:a16="http://schemas.microsoft.com/office/drawing/2014/main" id="{6EE70A26-88EC-4C37-919F-C513DDCBC633}"/>
+              </a:ext>
+            </a:extLst>
+          </p:cNvPr>
+          <p:cNvSpPr>
+            <a:spLocks noGrp="1"/>
+          </p:cNvSpPr>
+          <p:nvPr>
+            <p:ph idx="1"/>
+          </p:nvPr>
+        </p:nvSpPr>
+        <p:spPr/>
+        <p:txBody>
+          <a:bodyPr/>
+          <a:lstStyle/>
+          <a:p>
+            <a:endParaRPr lang="it-IT"/>
+          </a:p>
+        </p:txBody>
+      </p:sp>
+      <p:pic>
+        <p:nvPicPr>
+          <p:cNvPr id="5" name="Picture 2">
+            <a:extLst>
+              <a:ext uri="{FF2B5EF4-FFF2-40B4-BE49-F238E27FC236}">
+                <a16:creationId xmlns:a16="http://schemas.microsoft.com/office/drawing/2014/main" id="{8E85BD5D-8B44-4EAD-8D95-70E99C88EE33}"/>
+              </a:ext>
+            </a:extLst>
+          </p:cNvPr>
+          <p:cNvPicPr>
+            <a:picLocks noChangeAspect="1" noChangeArrowheads="1"/>
+          </p:cNvPicPr>
+          <p:nvPr/>
+        </p:nvPicPr>
+        <p:blipFill>
+          <a:blip r:embed="rId2">
+            <a:extLst>
+              <a:ext uri="{28A0092B-C50C-407E-A947-70E740481C1C}">
+                <a14:useLocalDpi xmlns:a14="http://schemas.microsoft.com/office/drawing/2010/main" val="0"/>
+              </a:ext>
+            </a:extLst>
+          </a:blip>
+          <a:srcRect/>
+          <a:stretch>
+            <a:fillRect/>
+          </a:stretch>
+        </p:blipFill>
+        <p:spPr bwMode="auto">
+          <a:xfrm>
+            <a:off x="683568" y="2015275"/>
+            <a:ext cx="8052149" cy="2925893"/>
+          </a:xfrm>
+          <a:prstGeom prst="rect">
+            <a:avLst/>
+          </a:prstGeom>
+          <a:noFill/>
+          <a:extLst>
+            <a:ext uri="{909E8E84-426E-40DD-AFC4-6F175D3DCCD1}">
+              <a14:hiddenFill xmlns:a14="http://schemas.microsoft.com/office/drawing/2010/main">
+                <a:solidFill>
+                  <a:srgbClr val="FFFFFF"/>
+                </a:solidFill>
+              </a14:hiddenFill>
+            </a:ext>
+          </a:extLst>
+        </p:spPr>
+      </p:pic>
+    </p:spTree>
+    <p:extLst>
+      <p:ext uri="{BB962C8B-B14F-4D97-AF65-F5344CB8AC3E}">
+        <p14:creationId xmlns:p14="http://schemas.microsoft.com/office/powerpoint/2010/main" val="2799149063"/>
+      </p:ext>
+    </p:extLst>
+  </p:cSld>
+  <p:clrMapOvr>
+    <a:masterClrMapping/>
+  </p:clrMapOvr>
+</p:sld>
+</file>
+
+<file path=ppt/slides/slide6.xml><?xml version="1.0" encoding="utf-8"?>
+<p:sld xmlns:a="http://schemas.openxmlformats.org/drawingml/2006/main" xmlns:r="http://schemas.openxmlformats.org/officeDocument/2006/relationships" xmlns:p="http://schemas.openxmlformats.org/presentationml/2006/main">
+  <p:cSld>
+    <p:spTree>
+      <p:nvGrpSpPr>
+        <p:cNvPr id="1" name=""/>
+        <p:cNvGrpSpPr/>
+        <p:nvPr/>
+      </p:nvGrpSpPr>
+      <p:grpSpPr>
+        <a:xfrm>
+          <a:off x="0" y="0"/>
+          <a:ext cx="0" cy="0"/>
+          <a:chOff x="0" y="0"/>
+          <a:chExt cx="0" cy="0"/>
+        </a:xfrm>
+      </p:grpSpPr>
+      <p:sp>
+        <p:nvSpPr>
+          <p:cNvPr id="2" name="Title 1">
+            <a:extLst>
+              <a:ext uri="{FF2B5EF4-FFF2-40B4-BE49-F238E27FC236}">
+                <a16:creationId xmlns:a16="http://schemas.microsoft.com/office/drawing/2014/main" id="{ABD00E5F-0F67-4061-A0CE-A162A13BBA4E}"/>
+              </a:ext>
+            </a:extLst>
+          </p:cNvPr>
+          <p:cNvSpPr>
+            <a:spLocks noGrp="1"/>
+          </p:cNvSpPr>
+          <p:nvPr>
+            <p:ph type="title"/>
+          </p:nvPr>
+        </p:nvSpPr>
+        <p:spPr/>
+        <p:txBody>
+          <a:bodyPr/>
+          <a:lstStyle/>
+          <a:p>
+            <a:r>
+              <a:rPr lang="en-US" dirty="0"/>
+              <a:t>Encryption KEYS</a:t>
+            </a:r>
+            <a:endParaRPr lang="it-IT" dirty="0"/>
+          </a:p>
+        </p:txBody>
+      </p:sp>
+      <p:pic>
+        <p:nvPicPr>
+          <p:cNvPr id="6146" name="Picture 2">
+            <a:extLst>
+              <a:ext uri="{FF2B5EF4-FFF2-40B4-BE49-F238E27FC236}">
+                <a16:creationId xmlns:a16="http://schemas.microsoft.com/office/drawing/2014/main" id="{6DCB3309-6864-4884-A312-DC4487301D6C}"/>
+              </a:ext>
+            </a:extLst>
+          </p:cNvPr>
+          <p:cNvPicPr>
+            <a:picLocks noGrp="1" noChangeAspect="1" noChangeArrowheads="1"/>
+          </p:cNvPicPr>
+          <p:nvPr>
+            <p:ph idx="1"/>
+          </p:nvPr>
+        </p:nvPicPr>
+        <p:blipFill>
+          <a:blip r:embed="rId2">
+            <a:extLst>
+              <a:ext uri="{28A0092B-C50C-407E-A947-70E740481C1C}">
+                <a14:useLocalDpi xmlns:a14="http://schemas.microsoft.com/office/drawing/2010/main" val="0"/>
+              </a:ext>
+            </a:extLst>
+          </a:blip>
+          <a:srcRect/>
+          <a:stretch>
+            <a:fillRect/>
+          </a:stretch>
+        </p:blipFill>
+        <p:spPr bwMode="auto">
+          <a:xfrm>
+            <a:off x="1547664" y="1844824"/>
+            <a:ext cx="5054142" cy="3808347"/>
+          </a:xfrm>
+          <a:prstGeom prst="rect">
+            <a:avLst/>
+          </a:prstGeom>
+          <a:noFill/>
+          <a:extLst>
+            <a:ext uri="{909E8E84-426E-40DD-AFC4-6F175D3DCCD1}">
+              <a14:hiddenFill xmlns:a14="http://schemas.microsoft.com/office/drawing/2010/main">
+                <a:solidFill>
+                  <a:srgbClr val="FFFFFF"/>
+                </a:solidFill>
+              </a14:hiddenFill>
+            </a:ext>
+          </a:extLst>
+        </p:spPr>
+      </p:pic>
+      <p:cxnSp>
+        <p:nvCxnSpPr>
+          <p:cNvPr id="7" name="Straight Arrow Connector 6">
+            <a:extLst>
+              <a:ext uri="{FF2B5EF4-FFF2-40B4-BE49-F238E27FC236}">
+                <a16:creationId xmlns:a16="http://schemas.microsoft.com/office/drawing/2014/main" id="{D9E371C9-7A80-4565-AF33-4996E2CF35E8}"/>
+              </a:ext>
+            </a:extLst>
+          </p:cNvPr>
+          <p:cNvCxnSpPr/>
+          <p:nvPr/>
+        </p:nvCxnSpPr>
+        <p:spPr>
+          <a:xfrm flipH="1">
+            <a:off x="4572000" y="1556792"/>
+            <a:ext cx="2808312" cy="692593"/>
+          </a:xfrm>
+          <a:prstGeom prst="straightConnector1">
+            <a:avLst/>
+          </a:prstGeom>
+          <a:ln w="57150">
+            <a:tailEnd type="triangle"/>
+          </a:ln>
+        </p:spPr>
+        <p:style>
+          <a:lnRef idx="1">
+            <a:schemeClr val="accent2"/>
+          </a:lnRef>
+          <a:fillRef idx="0">
+            <a:schemeClr val="accent2"/>
+          </a:fillRef>
+          <a:effectRef idx="0">
+            <a:schemeClr val="accent2"/>
+          </a:effectRef>
+          <a:fontRef idx="minor">
+            <a:schemeClr val="tx1"/>
+          </a:fontRef>
+        </p:style>
+      </p:cxnSp>
+      <p:sp>
+        <p:nvSpPr>
+          <p:cNvPr id="8" name="TextBox 7">
+            <a:extLst>
+              <a:ext uri="{FF2B5EF4-FFF2-40B4-BE49-F238E27FC236}">
+                <a16:creationId xmlns:a16="http://schemas.microsoft.com/office/drawing/2014/main" id="{ACB3B844-3334-48E7-A12D-A51D7152CEBA}"/>
+              </a:ext>
+            </a:extLst>
+          </p:cNvPr>
+          <p:cNvSpPr txBox="1"/>
+          <p:nvPr/>
+        </p:nvSpPr>
+        <p:spPr>
+          <a:xfrm>
+            <a:off x="6876256" y="1718422"/>
+            <a:ext cx="1928733" cy="369332"/>
+          </a:xfrm>
+          <a:prstGeom prst="rect">
+            <a:avLst/>
+          </a:prstGeom>
+          <a:noFill/>
+        </p:spPr>
+        <p:txBody>
+          <a:bodyPr wrap="none" rtlCol="0">
+            <a:spAutoFit/>
+          </a:bodyPr>
+          <a:lstStyle/>
+          <a:p>
+            <a:r>
+              <a:rPr lang="en-US" dirty="0"/>
+              <a:t>From DH or RSA</a:t>
+            </a:r>
+            <a:endParaRPr lang="it-IT" dirty="0"/>
+          </a:p>
+        </p:txBody>
+      </p:sp>
+      <p:sp>
+        <p:nvSpPr>
+          <p:cNvPr id="9" name="TextBox 8">
+            <a:extLst>
+              <a:ext uri="{FF2B5EF4-FFF2-40B4-BE49-F238E27FC236}">
+                <a16:creationId xmlns:a16="http://schemas.microsoft.com/office/drawing/2014/main" id="{96639E43-7956-41BC-9AD9-540D2F55F38D}"/>
+              </a:ext>
+            </a:extLst>
+          </p:cNvPr>
+          <p:cNvSpPr txBox="1"/>
+          <p:nvPr/>
+        </p:nvSpPr>
+        <p:spPr>
+          <a:xfrm>
+            <a:off x="395536" y="6017929"/>
+            <a:ext cx="3300904" cy="369332"/>
+          </a:xfrm>
+          <a:prstGeom prst="rect">
+            <a:avLst/>
+          </a:prstGeom>
+          <a:noFill/>
+        </p:spPr>
+        <p:txBody>
+          <a:bodyPr wrap="none" rtlCol="0">
+            <a:spAutoFit/>
+          </a:bodyPr>
+          <a:lstStyle/>
+          <a:p>
+            <a:r>
+              <a:rPr lang="en-US" dirty="0"/>
+              <a:t>PFS: Perfect Forward Secrecy</a:t>
+            </a:r>
+            <a:endParaRPr lang="it-IT" dirty="0"/>
+          </a:p>
+        </p:txBody>
+      </p:sp>
+    </p:spTree>
+    <p:extLst>
+      <p:ext uri="{BB962C8B-B14F-4D97-AF65-F5344CB8AC3E}">
+        <p14:creationId xmlns:p14="http://schemas.microsoft.com/office/powerpoint/2010/main" val="1173052034"/>
+      </p:ext>
+    </p:extLst>
+  </p:cSld>
+  <p:clrMapOvr>
+    <a:masterClrMapping/>
+  </p:clrMapOvr>
+</p:sld>
+</file>
+
+<file path=ppt/slides/slide7.xml><?xml version="1.0" encoding="utf-8"?>
 <p:sld xmlns:a="http://schemas.openxmlformats.org/drawingml/2006/main" xmlns:r="http://schemas.openxmlformats.org/officeDocument/2006/relationships" xmlns:p="http://schemas.openxmlformats.org/presentationml/2006/main">
   <p:cSld>
     <p:spTree>
@@ -11926,21 +13789,380 @@
             </a:r>
             <a:r>
               <a:rPr lang="it-IT" dirty="0"/>
-              <a:t> record </a:t>
-            </a:r>
-            <a:r>
-              <a:rPr lang="it-IT" dirty="0" smtClean="0"/>
-              <a:t>processing (</a:t>
-            </a:r>
-            <a:r>
-              <a:rPr lang="it-IT" dirty="0" err="1" smtClean="0"/>
+              <a:t> record processing</a:t>
+            </a:r>
+          </a:p>
+        </p:txBody>
+      </p:sp>
+      <p:sp>
+        <p:nvSpPr>
+          <p:cNvPr id="5" name="Segnaposto contenuto 4"/>
+          <p:cNvSpPr>
+            <a:spLocks noGrp="1"/>
+          </p:cNvSpPr>
+          <p:nvPr>
+            <p:ph idx="1"/>
+          </p:nvPr>
+        </p:nvSpPr>
+        <p:spPr>
+          <a:xfrm>
+            <a:off x="5217538" y="1554163"/>
+            <a:ext cx="3926462" cy="4525962"/>
+          </a:xfrm>
+        </p:spPr>
+        <p:txBody>
+          <a:bodyPr/>
+          <a:lstStyle/>
+          <a:p>
+            <a:pPr marL="457200" indent="-457200">
+              <a:buFont typeface="+mj-lt"/>
+              <a:buAutoNum type="arabicPeriod"/>
+            </a:pPr>
+            <a:r>
+              <a:rPr lang="it-IT" sz="2000" dirty="0" err="1"/>
+              <a:t>Fragmentation</a:t>
+            </a:r>
+            <a:r>
+              <a:rPr lang="it-IT" sz="2000" dirty="0"/>
+              <a:t> and </a:t>
+            </a:r>
+            <a:r>
+              <a:rPr lang="it-IT" sz="2000" dirty="0" err="1"/>
+              <a:t>packing</a:t>
+            </a:r>
+            <a:r>
+              <a:rPr lang="it-IT" sz="2000" dirty="0"/>
+              <a:t> in </a:t>
+            </a:r>
+            <a:r>
+              <a:rPr lang="it-IT" sz="2000" dirty="0" err="1"/>
+              <a:t>SSLPlaintext</a:t>
+            </a:r>
+            <a:r>
+              <a:rPr lang="it-IT" sz="2000" dirty="0"/>
+              <a:t>.</a:t>
+            </a:r>
+          </a:p>
+          <a:p>
+            <a:pPr marL="457200" indent="-457200">
+              <a:buFont typeface="+mj-lt"/>
+              <a:buAutoNum type="arabicPeriod"/>
+            </a:pPr>
+            <a:r>
+              <a:rPr lang="it-IT" sz="2000" dirty="0" err="1"/>
+              <a:t>Packet</a:t>
+            </a:r>
+            <a:r>
+              <a:rPr lang="it-IT" sz="2000" dirty="0"/>
+              <a:t> </a:t>
+            </a:r>
+            <a:r>
+              <a:rPr lang="it-IT" sz="2000" dirty="0" err="1"/>
+              <a:t>compression</a:t>
+            </a:r>
+            <a:r>
+              <a:rPr lang="it-IT" sz="2000" dirty="0"/>
+              <a:t> in </a:t>
+            </a:r>
+            <a:r>
+              <a:rPr lang="it-IT" sz="2000" dirty="0" err="1"/>
+              <a:t>SSLCompressed</a:t>
+            </a:r>
+            <a:r>
+              <a:rPr lang="it-IT" sz="2000" dirty="0"/>
+              <a:t>.</a:t>
+            </a:r>
+          </a:p>
+          <a:p>
+            <a:pPr marL="457200" indent="-457200">
+              <a:buFont typeface="+mj-lt"/>
+              <a:buAutoNum type="arabicPeriod"/>
+            </a:pPr>
+            <a:r>
+              <a:rPr lang="it-IT" sz="2000" dirty="0" err="1"/>
+              <a:t>Encryption</a:t>
+            </a:r>
+            <a:r>
+              <a:rPr lang="it-IT" sz="2000" dirty="0"/>
+              <a:t> of </a:t>
+            </a:r>
+            <a:r>
+              <a:rPr lang="it-IT" sz="2000" dirty="0" err="1"/>
+              <a:t>packets</a:t>
+            </a:r>
+            <a:r>
+              <a:rPr lang="it-IT" sz="2000" dirty="0"/>
+              <a:t> in </a:t>
+            </a:r>
+            <a:r>
+              <a:rPr lang="it-IT" sz="2000" dirty="0" err="1"/>
+              <a:t>SSLCiphertext</a:t>
+            </a:r>
+            <a:r>
+              <a:rPr lang="it-IT" sz="2000" dirty="0"/>
+              <a:t>:</a:t>
+            </a:r>
+          </a:p>
+          <a:p>
+            <a:pPr marL="857250" lvl="1" indent="-457200">
+              <a:buFont typeface="+mj-lt"/>
+              <a:buAutoNum type="arabicPeriod"/>
+            </a:pPr>
+            <a:r>
+              <a:rPr lang="it-IT" sz="1600" dirty="0" err="1"/>
+              <a:t>Creation</a:t>
+            </a:r>
+            <a:r>
+              <a:rPr lang="it-IT" sz="1600" dirty="0"/>
+              <a:t> of MAC</a:t>
+            </a:r>
+            <a:r>
+              <a:rPr lang="en-US" sz="1600" dirty="0"/>
+              <a:t>.</a:t>
+            </a:r>
+          </a:p>
+          <a:p>
+            <a:pPr marL="857250" lvl="1" indent="-457200">
+              <a:buFont typeface="+mj-lt"/>
+              <a:buAutoNum type="arabicPeriod"/>
+            </a:pPr>
+            <a:r>
+              <a:rPr lang="en-US" sz="1600" dirty="0"/>
+              <a:t>Append MAC to </a:t>
+            </a:r>
+            <a:r>
+              <a:rPr lang="en-US" sz="1600" dirty="0" err="1"/>
+              <a:t>to</a:t>
+            </a:r>
+            <a:r>
+              <a:rPr lang="en-US" sz="1600" dirty="0"/>
+              <a:t> </a:t>
+            </a:r>
+            <a:r>
+              <a:rPr lang="en-US" sz="1600" dirty="0" err="1"/>
+              <a:t>SSLCompressed</a:t>
+            </a:r>
+            <a:r>
+              <a:rPr lang="en-US" sz="1600" dirty="0"/>
+              <a:t>.</a:t>
+            </a:r>
+          </a:p>
+          <a:p>
+            <a:pPr marL="857250" lvl="1" indent="-457200">
+              <a:buFont typeface="+mj-lt"/>
+              <a:buAutoNum type="arabicPeriod"/>
+            </a:pPr>
+            <a:r>
+              <a:rPr lang="en-US" sz="1600" dirty="0"/>
+              <a:t>Encryption of packets using the </a:t>
+            </a:r>
+            <a:r>
+              <a:rPr lang="en-US" sz="1600" dirty="0" err="1"/>
+              <a:t>chiper</a:t>
+            </a:r>
+            <a:r>
+              <a:rPr lang="en-US" sz="1600" dirty="0"/>
+              <a:t> suite of choice.</a:t>
+            </a:r>
+          </a:p>
+          <a:p>
+            <a:pPr marL="857250" lvl="1" indent="-457200">
+              <a:buFont typeface="+mj-lt"/>
+              <a:buAutoNum type="arabicPeriod"/>
+            </a:pPr>
+            <a:r>
+              <a:rPr lang="en-US" sz="1600" dirty="0"/>
+              <a:t>If a </a:t>
+            </a:r>
+            <a:r>
+              <a:rPr lang="it-IT" sz="1600" dirty="0" err="1"/>
+              <a:t>block</a:t>
+            </a:r>
+            <a:r>
+              <a:rPr lang="it-IT" sz="1600" dirty="0"/>
+              <a:t> </a:t>
+            </a:r>
+            <a:r>
+              <a:rPr lang="it-IT" sz="1600" dirty="0" err="1"/>
+              <a:t>cipher</a:t>
+            </a:r>
+            <a:r>
+              <a:rPr lang="it-IT" sz="1600" dirty="0"/>
+              <a:t> </a:t>
+            </a:r>
+            <a:r>
+              <a:rPr lang="it-IT" sz="1600" dirty="0" err="1"/>
+              <a:t>is</a:t>
+            </a:r>
+            <a:r>
+              <a:rPr lang="it-IT" sz="1600" dirty="0"/>
+              <a:t> </a:t>
+            </a:r>
+            <a:r>
+              <a:rPr lang="it-IT" sz="1600" dirty="0" err="1"/>
+              <a:t>used</a:t>
+            </a:r>
+            <a:r>
+              <a:rPr lang="it-IT" sz="1600" dirty="0"/>
+              <a:t> </a:t>
+            </a:r>
+            <a:r>
+              <a:rPr lang="it-IT" sz="1600" dirty="0" err="1"/>
+              <a:t>then</a:t>
+            </a:r>
+            <a:r>
+              <a:rPr lang="it-IT" sz="1600" dirty="0"/>
+              <a:t> </a:t>
+            </a:r>
+            <a:r>
+              <a:rPr lang="it-IT" sz="1600" dirty="0" err="1"/>
+              <a:t>it</a:t>
+            </a:r>
+            <a:r>
+              <a:rPr lang="it-IT" sz="1600" dirty="0"/>
+              <a:t> </a:t>
+            </a:r>
+            <a:r>
+              <a:rPr lang="it-IT" sz="1600" dirty="0" err="1"/>
+              <a:t>is</a:t>
+            </a:r>
+            <a:r>
+              <a:rPr lang="it-IT" sz="1600" dirty="0"/>
+              <a:t> </a:t>
+            </a:r>
+            <a:r>
+              <a:rPr lang="it-IT" sz="1600" dirty="0" err="1"/>
+              <a:t>necessary</a:t>
+            </a:r>
+            <a:r>
+              <a:rPr lang="it-IT" sz="1600" dirty="0"/>
+              <a:t> a </a:t>
+            </a:r>
+            <a:r>
+              <a:rPr lang="it-IT" sz="1600" dirty="0" err="1"/>
+              <a:t>padding</a:t>
+            </a:r>
+            <a:r>
+              <a:rPr lang="it-IT" sz="1600" dirty="0"/>
+              <a:t> and in some </a:t>
+            </a:r>
+            <a:r>
+              <a:rPr lang="it-IT" sz="1600" dirty="0" err="1"/>
+              <a:t>cases</a:t>
+            </a:r>
+            <a:r>
+              <a:rPr lang="it-IT" sz="1600" dirty="0"/>
+              <a:t> the IV.</a:t>
+            </a:r>
+            <a:endParaRPr lang="it-IT" sz="2000" dirty="0"/>
+          </a:p>
+          <a:p>
+            <a:pPr marL="457200" indent="-457200">
+              <a:buFont typeface="+mj-lt"/>
+              <a:buAutoNum type="arabicPeriod"/>
+            </a:pPr>
+            <a:endParaRPr lang="it-IT" sz="2000" dirty="0"/>
+          </a:p>
+          <a:p>
+            <a:pPr marL="457200" indent="-457200">
+              <a:buFont typeface="+mj-lt"/>
+              <a:buAutoNum type="arabicPeriod"/>
+            </a:pPr>
+            <a:endParaRPr lang="it-IT" sz="2000" dirty="0"/>
+          </a:p>
+          <a:p>
+            <a:pPr marL="457200" indent="-457200">
+              <a:buFont typeface="+mj-lt"/>
+              <a:buAutoNum type="arabicPeriod"/>
+            </a:pPr>
+            <a:endParaRPr lang="it-IT" sz="2000" dirty="0"/>
+          </a:p>
+        </p:txBody>
+      </p:sp>
+      <p:pic>
+        <p:nvPicPr>
+          <p:cNvPr id="6" name="Immagine 5"/>
+          <p:cNvPicPr>
+            <a:picLocks noChangeAspect="1"/>
+          </p:cNvPicPr>
+          <p:nvPr/>
+        </p:nvPicPr>
+        <p:blipFill rotWithShape="1">
+          <a:blip r:embed="rId2"/>
+          <a:srcRect t="-717" b="-717"/>
+          <a:stretch/>
+        </p:blipFill>
+        <p:spPr>
+          <a:xfrm>
+            <a:off x="304800" y="2420888"/>
+            <a:ext cx="4843264" cy="3003996"/>
+          </a:xfrm>
+          <a:prstGeom prst="rect">
+            <a:avLst/>
+          </a:prstGeom>
+        </p:spPr>
+      </p:pic>
+    </p:spTree>
+    <p:extLst>
+      <p:ext uri="{BB962C8B-B14F-4D97-AF65-F5344CB8AC3E}">
+        <p14:creationId xmlns:p14="http://schemas.microsoft.com/office/powerpoint/2010/main" val="2362772304"/>
+      </p:ext>
+    </p:extLst>
+  </p:cSld>
+  <p:clrMapOvr>
+    <a:masterClrMapping/>
+  </p:clrMapOvr>
+</p:sld>
+</file>
+
+<file path=ppt/slides/slide8.xml><?xml version="1.0" encoding="utf-8"?>
+<p:sld xmlns:a="http://schemas.openxmlformats.org/drawingml/2006/main" xmlns:r="http://schemas.openxmlformats.org/officeDocument/2006/relationships" xmlns:p="http://schemas.openxmlformats.org/presentationml/2006/main">
+  <p:cSld>
+    <p:spTree>
+      <p:nvGrpSpPr>
+        <p:cNvPr id="1" name=""/>
+        <p:cNvGrpSpPr/>
+        <p:nvPr/>
+      </p:nvGrpSpPr>
+      <p:grpSpPr>
+        <a:xfrm>
+          <a:off x="0" y="0"/>
+          <a:ext cx="0" cy="0"/>
+          <a:chOff x="0" y="0"/>
+          <a:chExt cx="0" cy="0"/>
+        </a:xfrm>
+      </p:grpSpPr>
+      <p:sp>
+        <p:nvSpPr>
+          <p:cNvPr id="2" name="Titolo 1"/>
+          <p:cNvSpPr>
+            <a:spLocks noGrp="1"/>
+          </p:cNvSpPr>
+          <p:nvPr>
+            <p:ph type="title"/>
+          </p:nvPr>
+        </p:nvSpPr>
+        <p:spPr/>
+        <p:txBody>
+          <a:bodyPr/>
+          <a:lstStyle/>
+          <a:p>
+            <a:r>
+              <a:rPr lang="it-IT" dirty="0" err="1"/>
+              <a:t>Ssl</a:t>
+            </a:r>
+            <a:r>
+              <a:rPr lang="it-IT" dirty="0"/>
+              <a:t> record processing (</a:t>
+            </a:r>
+            <a:r>
+              <a:rPr lang="it-IT" dirty="0" err="1"/>
               <a:t>Cont</a:t>
             </a:r>
             <a:r>
-              <a:rPr lang="it-IT" dirty="0" smtClean="0"/>
+              <a:rPr lang="it-IT" dirty="0"/>
               <a:t>.)</a:t>
             </a:r>
-            <a:endParaRPr lang="it-IT" dirty="0"/>
           </a:p>
         </p:txBody>
       </p:sp>
@@ -11960,19 +14182,11 @@
           <a:lstStyle/>
           <a:p>
             <a:r>
-              <a:rPr lang="en-US" sz="2800" dirty="0" smtClean="0"/>
-              <a:t>At the end of process </a:t>
-            </a:r>
-            <a:r>
               <a:rPr lang="en-US" sz="2800" dirty="0"/>
-              <a:t>a header </a:t>
-            </a:r>
-            <a:r>
-              <a:rPr lang="en-US" sz="2800" dirty="0" smtClean="0"/>
-              <a:t>is added to the </a:t>
-            </a:r>
-            <a:r>
-              <a:rPr lang="it-IT" sz="2800" dirty="0" err="1" smtClean="0"/>
+              <a:t>At the end of process a header is added to the </a:t>
+            </a:r>
+            <a:r>
+              <a:rPr lang="it-IT" sz="2800" dirty="0" err="1"/>
               <a:t>SSLCiphertext</a:t>
             </a:r>
             <a:r>
@@ -11980,15 +14194,15 @@
               <a:t> to </a:t>
             </a:r>
             <a:r>
-              <a:rPr lang="it-IT" sz="2800" dirty="0" err="1" smtClean="0"/>
+              <a:rPr lang="it-IT" sz="2800" dirty="0" err="1"/>
               <a:t>get</a:t>
             </a:r>
             <a:r>
-              <a:rPr lang="it-IT" sz="2800" dirty="0" smtClean="0"/>
+              <a:rPr lang="it-IT" sz="2800" dirty="0"/>
               <a:t> a </a:t>
             </a:r>
             <a:r>
-              <a:rPr lang="it-IT" sz="2800" dirty="0" err="1" smtClean="0"/>
+              <a:rPr lang="it-IT" sz="2800" dirty="0" err="1"/>
               <a:t>SSLRecord</a:t>
             </a:r>
             <a:r>
@@ -12017,38 +14231,22 @@
             </a:r>
             <a:r>
               <a:rPr lang="it-IT" sz="2800" dirty="0"/>
-              <a:t> </a:t>
-            </a:r>
-            <a:r>
-              <a:rPr lang="it-IT" sz="2800" dirty="0" smtClean="0"/>
-              <a:t>by:</a:t>
+              <a:t> by:</a:t>
             </a:r>
           </a:p>
           <a:p>
             <a:pPr lvl="1"/>
             <a:r>
-              <a:rPr lang="it-IT" sz="2400" dirty="0" smtClean="0"/>
+              <a:rPr lang="it-IT" sz="2400" dirty="0"/>
               <a:t>TYPE: the </a:t>
             </a:r>
             <a:r>
-              <a:rPr lang="it-IT" sz="2400" dirty="0" err="1" smtClean="0"/>
+              <a:rPr lang="it-IT" sz="2400" dirty="0" err="1"/>
               <a:t>type</a:t>
             </a:r>
             <a:r>
-              <a:rPr lang="it-IT" sz="2400" dirty="0" smtClean="0"/>
-              <a:t> of </a:t>
-            </a:r>
-            <a:r>
-              <a:rPr lang="it-IT" sz="2400" dirty="0" err="1" smtClean="0"/>
-              <a:t>packet</a:t>
-            </a:r>
-            <a:r>
-              <a:rPr lang="it-IT" sz="2400" dirty="0" smtClean="0"/>
-              <a:t> (</a:t>
-            </a:r>
-            <a:r>
               <a:rPr lang="it-IT" sz="2400" dirty="0"/>
-              <a:t>SSL </a:t>
+              <a:t> of packet (SSL </a:t>
             </a:r>
             <a:r>
               <a:rPr lang="it-IT" sz="2400" dirty="0" err="1"/>
@@ -12059,19 +14257,11 @@
               <a:t> </a:t>
             </a:r>
             <a:r>
-              <a:rPr lang="it-IT" sz="2400" dirty="0" err="1" smtClean="0"/>
+              <a:rPr lang="it-IT" sz="2400" dirty="0" err="1"/>
               <a:t>CipherSpec</a:t>
             </a:r>
             <a:r>
-              <a:rPr lang="it-IT" sz="2400" dirty="0" smtClean="0"/>
-              <a:t> </a:t>
-            </a:r>
-            <a:r>
-              <a:rPr lang="it-IT" sz="2400" dirty="0" err="1" smtClean="0"/>
-              <a:t>Protocol,Alert</a:t>
-            </a:r>
-            <a:r>
-              <a:rPr lang="it-IT" sz="2400" dirty="0" smtClean="0"/>
+              <a:rPr lang="it-IT" sz="2400" dirty="0"/>
               <a:t> </a:t>
             </a:r>
             <a:r>
@@ -12083,48 +14273,59 @@
               <a:t>, </a:t>
             </a:r>
             <a:r>
-              <a:rPr lang="it-IT" sz="2400" dirty="0" err="1" smtClean="0"/>
-              <a:t>HandshakeProtocol</a:t>
-            </a:r>
-            <a:r>
-              <a:rPr lang="it-IT" sz="2400" dirty="0" smtClean="0"/>
-              <a:t> or </a:t>
+              <a:rPr lang="it-IT" sz="2400" dirty="0" err="1"/>
+              <a:t>Alert</a:t>
             </a:r>
             <a:r>
               <a:rPr lang="it-IT" sz="2400" dirty="0"/>
-              <a:t>Application Data </a:t>
+              <a:t> </a:t>
             </a:r>
             <a:r>
               <a:rPr lang="it-IT" sz="2400" dirty="0" err="1"/>
               <a:t>Protocol</a:t>
             </a:r>
             <a:r>
-              <a:rPr lang="it-IT" sz="2400" dirty="0" smtClean="0"/>
+              <a:rPr lang="it-IT" sz="2400" dirty="0"/>
+              <a:t>, </a:t>
+            </a:r>
+            <a:r>
+              <a:rPr lang="it-IT" sz="2400" dirty="0" err="1"/>
+              <a:t>HandshakeProtocol</a:t>
+            </a:r>
+            <a:r>
+              <a:rPr lang="it-IT" sz="2400" dirty="0"/>
+              <a:t> or Application Data </a:t>
+            </a:r>
+            <a:r>
+              <a:rPr lang="it-IT" sz="2400" dirty="0" err="1"/>
+              <a:t>Protocol</a:t>
+            </a:r>
+            <a:r>
+              <a:rPr lang="it-IT" sz="2400" dirty="0"/>
               <a:t>).</a:t>
             </a:r>
           </a:p>
           <a:p>
             <a:pPr lvl="1"/>
             <a:r>
-              <a:rPr lang="it-IT" sz="2400" dirty="0" smtClean="0"/>
+              <a:rPr lang="it-IT" sz="2400" dirty="0"/>
               <a:t>VERSION: the </a:t>
             </a:r>
             <a:r>
-              <a:rPr lang="it-IT" sz="2400" dirty="0" err="1" smtClean="0"/>
+              <a:rPr lang="it-IT" sz="2400" dirty="0" err="1"/>
               <a:t>version</a:t>
             </a:r>
             <a:r>
-              <a:rPr lang="it-IT" sz="2400" dirty="0" smtClean="0"/>
+              <a:rPr lang="it-IT" sz="2400" dirty="0"/>
               <a:t> of SSL.</a:t>
             </a:r>
           </a:p>
           <a:p>
             <a:pPr lvl="1"/>
             <a:r>
-              <a:rPr lang="it-IT" sz="2400" dirty="0" smtClean="0"/>
-              <a:t>LENGHT:16-bit.</a:t>
-            </a:r>
-            <a:endParaRPr lang="it-IT" sz="2400" dirty="0"/>
+              <a:rPr lang="it-IT" sz="2400" dirty="0"/>
+              <a:t>LENGTH:16-bit.</a:t>
+            </a:r>
           </a:p>
           <a:p>
             <a:endParaRPr lang="it-IT" dirty="0"/>
@@ -12165,17 +14366,10 @@
   <p:clrMapOvr>
     <a:masterClrMapping/>
   </p:clrMapOvr>
-  <p:timing>
-    <p:tnLst>
-      <p:par>
-        <p:cTn id="1" dur="indefinite" restart="never" nodeType="tmRoot"/>
-      </p:par>
-    </p:tnLst>
-  </p:timing>
 </p:sld>
 </file>
 
-<file path=ppt/slides/slide6.xml><?xml version="1.0" encoding="utf-8"?>
+<file path=ppt/slides/slide9.xml><?xml version="1.0" encoding="utf-8"?>
 <p:sld xmlns:a="http://schemas.openxmlformats.org/drawingml/2006/main" xmlns:r="http://schemas.openxmlformats.org/officeDocument/2006/relationships" xmlns:p="http://schemas.openxmlformats.org/presentationml/2006/main">
   <p:cSld>
     <p:spTree>
@@ -12208,115 +14402,6 @@
           <a:lstStyle/>
           <a:p>
             <a:r>
-              <a:rPr lang="it-IT" dirty="0" smtClean="0"/>
-              <a:t>SSL </a:t>
-            </a:r>
-            <a:r>
-              <a:rPr lang="it-IT" dirty="0" err="1">
-                <a:effectLst/>
-              </a:rPr>
-              <a:t>step-by-step</a:t>
-            </a:r>
-            <a:endParaRPr lang="it-IT" dirty="0"/>
-          </a:p>
-        </p:txBody>
-      </p:sp>
-      <p:sp>
-        <p:nvSpPr>
-          <p:cNvPr id="5" name="Segnaposto contenuto 4"/>
-          <p:cNvSpPr>
-            <a:spLocks noGrp="1"/>
-          </p:cNvSpPr>
-          <p:nvPr>
-            <p:ph idx="1"/>
-          </p:nvPr>
-        </p:nvSpPr>
-        <p:spPr/>
-        <p:txBody>
-          <a:bodyPr/>
-          <a:lstStyle/>
-          <a:p>
-            <a:endParaRPr lang="it-IT" dirty="0"/>
-          </a:p>
-        </p:txBody>
-      </p:sp>
-      <p:pic>
-        <p:nvPicPr>
-          <p:cNvPr id="8" name="Immagine 7"/>
-          <p:cNvPicPr>
-            <a:picLocks noChangeAspect="1"/>
-          </p:cNvPicPr>
-          <p:nvPr/>
-        </p:nvPicPr>
-        <p:blipFill>
-          <a:blip r:embed="rId2"/>
-          <a:stretch>
-            <a:fillRect/>
-          </a:stretch>
-        </p:blipFill>
-        <p:spPr>
-          <a:xfrm>
-            <a:off x="2915816" y="1554163"/>
-            <a:ext cx="3789082" cy="5117891"/>
-          </a:xfrm>
-          <a:prstGeom prst="rect">
-            <a:avLst/>
-          </a:prstGeom>
-        </p:spPr>
-      </p:pic>
-    </p:spTree>
-    <p:extLst>
-      <p:ext uri="{BB962C8B-B14F-4D97-AF65-F5344CB8AC3E}">
-        <p14:creationId xmlns:p14="http://schemas.microsoft.com/office/powerpoint/2010/main" val="3614818894"/>
-      </p:ext>
-    </p:extLst>
-  </p:cSld>
-  <p:clrMapOvr>
-    <a:masterClrMapping/>
-  </p:clrMapOvr>
-  <p:timing>
-    <p:tnLst>
-      <p:par>
-        <p:cTn id="1" dur="indefinite" restart="never" nodeType="tmRoot"/>
-      </p:par>
-    </p:tnLst>
-  </p:timing>
-</p:sld>
-</file>
-
-<file path=ppt/slides/slide7.xml><?xml version="1.0" encoding="utf-8"?>
-<p:sld xmlns:a="http://schemas.openxmlformats.org/drawingml/2006/main" xmlns:r="http://schemas.openxmlformats.org/officeDocument/2006/relationships" xmlns:p="http://schemas.openxmlformats.org/presentationml/2006/main">
-  <p:cSld>
-    <p:spTree>
-      <p:nvGrpSpPr>
-        <p:cNvPr id="1" name=""/>
-        <p:cNvGrpSpPr/>
-        <p:nvPr/>
-      </p:nvGrpSpPr>
-      <p:grpSpPr>
-        <a:xfrm>
-          <a:off x="0" y="0"/>
-          <a:ext cx="0" cy="0"/>
-          <a:chOff x="0" y="0"/>
-          <a:chExt cx="0" cy="0"/>
-        </a:xfrm>
-      </p:grpSpPr>
-      <p:sp>
-        <p:nvSpPr>
-          <p:cNvPr id="2" name="Titolo 1"/>
-          <p:cNvSpPr>
-            <a:spLocks noGrp="1"/>
-          </p:cNvSpPr>
-          <p:nvPr>
-            <p:ph type="title"/>
-          </p:nvPr>
-        </p:nvSpPr>
-        <p:spPr/>
-        <p:txBody>
-          <a:bodyPr/>
-          <a:lstStyle/>
-          <a:p>
-            <a:r>
               <a:rPr lang="it-IT" dirty="0"/>
               <a:t>Attacks </a:t>
             </a:r>
@@ -12333,7 +14418,7 @@
               <a:t> </a:t>
             </a:r>
             <a:r>
-              <a:rPr lang="it-IT" dirty="0" err="1" smtClean="0"/>
+              <a:rPr lang="it-IT" dirty="0" err="1"/>
               <a:t>ssl</a:t>
             </a:r>
             <a:endParaRPr lang="it-IT" dirty="0"/>
@@ -12356,28 +14441,27 @@
           <a:lstStyle/>
           <a:p>
             <a:r>
-              <a:rPr lang="it-IT" dirty="0" smtClean="0"/>
+              <a:rPr lang="it-IT" dirty="0"/>
               <a:t>BEAST</a:t>
             </a:r>
           </a:p>
           <a:p>
-            <a:endParaRPr lang="it-IT" dirty="0" smtClean="0"/>
-          </a:p>
-          <a:p>
-            <a:r>
-              <a:rPr lang="it-IT" dirty="0" smtClean="0"/>
+            <a:endParaRPr lang="it-IT" dirty="0"/>
+          </a:p>
+          <a:p>
+            <a:r>
+              <a:rPr lang="it-IT" dirty="0"/>
               <a:t>CRIME</a:t>
             </a:r>
           </a:p>
           <a:p>
-            <a:endParaRPr lang="it-IT" dirty="0" smtClean="0"/>
-          </a:p>
-          <a:p>
-            <a:r>
-              <a:rPr lang="it-IT" dirty="0" smtClean="0"/>
+            <a:endParaRPr lang="it-IT" dirty="0"/>
+          </a:p>
+          <a:p>
+            <a:r>
+              <a:rPr lang="it-IT" dirty="0"/>
               <a:t>BREACH</a:t>
             </a:r>
-            <a:endParaRPr lang="it-IT" dirty="0"/>
           </a:p>
         </p:txBody>
       </p:sp>
@@ -12421,654 +14505,6 @@
   <p:clrMapOvr>
     <a:masterClrMapping/>
   </p:clrMapOvr>
-  <p:timing>
-    <p:tnLst>
-      <p:par>
-        <p:cTn id="1" dur="indefinite" restart="never" nodeType="tmRoot"/>
-      </p:par>
-    </p:tnLst>
-  </p:timing>
-</p:sld>
-</file>
-
-<file path=ppt/slides/slide8.xml><?xml version="1.0" encoding="utf-8"?>
-<p:sld xmlns:a="http://schemas.openxmlformats.org/drawingml/2006/main" xmlns:r="http://schemas.openxmlformats.org/officeDocument/2006/relationships" xmlns:p="http://schemas.openxmlformats.org/presentationml/2006/main">
-  <p:cSld>
-    <p:spTree>
-      <p:nvGrpSpPr>
-        <p:cNvPr id="1" name=""/>
-        <p:cNvGrpSpPr/>
-        <p:nvPr/>
-      </p:nvGrpSpPr>
-      <p:grpSpPr>
-        <a:xfrm>
-          <a:off x="0" y="0"/>
-          <a:ext cx="0" cy="0"/>
-          <a:chOff x="0" y="0"/>
-          <a:chExt cx="0" cy="0"/>
-        </a:xfrm>
-      </p:grpSpPr>
-      <p:sp>
-        <p:nvSpPr>
-          <p:cNvPr id="2" name="Titolo 1"/>
-          <p:cNvSpPr>
-            <a:spLocks noGrp="1"/>
-          </p:cNvSpPr>
-          <p:nvPr>
-            <p:ph type="title"/>
-          </p:nvPr>
-        </p:nvSpPr>
-        <p:spPr/>
-        <p:txBody>
-          <a:bodyPr/>
-          <a:lstStyle/>
-          <a:p>
-            <a:r>
-              <a:rPr lang="it-IT" dirty="0" smtClean="0"/>
-              <a:t>BEAST</a:t>
-            </a:r>
-            <a:endParaRPr lang="it-IT" dirty="0"/>
-          </a:p>
-        </p:txBody>
-      </p:sp>
-      <p:pic>
-        <p:nvPicPr>
-          <p:cNvPr id="4" name="Immagine 3"/>
-          <p:cNvPicPr>
-            <a:picLocks noChangeAspect="1"/>
-          </p:cNvPicPr>
-          <p:nvPr/>
-        </p:nvPicPr>
-        <p:blipFill>
-          <a:blip r:embed="rId2"/>
-          <a:stretch>
-            <a:fillRect/>
-          </a:stretch>
-        </p:blipFill>
-        <p:spPr>
-          <a:xfrm>
-            <a:off x="683568" y="1916832"/>
-            <a:ext cx="7823092" cy="3168352"/>
-          </a:xfrm>
-          <a:prstGeom prst="rect">
-            <a:avLst/>
-          </a:prstGeom>
-        </p:spPr>
-      </p:pic>
-      <p:sp>
-        <p:nvSpPr>
-          <p:cNvPr id="5" name="Rettangolo 4"/>
-          <p:cNvSpPr/>
-          <p:nvPr/>
-        </p:nvSpPr>
-        <p:spPr>
-          <a:xfrm>
-            <a:off x="656888" y="5229200"/>
-            <a:ext cx="7823092" cy="1296144"/>
-          </a:xfrm>
-          <a:prstGeom prst="rect">
-            <a:avLst/>
-          </a:prstGeom>
-        </p:spPr>
-        <p:style>
-          <a:lnRef idx="2">
-            <a:schemeClr val="accent1">
-              <a:shade val="50000"/>
-            </a:schemeClr>
-          </a:lnRef>
-          <a:fillRef idx="1">
-            <a:schemeClr val="accent1"/>
-          </a:fillRef>
-          <a:effectRef idx="0">
-            <a:schemeClr val="accent1"/>
-          </a:effectRef>
-          <a:fontRef idx="minor">
-            <a:schemeClr val="lt1"/>
-          </a:fontRef>
-        </p:style>
-        <p:txBody>
-          <a:bodyPr rtlCol="0" anchor="ctr"/>
-          <a:lstStyle/>
-          <a:p>
-            <a:r>
-              <a:rPr lang="en-US" dirty="0"/>
-              <a:t>Up to TLS 1.0 </a:t>
-            </a:r>
-            <a:r>
-              <a:rPr lang="en-US" dirty="0" smtClean="0"/>
-              <a:t>the IV </a:t>
-            </a:r>
-            <a:r>
-              <a:rPr lang="en-US" dirty="0"/>
-              <a:t>of the first block of the first message is the last </a:t>
-            </a:r>
-            <a:r>
-              <a:rPr lang="en-US" dirty="0" err="1"/>
-              <a:t>ciphertext</a:t>
-            </a:r>
-            <a:r>
-              <a:rPr lang="en-US" dirty="0"/>
-              <a:t> block of the last message sent. </a:t>
-            </a:r>
-            <a:endParaRPr lang="en-US" dirty="0" smtClean="0"/>
-          </a:p>
-          <a:p>
-            <a:r>
-              <a:rPr lang="en-US" sz="2000" b="1" dirty="0" smtClean="0">
-                <a:solidFill>
-                  <a:srgbClr val="FF0000"/>
-                </a:solidFill>
-              </a:rPr>
-              <a:t>This </a:t>
-            </a:r>
-            <a:r>
-              <a:rPr lang="en-US" sz="2000" b="1" dirty="0">
-                <a:solidFill>
-                  <a:srgbClr val="FF0000"/>
-                </a:solidFill>
-              </a:rPr>
-              <a:t>makes the IV </a:t>
-            </a:r>
-            <a:r>
-              <a:rPr lang="en-US" sz="2000" b="1" dirty="0" smtClean="0">
-                <a:solidFill>
-                  <a:srgbClr val="FF0000"/>
-                </a:solidFill>
-              </a:rPr>
-              <a:t>predictable.</a:t>
-            </a:r>
-            <a:endParaRPr lang="it-IT" sz="2000" b="1" dirty="0">
-              <a:solidFill>
-                <a:srgbClr val="FF0000"/>
-              </a:solidFill>
-            </a:endParaRPr>
-          </a:p>
-        </p:txBody>
-      </p:sp>
-      <p:sp>
-        <p:nvSpPr>
-          <p:cNvPr id="8" name="Rettangolo arrotondato 7"/>
-          <p:cNvSpPr/>
-          <p:nvPr/>
-        </p:nvSpPr>
-        <p:spPr>
-          <a:xfrm>
-            <a:off x="683568" y="2492896"/>
-            <a:ext cx="1944216" cy="576064"/>
-          </a:xfrm>
-          <a:prstGeom prst="roundRect">
-            <a:avLst/>
-          </a:prstGeom>
-          <a:noFill/>
-          <a:ln>
-            <a:solidFill>
-              <a:srgbClr val="92D050"/>
-            </a:solidFill>
-          </a:ln>
-        </p:spPr>
-        <p:style>
-          <a:lnRef idx="2">
-            <a:schemeClr val="accent1">
-              <a:shade val="50000"/>
-            </a:schemeClr>
-          </a:lnRef>
-          <a:fillRef idx="1">
-            <a:schemeClr val="accent1"/>
-          </a:fillRef>
-          <a:effectRef idx="0">
-            <a:schemeClr val="accent1"/>
-          </a:effectRef>
-          <a:fontRef idx="minor">
-            <a:schemeClr val="lt1"/>
-          </a:fontRef>
-        </p:style>
-        <p:txBody>
-          <a:bodyPr rtlCol="0" anchor="ctr"/>
-          <a:lstStyle/>
-          <a:p>
-            <a:pPr algn="ctr"/>
-            <a:endParaRPr lang="it-IT"/>
-          </a:p>
-        </p:txBody>
-      </p:sp>
-      <p:sp>
-        <p:nvSpPr>
-          <p:cNvPr id="9" name="Rettangolo arrotondato 8"/>
-          <p:cNvSpPr/>
-          <p:nvPr/>
-        </p:nvSpPr>
-        <p:spPr>
-          <a:xfrm>
-            <a:off x="6732240" y="3861048"/>
-            <a:ext cx="1368152" cy="455464"/>
-          </a:xfrm>
-          <a:prstGeom prst="roundRect">
-            <a:avLst/>
-          </a:prstGeom>
-          <a:noFill/>
-          <a:ln>
-            <a:solidFill>
-              <a:srgbClr val="92D050"/>
-            </a:solidFill>
-          </a:ln>
-        </p:spPr>
-        <p:style>
-          <a:lnRef idx="2">
-            <a:schemeClr val="accent1">
-              <a:shade val="50000"/>
-            </a:schemeClr>
-          </a:lnRef>
-          <a:fillRef idx="1">
-            <a:schemeClr val="accent1"/>
-          </a:fillRef>
-          <a:effectRef idx="0">
-            <a:schemeClr val="accent1"/>
-          </a:effectRef>
-          <a:fontRef idx="minor">
-            <a:schemeClr val="lt1"/>
-          </a:fontRef>
-        </p:style>
-        <p:txBody>
-          <a:bodyPr rtlCol="0" anchor="ctr"/>
-          <a:lstStyle/>
-          <a:p>
-            <a:pPr algn="ctr"/>
-            <a:endParaRPr lang="it-IT"/>
-          </a:p>
-        </p:txBody>
-      </p:sp>
-    </p:spTree>
-    <p:extLst>
-      <p:ext uri="{BB962C8B-B14F-4D97-AF65-F5344CB8AC3E}">
-        <p14:creationId xmlns:p14="http://schemas.microsoft.com/office/powerpoint/2010/main" val="3923386210"/>
-      </p:ext>
-    </p:extLst>
-  </p:cSld>
-  <p:clrMapOvr>
-    <a:masterClrMapping/>
-  </p:clrMapOvr>
-  <p:timing>
-    <p:tnLst>
-      <p:par>
-        <p:cTn id="1" dur="indefinite" restart="never" nodeType="tmRoot">
-          <p:childTnLst>
-            <p:seq concurrent="1" nextAc="seek">
-              <p:cTn id="2" dur="indefinite" nodeType="mainSeq">
-                <p:childTnLst>
-                  <p:par>
-                    <p:cTn id="3" fill="hold">
-                      <p:stCondLst>
-                        <p:cond delay="indefinite"/>
-                      </p:stCondLst>
-                      <p:childTnLst>
-                        <p:par>
-                          <p:cTn id="4" fill="hold">
-                            <p:stCondLst>
-                              <p:cond delay="0"/>
-                            </p:stCondLst>
-                            <p:childTnLst>
-                              <p:par>
-                                <p:cTn id="5" presetID="21" presetClass="entr" presetSubtype="1" fill="hold" grpId="0" nodeType="clickEffect">
-                                  <p:stCondLst>
-                                    <p:cond delay="0"/>
-                                  </p:stCondLst>
-                                  <p:childTnLst>
-                                    <p:set>
-                                      <p:cBhvr>
-                                        <p:cTn id="6" dur="1" fill="hold">
-                                          <p:stCondLst>
-                                            <p:cond delay="0"/>
-                                          </p:stCondLst>
-                                        </p:cTn>
-                                        <p:tgtEl>
-                                          <p:spTgt spid="8"/>
-                                        </p:tgtEl>
-                                        <p:attrNameLst>
-                                          <p:attrName>style.visibility</p:attrName>
-                                        </p:attrNameLst>
-                                      </p:cBhvr>
-                                      <p:to>
-                                        <p:strVal val="visible"/>
-                                      </p:to>
-                                    </p:set>
-                                    <p:animEffect transition="in" filter="wheel(1)">
-                                      <p:cBhvr>
-                                        <p:cTn id="7" dur="2000"/>
-                                        <p:tgtEl>
-                                          <p:spTgt spid="8"/>
-                                        </p:tgtEl>
-                                      </p:cBhvr>
-                                    </p:animEffect>
-                                  </p:childTnLst>
-                                </p:cTn>
-                              </p:par>
-                            </p:childTnLst>
-                          </p:cTn>
-                        </p:par>
-                      </p:childTnLst>
-                    </p:cTn>
-                  </p:par>
-                  <p:par>
-                    <p:cTn id="8" fill="hold">
-                      <p:stCondLst>
-                        <p:cond delay="indefinite"/>
-                      </p:stCondLst>
-                      <p:childTnLst>
-                        <p:par>
-                          <p:cTn id="9" fill="hold">
-                            <p:stCondLst>
-                              <p:cond delay="0"/>
-                            </p:stCondLst>
-                            <p:childTnLst>
-                              <p:par>
-                                <p:cTn id="10" presetID="21" presetClass="entr" presetSubtype="1" fill="hold" grpId="0" nodeType="clickEffect">
-                                  <p:stCondLst>
-                                    <p:cond delay="0"/>
-                                  </p:stCondLst>
-                                  <p:childTnLst>
-                                    <p:set>
-                                      <p:cBhvr>
-                                        <p:cTn id="11" dur="1" fill="hold">
-                                          <p:stCondLst>
-                                            <p:cond delay="0"/>
-                                          </p:stCondLst>
-                                        </p:cTn>
-                                        <p:tgtEl>
-                                          <p:spTgt spid="9"/>
-                                        </p:tgtEl>
-                                        <p:attrNameLst>
-                                          <p:attrName>style.visibility</p:attrName>
-                                        </p:attrNameLst>
-                                      </p:cBhvr>
-                                      <p:to>
-                                        <p:strVal val="visible"/>
-                                      </p:to>
-                                    </p:set>
-                                    <p:animEffect transition="in" filter="wheel(1)">
-                                      <p:cBhvr>
-                                        <p:cTn id="12" dur="2000"/>
-                                        <p:tgtEl>
-                                          <p:spTgt spid="9"/>
-                                        </p:tgtEl>
-                                      </p:cBhvr>
-                                    </p:animEffect>
-                                  </p:childTnLst>
-                                </p:cTn>
-                              </p:par>
-                            </p:childTnLst>
-                          </p:cTn>
-                        </p:par>
-                      </p:childTnLst>
-                    </p:cTn>
-                  </p:par>
-                </p:childTnLst>
-              </p:cTn>
-              <p:prevCondLst>
-                <p:cond evt="onPrev" delay="0">
-                  <p:tgtEl>
-                    <p:sldTgt/>
-                  </p:tgtEl>
-                </p:cond>
-              </p:prevCondLst>
-              <p:nextCondLst>
-                <p:cond evt="onNext" delay="0">
-                  <p:tgtEl>
-                    <p:sldTgt/>
-                  </p:tgtEl>
-                </p:cond>
-              </p:nextCondLst>
-            </p:seq>
-          </p:childTnLst>
-        </p:cTn>
-      </p:par>
-    </p:tnLst>
-    <p:bldLst>
-      <p:bldP spid="8" grpId="0" animBg="1"/>
-      <p:bldP spid="9" grpId="0" animBg="1"/>
-    </p:bldLst>
-  </p:timing>
-</p:sld>
-</file>
-
-<file path=ppt/slides/slide9.xml><?xml version="1.0" encoding="utf-8"?>
-<p:sld xmlns:a="http://schemas.openxmlformats.org/drawingml/2006/main" xmlns:r="http://schemas.openxmlformats.org/officeDocument/2006/relationships" xmlns:p="http://schemas.openxmlformats.org/presentationml/2006/main">
-  <p:cSld>
-    <p:spTree>
-      <p:nvGrpSpPr>
-        <p:cNvPr id="1" name=""/>
-        <p:cNvGrpSpPr/>
-        <p:nvPr/>
-      </p:nvGrpSpPr>
-      <p:grpSpPr>
-        <a:xfrm>
-          <a:off x="0" y="0"/>
-          <a:ext cx="0" cy="0"/>
-          <a:chOff x="0" y="0"/>
-          <a:chExt cx="0" cy="0"/>
-        </a:xfrm>
-      </p:grpSpPr>
-      <p:sp>
-        <p:nvSpPr>
-          <p:cNvPr id="2" name="Titolo 1"/>
-          <p:cNvSpPr>
-            <a:spLocks noGrp="1"/>
-          </p:cNvSpPr>
-          <p:nvPr>
-            <p:ph type="title"/>
-          </p:nvPr>
-        </p:nvSpPr>
-        <p:spPr/>
-        <p:txBody>
-          <a:bodyPr/>
-          <a:lstStyle/>
-          <a:p>
-            <a:r>
-              <a:rPr lang="it-IT" dirty="0" err="1" smtClean="0"/>
-              <a:t>Beast</a:t>
-            </a:r>
-            <a:r>
-              <a:rPr lang="it-IT" dirty="0" smtClean="0"/>
-              <a:t> (</a:t>
-            </a:r>
-            <a:r>
-              <a:rPr lang="it-IT" dirty="0" err="1" smtClean="0"/>
-              <a:t>cont</a:t>
-            </a:r>
-            <a:r>
-              <a:rPr lang="it-IT" dirty="0" smtClean="0"/>
-              <a:t>.)</a:t>
-            </a:r>
-            <a:endParaRPr lang="it-IT" dirty="0"/>
-          </a:p>
-        </p:txBody>
-      </p:sp>
-      <p:sp>
-        <p:nvSpPr>
-          <p:cNvPr id="3" name="Segnaposto contenuto 2"/>
-          <p:cNvSpPr>
-            <a:spLocks noGrp="1"/>
-          </p:cNvSpPr>
-          <p:nvPr>
-            <p:ph idx="1"/>
-          </p:nvPr>
-        </p:nvSpPr>
-        <p:spPr>
-          <a:xfrm>
-            <a:off x="304800" y="1554162"/>
-            <a:ext cx="8686800" cy="5043189"/>
-          </a:xfrm>
-        </p:spPr>
-        <p:txBody>
-          <a:bodyPr/>
-          <a:lstStyle/>
-          <a:p>
-            <a:pPr algn="just"/>
-            <a:r>
-              <a:rPr lang="it-IT" sz="2600" dirty="0" err="1" smtClean="0"/>
-              <a:t>If</a:t>
-            </a:r>
-            <a:r>
-              <a:rPr lang="it-IT" sz="2600" dirty="0" smtClean="0"/>
-              <a:t> the </a:t>
-            </a:r>
-            <a:r>
-              <a:rPr lang="en-US" sz="2600" dirty="0"/>
-              <a:t>the attacker </a:t>
-            </a:r>
-            <a:r>
-              <a:rPr lang="en-US" sz="2600" dirty="0" smtClean="0"/>
-              <a:t>knows the </a:t>
-            </a:r>
-            <a:r>
-              <a:rPr lang="en-US" sz="2600" dirty="0"/>
-              <a:t>last block of the last encrypted message can then try to guess the plaintext</a:t>
-            </a:r>
-            <a:r>
-              <a:rPr lang="en-US" sz="2600" dirty="0" smtClean="0"/>
-              <a:t>.</a:t>
-            </a:r>
-          </a:p>
-          <a:p>
-            <a:pPr algn="just"/>
-            <a:r>
-              <a:rPr lang="en-US" sz="2600" dirty="0"/>
-              <a:t>This is computationally difficult, but if the attacker is able to </a:t>
-            </a:r>
-            <a:r>
-              <a:rPr lang="en-US" sz="2600" dirty="0" smtClean="0"/>
-              <a:t>insert text </a:t>
-            </a:r>
-            <a:r>
-              <a:rPr lang="en-US" sz="2600" dirty="0"/>
-              <a:t>in the user's </a:t>
-            </a:r>
-            <a:r>
-              <a:rPr lang="en-US" sz="2600" dirty="0" smtClean="0"/>
-              <a:t>plaintext then the </a:t>
-            </a:r>
-            <a:r>
-              <a:rPr lang="en-US" sz="2600" dirty="0"/>
-              <a:t>TLS record will be occupied in part by the injected </a:t>
-            </a:r>
-            <a:r>
-              <a:rPr lang="en-US" sz="2600" dirty="0" smtClean="0"/>
-              <a:t>data and </a:t>
-            </a:r>
-            <a:r>
-              <a:rPr lang="en-US" sz="2600" dirty="0"/>
-              <a:t>partly from the secret</a:t>
-            </a:r>
-            <a:r>
-              <a:rPr lang="en-US" sz="2600" dirty="0" smtClean="0"/>
-              <a:t>.</a:t>
-            </a:r>
-          </a:p>
-          <a:p>
-            <a:pPr lvl="1" algn="just"/>
-            <a:r>
-              <a:rPr lang="en-US" sz="2200" dirty="0"/>
-              <a:t>Suppose </a:t>
-            </a:r>
-            <a:r>
-              <a:rPr lang="en-US" sz="2200" dirty="0" smtClean="0"/>
-              <a:t>have </a:t>
-            </a:r>
-            <a:r>
-              <a:rPr lang="en-US" sz="2200" dirty="0"/>
-              <a:t>a 16 byte encrypted </a:t>
-            </a:r>
-            <a:r>
-              <a:rPr lang="en-US" sz="2200" dirty="0" smtClean="0"/>
-              <a:t>text occupying </a:t>
-            </a:r>
-            <a:r>
-              <a:rPr lang="en-US" sz="2200" dirty="0"/>
-              <a:t>15 </a:t>
-            </a:r>
-            <a:r>
-              <a:rPr lang="en-US" sz="2200" dirty="0" smtClean="0"/>
-              <a:t>byte with </a:t>
-            </a:r>
-            <a:r>
-              <a:rPr lang="en-US" sz="2200" dirty="0"/>
-              <a:t>the </a:t>
-            </a:r>
-            <a:r>
-              <a:rPr lang="en-US" sz="2200" dirty="0" smtClean="0"/>
-              <a:t>text, then the </a:t>
-            </a:r>
-            <a:r>
-              <a:rPr lang="en-US" sz="2200" dirty="0"/>
-              <a:t>injected guess it will be easier to do</a:t>
-            </a:r>
-            <a:r>
-              <a:rPr lang="en-US" sz="2200" dirty="0" smtClean="0"/>
-              <a:t>.</a:t>
-            </a:r>
-          </a:p>
-          <a:p>
-            <a:pPr algn="just"/>
-            <a:r>
-              <a:rPr lang="en-US" sz="2600" dirty="0"/>
-              <a:t>If an attacker can cause the user to make more requests to the server </a:t>
-            </a:r>
-            <a:r>
-              <a:rPr lang="en-US" sz="2600" dirty="0" smtClean="0"/>
-              <a:t>by a </a:t>
-            </a:r>
-            <a:r>
-              <a:rPr lang="en-US" sz="2600" dirty="0" err="1" smtClean="0"/>
-              <a:t>guess&amp;checking</a:t>
-            </a:r>
-            <a:r>
-              <a:rPr lang="en-US" sz="2600" dirty="0" smtClean="0"/>
-              <a:t> </a:t>
-            </a:r>
-            <a:r>
-              <a:rPr lang="en-US" sz="2600" dirty="0"/>
-              <a:t>attack </a:t>
-            </a:r>
-            <a:r>
-              <a:rPr lang="en-US" sz="2600" dirty="0" smtClean="0"/>
-              <a:t>she/he can  </a:t>
-            </a:r>
-            <a:r>
-              <a:rPr lang="en-US" sz="2600" dirty="0"/>
-              <a:t>relatively </a:t>
-            </a:r>
-            <a:r>
-              <a:rPr lang="en-US" sz="2600" dirty="0" smtClean="0"/>
-              <a:t>easily gain access </a:t>
-            </a:r>
-            <a:r>
-              <a:rPr lang="en-US" sz="2600" dirty="0"/>
-              <a:t>to sensitive data </a:t>
-            </a:r>
-            <a:r>
-              <a:rPr lang="en-US" sz="2600" dirty="0" smtClean="0"/>
-              <a:t>(like web cookies).</a:t>
-            </a:r>
-            <a:endParaRPr lang="it-IT" sz="2600" dirty="0"/>
-          </a:p>
-        </p:txBody>
-      </p:sp>
-    </p:spTree>
-    <p:extLst>
-      <p:ext uri="{BB962C8B-B14F-4D97-AF65-F5344CB8AC3E}">
-        <p14:creationId xmlns:p14="http://schemas.microsoft.com/office/powerpoint/2010/main" val="3058512493"/>
-      </p:ext>
-    </p:extLst>
-  </p:cSld>
-  <p:clrMapOvr>
-    <a:masterClrMapping/>
-  </p:clrMapOvr>
-  <p:timing>
-    <p:tnLst>
-      <p:par>
-        <p:cTn id="1" dur="indefinite" restart="never" nodeType="tmRoot"/>
-      </p:par>
-    </p:tnLst>
-  </p:timing>
 </p:sld>
 </file>
 

--- a/slides/SSL.pptx
+++ b/slides/SSL.pptx
@@ -13789,7 +13789,7 @@
             </a:r>
             <a:r>
               <a:rPr lang="it-IT" dirty="0"/>
-              <a:t> record processing</a:t>
+              <a:t>/TLS record processing</a:t>
             </a:r>
           </a:p>
         </p:txBody>

--- a/slides/SSL.pptx
+++ b/slides/SSL.pptx
@@ -5,10 +5,10 @@
     <p:sldMasterId id="2147483949" r:id="rId1"/>
   </p:sldMasterIdLst>
   <p:notesMasterIdLst>
-    <p:notesMasterId r:id="rId19"/>
+    <p:notesMasterId r:id="rId23"/>
   </p:notesMasterIdLst>
   <p:handoutMasterIdLst>
-    <p:handoutMasterId r:id="rId20"/>
+    <p:handoutMasterId r:id="rId24"/>
   </p:handoutMasterIdLst>
   <p:sldIdLst>
     <p:sldId id="285" r:id="rId2"/>
@@ -20,14 +20,18 @@
     <p:sldId id="295" r:id="rId8"/>
     <p:sldId id="296" r:id="rId9"/>
     <p:sldId id="288" r:id="rId10"/>
-    <p:sldId id="289" r:id="rId11"/>
-    <p:sldId id="290" r:id="rId12"/>
-    <p:sldId id="291" r:id="rId13"/>
-    <p:sldId id="292" r:id="rId14"/>
-    <p:sldId id="293" r:id="rId15"/>
-    <p:sldId id="299" r:id="rId16"/>
-    <p:sldId id="300" r:id="rId17"/>
-    <p:sldId id="294" r:id="rId18"/>
+    <p:sldId id="306" r:id="rId11"/>
+    <p:sldId id="304" r:id="rId12"/>
+    <p:sldId id="261" r:id="rId13"/>
+    <p:sldId id="268" r:id="rId14"/>
+    <p:sldId id="289" r:id="rId15"/>
+    <p:sldId id="290" r:id="rId16"/>
+    <p:sldId id="291" r:id="rId17"/>
+    <p:sldId id="292" r:id="rId18"/>
+    <p:sldId id="293" r:id="rId19"/>
+    <p:sldId id="299" r:id="rId20"/>
+    <p:sldId id="300" r:id="rId21"/>
+    <p:sldId id="294" r:id="rId22"/>
   </p:sldIdLst>
   <p:sldSz cx="9144000" cy="6858000" type="screen4x3"/>
   <p:notesSz cx="6858000" cy="9144000"/>
@@ -7445,7 +7449,7 @@
               <a:pPr>
                 <a:defRPr/>
               </a:pPr>
-              <a:t>11</a:t>
+              <a:t>15</a:t>
             </a:fld>
             <a:endParaRPr lang="en-AU"/>
           </a:p>
@@ -11249,6 +11253,1333 @@
       </p:grpSpPr>
       <p:sp>
         <p:nvSpPr>
+          <p:cNvPr id="2" name="Title 1">
+            <a:extLst>
+              <a:ext uri="{FF2B5EF4-FFF2-40B4-BE49-F238E27FC236}">
+                <a16:creationId xmlns:a16="http://schemas.microsoft.com/office/drawing/2014/main" id="{1F0C91CD-BF80-4EA8-9431-E78F2BE483AA}"/>
+              </a:ext>
+            </a:extLst>
+          </p:cNvPr>
+          <p:cNvSpPr>
+            <a:spLocks noGrp="1"/>
+          </p:cNvSpPr>
+          <p:nvPr>
+            <p:ph type="title"/>
+          </p:nvPr>
+        </p:nvSpPr>
+        <p:spPr/>
+        <p:txBody>
+          <a:bodyPr/>
+          <a:lstStyle/>
+          <a:p>
+            <a:r>
+              <a:rPr lang="en-US" dirty="0"/>
+              <a:t>POPULAR TLS LIBRARIES</a:t>
+            </a:r>
+            <a:endParaRPr lang="it-IT" dirty="0"/>
+          </a:p>
+        </p:txBody>
+      </p:sp>
+      <p:sp>
+        <p:nvSpPr>
+          <p:cNvPr id="3" name="Content Placeholder 2">
+            <a:extLst>
+              <a:ext uri="{FF2B5EF4-FFF2-40B4-BE49-F238E27FC236}">
+                <a16:creationId xmlns:a16="http://schemas.microsoft.com/office/drawing/2014/main" id="{D541EF4A-FC2F-489F-905F-0F384777E518}"/>
+              </a:ext>
+            </a:extLst>
+          </p:cNvPr>
+          <p:cNvSpPr>
+            <a:spLocks noGrp="1"/>
+          </p:cNvSpPr>
+          <p:nvPr>
+            <p:ph idx="1"/>
+          </p:nvPr>
+        </p:nvSpPr>
+        <p:spPr/>
+        <p:txBody>
+          <a:bodyPr/>
+          <a:lstStyle/>
+          <a:p>
+            <a:r>
+              <a:rPr lang="en-US" dirty="0"/>
+              <a:t>OPENSSL (Open source)</a:t>
+            </a:r>
+          </a:p>
+          <a:p>
+            <a:r>
+              <a:rPr lang="en-US" dirty="0"/>
+              <a:t>LibreSSL (Open source)</a:t>
+            </a:r>
+          </a:p>
+          <a:p>
+            <a:r>
+              <a:rPr lang="en-US" dirty="0" err="1"/>
+              <a:t>BoringSSL</a:t>
+            </a:r>
+            <a:r>
+              <a:rPr lang="en-US" dirty="0"/>
+              <a:t> (Google)</a:t>
+            </a:r>
+          </a:p>
+          <a:p>
+            <a:r>
+              <a:rPr lang="en-US" dirty="0" err="1"/>
+              <a:t>Schannel</a:t>
+            </a:r>
+            <a:r>
+              <a:rPr lang="en-US" dirty="0"/>
+              <a:t> (Microsoft)</a:t>
+            </a:r>
+          </a:p>
+          <a:p>
+            <a:r>
+              <a:rPr lang="en-US" dirty="0"/>
+              <a:t>Secure Transport (Apple)</a:t>
+            </a:r>
+            <a:endParaRPr lang="it-IT" dirty="0"/>
+          </a:p>
+        </p:txBody>
+      </p:sp>
+    </p:spTree>
+    <p:extLst>
+      <p:ext uri="{BB962C8B-B14F-4D97-AF65-F5344CB8AC3E}">
+        <p14:creationId xmlns:p14="http://schemas.microsoft.com/office/powerpoint/2010/main" val="1520512134"/>
+      </p:ext>
+    </p:extLst>
+  </p:cSld>
+  <p:clrMapOvr>
+    <a:masterClrMapping/>
+  </p:clrMapOvr>
+</p:sld>
+</file>
+
+<file path=ppt/slides/slide11.xml><?xml version="1.0" encoding="utf-8"?>
+<p:sld xmlns:a="http://schemas.openxmlformats.org/drawingml/2006/main" xmlns:r="http://schemas.openxmlformats.org/officeDocument/2006/relationships" xmlns:p="http://schemas.openxmlformats.org/presentationml/2006/main">
+  <p:cSld>
+    <p:spTree>
+      <p:nvGrpSpPr>
+        <p:cNvPr id="1" name=""/>
+        <p:cNvGrpSpPr/>
+        <p:nvPr/>
+      </p:nvGrpSpPr>
+      <p:grpSpPr>
+        <a:xfrm>
+          <a:off x="0" y="0"/>
+          <a:ext cx="0" cy="0"/>
+          <a:chOff x="0" y="0"/>
+          <a:chExt cx="0" cy="0"/>
+        </a:xfrm>
+      </p:grpSpPr>
+      <p:sp>
+        <p:nvSpPr>
+          <p:cNvPr id="2" name="Title 1">
+            <a:extLst>
+              <a:ext uri="{FF2B5EF4-FFF2-40B4-BE49-F238E27FC236}">
+                <a16:creationId xmlns:a16="http://schemas.microsoft.com/office/drawing/2014/main" id="{6CE23F2E-5078-4FB3-9180-3E97E5B5A364}"/>
+              </a:ext>
+            </a:extLst>
+          </p:cNvPr>
+          <p:cNvSpPr>
+            <a:spLocks noGrp="1"/>
+          </p:cNvSpPr>
+          <p:nvPr>
+            <p:ph type="title"/>
+          </p:nvPr>
+        </p:nvSpPr>
+        <p:spPr/>
+        <p:txBody>
+          <a:bodyPr/>
+          <a:lstStyle/>
+          <a:p>
+            <a:r>
+              <a:rPr lang="en-US" dirty="0"/>
+              <a:t>SSLSTRIP</a:t>
+            </a:r>
+            <a:endParaRPr lang="it-IT" dirty="0"/>
+          </a:p>
+        </p:txBody>
+      </p:sp>
+      <p:sp>
+        <p:nvSpPr>
+          <p:cNvPr id="3" name="Content Placeholder 2">
+            <a:extLst>
+              <a:ext uri="{FF2B5EF4-FFF2-40B4-BE49-F238E27FC236}">
+                <a16:creationId xmlns:a16="http://schemas.microsoft.com/office/drawing/2014/main" id="{298CBE50-6CE8-4263-BE4E-D38E51E9A142}"/>
+              </a:ext>
+            </a:extLst>
+          </p:cNvPr>
+          <p:cNvSpPr>
+            <a:spLocks noGrp="1"/>
+          </p:cNvSpPr>
+          <p:nvPr>
+            <p:ph idx="1"/>
+          </p:nvPr>
+        </p:nvSpPr>
+        <p:spPr/>
+        <p:txBody>
+          <a:bodyPr/>
+          <a:lstStyle/>
+          <a:p>
+            <a:r>
+              <a:rPr lang="en-US" dirty="0"/>
+              <a:t>Fallback attack from https to http</a:t>
+            </a:r>
+          </a:p>
+          <a:p>
+            <a:r>
+              <a:rPr lang="en-US" dirty="0"/>
+              <a:t>Still tremendous impact</a:t>
+            </a:r>
+          </a:p>
+          <a:p>
+            <a:r>
+              <a:rPr lang="en-US" dirty="0"/>
+              <a:t>Mitigated by HSTS headers</a:t>
+            </a:r>
+            <a:endParaRPr lang="it-IT" dirty="0"/>
+          </a:p>
+        </p:txBody>
+      </p:sp>
+      <p:pic>
+        <p:nvPicPr>
+          <p:cNvPr id="1028" name="Picture 4" descr="SSLStrip">
+            <a:extLst>
+              <a:ext uri="{FF2B5EF4-FFF2-40B4-BE49-F238E27FC236}">
+                <a16:creationId xmlns:a16="http://schemas.microsoft.com/office/drawing/2014/main" id="{10B4387A-F0DC-4F0C-936B-4DF33CF2D0F0}"/>
+              </a:ext>
+            </a:extLst>
+          </p:cNvPr>
+          <p:cNvPicPr>
+            <a:picLocks noChangeAspect="1" noChangeArrowheads="1"/>
+          </p:cNvPicPr>
+          <p:nvPr/>
+        </p:nvPicPr>
+        <p:blipFill>
+          <a:blip r:embed="rId2">
+            <a:extLst>
+              <a:ext uri="{28A0092B-C50C-407E-A947-70E740481C1C}">
+                <a14:useLocalDpi xmlns:a14="http://schemas.microsoft.com/office/drawing/2010/main" val="0"/>
+              </a:ext>
+            </a:extLst>
+          </a:blip>
+          <a:srcRect/>
+          <a:stretch>
+            <a:fillRect/>
+          </a:stretch>
+        </p:blipFill>
+        <p:spPr bwMode="auto">
+          <a:xfrm>
+            <a:off x="904875" y="4005064"/>
+            <a:ext cx="7334250" cy="1600200"/>
+          </a:xfrm>
+          <a:prstGeom prst="rect">
+            <a:avLst/>
+          </a:prstGeom>
+          <a:noFill/>
+          <a:extLst>
+            <a:ext uri="{909E8E84-426E-40DD-AFC4-6F175D3DCCD1}">
+              <a14:hiddenFill xmlns:a14="http://schemas.microsoft.com/office/drawing/2010/main">
+                <a:solidFill>
+                  <a:srgbClr val="FFFFFF"/>
+                </a:solidFill>
+              </a14:hiddenFill>
+            </a:ext>
+          </a:extLst>
+        </p:spPr>
+      </p:pic>
+    </p:spTree>
+    <p:extLst>
+      <p:ext uri="{BB962C8B-B14F-4D97-AF65-F5344CB8AC3E}">
+        <p14:creationId xmlns:p14="http://schemas.microsoft.com/office/powerpoint/2010/main" val="4219973543"/>
+      </p:ext>
+    </p:extLst>
+  </p:cSld>
+  <p:clrMapOvr>
+    <a:masterClrMapping/>
+  </p:clrMapOvr>
+</p:sld>
+</file>
+
+<file path=ppt/slides/slide12.xml><?xml version="1.0" encoding="utf-8"?>
+<p:sld xmlns:a="http://schemas.openxmlformats.org/drawingml/2006/main" xmlns:r="http://schemas.openxmlformats.org/officeDocument/2006/relationships" xmlns:p="http://schemas.openxmlformats.org/presentationml/2006/main">
+  <p:cSld>
+    <p:spTree>
+      <p:nvGrpSpPr>
+        <p:cNvPr id="1" name=""/>
+        <p:cNvGrpSpPr/>
+        <p:nvPr/>
+      </p:nvGrpSpPr>
+      <p:grpSpPr>
+        <a:xfrm>
+          <a:off x="0" y="0"/>
+          <a:ext cx="0" cy="0"/>
+          <a:chOff x="0" y="0"/>
+          <a:chExt cx="0" cy="0"/>
+        </a:xfrm>
+      </p:grpSpPr>
+      <p:sp>
+        <p:nvSpPr>
+          <p:cNvPr id="2" name="Titolo 1">
+            <a:extLst>
+              <a:ext uri="{FF2B5EF4-FFF2-40B4-BE49-F238E27FC236}">
+                <a16:creationId xmlns:a16="http://schemas.microsoft.com/office/drawing/2014/main" id="{732E3563-03AE-429A-A9CD-0698ADB5FCD4}"/>
+              </a:ext>
+            </a:extLst>
+          </p:cNvPr>
+          <p:cNvSpPr>
+            <a:spLocks noGrp="1"/>
+          </p:cNvSpPr>
+          <p:nvPr>
+            <p:ph type="title"/>
+          </p:nvPr>
+        </p:nvSpPr>
+        <p:spPr>
+          <a:xfrm>
+            <a:off x="4815349" y="1314450"/>
+            <a:ext cx="3841955" cy="1428750"/>
+          </a:xfrm>
+        </p:spPr>
+        <p:txBody>
+          <a:bodyPr>
+            <a:normAutofit/>
+          </a:bodyPr>
+          <a:lstStyle/>
+          <a:p>
+            <a:pPr algn="ctr"/>
+            <a:r>
+              <a:rPr lang="it-IT" sz="2400" dirty="0" err="1"/>
+              <a:t>heartbeat</a:t>
+            </a:r>
+            <a:endParaRPr lang="it-IT" dirty="0"/>
+          </a:p>
+        </p:txBody>
+      </p:sp>
+      <p:sp>
+        <p:nvSpPr>
+          <p:cNvPr id="3" name="Segnaposto contenuto 2">
+            <a:extLst>
+              <a:ext uri="{FF2B5EF4-FFF2-40B4-BE49-F238E27FC236}">
+                <a16:creationId xmlns:a16="http://schemas.microsoft.com/office/drawing/2014/main" id="{1C1867C2-6A9A-48DB-A4F9-F5921D8914DC}"/>
+              </a:ext>
+            </a:extLst>
+          </p:cNvPr>
+          <p:cNvSpPr>
+            <a:spLocks noGrp="1"/>
+          </p:cNvSpPr>
+          <p:nvPr>
+            <p:ph idx="1"/>
+          </p:nvPr>
+        </p:nvSpPr>
+        <p:spPr>
+          <a:xfrm>
+            <a:off x="4815349" y="2743200"/>
+            <a:ext cx="3841955" cy="3206080"/>
+          </a:xfrm>
+        </p:spPr>
+        <p:txBody>
+          <a:bodyPr anchor="t">
+            <a:normAutofit/>
+          </a:bodyPr>
+          <a:lstStyle/>
+          <a:p>
+            <a:pPr>
+              <a:lnSpc>
+                <a:spcPct val="90000"/>
+              </a:lnSpc>
+              <a:buFont typeface="Arial" panose="020B0604020202020204" pitchFamily="34" charset="0"/>
+              <a:buChar char="•"/>
+            </a:pPr>
+            <a:r>
+              <a:rPr lang="en-US" sz="1600" dirty="0"/>
+              <a:t>The heartbeat TLS subprotocol (code 24) allows to check if the secure connection between client and server is still active.</a:t>
+            </a:r>
+          </a:p>
+          <a:p>
+            <a:pPr>
+              <a:lnSpc>
+                <a:spcPct val="90000"/>
+              </a:lnSpc>
+              <a:buFont typeface="Arial" panose="020B0604020202020204" pitchFamily="34" charset="0"/>
+              <a:buChar char="•"/>
+            </a:pPr>
+            <a:r>
+              <a:rPr lang="en-US" sz="1600" dirty="0"/>
+              <a:t>It is a kind of TLS-level ping</a:t>
+            </a:r>
+          </a:p>
+          <a:p>
+            <a:pPr>
+              <a:lnSpc>
+                <a:spcPct val="90000"/>
+              </a:lnSpc>
+              <a:buFont typeface="Arial" panose="020B0604020202020204" pitchFamily="34" charset="0"/>
+              <a:buChar char="•"/>
+            </a:pPr>
+            <a:r>
+              <a:rPr lang="en-US" sz="1600" dirty="0"/>
+              <a:t>The client sends a heartbeat request containing a text and its length.</a:t>
+            </a:r>
+          </a:p>
+          <a:p>
+            <a:pPr>
+              <a:lnSpc>
+                <a:spcPct val="90000"/>
+              </a:lnSpc>
+              <a:buFont typeface="Arial" panose="020B0604020202020204" pitchFamily="34" charset="0"/>
+              <a:buChar char="•"/>
+            </a:pPr>
+            <a:r>
+              <a:rPr lang="en-US" sz="1600" dirty="0"/>
+              <a:t>The server should reply with an echo, containing the same message received from the client.</a:t>
+            </a:r>
+            <a:endParaRPr lang="it-IT" sz="1600" dirty="0"/>
+          </a:p>
+        </p:txBody>
+      </p:sp>
+      <p:pic>
+        <p:nvPicPr>
+          <p:cNvPr id="5" name="Immagine 4">
+            <a:extLst>
+              <a:ext uri="{FF2B5EF4-FFF2-40B4-BE49-F238E27FC236}">
+                <a16:creationId xmlns:a16="http://schemas.microsoft.com/office/drawing/2014/main" id="{31CC3C7B-F6F8-4AE0-B30D-FBBC6F285C22}"/>
+              </a:ext>
+            </a:extLst>
+          </p:cNvPr>
+          <p:cNvPicPr>
+            <a:picLocks noChangeAspect="1"/>
+          </p:cNvPicPr>
+          <p:nvPr/>
+        </p:nvPicPr>
+        <p:blipFill rotWithShape="1">
+          <a:blip r:embed="rId2"/>
+          <a:srcRect b="49674"/>
+          <a:stretch/>
+        </p:blipFill>
+        <p:spPr>
+          <a:xfrm>
+            <a:off x="483280" y="2996952"/>
+            <a:ext cx="4088720" cy="2057689"/>
+          </a:xfrm>
+          <a:prstGeom prst="roundRect">
+            <a:avLst>
+              <a:gd name="adj" fmla="val 3517"/>
+            </a:avLst>
+          </a:prstGeom>
+          <a:ln/>
+        </p:spPr>
+        <p:style>
+          <a:lnRef idx="2">
+            <a:schemeClr val="dk1"/>
+          </a:lnRef>
+          <a:fillRef idx="1">
+            <a:schemeClr val="lt1"/>
+          </a:fillRef>
+          <a:effectRef idx="0">
+            <a:schemeClr val="dk1"/>
+          </a:effectRef>
+          <a:fontRef idx="minor">
+            <a:schemeClr val="dk1"/>
+          </a:fontRef>
+        </p:style>
+      </p:pic>
+      <p:pic>
+        <p:nvPicPr>
+          <p:cNvPr id="7" name="Immagine 6" descr="Immagine che contiene disegnando&#10;&#10;Descrizione generata automaticamente">
+            <a:extLst>
+              <a:ext uri="{FF2B5EF4-FFF2-40B4-BE49-F238E27FC236}">
+                <a16:creationId xmlns:a16="http://schemas.microsoft.com/office/drawing/2014/main" id="{2B1542CE-DD77-4D5A-A3EA-294DAAD30ED8}"/>
+              </a:ext>
+            </a:extLst>
+          </p:cNvPr>
+          <p:cNvPicPr>
+            <a:picLocks noChangeAspect="1"/>
+          </p:cNvPicPr>
+          <p:nvPr/>
+        </p:nvPicPr>
+        <p:blipFill>
+          <a:blip r:embed="rId3"/>
+          <a:stretch>
+            <a:fillRect/>
+          </a:stretch>
+        </p:blipFill>
+        <p:spPr>
+          <a:xfrm>
+            <a:off x="2061743" y="1443659"/>
+            <a:ext cx="931793" cy="931793"/>
+          </a:xfrm>
+          <a:prstGeom prst="rect">
+            <a:avLst/>
+          </a:prstGeom>
+          <a:effectLst>
+            <a:softEdge rad="0"/>
+          </a:effectLst>
+        </p:spPr>
+      </p:pic>
+      <p:sp>
+        <p:nvSpPr>
+          <p:cNvPr id="6" name="Titolo 1">
+            <a:extLst>
+              <a:ext uri="{FF2B5EF4-FFF2-40B4-BE49-F238E27FC236}">
+                <a16:creationId xmlns:a16="http://schemas.microsoft.com/office/drawing/2014/main" id="{34C4FB6C-243A-4C5F-AB95-0E5F87803F3D}"/>
+              </a:ext>
+            </a:extLst>
+          </p:cNvPr>
+          <p:cNvSpPr txBox="1">
+            <a:spLocks/>
+          </p:cNvSpPr>
+          <p:nvPr/>
+        </p:nvSpPr>
+        <p:spPr>
+          <a:xfrm>
+            <a:off x="-468560" y="107784"/>
+            <a:ext cx="3841955" cy="1428750"/>
+          </a:xfrm>
+          <a:prstGeom prst="rect">
+            <a:avLst/>
+          </a:prstGeom>
+        </p:spPr>
+        <p:txBody>
+          <a:bodyPr vert="horz" anchor="ctr">
+            <a:normAutofit/>
+          </a:bodyPr>
+          <a:lstStyle>
+            <a:lvl1pPr algn="l" rtl="0" eaLnBrk="0" fontAlgn="base" hangingPunct="0">
+              <a:spcBef>
+                <a:spcPct val="0"/>
+              </a:spcBef>
+              <a:spcAft>
+                <a:spcPct val="0"/>
+              </a:spcAft>
+              <a:defRPr sz="3600" kern="1200" cap="all">
+                <a:solidFill>
+                  <a:schemeClr val="tx2"/>
+                </a:solidFill>
+                <a:effectLst>
+                  <a:reflection blurRad="12700" stA="48000" endA="300" endPos="55000" dir="5400000" sy="-90000" algn="bl" rotWithShape="0"/>
+                </a:effectLst>
+                <a:latin typeface="+mj-lt"/>
+                <a:ea typeface="+mj-ea"/>
+                <a:cs typeface="+mj-cs"/>
+              </a:defRPr>
+            </a:lvl1pPr>
+            <a:lvl2pPr algn="l" rtl="0" eaLnBrk="0" fontAlgn="base" hangingPunct="0">
+              <a:spcBef>
+                <a:spcPct val="0"/>
+              </a:spcBef>
+              <a:spcAft>
+                <a:spcPct val="0"/>
+              </a:spcAft>
+              <a:defRPr sz="3600">
+                <a:solidFill>
+                  <a:schemeClr val="tx2"/>
+                </a:solidFill>
+                <a:latin typeface="Franklin Gothic Medium" pitchFamily="34" charset="0"/>
+              </a:defRPr>
+            </a:lvl2pPr>
+            <a:lvl3pPr algn="l" rtl="0" eaLnBrk="0" fontAlgn="base" hangingPunct="0">
+              <a:spcBef>
+                <a:spcPct val="0"/>
+              </a:spcBef>
+              <a:spcAft>
+                <a:spcPct val="0"/>
+              </a:spcAft>
+              <a:defRPr sz="3600">
+                <a:solidFill>
+                  <a:schemeClr val="tx2"/>
+                </a:solidFill>
+                <a:latin typeface="Franklin Gothic Medium" pitchFamily="34" charset="0"/>
+              </a:defRPr>
+            </a:lvl3pPr>
+            <a:lvl4pPr algn="l" rtl="0" eaLnBrk="0" fontAlgn="base" hangingPunct="0">
+              <a:spcBef>
+                <a:spcPct val="0"/>
+              </a:spcBef>
+              <a:spcAft>
+                <a:spcPct val="0"/>
+              </a:spcAft>
+              <a:defRPr sz="3600">
+                <a:solidFill>
+                  <a:schemeClr val="tx2"/>
+                </a:solidFill>
+                <a:latin typeface="Franklin Gothic Medium" pitchFamily="34" charset="0"/>
+              </a:defRPr>
+            </a:lvl4pPr>
+            <a:lvl5pPr algn="l" rtl="0" eaLnBrk="0" fontAlgn="base" hangingPunct="0">
+              <a:spcBef>
+                <a:spcPct val="0"/>
+              </a:spcBef>
+              <a:spcAft>
+                <a:spcPct val="0"/>
+              </a:spcAft>
+              <a:defRPr sz="3600">
+                <a:solidFill>
+                  <a:schemeClr val="tx2"/>
+                </a:solidFill>
+                <a:latin typeface="Franklin Gothic Medium" pitchFamily="34" charset="0"/>
+              </a:defRPr>
+            </a:lvl5pPr>
+            <a:lvl6pPr marL="457200" algn="l" rtl="0" fontAlgn="base">
+              <a:spcBef>
+                <a:spcPct val="0"/>
+              </a:spcBef>
+              <a:spcAft>
+                <a:spcPct val="0"/>
+              </a:spcAft>
+              <a:defRPr sz="3600">
+                <a:solidFill>
+                  <a:schemeClr val="tx2"/>
+                </a:solidFill>
+                <a:latin typeface="Franklin Gothic Medium" pitchFamily="34" charset="0"/>
+              </a:defRPr>
+            </a:lvl6pPr>
+            <a:lvl7pPr marL="914400" algn="l" rtl="0" fontAlgn="base">
+              <a:spcBef>
+                <a:spcPct val="0"/>
+              </a:spcBef>
+              <a:spcAft>
+                <a:spcPct val="0"/>
+              </a:spcAft>
+              <a:defRPr sz="3600">
+                <a:solidFill>
+                  <a:schemeClr val="tx2"/>
+                </a:solidFill>
+                <a:latin typeface="Franklin Gothic Medium" pitchFamily="34" charset="0"/>
+              </a:defRPr>
+            </a:lvl7pPr>
+            <a:lvl8pPr marL="1371600" algn="l" rtl="0" fontAlgn="base">
+              <a:spcBef>
+                <a:spcPct val="0"/>
+              </a:spcBef>
+              <a:spcAft>
+                <a:spcPct val="0"/>
+              </a:spcAft>
+              <a:defRPr sz="3600">
+                <a:solidFill>
+                  <a:schemeClr val="tx2"/>
+                </a:solidFill>
+                <a:latin typeface="Franklin Gothic Medium" pitchFamily="34" charset="0"/>
+              </a:defRPr>
+            </a:lvl8pPr>
+            <a:lvl9pPr marL="1828800" algn="l" rtl="0" fontAlgn="base">
+              <a:spcBef>
+                <a:spcPct val="0"/>
+              </a:spcBef>
+              <a:spcAft>
+                <a:spcPct val="0"/>
+              </a:spcAft>
+              <a:defRPr sz="3600">
+                <a:solidFill>
+                  <a:schemeClr val="tx2"/>
+                </a:solidFill>
+                <a:latin typeface="Franklin Gothic Medium" pitchFamily="34" charset="0"/>
+              </a:defRPr>
+            </a:lvl9pPr>
+          </a:lstStyle>
+          <a:p>
+            <a:pPr algn="ctr"/>
+            <a:r>
+              <a:rPr lang="it-IT" sz="2400" dirty="0" err="1"/>
+              <a:t>heartBLEED</a:t>
+            </a:r>
+            <a:endParaRPr lang="it-IT" dirty="0"/>
+          </a:p>
+        </p:txBody>
+      </p:sp>
+    </p:spTree>
+    <p:extLst>
+      <p:ext uri="{BB962C8B-B14F-4D97-AF65-F5344CB8AC3E}">
+        <p14:creationId xmlns:p14="http://schemas.microsoft.com/office/powerpoint/2010/main" val="3126708920"/>
+      </p:ext>
+    </p:extLst>
+  </p:cSld>
+  <p:clrMapOvr>
+    <a:masterClrMapping/>
+  </p:clrMapOvr>
+</p:sld>
+</file>
+
+<file path=ppt/slides/slide13.xml><?xml version="1.0" encoding="utf-8"?>
+<p:sld xmlns:a="http://schemas.openxmlformats.org/drawingml/2006/main" xmlns:r="http://schemas.openxmlformats.org/officeDocument/2006/relationships" xmlns:p="http://schemas.openxmlformats.org/presentationml/2006/main">
+  <p:cSld>
+    <p:spTree>
+      <p:nvGrpSpPr>
+        <p:cNvPr id="1" name=""/>
+        <p:cNvGrpSpPr/>
+        <p:nvPr/>
+      </p:nvGrpSpPr>
+      <p:grpSpPr>
+        <a:xfrm>
+          <a:off x="0" y="0"/>
+          <a:ext cx="0" cy="0"/>
+          <a:chOff x="0" y="0"/>
+          <a:chExt cx="0" cy="0"/>
+        </a:xfrm>
+      </p:grpSpPr>
+      <p:sp>
+        <p:nvSpPr>
+          <p:cNvPr id="2" name="Titolo 1">
+            <a:extLst>
+              <a:ext uri="{FF2B5EF4-FFF2-40B4-BE49-F238E27FC236}">
+                <a16:creationId xmlns:a16="http://schemas.microsoft.com/office/drawing/2014/main" id="{09314F0C-D605-4628-8263-4E9847D318A6}"/>
+              </a:ext>
+            </a:extLst>
+          </p:cNvPr>
+          <p:cNvSpPr>
+            <a:spLocks noGrp="1"/>
+          </p:cNvSpPr>
+          <p:nvPr>
+            <p:ph type="title"/>
+          </p:nvPr>
+        </p:nvSpPr>
+        <p:spPr>
+          <a:xfrm>
+            <a:off x="0" y="134325"/>
+            <a:ext cx="9144000" cy="1428750"/>
+          </a:xfrm>
+        </p:spPr>
+        <p:txBody>
+          <a:bodyPr vert="horz" lIns="68580" tIns="34290" rIns="68580" bIns="34290" rtlCol="0" anchor="ctr">
+            <a:normAutofit/>
+          </a:bodyPr>
+          <a:lstStyle/>
+          <a:p>
+            <a:pPr algn="ctr"/>
+            <a:r>
+              <a:rPr lang="en-US" dirty="0"/>
+              <a:t>HEARTBLEED bug ON </a:t>
+            </a:r>
+            <a:r>
+              <a:rPr lang="en-US" dirty="0" err="1"/>
+              <a:t>openSSL</a:t>
+            </a:r>
+            <a:r>
+              <a:rPr lang="en-US" dirty="0"/>
+              <a:t> 1.0.1e</a:t>
+            </a:r>
+          </a:p>
+        </p:txBody>
+      </p:sp>
+      <p:sp>
+        <p:nvSpPr>
+          <p:cNvPr id="7" name="Segnaposto contenuto 2">
+            <a:extLst>
+              <a:ext uri="{FF2B5EF4-FFF2-40B4-BE49-F238E27FC236}">
+                <a16:creationId xmlns:a16="http://schemas.microsoft.com/office/drawing/2014/main" id="{101385F9-B931-4439-8458-F2A3CBEE1F31}"/>
+              </a:ext>
+            </a:extLst>
+          </p:cNvPr>
+          <p:cNvSpPr txBox="1">
+            <a:spLocks/>
+          </p:cNvSpPr>
+          <p:nvPr/>
+        </p:nvSpPr>
+        <p:spPr>
+          <a:xfrm>
+            <a:off x="293362" y="2204864"/>
+            <a:ext cx="3905729" cy="2757305"/>
+          </a:xfrm>
+          <a:prstGeom prst="rect">
+            <a:avLst/>
+          </a:prstGeom>
+        </p:spPr>
+        <p:txBody>
+          <a:bodyPr vert="horz" lIns="68580" tIns="34290" rIns="68580" bIns="34290" rtlCol="0" anchor="t">
+            <a:normAutofit/>
+          </a:bodyPr>
+          <a:lstStyle>
+            <a:lvl1pPr marL="285750" indent="-285750" algn="l" defTabSz="457200" rtl="0" eaLnBrk="1" latinLnBrk="0" hangingPunct="1">
+              <a:spcBef>
+                <a:spcPct val="20000"/>
+              </a:spcBef>
+              <a:spcAft>
+                <a:spcPts val="600"/>
+              </a:spcAft>
+              <a:buClr>
+                <a:schemeClr val="tx1"/>
+              </a:buClr>
+              <a:buSzPct val="100000"/>
+              <a:buFont typeface="Arial"/>
+              <a:buChar char="•"/>
+              <a:defRPr sz="2000" kern="1200" cap="small">
+                <a:gradFill flip="none" rotWithShape="1">
+                  <a:gsLst>
+                    <a:gs pos="0">
+                      <a:schemeClr val="tx1"/>
+                    </a:gs>
+                    <a:gs pos="100000">
+                      <a:schemeClr val="tx1">
+                        <a:lumMod val="75000"/>
+                      </a:schemeClr>
+                    </a:gs>
+                  </a:gsLst>
+                  <a:lin ang="5580000" scaled="0"/>
+                  <a:tileRect/>
+                </a:gradFill>
+                <a:effectLst>
+                  <a:glow rad="38100">
+                    <a:schemeClr val="bg1">
+                      <a:lumMod val="50000"/>
+                      <a:lumOff val="50000"/>
+                      <a:alpha val="20000"/>
+                    </a:schemeClr>
+                  </a:glow>
+                  <a:outerShdw blurRad="44450" dist="12700" dir="13860000" algn="tl" rotWithShape="0">
+                    <a:srgbClr val="000000">
+                      <a:alpha val="20000"/>
+                    </a:srgbClr>
+                  </a:outerShdw>
+                </a:effectLst>
+                <a:latin typeface="+mn-lt"/>
+                <a:ea typeface="+mn-ea"/>
+                <a:cs typeface="+mn-cs"/>
+              </a:defRPr>
+            </a:lvl1pPr>
+            <a:lvl2pPr marL="742950" indent="-285750" algn="l" defTabSz="457200" rtl="0" eaLnBrk="1" latinLnBrk="0" hangingPunct="1">
+              <a:spcBef>
+                <a:spcPct val="20000"/>
+              </a:spcBef>
+              <a:spcAft>
+                <a:spcPts val="600"/>
+              </a:spcAft>
+              <a:buClr>
+                <a:schemeClr val="tx1"/>
+              </a:buClr>
+              <a:buSzPct val="100000"/>
+              <a:buFont typeface="Arial"/>
+              <a:buChar char="•"/>
+              <a:defRPr sz="1800" kern="1200" cap="small">
+                <a:gradFill flip="none" rotWithShape="1">
+                  <a:gsLst>
+                    <a:gs pos="0">
+                      <a:schemeClr val="tx1"/>
+                    </a:gs>
+                    <a:gs pos="100000">
+                      <a:schemeClr val="tx1">
+                        <a:lumMod val="75000"/>
+                      </a:schemeClr>
+                    </a:gs>
+                  </a:gsLst>
+                  <a:lin ang="5580000" scaled="0"/>
+                  <a:tileRect/>
+                </a:gradFill>
+                <a:effectLst>
+                  <a:glow rad="38100">
+                    <a:schemeClr val="bg1">
+                      <a:lumMod val="50000"/>
+                      <a:lumOff val="50000"/>
+                      <a:alpha val="20000"/>
+                    </a:schemeClr>
+                  </a:glow>
+                  <a:outerShdw blurRad="44450" dist="12700" dir="13860000" algn="tl" rotWithShape="0">
+                    <a:srgbClr val="000000">
+                      <a:alpha val="20000"/>
+                    </a:srgbClr>
+                  </a:outerShdw>
+                </a:effectLst>
+                <a:latin typeface="+mn-lt"/>
+                <a:ea typeface="+mn-ea"/>
+                <a:cs typeface="+mn-cs"/>
+              </a:defRPr>
+            </a:lvl2pPr>
+            <a:lvl3pPr marL="1200150" indent="-285750" algn="l" defTabSz="457200" rtl="0" eaLnBrk="1" latinLnBrk="0" hangingPunct="1">
+              <a:spcBef>
+                <a:spcPct val="20000"/>
+              </a:spcBef>
+              <a:spcAft>
+                <a:spcPts val="600"/>
+              </a:spcAft>
+              <a:buClr>
+                <a:schemeClr val="tx1"/>
+              </a:buClr>
+              <a:buSzPct val="100000"/>
+              <a:buFont typeface="Arial"/>
+              <a:buChar char="•"/>
+              <a:defRPr sz="1600" kern="1200" cap="small">
+                <a:gradFill flip="none" rotWithShape="1">
+                  <a:gsLst>
+                    <a:gs pos="0">
+                      <a:schemeClr val="tx1"/>
+                    </a:gs>
+                    <a:gs pos="100000">
+                      <a:schemeClr val="tx1">
+                        <a:lumMod val="75000"/>
+                      </a:schemeClr>
+                    </a:gs>
+                  </a:gsLst>
+                  <a:lin ang="5580000" scaled="0"/>
+                  <a:tileRect/>
+                </a:gradFill>
+                <a:effectLst>
+                  <a:glow rad="38100">
+                    <a:schemeClr val="bg1">
+                      <a:lumMod val="50000"/>
+                      <a:lumOff val="50000"/>
+                      <a:alpha val="20000"/>
+                    </a:schemeClr>
+                  </a:glow>
+                  <a:outerShdw blurRad="44450" dist="12700" dir="13860000" algn="tl" rotWithShape="0">
+                    <a:srgbClr val="000000">
+                      <a:alpha val="20000"/>
+                    </a:srgbClr>
+                  </a:outerShdw>
+                </a:effectLst>
+                <a:latin typeface="+mn-lt"/>
+                <a:ea typeface="+mn-ea"/>
+                <a:cs typeface="+mn-cs"/>
+              </a:defRPr>
+            </a:lvl3pPr>
+            <a:lvl4pPr marL="1543050" indent="-171450" algn="l" defTabSz="457200" rtl="0" eaLnBrk="1" latinLnBrk="0" hangingPunct="1">
+              <a:spcBef>
+                <a:spcPct val="20000"/>
+              </a:spcBef>
+              <a:spcAft>
+                <a:spcPts val="600"/>
+              </a:spcAft>
+              <a:buClr>
+                <a:schemeClr val="tx1"/>
+              </a:buClr>
+              <a:buSzPct val="100000"/>
+              <a:buFont typeface="Arial"/>
+              <a:buChar char="•"/>
+              <a:defRPr sz="1400" kern="1200" cap="small">
+                <a:gradFill flip="none" rotWithShape="1">
+                  <a:gsLst>
+                    <a:gs pos="0">
+                      <a:schemeClr val="tx1"/>
+                    </a:gs>
+                    <a:gs pos="100000">
+                      <a:schemeClr val="tx1">
+                        <a:lumMod val="75000"/>
+                      </a:schemeClr>
+                    </a:gs>
+                  </a:gsLst>
+                  <a:lin ang="5580000" scaled="0"/>
+                  <a:tileRect/>
+                </a:gradFill>
+                <a:effectLst>
+                  <a:glow rad="38100">
+                    <a:schemeClr val="bg1">
+                      <a:lumMod val="50000"/>
+                      <a:lumOff val="50000"/>
+                      <a:alpha val="20000"/>
+                    </a:schemeClr>
+                  </a:glow>
+                  <a:outerShdw blurRad="44450" dist="12700" dir="13860000" algn="tl" rotWithShape="0">
+                    <a:srgbClr val="000000">
+                      <a:alpha val="20000"/>
+                    </a:srgbClr>
+                  </a:outerShdw>
+                </a:effectLst>
+                <a:latin typeface="+mn-lt"/>
+                <a:ea typeface="+mn-ea"/>
+                <a:cs typeface="+mn-cs"/>
+              </a:defRPr>
+            </a:lvl4pPr>
+            <a:lvl5pPr marL="2000250" indent="-171450" algn="l" defTabSz="457200" rtl="0" eaLnBrk="1" latinLnBrk="0" hangingPunct="1">
+              <a:spcBef>
+                <a:spcPct val="20000"/>
+              </a:spcBef>
+              <a:spcAft>
+                <a:spcPts val="600"/>
+              </a:spcAft>
+              <a:buClr>
+                <a:schemeClr val="tx1"/>
+              </a:buClr>
+              <a:buSzPct val="100000"/>
+              <a:buFont typeface="Arial"/>
+              <a:buChar char="•"/>
+              <a:defRPr sz="1400" kern="1200" cap="small">
+                <a:gradFill flip="none" rotWithShape="1">
+                  <a:gsLst>
+                    <a:gs pos="0">
+                      <a:schemeClr val="tx1"/>
+                    </a:gs>
+                    <a:gs pos="100000">
+                      <a:schemeClr val="tx1">
+                        <a:lumMod val="75000"/>
+                      </a:schemeClr>
+                    </a:gs>
+                  </a:gsLst>
+                  <a:lin ang="5580000" scaled="0"/>
+                  <a:tileRect/>
+                </a:gradFill>
+                <a:effectLst>
+                  <a:glow rad="38100">
+                    <a:schemeClr val="bg1">
+                      <a:lumMod val="50000"/>
+                      <a:lumOff val="50000"/>
+                      <a:alpha val="20000"/>
+                    </a:schemeClr>
+                  </a:glow>
+                  <a:outerShdw blurRad="44450" dist="12700" dir="13860000" algn="tl" rotWithShape="0">
+                    <a:srgbClr val="000000">
+                      <a:alpha val="20000"/>
+                    </a:srgbClr>
+                  </a:outerShdw>
+                </a:effectLst>
+                <a:latin typeface="+mn-lt"/>
+                <a:ea typeface="+mn-ea"/>
+                <a:cs typeface="+mn-cs"/>
+              </a:defRPr>
+            </a:lvl5pPr>
+            <a:lvl6pPr marL="2514600" indent="-228600" algn="l" defTabSz="457200" rtl="0" eaLnBrk="1" latinLnBrk="0" hangingPunct="1">
+              <a:spcBef>
+                <a:spcPct val="20000"/>
+              </a:spcBef>
+              <a:spcAft>
+                <a:spcPts val="600"/>
+              </a:spcAft>
+              <a:buClr>
+                <a:schemeClr val="tx1"/>
+              </a:buClr>
+              <a:buSzPct val="100000"/>
+              <a:buFont typeface="Arial"/>
+              <a:buChar char="•"/>
+              <a:defRPr sz="1200" kern="1200" cap="small">
+                <a:gradFill flip="none" rotWithShape="1">
+                  <a:gsLst>
+                    <a:gs pos="0">
+                      <a:schemeClr val="tx1"/>
+                    </a:gs>
+                    <a:gs pos="100000">
+                      <a:schemeClr val="tx1">
+                        <a:lumMod val="75000"/>
+                      </a:schemeClr>
+                    </a:gs>
+                  </a:gsLst>
+                  <a:lin ang="5580000" scaled="0"/>
+                  <a:tileRect/>
+                </a:gradFill>
+                <a:effectLst>
+                  <a:glow rad="38100">
+                    <a:schemeClr val="bg1">
+                      <a:lumMod val="50000"/>
+                      <a:lumOff val="50000"/>
+                      <a:alpha val="20000"/>
+                    </a:schemeClr>
+                  </a:glow>
+                  <a:outerShdw blurRad="44450" dist="12700" dir="13860000" algn="tl" rotWithShape="0">
+                    <a:srgbClr val="000000">
+                      <a:alpha val="20000"/>
+                    </a:srgbClr>
+                  </a:outerShdw>
+                </a:effectLst>
+                <a:latin typeface="+mn-lt"/>
+                <a:ea typeface="+mn-ea"/>
+                <a:cs typeface="+mn-cs"/>
+              </a:defRPr>
+            </a:lvl6pPr>
+            <a:lvl7pPr marL="2971800" indent="-228600" algn="l" defTabSz="457200" rtl="0" eaLnBrk="1" latinLnBrk="0" hangingPunct="1">
+              <a:spcBef>
+                <a:spcPct val="20000"/>
+              </a:spcBef>
+              <a:spcAft>
+                <a:spcPts val="600"/>
+              </a:spcAft>
+              <a:buClr>
+                <a:schemeClr val="tx1"/>
+              </a:buClr>
+              <a:buSzPct val="100000"/>
+              <a:buFont typeface="Arial"/>
+              <a:buChar char="•"/>
+              <a:defRPr sz="1200" kern="1200" cap="small">
+                <a:gradFill flip="none" rotWithShape="1">
+                  <a:gsLst>
+                    <a:gs pos="0">
+                      <a:schemeClr val="tx1"/>
+                    </a:gs>
+                    <a:gs pos="100000">
+                      <a:schemeClr val="tx1">
+                        <a:lumMod val="75000"/>
+                      </a:schemeClr>
+                    </a:gs>
+                  </a:gsLst>
+                  <a:lin ang="5580000" scaled="0"/>
+                  <a:tileRect/>
+                </a:gradFill>
+                <a:effectLst>
+                  <a:glow rad="38100">
+                    <a:schemeClr val="bg1">
+                      <a:lumMod val="50000"/>
+                      <a:lumOff val="50000"/>
+                      <a:alpha val="20000"/>
+                    </a:schemeClr>
+                  </a:glow>
+                  <a:outerShdw blurRad="44450" dist="12700" dir="13860000" algn="tl" rotWithShape="0">
+                    <a:srgbClr val="000000">
+                      <a:alpha val="20000"/>
+                    </a:srgbClr>
+                  </a:outerShdw>
+                </a:effectLst>
+                <a:latin typeface="+mn-lt"/>
+                <a:ea typeface="+mn-ea"/>
+                <a:cs typeface="+mn-cs"/>
+              </a:defRPr>
+            </a:lvl7pPr>
+            <a:lvl8pPr marL="3429000" indent="-228600" algn="l" defTabSz="457200" rtl="0" eaLnBrk="1" latinLnBrk="0" hangingPunct="1">
+              <a:spcBef>
+                <a:spcPct val="20000"/>
+              </a:spcBef>
+              <a:spcAft>
+                <a:spcPts val="600"/>
+              </a:spcAft>
+              <a:buClr>
+                <a:schemeClr val="tx1"/>
+              </a:buClr>
+              <a:buSzPct val="100000"/>
+              <a:buFont typeface="Arial"/>
+              <a:buChar char="•"/>
+              <a:defRPr sz="1200" kern="1200" cap="small">
+                <a:gradFill flip="none" rotWithShape="1">
+                  <a:gsLst>
+                    <a:gs pos="0">
+                      <a:schemeClr val="tx1"/>
+                    </a:gs>
+                    <a:gs pos="100000">
+                      <a:schemeClr val="tx1">
+                        <a:lumMod val="75000"/>
+                      </a:schemeClr>
+                    </a:gs>
+                  </a:gsLst>
+                  <a:lin ang="5580000" scaled="0"/>
+                  <a:tileRect/>
+                </a:gradFill>
+                <a:effectLst>
+                  <a:glow rad="38100">
+                    <a:schemeClr val="bg1">
+                      <a:lumMod val="50000"/>
+                      <a:lumOff val="50000"/>
+                      <a:alpha val="20000"/>
+                    </a:schemeClr>
+                  </a:glow>
+                  <a:outerShdw blurRad="44450" dist="12700" dir="13860000" algn="tl" rotWithShape="0">
+                    <a:srgbClr val="000000">
+                      <a:alpha val="20000"/>
+                    </a:srgbClr>
+                  </a:outerShdw>
+                </a:effectLst>
+                <a:latin typeface="+mn-lt"/>
+                <a:ea typeface="+mn-ea"/>
+                <a:cs typeface="+mn-cs"/>
+              </a:defRPr>
+            </a:lvl8pPr>
+            <a:lvl9pPr marL="3886200" indent="-228600" algn="l" defTabSz="457200" rtl="0" eaLnBrk="1" latinLnBrk="0" hangingPunct="1">
+              <a:spcBef>
+                <a:spcPct val="20000"/>
+              </a:spcBef>
+              <a:spcAft>
+                <a:spcPts val="600"/>
+              </a:spcAft>
+              <a:buClr>
+                <a:schemeClr val="tx1"/>
+              </a:buClr>
+              <a:buSzPct val="100000"/>
+              <a:buFont typeface="Arial"/>
+              <a:buChar char="•"/>
+              <a:defRPr sz="1200" kern="1200" cap="small">
+                <a:gradFill flip="none" rotWithShape="1">
+                  <a:gsLst>
+                    <a:gs pos="0">
+                      <a:schemeClr val="tx1"/>
+                    </a:gs>
+                    <a:gs pos="100000">
+                      <a:schemeClr val="tx1">
+                        <a:lumMod val="75000"/>
+                      </a:schemeClr>
+                    </a:gs>
+                  </a:gsLst>
+                  <a:lin ang="5580000" scaled="0"/>
+                  <a:tileRect/>
+                </a:gradFill>
+                <a:effectLst>
+                  <a:glow rad="38100">
+                    <a:schemeClr val="bg1">
+                      <a:lumMod val="50000"/>
+                      <a:lumOff val="50000"/>
+                      <a:alpha val="20000"/>
+                    </a:schemeClr>
+                  </a:glow>
+                  <a:outerShdw blurRad="44450" dist="12700" dir="13860000" algn="tl" rotWithShape="0">
+                    <a:srgbClr val="000000">
+                      <a:alpha val="20000"/>
+                    </a:srgbClr>
+                  </a:outerShdw>
+                </a:effectLst>
+                <a:latin typeface="+mn-lt"/>
+                <a:ea typeface="+mn-ea"/>
+                <a:cs typeface="+mn-cs"/>
+              </a:defRPr>
+            </a:lvl9pPr>
+          </a:lstStyle>
+          <a:p>
+            <a:pPr marL="0" indent="0">
+              <a:lnSpc>
+                <a:spcPct val="90000"/>
+              </a:lnSpc>
+              <a:buNone/>
+            </a:pPr>
+            <a:endParaRPr lang="en-US" sz="1200" dirty="0"/>
+          </a:p>
+          <a:p>
+            <a:pPr>
+              <a:lnSpc>
+                <a:spcPct val="90000"/>
+              </a:lnSpc>
+            </a:pPr>
+            <a:r>
+              <a:rPr lang="en-US" sz="1200" dirty="0"/>
+              <a:t>The bug was caused by not checking the size of the sent message.</a:t>
+            </a:r>
+          </a:p>
+          <a:p>
+            <a:pPr>
+              <a:lnSpc>
+                <a:spcPct val="90000"/>
+              </a:lnSpc>
+            </a:pPr>
+            <a:r>
+              <a:rPr lang="en-US" sz="1200" dirty="0"/>
+              <a:t>If a message with a size greater than the real one is requested, the client's message and all the data of the adjacent memory cells will be returned until the requested size is reached.</a:t>
+            </a:r>
+          </a:p>
+          <a:p>
+            <a:pPr>
+              <a:lnSpc>
+                <a:spcPct val="90000"/>
+              </a:lnSpc>
+            </a:pPr>
+            <a:r>
+              <a:rPr lang="en-US" sz="1200" dirty="0"/>
+              <a:t>In this way sensitive data could be COLLECTED in clear text.</a:t>
+            </a:r>
+          </a:p>
+          <a:p>
+            <a:pPr>
+              <a:lnSpc>
+                <a:spcPct val="90000"/>
+              </a:lnSpc>
+            </a:pPr>
+            <a:r>
+              <a:rPr lang="en-US" sz="1200" dirty="0"/>
+              <a:t>HOWEVER, Although an attacker has good control over the size of the exposed memory block, he has no control over its location, and therefore cannot choose what content will be revealed.</a:t>
+            </a:r>
+          </a:p>
+        </p:txBody>
+      </p:sp>
+      <p:pic>
+        <p:nvPicPr>
+          <p:cNvPr id="6" name="Segnaposto contenuto 5">
+            <a:extLst>
+              <a:ext uri="{FF2B5EF4-FFF2-40B4-BE49-F238E27FC236}">
+                <a16:creationId xmlns:a16="http://schemas.microsoft.com/office/drawing/2014/main" id="{69881924-3ED0-4365-9946-EAD857EC1ED0}"/>
+              </a:ext>
+            </a:extLst>
+          </p:cNvPr>
+          <p:cNvPicPr>
+            <a:picLocks noGrp="1" noChangeAspect="1"/>
+          </p:cNvPicPr>
+          <p:nvPr>
+            <p:ph idx="1"/>
+          </p:nvPr>
+        </p:nvPicPr>
+        <p:blipFill rotWithShape="1">
+          <a:blip r:embed="rId2"/>
+          <a:srcRect t="48887"/>
+          <a:stretch/>
+        </p:blipFill>
+        <p:spPr>
+          <a:xfrm>
+            <a:off x="4388123" y="2494575"/>
+            <a:ext cx="4087800" cy="2089398"/>
+          </a:xfrm>
+          <a:prstGeom prst="roundRect">
+            <a:avLst>
+              <a:gd name="adj" fmla="val 3517"/>
+            </a:avLst>
+          </a:prstGeom>
+          <a:ln/>
+        </p:spPr>
+        <p:style>
+          <a:lnRef idx="2">
+            <a:schemeClr val="dk1"/>
+          </a:lnRef>
+          <a:fillRef idx="1">
+            <a:schemeClr val="lt1"/>
+          </a:fillRef>
+          <a:effectRef idx="0">
+            <a:schemeClr val="dk1"/>
+          </a:effectRef>
+          <a:fontRef idx="minor">
+            <a:schemeClr val="dk1"/>
+          </a:fontRef>
+        </p:style>
+      </p:pic>
+      <p:pic>
+        <p:nvPicPr>
+          <p:cNvPr id="11" name="Immagine 10" descr="Immagine che contiene disegnando&#10;&#10;Descrizione generata automaticamente">
+            <a:extLst>
+              <a:ext uri="{FF2B5EF4-FFF2-40B4-BE49-F238E27FC236}">
+                <a16:creationId xmlns:a16="http://schemas.microsoft.com/office/drawing/2014/main" id="{6757AA71-1A8E-437A-BA29-74E55BD667C9}"/>
+              </a:ext>
+            </a:extLst>
+          </p:cNvPr>
+          <p:cNvPicPr>
+            <a:picLocks noChangeAspect="1"/>
+          </p:cNvPicPr>
+          <p:nvPr/>
+        </p:nvPicPr>
+        <p:blipFill>
+          <a:blip r:embed="rId3"/>
+          <a:stretch>
+            <a:fillRect/>
+          </a:stretch>
+        </p:blipFill>
+        <p:spPr>
+          <a:xfrm>
+            <a:off x="5966273" y="1563075"/>
+            <a:ext cx="931500" cy="931500"/>
+          </a:xfrm>
+          <a:prstGeom prst="rect">
+            <a:avLst/>
+          </a:prstGeom>
+          <a:effectLst>
+            <a:softEdge rad="25400"/>
+          </a:effectLst>
+        </p:spPr>
+      </p:pic>
+    </p:spTree>
+    <p:extLst>
+      <p:ext uri="{BB962C8B-B14F-4D97-AF65-F5344CB8AC3E}">
+        <p14:creationId xmlns:p14="http://schemas.microsoft.com/office/powerpoint/2010/main" val="859464092"/>
+      </p:ext>
+    </p:extLst>
+  </p:cSld>
+  <p:clrMapOvr>
+    <a:masterClrMapping/>
+  </p:clrMapOvr>
+</p:sld>
+</file>
+
+<file path=ppt/slides/slide14.xml><?xml version="1.0" encoding="utf-8"?>
+<p:sld xmlns:a="http://schemas.openxmlformats.org/drawingml/2006/main" xmlns:r="http://schemas.openxmlformats.org/officeDocument/2006/relationships" xmlns:p="http://schemas.openxmlformats.org/presentationml/2006/main">
+  <p:cSld>
+    <p:spTree>
+      <p:nvGrpSpPr>
+        <p:cNvPr id="1" name=""/>
+        <p:cNvGrpSpPr/>
+        <p:nvPr/>
+      </p:nvGrpSpPr>
+      <p:grpSpPr>
+        <a:xfrm>
+          <a:off x="0" y="0"/>
+          <a:ext cx="0" cy="0"/>
+          <a:chOff x="0" y="0"/>
+          <a:chExt cx="0" cy="0"/>
+        </a:xfrm>
+      </p:grpSpPr>
+      <p:sp>
+        <p:nvSpPr>
           <p:cNvPr id="2" name="Titolo 1"/>
           <p:cNvSpPr>
             <a:spLocks noGrp="1"/>
@@ -11603,7 +12934,7 @@
 </p:sld>
 </file>
 
-<file path=ppt/slides/slide11.xml><?xml version="1.0" encoding="utf-8"?>
+<file path=ppt/slides/slide15.xml><?xml version="1.0" encoding="utf-8"?>
 <p:sld xmlns:a="http://schemas.openxmlformats.org/drawingml/2006/main" xmlns:r="http://schemas.openxmlformats.org/officeDocument/2006/relationships" xmlns:p="http://schemas.openxmlformats.org/presentationml/2006/main">
   <p:cSld>
     <p:spTree>
@@ -11733,7 +13064,7 @@
 </p:sld>
 </file>
 
-<file path=ppt/slides/slide12.xml><?xml version="1.0" encoding="utf-8"?>
+<file path=ppt/slides/slide16.xml><?xml version="1.0" encoding="utf-8"?>
 <p:sld xmlns:a="http://schemas.openxmlformats.org/drawingml/2006/main" xmlns:r="http://schemas.openxmlformats.org/officeDocument/2006/relationships" xmlns:p="http://schemas.openxmlformats.org/presentationml/2006/main">
   <p:cSld>
     <p:spTree>
@@ -11952,7 +13283,7 @@
 </p:sld>
 </file>
 
-<file path=ppt/slides/slide13.xml><?xml version="1.0" encoding="utf-8"?>
+<file path=ppt/slides/slide17.xml><?xml version="1.0" encoding="utf-8"?>
 <p:sld xmlns:a="http://schemas.openxmlformats.org/drawingml/2006/main" xmlns:r="http://schemas.openxmlformats.org/officeDocument/2006/relationships" xmlns:p="http://schemas.openxmlformats.org/presentationml/2006/main">
   <p:cSld>
     <p:spTree>
@@ -12345,7 +13676,7 @@
 </p:sld>
 </file>
 
-<file path=ppt/slides/slide14.xml><?xml version="1.0" encoding="utf-8"?>
+<file path=ppt/slides/slide18.xml><?xml version="1.0" encoding="utf-8"?>
 <p:sld xmlns:a="http://schemas.openxmlformats.org/drawingml/2006/main" xmlns:r="http://schemas.openxmlformats.org/officeDocument/2006/relationships" xmlns:p="http://schemas.openxmlformats.org/presentationml/2006/main">
   <p:cSld>
     <p:spTree>
@@ -12467,7 +13798,7 @@
 </p:sld>
 </file>
 
-<file path=ppt/slides/slide15.xml><?xml version="1.0" encoding="utf-8"?>
+<file path=ppt/slides/slide19.xml><?xml version="1.0" encoding="utf-8"?>
 <p:sld xmlns:a="http://schemas.openxmlformats.org/drawingml/2006/main" xmlns:r="http://schemas.openxmlformats.org/officeDocument/2006/relationships" xmlns:p="http://schemas.openxmlformats.org/presentationml/2006/main">
   <p:cSld>
     <p:spTree>
@@ -12598,7 +13929,293 @@
 </p:sld>
 </file>
 
-<file path=ppt/slides/slide16.xml><?xml version="1.0" encoding="utf-8"?>
+<file path=ppt/slides/slide2.xml><?xml version="1.0" encoding="utf-8"?>
+<p:sld xmlns:a="http://schemas.openxmlformats.org/drawingml/2006/main" xmlns:r="http://schemas.openxmlformats.org/officeDocument/2006/relationships" xmlns:p="http://schemas.openxmlformats.org/presentationml/2006/main">
+  <p:cSld>
+    <p:spTree>
+      <p:nvGrpSpPr>
+        <p:cNvPr id="1" name=""/>
+        <p:cNvGrpSpPr/>
+        <p:nvPr/>
+      </p:nvGrpSpPr>
+      <p:grpSpPr>
+        <a:xfrm>
+          <a:off x="0" y="0"/>
+          <a:ext cx="0" cy="0"/>
+          <a:chOff x="0" y="0"/>
+          <a:chExt cx="0" cy="0"/>
+        </a:xfrm>
+      </p:grpSpPr>
+      <p:sp>
+        <p:nvSpPr>
+          <p:cNvPr id="2" name="Title 1">
+            <a:extLst>
+              <a:ext uri="{FF2B5EF4-FFF2-40B4-BE49-F238E27FC236}">
+                <a16:creationId xmlns:a16="http://schemas.microsoft.com/office/drawing/2014/main" id="{C8470D3D-7DCC-4CE8-B0CF-8E4265691C5B}"/>
+              </a:ext>
+            </a:extLst>
+          </p:cNvPr>
+          <p:cNvSpPr>
+            <a:spLocks noGrp="1"/>
+          </p:cNvSpPr>
+          <p:nvPr>
+            <p:ph type="title"/>
+          </p:nvPr>
+        </p:nvSpPr>
+        <p:spPr/>
+        <p:txBody>
+          <a:bodyPr/>
+          <a:lstStyle/>
+          <a:p>
+            <a:r>
+              <a:rPr lang="en-US" dirty="0"/>
+              <a:t>History &amp; GOALS</a:t>
+            </a:r>
+            <a:endParaRPr lang="it-IT" dirty="0"/>
+          </a:p>
+        </p:txBody>
+      </p:sp>
+      <p:sp>
+        <p:nvSpPr>
+          <p:cNvPr id="3" name="Content Placeholder 2">
+            <a:extLst>
+              <a:ext uri="{FF2B5EF4-FFF2-40B4-BE49-F238E27FC236}">
+                <a16:creationId xmlns:a16="http://schemas.microsoft.com/office/drawing/2014/main" id="{FDAABD4D-DD49-437B-A393-05F43BCEEC68}"/>
+              </a:ext>
+            </a:extLst>
+          </p:cNvPr>
+          <p:cNvSpPr>
+            <a:spLocks noGrp="1"/>
+          </p:cNvSpPr>
+          <p:nvPr>
+            <p:ph idx="1"/>
+          </p:nvPr>
+        </p:nvSpPr>
+        <p:spPr>
+          <a:xfrm>
+            <a:off x="179512" y="1554163"/>
+            <a:ext cx="8812088" cy="4525962"/>
+          </a:xfrm>
+        </p:spPr>
+        <p:txBody>
+          <a:bodyPr/>
+          <a:lstStyle/>
+          <a:p>
+            <a:r>
+              <a:rPr lang="it-IT" sz="2400" dirty="0" err="1"/>
+              <a:t>Since</a:t>
+            </a:r>
+            <a:r>
+              <a:rPr lang="it-IT" sz="2400" dirty="0"/>
+              <a:t> </a:t>
+            </a:r>
+            <a:r>
+              <a:rPr lang="it-IT" sz="2400" dirty="0" err="1"/>
+              <a:t>its</a:t>
+            </a:r>
+            <a:r>
+              <a:rPr lang="it-IT" sz="2400" dirty="0"/>
+              <a:t> </a:t>
+            </a:r>
+            <a:r>
+              <a:rPr lang="it-IT" sz="2400" dirty="0" err="1"/>
+              <a:t>earliest</a:t>
+            </a:r>
+            <a:r>
+              <a:rPr lang="it-IT" sz="2400" dirty="0"/>
+              <a:t> </a:t>
+            </a:r>
+            <a:r>
+              <a:rPr lang="it-IT" sz="2400" dirty="0" err="1"/>
+              <a:t>inception</a:t>
+            </a:r>
+            <a:r>
+              <a:rPr lang="it-IT" sz="2400" dirty="0"/>
+              <a:t> HTTP </a:t>
+            </a:r>
+            <a:r>
+              <a:rPr lang="it-IT" sz="2400" dirty="0" err="1"/>
+              <a:t>inventors</a:t>
+            </a:r>
+            <a:r>
+              <a:rPr lang="it-IT" sz="2400" dirty="0"/>
+              <a:t> </a:t>
+            </a:r>
+            <a:r>
+              <a:rPr lang="it-IT" sz="2400" dirty="0" err="1"/>
+              <a:t>felt</a:t>
+            </a:r>
+            <a:r>
+              <a:rPr lang="it-IT" sz="2400" dirty="0"/>
+              <a:t> the </a:t>
+            </a:r>
+            <a:r>
+              <a:rPr lang="it-IT" sz="2400" dirty="0" err="1"/>
+              <a:t>need</a:t>
+            </a:r>
+            <a:r>
+              <a:rPr lang="it-IT" sz="2400" dirty="0"/>
+              <a:t> of </a:t>
+            </a:r>
+            <a:r>
+              <a:rPr lang="it-IT" sz="2400" dirty="0" err="1"/>
+              <a:t>reassuring</a:t>
+            </a:r>
+            <a:r>
+              <a:rPr lang="it-IT" sz="2400" dirty="0"/>
+              <a:t> users so to </a:t>
+            </a:r>
+            <a:r>
+              <a:rPr lang="it-IT" sz="2400" dirty="0" err="1"/>
+              <a:t>allow</a:t>
+            </a:r>
+            <a:endParaRPr lang="it-IT" sz="2400" dirty="0"/>
+          </a:p>
+          <a:p>
+            <a:pPr lvl="1"/>
+            <a:r>
+              <a:rPr lang="it-IT" sz="2000" dirty="0"/>
+              <a:t>Secure e-commerce, secure banking, etc.</a:t>
+            </a:r>
+          </a:p>
+          <a:p>
+            <a:r>
+              <a:rPr lang="it-IT" sz="2400" dirty="0"/>
+              <a:t>Internet </a:t>
+            </a:r>
+            <a:r>
+              <a:rPr lang="it-IT" sz="2400" dirty="0" err="1"/>
+              <a:t>before</a:t>
+            </a:r>
+            <a:r>
+              <a:rPr lang="it-IT" sz="2400" dirty="0"/>
+              <a:t> SSL </a:t>
+            </a:r>
+            <a:r>
+              <a:rPr lang="it-IT" sz="2400" dirty="0" err="1"/>
+              <a:t>was</a:t>
+            </a:r>
+            <a:r>
+              <a:rPr lang="it-IT" sz="2400" dirty="0"/>
+              <a:t> a wild world</a:t>
+            </a:r>
+          </a:p>
+          <a:p>
+            <a:pPr lvl="1"/>
+            <a:r>
+              <a:rPr lang="it-IT" sz="2000" dirty="0">
+                <a:hlinkClick r:id="rId2"/>
+              </a:rPr>
+              <a:t>https://www.feistyduck.com/ssl-tls-and-pki-history/</a:t>
+            </a:r>
+            <a:endParaRPr lang="it-IT" sz="2000" dirty="0"/>
+          </a:p>
+          <a:p>
+            <a:endParaRPr lang="it-IT" sz="2400" dirty="0"/>
+          </a:p>
+          <a:p>
+            <a:endParaRPr lang="it-IT" sz="2400" dirty="0"/>
+          </a:p>
+          <a:p>
+            <a:endParaRPr lang="it-IT" sz="2400" dirty="0"/>
+          </a:p>
+          <a:p>
+            <a:r>
+              <a:rPr lang="it-IT" sz="2400" dirty="0" err="1"/>
+              <a:t>Add</a:t>
+            </a:r>
+            <a:r>
+              <a:rPr lang="it-IT" sz="2400" dirty="0"/>
+              <a:t> a </a:t>
+            </a:r>
+            <a:r>
+              <a:rPr lang="it-IT" sz="2400" dirty="0" err="1"/>
+              <a:t>safety</a:t>
+            </a:r>
+            <a:r>
+              <a:rPr lang="it-IT" sz="2400" dirty="0"/>
+              <a:t> </a:t>
+            </a:r>
+            <a:r>
+              <a:rPr lang="it-IT" sz="2400" dirty="0" err="1"/>
+              <a:t>layer</a:t>
+            </a:r>
+            <a:r>
+              <a:rPr lang="it-IT" sz="2400" dirty="0"/>
+              <a:t> in-</a:t>
+            </a:r>
+            <a:r>
+              <a:rPr lang="it-IT" sz="2400" dirty="0" err="1"/>
+              <a:t>between</a:t>
+            </a:r>
+            <a:r>
+              <a:rPr lang="it-IT" sz="2400" dirty="0"/>
+              <a:t> Layer 7 and Layer 4 </a:t>
+            </a:r>
+            <a:r>
+              <a:rPr lang="it-IT" sz="2400" dirty="0" err="1"/>
+              <a:t>conversations</a:t>
+            </a:r>
+            <a:endParaRPr lang="it-IT" sz="2400" dirty="0"/>
+          </a:p>
+          <a:p>
+            <a:pPr lvl="1"/>
+            <a:r>
+              <a:rPr lang="it-IT" sz="2000" dirty="0"/>
+              <a:t>Parties can prove </a:t>
+            </a:r>
+            <a:r>
+              <a:rPr lang="it-IT" sz="2000" dirty="0" err="1"/>
+              <a:t>their</a:t>
+            </a:r>
+            <a:r>
+              <a:rPr lang="it-IT" sz="2000" dirty="0"/>
+              <a:t> </a:t>
+            </a:r>
+            <a:r>
+              <a:rPr lang="it-IT" sz="2000" dirty="0" err="1"/>
+              <a:t>identity</a:t>
+            </a:r>
+            <a:endParaRPr lang="it-IT" sz="2000" dirty="0"/>
+          </a:p>
+          <a:p>
+            <a:pPr lvl="1"/>
+            <a:r>
+              <a:rPr lang="it-IT" sz="2000" dirty="0"/>
+              <a:t>Parties can talk </a:t>
+            </a:r>
+            <a:r>
+              <a:rPr lang="it-IT" sz="2000" dirty="0" err="1"/>
+              <a:t>confidentially</a:t>
+            </a:r>
+            <a:endParaRPr lang="it-IT" sz="2000" dirty="0"/>
+          </a:p>
+          <a:p>
+            <a:pPr lvl="1"/>
+            <a:r>
+              <a:rPr lang="it-IT" sz="2000" dirty="0"/>
+              <a:t>Parties can talk with no tampering</a:t>
+            </a:r>
+          </a:p>
+          <a:p>
+            <a:endParaRPr lang="it-IT" sz="2400" dirty="0"/>
+          </a:p>
+        </p:txBody>
+      </p:sp>
+    </p:spTree>
+    <p:extLst>
+      <p:ext uri="{BB962C8B-B14F-4D97-AF65-F5344CB8AC3E}">
+        <p14:creationId xmlns:p14="http://schemas.microsoft.com/office/powerpoint/2010/main" val="2870853085"/>
+      </p:ext>
+    </p:extLst>
+  </p:cSld>
+  <p:clrMapOvr>
+    <a:masterClrMapping/>
+  </p:clrMapOvr>
+</p:sld>
+</file>
+
+<file path=ppt/slides/slide20.xml><?xml version="1.0" encoding="utf-8"?>
 <p:sld xmlns:a="http://schemas.openxmlformats.org/drawingml/2006/main" xmlns:r="http://schemas.openxmlformats.org/officeDocument/2006/relationships" xmlns:p="http://schemas.openxmlformats.org/presentationml/2006/main">
   <p:cSld>
     <p:spTree>
@@ -12738,7 +14355,7 @@
 </p:sld>
 </file>
 
-<file path=ppt/slides/slide17.xml><?xml version="1.0" encoding="utf-8"?>
+<file path=ppt/slides/slide21.xml><?xml version="1.0" encoding="utf-8"?>
 <p:sld xmlns:a="http://schemas.openxmlformats.org/drawingml/2006/main" xmlns:r="http://schemas.openxmlformats.org/officeDocument/2006/relationships" xmlns:p="http://schemas.openxmlformats.org/presentationml/2006/main">
   <p:cSld>
     <p:spTree>
@@ -12856,292 +14473,6 @@
     <p:extLst>
       <p:ext uri="{BB962C8B-B14F-4D97-AF65-F5344CB8AC3E}">
         <p14:creationId xmlns:p14="http://schemas.microsoft.com/office/powerpoint/2010/main" val="3939116378"/>
-      </p:ext>
-    </p:extLst>
-  </p:cSld>
-  <p:clrMapOvr>
-    <a:masterClrMapping/>
-  </p:clrMapOvr>
-</p:sld>
-</file>
-
-<file path=ppt/slides/slide2.xml><?xml version="1.0" encoding="utf-8"?>
-<p:sld xmlns:a="http://schemas.openxmlformats.org/drawingml/2006/main" xmlns:r="http://schemas.openxmlformats.org/officeDocument/2006/relationships" xmlns:p="http://schemas.openxmlformats.org/presentationml/2006/main">
-  <p:cSld>
-    <p:spTree>
-      <p:nvGrpSpPr>
-        <p:cNvPr id="1" name=""/>
-        <p:cNvGrpSpPr/>
-        <p:nvPr/>
-      </p:nvGrpSpPr>
-      <p:grpSpPr>
-        <a:xfrm>
-          <a:off x="0" y="0"/>
-          <a:ext cx="0" cy="0"/>
-          <a:chOff x="0" y="0"/>
-          <a:chExt cx="0" cy="0"/>
-        </a:xfrm>
-      </p:grpSpPr>
-      <p:sp>
-        <p:nvSpPr>
-          <p:cNvPr id="2" name="Title 1">
-            <a:extLst>
-              <a:ext uri="{FF2B5EF4-FFF2-40B4-BE49-F238E27FC236}">
-                <a16:creationId xmlns:a16="http://schemas.microsoft.com/office/drawing/2014/main" id="{C8470D3D-7DCC-4CE8-B0CF-8E4265691C5B}"/>
-              </a:ext>
-            </a:extLst>
-          </p:cNvPr>
-          <p:cNvSpPr>
-            <a:spLocks noGrp="1"/>
-          </p:cNvSpPr>
-          <p:nvPr>
-            <p:ph type="title"/>
-          </p:nvPr>
-        </p:nvSpPr>
-        <p:spPr/>
-        <p:txBody>
-          <a:bodyPr/>
-          <a:lstStyle/>
-          <a:p>
-            <a:r>
-              <a:rPr lang="en-US" dirty="0"/>
-              <a:t>History &amp; GOALS</a:t>
-            </a:r>
-            <a:endParaRPr lang="it-IT" dirty="0"/>
-          </a:p>
-        </p:txBody>
-      </p:sp>
-      <p:sp>
-        <p:nvSpPr>
-          <p:cNvPr id="3" name="Content Placeholder 2">
-            <a:extLst>
-              <a:ext uri="{FF2B5EF4-FFF2-40B4-BE49-F238E27FC236}">
-                <a16:creationId xmlns:a16="http://schemas.microsoft.com/office/drawing/2014/main" id="{FDAABD4D-DD49-437B-A393-05F43BCEEC68}"/>
-              </a:ext>
-            </a:extLst>
-          </p:cNvPr>
-          <p:cNvSpPr>
-            <a:spLocks noGrp="1"/>
-          </p:cNvSpPr>
-          <p:nvPr>
-            <p:ph idx="1"/>
-          </p:nvPr>
-        </p:nvSpPr>
-        <p:spPr>
-          <a:xfrm>
-            <a:off x="179512" y="1554163"/>
-            <a:ext cx="8812088" cy="4525962"/>
-          </a:xfrm>
-        </p:spPr>
-        <p:txBody>
-          <a:bodyPr/>
-          <a:lstStyle/>
-          <a:p>
-            <a:r>
-              <a:rPr lang="it-IT" sz="2400" dirty="0" err="1"/>
-              <a:t>Since</a:t>
-            </a:r>
-            <a:r>
-              <a:rPr lang="it-IT" sz="2400" dirty="0"/>
-              <a:t> </a:t>
-            </a:r>
-            <a:r>
-              <a:rPr lang="it-IT" sz="2400" dirty="0" err="1"/>
-              <a:t>its</a:t>
-            </a:r>
-            <a:r>
-              <a:rPr lang="it-IT" sz="2400" dirty="0"/>
-              <a:t> </a:t>
-            </a:r>
-            <a:r>
-              <a:rPr lang="it-IT" sz="2400" dirty="0" err="1"/>
-              <a:t>earliest</a:t>
-            </a:r>
-            <a:r>
-              <a:rPr lang="it-IT" sz="2400" dirty="0"/>
-              <a:t> </a:t>
-            </a:r>
-            <a:r>
-              <a:rPr lang="it-IT" sz="2400" dirty="0" err="1"/>
-              <a:t>inception</a:t>
-            </a:r>
-            <a:r>
-              <a:rPr lang="it-IT" sz="2400" dirty="0"/>
-              <a:t> HTTP </a:t>
-            </a:r>
-            <a:r>
-              <a:rPr lang="it-IT" sz="2400" dirty="0" err="1"/>
-              <a:t>inventors</a:t>
-            </a:r>
-            <a:r>
-              <a:rPr lang="it-IT" sz="2400" dirty="0"/>
-              <a:t> </a:t>
-            </a:r>
-            <a:r>
-              <a:rPr lang="it-IT" sz="2400" dirty="0" err="1"/>
-              <a:t>felt</a:t>
-            </a:r>
-            <a:r>
-              <a:rPr lang="it-IT" sz="2400" dirty="0"/>
-              <a:t> the </a:t>
-            </a:r>
-            <a:r>
-              <a:rPr lang="it-IT" sz="2400" dirty="0" err="1"/>
-              <a:t>need</a:t>
-            </a:r>
-            <a:r>
-              <a:rPr lang="it-IT" sz="2400" dirty="0"/>
-              <a:t> of </a:t>
-            </a:r>
-            <a:r>
-              <a:rPr lang="it-IT" sz="2400" dirty="0" err="1"/>
-              <a:t>reassuring</a:t>
-            </a:r>
-            <a:r>
-              <a:rPr lang="it-IT" sz="2400" dirty="0"/>
-              <a:t> users so to </a:t>
-            </a:r>
-            <a:r>
-              <a:rPr lang="it-IT" sz="2400" dirty="0" err="1"/>
-              <a:t>allow</a:t>
-            </a:r>
-            <a:endParaRPr lang="it-IT" sz="2400" dirty="0"/>
-          </a:p>
-          <a:p>
-            <a:pPr lvl="1"/>
-            <a:r>
-              <a:rPr lang="it-IT" sz="2000" dirty="0"/>
-              <a:t>Secure e-commerce, secure banking, etc.</a:t>
-            </a:r>
-          </a:p>
-          <a:p>
-            <a:r>
-              <a:rPr lang="it-IT" sz="2400" dirty="0"/>
-              <a:t>Internet </a:t>
-            </a:r>
-            <a:r>
-              <a:rPr lang="it-IT" sz="2400" dirty="0" err="1"/>
-              <a:t>before</a:t>
-            </a:r>
-            <a:r>
-              <a:rPr lang="it-IT" sz="2400" dirty="0"/>
-              <a:t> SSL </a:t>
-            </a:r>
-            <a:r>
-              <a:rPr lang="it-IT" sz="2400" dirty="0" err="1"/>
-              <a:t>was</a:t>
-            </a:r>
-            <a:r>
-              <a:rPr lang="it-IT" sz="2400" dirty="0"/>
-              <a:t> a wild world</a:t>
-            </a:r>
-          </a:p>
-          <a:p>
-            <a:pPr lvl="1"/>
-            <a:r>
-              <a:rPr lang="it-IT" sz="2000" dirty="0">
-                <a:hlinkClick r:id="rId2"/>
-              </a:rPr>
-              <a:t>https://www.feistyduck.com/ssl-tls-and-pki-history/</a:t>
-            </a:r>
-            <a:endParaRPr lang="it-IT" sz="2000" dirty="0"/>
-          </a:p>
-          <a:p>
-            <a:endParaRPr lang="it-IT" sz="2400" dirty="0"/>
-          </a:p>
-          <a:p>
-            <a:endParaRPr lang="it-IT" sz="2400" dirty="0"/>
-          </a:p>
-          <a:p>
-            <a:endParaRPr lang="it-IT" sz="2400" dirty="0"/>
-          </a:p>
-          <a:p>
-            <a:r>
-              <a:rPr lang="it-IT" sz="2400" dirty="0" err="1"/>
-              <a:t>Add</a:t>
-            </a:r>
-            <a:r>
-              <a:rPr lang="it-IT" sz="2400" dirty="0"/>
-              <a:t> a </a:t>
-            </a:r>
-            <a:r>
-              <a:rPr lang="it-IT" sz="2400" dirty="0" err="1"/>
-              <a:t>safety</a:t>
-            </a:r>
-            <a:r>
-              <a:rPr lang="it-IT" sz="2400" dirty="0"/>
-              <a:t> </a:t>
-            </a:r>
-            <a:r>
-              <a:rPr lang="it-IT" sz="2400" dirty="0" err="1"/>
-              <a:t>layer</a:t>
-            </a:r>
-            <a:r>
-              <a:rPr lang="it-IT" sz="2400" dirty="0"/>
-              <a:t> in-</a:t>
-            </a:r>
-            <a:r>
-              <a:rPr lang="it-IT" sz="2400" dirty="0" err="1"/>
-              <a:t>between</a:t>
-            </a:r>
-            <a:r>
-              <a:rPr lang="it-IT" sz="2400" dirty="0"/>
-              <a:t> Layer 7 and Layer 4 </a:t>
-            </a:r>
-            <a:r>
-              <a:rPr lang="it-IT" sz="2400" dirty="0" err="1"/>
-              <a:t>conversations</a:t>
-            </a:r>
-            <a:endParaRPr lang="it-IT" sz="2400" dirty="0"/>
-          </a:p>
-          <a:p>
-            <a:pPr lvl="1"/>
-            <a:r>
-              <a:rPr lang="it-IT" sz="2000" dirty="0"/>
-              <a:t>Parties can prove </a:t>
-            </a:r>
-            <a:r>
-              <a:rPr lang="it-IT" sz="2000" dirty="0" err="1"/>
-              <a:t>their</a:t>
-            </a:r>
-            <a:r>
-              <a:rPr lang="it-IT" sz="2000" dirty="0"/>
-              <a:t> </a:t>
-            </a:r>
-            <a:r>
-              <a:rPr lang="it-IT" sz="2000" dirty="0" err="1"/>
-              <a:t>identity</a:t>
-            </a:r>
-            <a:endParaRPr lang="it-IT" sz="2000" dirty="0"/>
-          </a:p>
-          <a:p>
-            <a:pPr lvl="1"/>
-            <a:r>
-              <a:rPr lang="it-IT" sz="2000" dirty="0"/>
-              <a:t>Parties can talk </a:t>
-            </a:r>
-            <a:r>
-              <a:rPr lang="it-IT" sz="2000" dirty="0" err="1"/>
-              <a:t>confidentially</a:t>
-            </a:r>
-            <a:endParaRPr lang="it-IT" sz="2000" dirty="0"/>
-          </a:p>
-          <a:p>
-            <a:pPr lvl="1"/>
-            <a:r>
-              <a:rPr lang="it-IT" sz="2000" dirty="0"/>
-              <a:t>Parties can talk with no tampering</a:t>
-            </a:r>
-          </a:p>
-          <a:p>
-            <a:endParaRPr lang="it-IT" sz="2400" dirty="0"/>
-          </a:p>
-        </p:txBody>
-      </p:sp>
-    </p:spTree>
-    <p:extLst>
-      <p:ext uri="{BB962C8B-B14F-4D97-AF65-F5344CB8AC3E}">
-        <p14:creationId xmlns:p14="http://schemas.microsoft.com/office/powerpoint/2010/main" val="2870853085"/>
       </p:ext>
     </p:extLst>
   </p:cSld>
@@ -14415,7 +15746,7 @@
               <a:rPr lang="it-IT" dirty="0">
                 <a:effectLst/>
               </a:rPr>
-              <a:t> </a:t>
+              <a:t> TLS/</a:t>
             </a:r>
             <a:r>
               <a:rPr lang="it-IT" dirty="0" err="1"/>
@@ -14446,22 +15777,37 @@
             </a:r>
           </a:p>
           <a:p>
-            <a:endParaRPr lang="it-IT" dirty="0"/>
-          </a:p>
-          <a:p>
             <a:r>
               <a:rPr lang="it-IT" dirty="0"/>
               <a:t>CRIME</a:t>
             </a:r>
           </a:p>
           <a:p>
-            <a:endParaRPr lang="it-IT" dirty="0"/>
-          </a:p>
-          <a:p>
             <a:r>
               <a:rPr lang="it-IT" dirty="0"/>
               <a:t>BREACH</a:t>
             </a:r>
+          </a:p>
+          <a:p>
+            <a:r>
+              <a:rPr lang="it-IT" dirty="0"/>
+              <a:t>POODLE</a:t>
+            </a:r>
+          </a:p>
+          <a:p>
+            <a:r>
+              <a:rPr lang="it-IT" dirty="0"/>
+              <a:t>HEARTBLEED</a:t>
+            </a:r>
+          </a:p>
+          <a:p>
+            <a:r>
+              <a:rPr lang="it-IT" dirty="0"/>
+              <a:t>DROWN…</a:t>
+            </a:r>
+          </a:p>
+          <a:p>
+            <a:endParaRPr lang="it-IT" dirty="0"/>
           </a:p>
         </p:txBody>
       </p:sp>
@@ -14487,8 +15833,8 @@
         </p:blipFill>
         <p:spPr>
           <a:xfrm>
-            <a:off x="2771800" y="1916832"/>
-            <a:ext cx="5909057" cy="3500592"/>
+            <a:off x="3332627" y="1916832"/>
+            <a:ext cx="5348230" cy="3168352"/>
           </a:xfrm>
           <a:prstGeom prst="rect">
             <a:avLst/>

--- a/slides/SSL.pptx
+++ b/slides/SSL.pptx
@@ -5,10 +5,10 @@
     <p:sldMasterId id="2147483949" r:id="rId1"/>
   </p:sldMasterIdLst>
   <p:notesMasterIdLst>
-    <p:notesMasterId r:id="rId23"/>
+    <p:notesMasterId r:id="rId24"/>
   </p:notesMasterIdLst>
   <p:handoutMasterIdLst>
-    <p:handoutMasterId r:id="rId24"/>
+    <p:handoutMasterId r:id="rId25"/>
   </p:handoutMasterIdLst>
   <p:sldIdLst>
     <p:sldId id="285" r:id="rId2"/>
@@ -32,8 +32,9 @@
     <p:sldId id="299" r:id="rId20"/>
     <p:sldId id="300" r:id="rId21"/>
     <p:sldId id="294" r:id="rId22"/>
+    <p:sldId id="307" r:id="rId23"/>
   </p:sldIdLst>
-  <p:sldSz cx="9144000" cy="6858000" type="screen4x3"/>
+  <p:sldSz cx="12192000" cy="6858000"/>
   <p:notesSz cx="6858000" cy="9144000"/>
   <p:defaultTextStyle>
     <a:defPPr>
@@ -163,12 +164,12 @@
   <p:extLst>
     <p:ext uri="{EFAFB233-063F-42B5-8137-9DF3F51BA10A}">
       <p15:sldGuideLst xmlns:p15="http://schemas.microsoft.com/office/powerpoint/2012/main">
-        <p15:guide id="1" orient="horz" pos="2160">
+        <p15:guide id="1" orient="horz" pos="2160" userDrawn="1">
           <p15:clr>
             <a:srgbClr val="A4A3A4"/>
           </p15:clr>
         </p15:guide>
-        <p15:guide id="2" pos="2880">
+        <p15:guide id="2" pos="3840" userDrawn="1">
           <p15:clr>
             <a:srgbClr val="A4A3A4"/>
           </p15:clr>
@@ -6783,8 +6784,8 @@
         </p:nvSpPr>
         <p:spPr bwMode="auto">
           <a:xfrm>
-            <a:off x="1143000" y="685800"/>
-            <a:ext cx="4572000" cy="3429000"/>
+            <a:off x="381000" y="685800"/>
+            <a:ext cx="6096000" cy="3429000"/>
           </a:xfrm>
           <a:prstGeom prst="rect">
             <a:avLst/>
@@ -7143,6 +7144,10 @@
           </p:nvPr>
         </p:nvSpPr>
         <p:spPr>
+          <a:xfrm>
+            <a:off x="381000" y="685800"/>
+            <a:ext cx="6096000" cy="3429000"/>
+          </a:xfrm>
           <a:ln/>
         </p:spPr>
       </p:sp>
@@ -7405,7 +7410,12 @@
             <p:ph type="sldImg"/>
           </p:nvPr>
         </p:nvSpPr>
-        <p:spPr/>
+        <p:spPr>
+          <a:xfrm>
+            <a:off x="381000" y="685800"/>
+            <a:ext cx="6096000" cy="3429000"/>
+          </a:xfrm>
+        </p:spPr>
       </p:sp>
       <p:sp>
         <p:nvSpPr>
@@ -7495,8 +7505,8 @@
         </p:nvSpPr>
         <p:spPr bwMode="auto">
           <a:xfrm>
-            <a:off x="514350" y="5349902"/>
-            <a:ext cx="8629650" cy="2381"/>
+            <a:off x="685800" y="5349903"/>
+            <a:ext cx="11506200" cy="2381"/>
           </a:xfrm>
           <a:prstGeom prst="line">
             <a:avLst/>
@@ -7552,8 +7562,8 @@
         </p:nvSpPr>
         <p:spPr>
           <a:xfrm>
-            <a:off x="381000" y="4853411"/>
-            <a:ext cx="8458200" cy="1222375"/>
+            <a:off x="508000" y="4853412"/>
+            <a:ext cx="11277600" cy="1222375"/>
           </a:xfrm>
         </p:spPr>
         <p:txBody>
@@ -7590,8 +7600,8 @@
         </p:nvSpPr>
         <p:spPr>
           <a:xfrm>
-            <a:off x="381000" y="3886200"/>
-            <a:ext cx="8458200" cy="914400"/>
+            <a:off x="508000" y="3886200"/>
+            <a:ext cx="11277600" cy="914400"/>
           </a:xfrm>
         </p:spPr>
         <p:txBody>
@@ -7705,8 +7715,8 @@
         </p:nvSpPr>
         <p:spPr>
           <a:xfrm>
-            <a:off x="8229600" y="6473825"/>
-            <a:ext cx="758825" cy="247650"/>
+            <a:off x="10972801" y="6473825"/>
+            <a:ext cx="1011767" cy="247650"/>
           </a:xfrm>
         </p:spPr>
         <p:txBody>
@@ -7963,8 +7973,8 @@
         </p:nvSpPr>
         <p:spPr>
           <a:xfrm>
-            <a:off x="6858000" y="549276"/>
-            <a:ext cx="1828800" cy="5851525"/>
+            <a:off x="9144000" y="549277"/>
+            <a:ext cx="2438400" cy="5851525"/>
           </a:xfrm>
         </p:spPr>
         <p:txBody>
@@ -7991,8 +8001,8 @@
         </p:nvSpPr>
         <p:spPr>
           <a:xfrm>
-            <a:off x="457200" y="549276"/>
-            <a:ext cx="6248400" cy="5851525"/>
+            <a:off x="609600" y="549277"/>
+            <a:ext cx="8331200" cy="5851525"/>
           </a:xfrm>
         </p:spPr>
         <p:txBody>
@@ -8264,8 +8274,8 @@
         </p:nvSpPr>
         <p:spPr>
           <a:xfrm>
-            <a:off x="3581400" y="76200"/>
-            <a:ext cx="2895600" cy="288925"/>
+            <a:off x="4775200" y="76201"/>
+            <a:ext cx="3860800" cy="288925"/>
           </a:xfrm>
         </p:spPr>
         <p:txBody>
@@ -8295,8 +8305,8 @@
         </p:nvSpPr>
         <p:spPr>
           <a:xfrm>
-            <a:off x="8229600" y="6473825"/>
-            <a:ext cx="758825" cy="247650"/>
+            <a:off x="10972801" y="6473825"/>
+            <a:ext cx="1011767" cy="247650"/>
           </a:xfrm>
         </p:spPr>
         <p:txBody>
@@ -8373,8 +8383,8 @@
         </p:nvSpPr>
         <p:spPr bwMode="auto">
           <a:xfrm>
-            <a:off x="514350" y="3444902"/>
-            <a:ext cx="8629650" cy="2381"/>
+            <a:off x="685800" y="3444903"/>
+            <a:ext cx="11506200" cy="2381"/>
           </a:xfrm>
           <a:prstGeom prst="line">
             <a:avLst/>
@@ -8430,8 +8440,8 @@
         </p:nvSpPr>
         <p:spPr>
           <a:xfrm>
-            <a:off x="381000" y="1676400"/>
-            <a:ext cx="8458200" cy="1219200"/>
+            <a:off x="508000" y="1676400"/>
+            <a:ext cx="11277600" cy="1219200"/>
           </a:xfrm>
         </p:spPr>
         <p:txBody>
@@ -8509,8 +8519,8 @@
         </p:nvSpPr>
         <p:spPr>
           <a:xfrm>
-            <a:off x="180475" y="2947085"/>
-            <a:ext cx="8686800" cy="1184825"/>
+            <a:off x="240633" y="2947086"/>
+            <a:ext cx="11582400" cy="1184825"/>
           </a:xfrm>
         </p:spPr>
         <p:txBody>
@@ -8656,8 +8666,8 @@
         </p:nvSpPr>
         <p:spPr>
           <a:xfrm>
-            <a:off x="301752" y="457200"/>
-            <a:ext cx="8686800" cy="841248"/>
+            <a:off x="402336" y="457200"/>
+            <a:ext cx="11582400" cy="841248"/>
           </a:xfrm>
         </p:spPr>
         <p:txBody>
@@ -8684,8 +8694,8 @@
         </p:nvSpPr>
         <p:spPr>
           <a:xfrm>
-            <a:off x="304800" y="1600200"/>
-            <a:ext cx="4191000" cy="4724400"/>
+            <a:off x="406400" y="1600200"/>
+            <a:ext cx="5588000" cy="4724400"/>
           </a:xfrm>
         </p:spPr>
         <p:txBody>
@@ -8757,8 +8767,8 @@
         </p:nvSpPr>
         <p:spPr>
           <a:xfrm>
-            <a:off x="4648200" y="1600200"/>
-            <a:ext cx="4343400" cy="4724400"/>
+            <a:off x="6197600" y="1600200"/>
+            <a:ext cx="5791200" cy="4724400"/>
           </a:xfrm>
         </p:spPr>
         <p:txBody>
@@ -8943,8 +8953,8 @@
         </p:nvSpPr>
         <p:spPr bwMode="auto">
           <a:xfrm>
-            <a:off x="514350" y="6019800"/>
-            <a:ext cx="8629650" cy="2381"/>
+            <a:off x="685800" y="6019801"/>
+            <a:ext cx="11506200" cy="2381"/>
           </a:xfrm>
           <a:prstGeom prst="line">
             <a:avLst/>
@@ -9000,8 +9010,8 @@
         </p:nvSpPr>
         <p:spPr>
           <a:xfrm>
-            <a:off x="304800" y="5410200"/>
-            <a:ext cx="8610600" cy="882650"/>
+            <a:off x="406400" y="5410200"/>
+            <a:ext cx="11480800" cy="882650"/>
           </a:xfrm>
         </p:spPr>
         <p:txBody>
@@ -9032,8 +9042,8 @@
         </p:nvSpPr>
         <p:spPr>
           <a:xfrm>
-            <a:off x="281444" y="666750"/>
-            <a:ext cx="4290556" cy="639762"/>
+            <a:off x="375259" y="666750"/>
+            <a:ext cx="5720741" cy="639762"/>
           </a:xfrm>
         </p:spPr>
         <p:txBody>
@@ -9090,8 +9100,8 @@
         </p:nvSpPr>
         <p:spPr>
           <a:xfrm>
-            <a:off x="4645025" y="666750"/>
-            <a:ext cx="4292241" cy="639762"/>
+            <a:off x="6193367" y="666750"/>
+            <a:ext cx="5722988" cy="639762"/>
           </a:xfrm>
         </p:spPr>
         <p:txBody>
@@ -9148,8 +9158,8 @@
         </p:nvSpPr>
         <p:spPr>
           <a:xfrm>
-            <a:off x="281444" y="1316037"/>
-            <a:ext cx="4290556" cy="3941763"/>
+            <a:off x="375259" y="1316038"/>
+            <a:ext cx="5720741" cy="3941763"/>
           </a:xfrm>
         </p:spPr>
         <p:txBody>
@@ -9221,8 +9231,8 @@
         </p:nvSpPr>
         <p:spPr>
           <a:xfrm>
-            <a:off x="4648730" y="1316037"/>
-            <a:ext cx="4288536" cy="3941763"/>
+            <a:off x="6198307" y="1316038"/>
+            <a:ext cx="5718048" cy="3941763"/>
           </a:xfrm>
         </p:spPr>
         <p:txBody>
@@ -9346,8 +9356,8 @@
         </p:nvSpPr>
         <p:spPr>
           <a:xfrm>
-            <a:off x="8229600" y="6477000"/>
-            <a:ext cx="762000" cy="247650"/>
+            <a:off x="10972800" y="6477000"/>
+            <a:ext cx="1016000" cy="247650"/>
           </a:xfrm>
         </p:spPr>
         <p:txBody>
@@ -9414,8 +9424,8 @@
         </p:nvSpPr>
         <p:spPr>
           <a:xfrm>
-            <a:off x="301752" y="457200"/>
-            <a:ext cx="8686800" cy="841248"/>
+            <a:off x="402336" y="457200"/>
+            <a:ext cx="11582400" cy="841248"/>
           </a:xfrm>
         </p:spPr>
         <p:txBody>
@@ -9670,8 +9680,8 @@
         </p:nvSpPr>
         <p:spPr bwMode="auto">
           <a:xfrm>
-            <a:off x="514350" y="5849117"/>
-            <a:ext cx="8629650" cy="2381"/>
+            <a:off x="685800" y="5849118"/>
+            <a:ext cx="11506200" cy="2381"/>
           </a:xfrm>
           <a:prstGeom prst="line">
             <a:avLst/>
@@ -9727,8 +9737,8 @@
         </p:nvSpPr>
         <p:spPr>
           <a:xfrm>
-            <a:off x="457200" y="5486400"/>
-            <a:ext cx="8458200" cy="520700"/>
+            <a:off x="609600" y="5486400"/>
+            <a:ext cx="11277600" cy="520700"/>
           </a:xfrm>
         </p:spPr>
         <p:txBody>
@@ -9760,8 +9770,8 @@
         </p:nvSpPr>
         <p:spPr>
           <a:xfrm>
-            <a:off x="457200" y="609600"/>
-            <a:ext cx="3008313" cy="4800600"/>
+            <a:off x="609601" y="609600"/>
+            <a:ext cx="4011084" cy="4800600"/>
           </a:xfrm>
         </p:spPr>
         <p:txBody>
@@ -9809,8 +9819,8 @@
         </p:nvSpPr>
         <p:spPr>
           <a:xfrm>
-            <a:off x="3575050" y="609600"/>
-            <a:ext cx="5340350" cy="4800600"/>
+            <a:off x="4766733" y="609600"/>
+            <a:ext cx="7120467" cy="4800600"/>
           </a:xfrm>
         </p:spPr>
         <p:txBody>
@@ -9997,8 +10007,8 @@
         </p:nvSpPr>
         <p:spPr>
           <a:xfrm>
-            <a:off x="3505200" y="616634"/>
-            <a:ext cx="5029200" cy="3657600"/>
+            <a:off x="4673600" y="616634"/>
+            <a:ext cx="6705600" cy="3657600"/>
           </a:xfrm>
           <a:solidFill>
             <a:schemeClr val="bg1"/>
@@ -10044,8 +10054,8 @@
         </p:nvSpPr>
         <p:spPr>
           <a:xfrm>
-            <a:off x="381000" y="4993760"/>
-            <a:ext cx="5867400" cy="522288"/>
+            <a:off x="508000" y="4993760"/>
+            <a:ext cx="7823200" cy="522288"/>
           </a:xfrm>
         </p:spPr>
         <p:txBody>
@@ -10077,8 +10087,8 @@
         </p:nvSpPr>
         <p:spPr>
           <a:xfrm>
-            <a:off x="381000" y="5533218"/>
-            <a:ext cx="5867400" cy="768350"/>
+            <a:off x="508000" y="5533218"/>
+            <a:ext cx="7823200" cy="768350"/>
           </a:xfrm>
         </p:spPr>
         <p:txBody>
@@ -10247,8 +10257,8 @@
         </p:nvSpPr>
         <p:spPr bwMode="auto">
           <a:xfrm>
-            <a:off x="514350" y="1050898"/>
-            <a:ext cx="8629650" cy="2381"/>
+            <a:off x="685800" y="1050899"/>
+            <a:ext cx="11506200" cy="2381"/>
           </a:xfrm>
           <a:prstGeom prst="line">
             <a:avLst/>
@@ -10304,8 +10314,8 @@
         </p:nvSpPr>
         <p:spPr bwMode="auto">
           <a:xfrm>
-            <a:off x="304800" y="1554163"/>
-            <a:ext cx="8686800" cy="4525962"/>
+            <a:off x="406400" y="1554163"/>
+            <a:ext cx="11582400" cy="4525962"/>
           </a:xfrm>
           <a:prstGeom prst="rect">
             <a:avLst/>
@@ -10391,8 +10401,8 @@
         </p:nvSpPr>
         <p:spPr>
           <a:xfrm>
-            <a:off x="6477000" y="76200"/>
-            <a:ext cx="2514600" cy="288925"/>
+            <a:off x="8636000" y="76201"/>
+            <a:ext cx="3352800" cy="288925"/>
           </a:xfrm>
           <a:prstGeom prst="rect">
             <a:avLst/>
@@ -10432,8 +10442,8 @@
         </p:nvSpPr>
         <p:spPr>
           <a:xfrm>
-            <a:off x="3124200" y="76200"/>
-            <a:ext cx="3352800" cy="288925"/>
+            <a:off x="4165600" y="76201"/>
+            <a:ext cx="4470400" cy="288925"/>
           </a:xfrm>
           <a:prstGeom prst="rect">
             <a:avLst/>
@@ -10473,8 +10483,8 @@
         </p:nvSpPr>
         <p:spPr>
           <a:xfrm>
-            <a:off x="8229600" y="6477000"/>
-            <a:ext cx="762000" cy="244475"/>
+            <a:off x="10972800" y="6477001"/>
+            <a:ext cx="1016000" cy="244475"/>
           </a:xfrm>
           <a:prstGeom prst="rect">
             <a:avLst/>
@@ -10522,8 +10532,8 @@
         </p:nvSpPr>
         <p:spPr>
           <a:xfrm>
-            <a:off x="304800" y="457200"/>
-            <a:ext cx="8686800" cy="838200"/>
+            <a:off x="406400" y="457200"/>
+            <a:ext cx="11582400" cy="838200"/>
           </a:xfrm>
           <a:prstGeom prst="rect">
             <a:avLst/>
@@ -10553,8 +10563,8 @@
         </p:nvSpPr>
         <p:spPr bwMode="auto">
           <a:xfrm>
-            <a:off x="514350" y="1050898"/>
-            <a:ext cx="8629650" cy="2381"/>
+            <a:off x="685800" y="1050899"/>
+            <a:ext cx="11506200" cy="2381"/>
           </a:xfrm>
           <a:prstGeom prst="line">
             <a:avLst/>
@@ -10608,8 +10618,8 @@
         </p:nvSpPr>
         <p:spPr bwMode="auto">
           <a:xfrm>
-            <a:off x="514350" y="1057986"/>
-            <a:ext cx="8629650" cy="2381"/>
+            <a:off x="685800" y="1057987"/>
+            <a:ext cx="11506200" cy="2381"/>
           </a:xfrm>
           <a:prstGeom prst="line">
             <a:avLst/>
@@ -11116,7 +11126,7 @@
         </p:nvSpPr>
         <p:spPr>
           <a:xfrm>
-            <a:off x="385232" y="1700808"/>
+            <a:off x="1909232" y="1700808"/>
             <a:ext cx="8458200" cy="1656184"/>
           </a:xfrm>
         </p:spPr>
@@ -11161,7 +11171,7 @@
         </p:nvSpPr>
         <p:spPr>
           <a:xfrm>
-            <a:off x="385232" y="548680"/>
+            <a:off x="1909232" y="548680"/>
             <a:ext cx="8458200" cy="914400"/>
           </a:xfrm>
         </p:spPr>
@@ -11175,8 +11185,6 @@
               <a:spcAft>
                 <a:spcPts val="0"/>
               </a:spcAft>
-              <a:buFont typeface="Wingdings 2"/>
-              <a:buNone/>
               <a:defRPr/>
             </a:pPr>
             <a:r>
@@ -11208,7 +11216,7 @@
         </p:blipFill>
         <p:spPr>
           <a:xfrm rot="21153256">
-            <a:off x="615821" y="3407268"/>
+            <a:off x="2139821" y="3407268"/>
             <a:ext cx="4669656" cy="1480948"/>
           </a:xfrm>
           <a:prstGeom prst="rect">
@@ -11470,7 +11478,7 @@
         </p:blipFill>
         <p:spPr bwMode="auto">
           <a:xfrm>
-            <a:off x="904875" y="4005064"/>
+            <a:off x="2428875" y="4005064"/>
             <a:ext cx="7334250" cy="1600200"/>
           </a:xfrm>
           <a:prstGeom prst="rect">
@@ -11536,7 +11544,7 @@
         </p:nvSpPr>
         <p:spPr>
           <a:xfrm>
-            <a:off x="4815349" y="1314450"/>
+            <a:off x="6339350" y="1314450"/>
             <a:ext cx="3841955" cy="1428750"/>
           </a:xfrm>
         </p:spPr>
@@ -11573,7 +11581,7 @@
         </p:nvSpPr>
         <p:spPr>
           <a:xfrm>
-            <a:off x="4815349" y="2743200"/>
+            <a:off x="6339350" y="2743200"/>
             <a:ext cx="3841955" cy="3206080"/>
           </a:xfrm>
         </p:spPr>
@@ -11658,7 +11666,7 @@
         </p:blipFill>
         <p:spPr>
           <a:xfrm>
-            <a:off x="483280" y="2996952"/>
+            <a:off x="2007280" y="2996953"/>
             <a:ext cx="4088720" cy="2057689"/>
           </a:xfrm>
           <a:prstGeom prst="roundRect">
@@ -11705,7 +11713,7 @@
         </p:blipFill>
         <p:spPr>
           <a:xfrm>
-            <a:off x="2061743" y="1443659"/>
+            <a:off x="3585744" y="1443660"/>
             <a:ext cx="931793" cy="931793"/>
           </a:xfrm>
           <a:prstGeom prst="rect">
@@ -11732,7 +11740,7 @@
         </p:nvSpPr>
         <p:spPr>
           <a:xfrm>
-            <a:off x="-468560" y="107784"/>
+            <a:off x="1055441" y="107784"/>
             <a:ext cx="3841955" cy="1428750"/>
           </a:xfrm>
           <a:prstGeom prst="rect">
@@ -11934,7 +11942,7 @@
         </p:nvSpPr>
         <p:spPr>
           <a:xfrm>
-            <a:off x="0" y="134325"/>
+            <a:off x="1524000" y="134325"/>
             <a:ext cx="9144000" cy="1428750"/>
           </a:xfrm>
         </p:spPr>
@@ -11976,7 +11984,7 @@
         </p:nvSpPr>
         <p:spPr>
           <a:xfrm>
-            <a:off x="293362" y="2204864"/>
+            <a:off x="1817363" y="2204865"/>
             <a:ext cx="3905729" cy="2757305"/>
           </a:xfrm>
           <a:prstGeom prst="rect">
@@ -12490,7 +12498,7 @@
         </p:blipFill>
         <p:spPr>
           <a:xfrm>
-            <a:off x="4388123" y="2494575"/>
+            <a:off x="5912123" y="2494575"/>
             <a:ext cx="4087800" cy="2089398"/>
           </a:xfrm>
           <a:prstGeom prst="roundRect">
@@ -12537,7 +12545,7 @@
         </p:blipFill>
         <p:spPr>
           <a:xfrm>
-            <a:off x="5966273" y="1563075"/>
+            <a:off x="7490273" y="1563075"/>
             <a:ext cx="931500" cy="931500"/>
           </a:xfrm>
           <a:prstGeom prst="rect">
@@ -12616,7 +12624,7 @@
         </p:blipFill>
         <p:spPr>
           <a:xfrm>
-            <a:off x="683568" y="1916832"/>
+            <a:off x="2207568" y="1916832"/>
             <a:ext cx="7823092" cy="3168352"/>
           </a:xfrm>
           <a:prstGeom prst="rect">
@@ -12632,7 +12640,7 @@
         </p:nvSpPr>
         <p:spPr>
           <a:xfrm>
-            <a:off x="656888" y="5229200"/>
+            <a:off x="2180888" y="5229200"/>
             <a:ext cx="7823092" cy="1296144"/>
           </a:xfrm>
           <a:prstGeom prst="rect">
@@ -12697,7 +12705,7 @@
         </p:nvSpPr>
         <p:spPr>
           <a:xfrm>
-            <a:off x="683568" y="2492896"/>
+            <a:off x="2207568" y="2492896"/>
             <a:ext cx="1944216" cy="576064"/>
           </a:xfrm>
           <a:prstGeom prst="roundRect">
@@ -12743,7 +12751,7 @@
         </p:nvSpPr>
         <p:spPr>
           <a:xfrm>
-            <a:off x="6732240" y="3861048"/>
+            <a:off x="8256240" y="3861048"/>
             <a:ext cx="1368152" cy="455464"/>
           </a:xfrm>
           <a:prstGeom prst="roundRect">
@@ -12997,7 +13005,7 @@
         </p:nvSpPr>
         <p:spPr>
           <a:xfrm>
-            <a:off x="304800" y="1554162"/>
+            <a:off x="1828800" y="1554163"/>
             <a:ext cx="8686800" cy="5043189"/>
           </a:xfrm>
         </p:spPr>
@@ -13121,7 +13129,7 @@
         </p:blipFill>
         <p:spPr>
           <a:xfrm>
-            <a:off x="740913" y="1628800"/>
+            <a:off x="2264913" y="1628800"/>
             <a:ext cx="7814574" cy="4112094"/>
           </a:xfrm>
           <a:prstGeom prst="rect">
@@ -13137,7 +13145,7 @@
         </p:nvSpPr>
         <p:spPr>
           <a:xfrm rot="371666">
-            <a:off x="1346902" y="4831336"/>
+            <a:off x="2870903" y="4831337"/>
             <a:ext cx="1989411" cy="390531"/>
           </a:xfrm>
           <a:prstGeom prst="wedgeRectCallout">
@@ -13346,7 +13354,7 @@
           </p:nvPr>
         </p:nvGraphicFramePr>
         <p:xfrm>
-          <a:off x="-2268760" y="1556792"/>
+          <a:off x="-744760" y="1556792"/>
           <a:ext cx="8686800" cy="4525962"/>
         </p:xfrm>
         <a:graphic>
@@ -13365,7 +13373,7 @@
         </p:nvSpPr>
         <p:spPr bwMode="auto">
           <a:xfrm>
-            <a:off x="3927805" y="1284514"/>
+            <a:off x="5451805" y="1284515"/>
             <a:ext cx="5076056" cy="5558837"/>
           </a:xfrm>
           <a:prstGeom prst="rect">
@@ -13731,7 +13739,7 @@
           </p:nvPr>
         </p:nvGraphicFramePr>
         <p:xfrm>
-          <a:off x="304800" y="1700808"/>
+          <a:off x="1828800" y="1700808"/>
           <a:ext cx="8686800" cy="4525962"/>
         </p:xfrm>
         <a:graphic>
@@ -13756,7 +13764,7 @@
         </p:nvSpPr>
         <p:spPr bwMode="auto">
           <a:xfrm>
-            <a:off x="4419600" y="3276600"/>
+            <a:off x="5943600" y="3276600"/>
             <a:ext cx="304800" cy="304800"/>
           </a:xfrm>
           <a:prstGeom prst="rect">
@@ -13898,7 +13906,7 @@
         </p:blipFill>
         <p:spPr bwMode="auto">
           <a:xfrm>
-            <a:off x="323528" y="1916832"/>
+            <a:off x="1847528" y="1916833"/>
             <a:ext cx="8432220" cy="3543275"/>
           </a:xfrm>
           <a:prstGeom prst="rect">
@@ -13993,7 +14001,7 @@
         </p:nvSpPr>
         <p:spPr>
           <a:xfrm>
-            <a:off x="179512" y="1554163"/>
+            <a:off x="1703512" y="1554163"/>
             <a:ext cx="8812088" cy="4525962"/>
           </a:xfrm>
         </p:spPr>
@@ -14275,7 +14283,7 @@
         </p:nvSpPr>
         <p:spPr>
           <a:xfrm>
-            <a:off x="206624" y="6077676"/>
+            <a:off x="1730624" y="6077676"/>
             <a:ext cx="8784976" cy="646248"/>
           </a:xfrm>
         </p:spPr>
@@ -14324,7 +14332,7 @@
         </p:blipFill>
         <p:spPr bwMode="auto">
           <a:xfrm>
-            <a:off x="1619672" y="260648"/>
+            <a:off x="3143672" y="260648"/>
             <a:ext cx="5760640" cy="5492378"/>
           </a:xfrm>
           <a:prstGeom prst="rect">
@@ -14482,6 +14490,106 @@
 </p:sld>
 </file>
 
+<file path=ppt/slides/slide22.xml><?xml version="1.0" encoding="utf-8"?>
+<p:sld xmlns:a="http://schemas.openxmlformats.org/drawingml/2006/main" xmlns:r="http://schemas.openxmlformats.org/officeDocument/2006/relationships" xmlns:p="http://schemas.openxmlformats.org/presentationml/2006/main">
+  <p:cSld>
+    <p:spTree>
+      <p:nvGrpSpPr>
+        <p:cNvPr id="1" name=""/>
+        <p:cNvGrpSpPr/>
+        <p:nvPr/>
+      </p:nvGrpSpPr>
+      <p:grpSpPr>
+        <a:xfrm>
+          <a:off x="0" y="0"/>
+          <a:ext cx="0" cy="0"/>
+          <a:chOff x="0" y="0"/>
+          <a:chExt cx="0" cy="0"/>
+        </a:xfrm>
+      </p:grpSpPr>
+      <p:sp>
+        <p:nvSpPr>
+          <p:cNvPr id="2" name="Title 1">
+            <a:extLst>
+              <a:ext uri="{FF2B5EF4-FFF2-40B4-BE49-F238E27FC236}">
+                <a16:creationId xmlns:a16="http://schemas.microsoft.com/office/drawing/2014/main" id="{DD1BF0B9-15BC-407A-B887-3A5B7693E505}"/>
+              </a:ext>
+            </a:extLst>
+          </p:cNvPr>
+          <p:cNvSpPr>
+            <a:spLocks noGrp="1"/>
+          </p:cNvSpPr>
+          <p:nvPr>
+            <p:ph type="title"/>
+          </p:nvPr>
+        </p:nvSpPr>
+        <p:spPr/>
+        <p:txBody>
+          <a:bodyPr/>
+          <a:lstStyle/>
+          <a:p>
+            <a:r>
+              <a:rPr lang="en-US" dirty="0"/>
+              <a:t>The LESSONS TO LEARN</a:t>
+            </a:r>
+            <a:endParaRPr lang="it-IT" dirty="0"/>
+          </a:p>
+        </p:txBody>
+      </p:sp>
+      <p:sp>
+        <p:nvSpPr>
+          <p:cNvPr id="3" name="Content Placeholder 2">
+            <a:extLst>
+              <a:ext uri="{FF2B5EF4-FFF2-40B4-BE49-F238E27FC236}">
+                <a16:creationId xmlns:a16="http://schemas.microsoft.com/office/drawing/2014/main" id="{CD0472E2-9276-413B-8E48-757F555FDF73}"/>
+              </a:ext>
+            </a:extLst>
+          </p:cNvPr>
+          <p:cNvSpPr>
+            <a:spLocks noGrp="1"/>
+          </p:cNvSpPr>
+          <p:nvPr>
+            <p:ph idx="1"/>
+          </p:nvPr>
+        </p:nvSpPr>
+        <p:spPr/>
+        <p:txBody>
+          <a:bodyPr/>
+          <a:lstStyle/>
+          <a:p>
+            <a:r>
+              <a:rPr lang="en-US" dirty="0"/>
+              <a:t>Follow updates on TLS security very carefully</a:t>
+            </a:r>
+          </a:p>
+          <a:p>
+            <a:r>
+              <a:rPr lang="en-US" dirty="0"/>
+              <a:t>Balance compatibility with security</a:t>
+            </a:r>
+          </a:p>
+          <a:p>
+            <a:r>
+              <a:rPr lang="en-US" dirty="0"/>
+              <a:t>HTTP must be deprecated ALWAYS, not just for what you believe is a “delicate” web site</a:t>
+            </a:r>
+            <a:endParaRPr lang="it-IT" dirty="0"/>
+          </a:p>
+        </p:txBody>
+      </p:sp>
+    </p:spTree>
+    <p:extLst>
+      <p:ext uri="{BB962C8B-B14F-4D97-AF65-F5344CB8AC3E}">
+        <p14:creationId xmlns:p14="http://schemas.microsoft.com/office/powerpoint/2010/main" val="213110330"/>
+      </p:ext>
+    </p:extLst>
+  </p:cSld>
+  <p:clrMapOvr>
+    <a:masterClrMapping/>
+  </p:clrMapOvr>
+</p:sld>
+</file>
+
 <file path=ppt/slides/slide3.xml><?xml version="1.0" encoding="utf-8"?>
 <p:sld xmlns:a="http://schemas.openxmlformats.org/drawingml/2006/main" xmlns:r="http://schemas.openxmlformats.org/officeDocument/2006/relationships" xmlns:p="http://schemas.openxmlformats.org/presentationml/2006/main">
   <p:cSld>
@@ -14567,7 +14675,7 @@
         </p:nvSpPr>
         <p:spPr>
           <a:xfrm>
-            <a:off x="467544" y="5197732"/>
+            <a:off x="1991544" y="5197732"/>
             <a:ext cx="6048466" cy="369332"/>
           </a:xfrm>
           <a:prstGeom prst="rect">
@@ -14618,7 +14726,7 @@
         </p:blipFill>
         <p:spPr bwMode="auto">
           <a:xfrm>
-            <a:off x="147638" y="1885950"/>
+            <a:off x="1671639" y="1885950"/>
             <a:ext cx="8848725" cy="3086100"/>
           </a:xfrm>
           <a:prstGeom prst="rect">
@@ -14711,7 +14819,7 @@
         </p:blipFill>
         <p:spPr>
           <a:xfrm>
-            <a:off x="2915816" y="1554163"/>
+            <a:off x="4439816" y="1554164"/>
             <a:ext cx="3789082" cy="5117891"/>
           </a:xfrm>
           <a:prstGeom prst="rect">
@@ -14832,7 +14940,7 @@
         </p:blipFill>
         <p:spPr bwMode="auto">
           <a:xfrm>
-            <a:off x="683568" y="2015275"/>
+            <a:off x="2207569" y="2015276"/>
             <a:ext cx="8052149" cy="2925893"/>
           </a:xfrm>
           <a:prstGeom prst="rect">
@@ -14940,7 +15048,7 @@
         </p:blipFill>
         <p:spPr bwMode="auto">
           <a:xfrm>
-            <a:off x="1547664" y="1844824"/>
+            <a:off x="3071664" y="1844825"/>
             <a:ext cx="5054142" cy="3808347"/>
           </a:xfrm>
           <a:prstGeom prst="rect">
@@ -14972,7 +15080,7 @@
         </p:nvCxnSpPr>
         <p:spPr>
           <a:xfrm flipH="1">
-            <a:off x="4572000" y="1556792"/>
+            <a:off x="6096000" y="1556793"/>
             <a:ext cx="2808312" cy="692593"/>
           </a:xfrm>
           <a:prstGeom prst="straightConnector1">
@@ -15011,7 +15119,7 @@
         </p:nvSpPr>
         <p:spPr>
           <a:xfrm>
-            <a:off x="6876256" y="1718422"/>
+            <a:off x="8400257" y="1718422"/>
             <a:ext cx="1928733" cy="369332"/>
           </a:xfrm>
           <a:prstGeom prst="rect">
@@ -15047,7 +15155,7 @@
         </p:nvSpPr>
         <p:spPr>
           <a:xfrm>
-            <a:off x="395536" y="6017929"/>
+            <a:off x="1919536" y="6017929"/>
             <a:ext cx="3300904" cy="369332"/>
           </a:xfrm>
           <a:prstGeom prst="rect">
@@ -15137,7 +15245,7 @@
         </p:nvSpPr>
         <p:spPr>
           <a:xfrm>
-            <a:off x="5217538" y="1554163"/>
+            <a:off x="6741538" y="1554163"/>
             <a:ext cx="3926462" cy="4525962"/>
           </a:xfrm>
         </p:spPr>
@@ -15425,7 +15533,7 @@
         </p:blipFill>
         <p:spPr>
           <a:xfrm>
-            <a:off x="304800" y="2420888"/>
+            <a:off x="1828800" y="2420888"/>
             <a:ext cx="4843264" cy="3003996"/>
           </a:xfrm>
           <a:prstGeom prst="rect">
@@ -15679,7 +15787,7 @@
         </p:blipFill>
         <p:spPr>
           <a:xfrm>
-            <a:off x="339080" y="5214018"/>
+            <a:off x="1863080" y="5214019"/>
             <a:ext cx="8497540" cy="866107"/>
           </a:xfrm>
           <a:prstGeom prst="rect">
@@ -15833,7 +15941,7 @@
         </p:blipFill>
         <p:spPr>
           <a:xfrm>
-            <a:off x="3332627" y="1916832"/>
+            <a:off x="4856627" y="1916832"/>
             <a:ext cx="5348230" cy="3168352"/>
           </a:xfrm>
           <a:prstGeom prst="rect">

--- a/slides/SSL.pptx
+++ b/slides/SSL.pptx
@@ -15937,8 +15937,8 @@
         </p:blipFill>
         <p:spPr>
           <a:xfrm>
-            <a:off x="5912123" y="2494574"/>
-            <a:ext cx="4523636" cy="2312167"/>
+            <a:off x="5912122" y="2494574"/>
+            <a:ext cx="5772795" cy="2950650"/>
           </a:xfrm>
           <a:prstGeom prst="roundRect">
             <a:avLst>
@@ -15978,8 +15978,8 @@
         </p:nvSpPr>
         <p:spPr>
           <a:xfrm>
-            <a:off x="1199457" y="2204865"/>
-            <a:ext cx="4523636" cy="3168351"/>
+            <a:off x="479376" y="2204865"/>
+            <a:ext cx="5243717" cy="3744415"/>
           </a:xfrm>
           <a:prstGeom prst="rect">
             <a:avLst/>
@@ -16632,6 +16632,9 @@
                 <a:solidFill>
                   <a:srgbClr val="FF0000"/>
                 </a:solidFill>
+                <a:highlight>
+                  <a:srgbClr val="FFFF00"/>
+                </a:highlight>
               </a:rPr>
               <a:t>This makes the IV predictable.</a:t>
             </a:r>
@@ -16639,6 +16642,9 @@
               <a:solidFill>
                 <a:srgbClr val="FF0000"/>
               </a:solidFill>
+              <a:highlight>
+                <a:srgbClr val="FFFF00"/>
+              </a:highlight>
             </a:endParaRPr>
           </a:p>
         </p:txBody>
@@ -16970,7 +16976,7 @@
             </a:r>
             <a:r>
               <a:rPr lang="en-US" sz="2600" dirty="0"/>
-              <a:t>the attacker knows the last block of the last encrypted message can then try to guess the plaintext.</a:t>
+              <a:t>the attackers know the last block of the last encrypted message they can then try to guess the plaintext.</a:t>
             </a:r>
           </a:p>
           <a:p>
@@ -17750,7 +17756,7 @@
             <a:pPr lvl="1" algn="just"/>
             <a:r>
               <a:rPr lang="en-US" sz="1600" dirty="0"/>
-              <a:t>Huffman Coding, used to eliminate the redundancy of symbols</a:t>
+              <a:t>Huffman Coding, used to eliminate the redundancy in symbol length</a:t>
             </a:r>
           </a:p>
           <a:p>
